--- a/Part 2 - Equations of State/Powerpoint Slides/2-2 Activity Coefficient Models.pptx
+++ b/Part 2 - Equations of State/Powerpoint Slides/2-2 Activity Coefficient Models.pptx
@@ -5,10 +5,10 @@
     <p:sldMasterId id="2147483648" r:id="rId1"/>
   </p:sldMasterIdLst>
   <p:notesMasterIdLst>
-    <p:notesMasterId r:id="rId34"/>
+    <p:notesMasterId r:id="rId33"/>
   </p:notesMasterIdLst>
   <p:handoutMasterIdLst>
-    <p:handoutMasterId r:id="rId35"/>
+    <p:handoutMasterId r:id="rId34"/>
   </p:handoutMasterIdLst>
   <p:sldIdLst>
     <p:sldId id="364" r:id="rId2"/>
@@ -31,18 +31,17 @@
     <p:sldId id="400" r:id="rId19"/>
     <p:sldId id="401" r:id="rId20"/>
     <p:sldId id="402" r:id="rId21"/>
-    <p:sldId id="403" r:id="rId22"/>
-    <p:sldId id="404" r:id="rId23"/>
-    <p:sldId id="405" r:id="rId24"/>
-    <p:sldId id="406" r:id="rId25"/>
-    <p:sldId id="408" r:id="rId26"/>
-    <p:sldId id="407" r:id="rId27"/>
-    <p:sldId id="409" r:id="rId28"/>
-    <p:sldId id="410" r:id="rId29"/>
-    <p:sldId id="411" r:id="rId30"/>
-    <p:sldId id="412" r:id="rId31"/>
-    <p:sldId id="413" r:id="rId32"/>
-    <p:sldId id="414" r:id="rId33"/>
+    <p:sldId id="404" r:id="rId22"/>
+    <p:sldId id="405" r:id="rId23"/>
+    <p:sldId id="406" r:id="rId24"/>
+    <p:sldId id="408" r:id="rId25"/>
+    <p:sldId id="407" r:id="rId26"/>
+    <p:sldId id="409" r:id="rId27"/>
+    <p:sldId id="410" r:id="rId28"/>
+    <p:sldId id="411" r:id="rId29"/>
+    <p:sldId id="412" r:id="rId30"/>
+    <p:sldId id="413" r:id="rId31"/>
+    <p:sldId id="414" r:id="rId32"/>
   </p:sldIdLst>
   <p:sldSz cx="9144000" cy="6858000" type="screen4x3"/>
   <p:notesSz cx="6858000" cy="9144000"/>
@@ -177,7 +176,7 @@
 <file path=ppt/revisionInfo.xml><?xml version="1.0" encoding="utf-8"?>
 <p1510:revInfo xmlns:a="http://schemas.openxmlformats.org/drawingml/2006/main" xmlns:r="http://schemas.openxmlformats.org/officeDocument/2006/relationships" xmlns:p1510="http://schemas.microsoft.com/office/powerpoint/2015/10/main">
   <p1510:revLst>
-    <p1510:client id="{47801BD5-BFC9-F444-94BE-3217F420503D}" v="3385" dt="2022-08-25T01:20:42.412"/>
+    <p1510:client id="{47801BD5-BFC9-F444-94BE-3217F420503D}" v="3393" dt="2022-08-30T07:44:01.798"/>
   </p1510:revLst>
 </p1510:revInfo>
 </file>
@@ -187,7 +186,7 @@
   <pc:docChgLst>
     <pc:chgData name="Walker, Pierre" userId="5ec82070-fd5a-4f33-a108-a8f270b163b4" providerId="ADAL" clId="{47801BD5-BFC9-F444-94BE-3217F420503D}"/>
     <pc:docChg chg="undo redo custSel addSld delSld modSld sldOrd">
-      <pc:chgData name="Walker, Pierre" userId="5ec82070-fd5a-4f33-a108-a8f270b163b4" providerId="ADAL" clId="{47801BD5-BFC9-F444-94BE-3217F420503D}" dt="2022-08-25T01:21:58.781" v="8274" actId="20577"/>
+      <pc:chgData name="Walker, Pierre" userId="5ec82070-fd5a-4f33-a108-a8f270b163b4" providerId="ADAL" clId="{47801BD5-BFC9-F444-94BE-3217F420503D}" dt="2022-08-30T07:45:43.668" v="8296" actId="2696"/>
       <pc:docMkLst>
         <pc:docMk/>
       </pc:docMkLst>
@@ -427,7 +426,7 @@
         </pc:spChg>
       </pc:sldChg>
       <pc:sldChg chg="modSp add mod">
-        <pc:chgData name="Walker, Pierre" userId="5ec82070-fd5a-4f33-a108-a8f270b163b4" providerId="ADAL" clId="{47801BD5-BFC9-F444-94BE-3217F420503D}" dt="2022-08-25T00:08:15.626" v="1569"/>
+        <pc:chgData name="Walker, Pierre" userId="5ec82070-fd5a-4f33-a108-a8f270b163b4" providerId="ADAL" clId="{47801BD5-BFC9-F444-94BE-3217F420503D}" dt="2022-08-30T07:43:47.504" v="8294" actId="20577"/>
         <pc:sldMkLst>
           <pc:docMk/>
           <pc:sldMk cId="696040273" sldId="389"/>
@@ -441,7 +440,7 @@
           </ac:spMkLst>
         </pc:spChg>
         <pc:spChg chg="mod">
-          <ac:chgData name="Walker, Pierre" userId="5ec82070-fd5a-4f33-a108-a8f270b163b4" providerId="ADAL" clId="{47801BD5-BFC9-F444-94BE-3217F420503D}" dt="2022-08-25T00:08:15.626" v="1569"/>
+          <ac:chgData name="Walker, Pierre" userId="5ec82070-fd5a-4f33-a108-a8f270b163b4" providerId="ADAL" clId="{47801BD5-BFC9-F444-94BE-3217F420503D}" dt="2022-08-30T07:43:47.504" v="8294" actId="20577"/>
           <ac:spMkLst>
             <pc:docMk/>
             <pc:sldMk cId="696040273" sldId="389"/>
@@ -450,7 +449,7 @@
         </pc:spChg>
       </pc:sldChg>
       <pc:sldChg chg="modSp add mod">
-        <pc:chgData name="Walker, Pierre" userId="5ec82070-fd5a-4f33-a108-a8f270b163b4" providerId="ADAL" clId="{47801BD5-BFC9-F444-94BE-3217F420503D}" dt="2022-08-25T00:10:18.283" v="1814" actId="207"/>
+        <pc:chgData name="Walker, Pierre" userId="5ec82070-fd5a-4f33-a108-a8f270b163b4" providerId="ADAL" clId="{47801BD5-BFC9-F444-94BE-3217F420503D}" dt="2022-08-30T07:44:01.798" v="8295" actId="207"/>
         <pc:sldMkLst>
           <pc:docMk/>
           <pc:sldMk cId="532028796" sldId="390"/>
@@ -464,7 +463,7 @@
           </ac:spMkLst>
         </pc:spChg>
         <pc:spChg chg="mod">
-          <ac:chgData name="Walker, Pierre" userId="5ec82070-fd5a-4f33-a108-a8f270b163b4" providerId="ADAL" clId="{47801BD5-BFC9-F444-94BE-3217F420503D}" dt="2022-08-25T00:10:18.283" v="1814" actId="207"/>
+          <ac:chgData name="Walker, Pierre" userId="5ec82070-fd5a-4f33-a108-a8f270b163b4" providerId="ADAL" clId="{47801BD5-BFC9-F444-94BE-3217F420503D}" dt="2022-08-30T07:44:01.798" v="8295" actId="207"/>
           <ac:spMkLst>
             <pc:docMk/>
             <pc:sldMk cId="532028796" sldId="390"/>
@@ -511,7 +510,7 @@
         </pc:spChg>
       </pc:sldChg>
       <pc:sldChg chg="addSp delSp modSp add mod">
-        <pc:chgData name="Walker, Pierre" userId="5ec82070-fd5a-4f33-a108-a8f270b163b4" providerId="ADAL" clId="{47801BD5-BFC9-F444-94BE-3217F420503D}" dt="2022-08-25T00:19:32.328" v="2594" actId="1037"/>
+        <pc:chgData name="Walker, Pierre" userId="5ec82070-fd5a-4f33-a108-a8f270b163b4" providerId="ADAL" clId="{47801BD5-BFC9-F444-94BE-3217F420503D}" dt="2022-08-30T07:18:45.898" v="8289" actId="14100"/>
         <pc:sldMkLst>
           <pc:docMk/>
           <pc:sldMk cId="577585014" sldId="393"/>
@@ -522,6 +521,14 @@
             <pc:docMk/>
             <pc:sldMk cId="577585014" sldId="393"/>
             <ac:spMk id="3" creationId="{C16EB632-3FC2-E748-47AE-032989966A14}"/>
+          </ac:spMkLst>
+        </pc:spChg>
+        <pc:spChg chg="add mod">
+          <ac:chgData name="Walker, Pierre" userId="5ec82070-fd5a-4f33-a108-a8f270b163b4" providerId="ADAL" clId="{47801BD5-BFC9-F444-94BE-3217F420503D}" dt="2022-08-30T07:18:45.898" v="8289" actId="14100"/>
+          <ac:spMkLst>
+            <pc:docMk/>
+            <pc:sldMk cId="577585014" sldId="393"/>
+            <ac:spMk id="6" creationId="{1E40238F-38A7-CF36-2FBD-C6A4F911587A}"/>
           </ac:spMkLst>
         </pc:spChg>
         <pc:spChg chg="add mod">
@@ -917,7 +924,7 @@
           </ac:grpSpMkLst>
         </pc:grpChg>
         <pc:picChg chg="add mod">
-          <ac:chgData name="Walker, Pierre" userId="5ec82070-fd5a-4f33-a108-a8f270b163b4" providerId="ADAL" clId="{47801BD5-BFC9-F444-94BE-3217F420503D}" dt="2022-08-25T00:15:59.014" v="2524" actId="1036"/>
+          <ac:chgData name="Walker, Pierre" userId="5ec82070-fd5a-4f33-a108-a8f270b163b4" providerId="ADAL" clId="{47801BD5-BFC9-F444-94BE-3217F420503D}" dt="2022-08-30T07:18:38.540" v="8287" actId="14100"/>
           <ac:picMkLst>
             <pc:docMk/>
             <pc:sldMk cId="577585014" sldId="393"/>
@@ -1132,8 +1139,8 @@
           </ac:spMkLst>
         </pc:spChg>
       </pc:sldChg>
-      <pc:sldChg chg="modSp add">
-        <pc:chgData name="Walker, Pierre" userId="5ec82070-fd5a-4f33-a108-a8f270b163b4" providerId="ADAL" clId="{47801BD5-BFC9-F444-94BE-3217F420503D}" dt="2022-08-25T00:41:46.098" v="4788" actId="20577"/>
+      <pc:sldChg chg="modSp add del">
+        <pc:chgData name="Walker, Pierre" userId="5ec82070-fd5a-4f33-a108-a8f270b163b4" providerId="ADAL" clId="{47801BD5-BFC9-F444-94BE-3217F420503D}" dt="2022-08-30T07:45:43.668" v="8296" actId="2696"/>
         <pc:sldMkLst>
           <pc:docMk/>
           <pc:sldMk cId="298947799" sldId="403"/>
@@ -2042,7 +2049,7 @@
           <a:p>
             <a:fld id="{6D2CC9D1-B559-0843-AD36-897B157130C2}" type="datetimeFigureOut">
               <a:rPr lang="en-US" smtClean="0"/>
-              <a:t>8/24/22</a:t>
+              <a:t>8/30/22</a:t>
             </a:fld>
             <a:endParaRPr lang="en-US"/>
           </a:p>
@@ -2209,7 +2216,7 @@
             <a:fld id="{21E07F8B-42E5-8848-9418-61648E606395}" type="datetimeFigureOut">
               <a:rPr lang="en-US" smtClean="0"/>
               <a:pPr/>
-              <a:t>8/24/22</a:t>
+              <a:t>8/30/22</a:t>
             </a:fld>
             <a:endParaRPr lang="en-US"/>
           </a:p>
@@ -2980,7 +2987,7 @@
     </p:spTree>
     <p:extLst>
       <p:ext uri="{BB962C8B-B14F-4D97-AF65-F5344CB8AC3E}">
-        <p14:creationId xmlns:p14="http://schemas.microsoft.com/office/powerpoint/2010/main" val="2072484201"/>
+        <p14:creationId xmlns:p14="http://schemas.microsoft.com/office/powerpoint/2010/main" val="1586772705"/>
       </p:ext>
     </p:extLst>
   </p:cSld>
@@ -3065,7 +3072,7 @@
     </p:spTree>
     <p:extLst>
       <p:ext uri="{BB962C8B-B14F-4D97-AF65-F5344CB8AC3E}">
-        <p14:creationId xmlns:p14="http://schemas.microsoft.com/office/powerpoint/2010/main" val="1586772705"/>
+        <p14:creationId xmlns:p14="http://schemas.microsoft.com/office/powerpoint/2010/main" val="1512529184"/>
       </p:ext>
     </p:extLst>
   </p:cSld>
@@ -3150,7 +3157,7 @@
     </p:spTree>
     <p:extLst>
       <p:ext uri="{BB962C8B-B14F-4D97-AF65-F5344CB8AC3E}">
-        <p14:creationId xmlns:p14="http://schemas.microsoft.com/office/powerpoint/2010/main" val="1512529184"/>
+        <p14:creationId xmlns:p14="http://schemas.microsoft.com/office/powerpoint/2010/main" val="945360568"/>
       </p:ext>
     </p:extLst>
   </p:cSld>
@@ -3235,7 +3242,7 @@
     </p:spTree>
     <p:extLst>
       <p:ext uri="{BB962C8B-B14F-4D97-AF65-F5344CB8AC3E}">
-        <p14:creationId xmlns:p14="http://schemas.microsoft.com/office/powerpoint/2010/main" val="945360568"/>
+        <p14:creationId xmlns:p14="http://schemas.microsoft.com/office/powerpoint/2010/main" val="1324036135"/>
       </p:ext>
     </p:extLst>
   </p:cSld>
@@ -3320,7 +3327,7 @@
     </p:spTree>
     <p:extLst>
       <p:ext uri="{BB962C8B-B14F-4D97-AF65-F5344CB8AC3E}">
-        <p14:creationId xmlns:p14="http://schemas.microsoft.com/office/powerpoint/2010/main" val="1324036135"/>
+        <p14:creationId xmlns:p14="http://schemas.microsoft.com/office/powerpoint/2010/main" val="3148626373"/>
       </p:ext>
     </p:extLst>
   </p:cSld>
@@ -3405,7 +3412,7 @@
     </p:spTree>
     <p:extLst>
       <p:ext uri="{BB962C8B-B14F-4D97-AF65-F5344CB8AC3E}">
-        <p14:creationId xmlns:p14="http://schemas.microsoft.com/office/powerpoint/2010/main" val="3148626373"/>
+        <p14:creationId xmlns:p14="http://schemas.microsoft.com/office/powerpoint/2010/main" val="3099925575"/>
       </p:ext>
     </p:extLst>
   </p:cSld>
@@ -3575,7 +3582,7 @@
     </p:spTree>
     <p:extLst>
       <p:ext uri="{BB962C8B-B14F-4D97-AF65-F5344CB8AC3E}">
-        <p14:creationId xmlns:p14="http://schemas.microsoft.com/office/powerpoint/2010/main" val="3099925575"/>
+        <p14:creationId xmlns:p14="http://schemas.microsoft.com/office/powerpoint/2010/main" val="3442729691"/>
       </p:ext>
     </p:extLst>
   </p:cSld>
@@ -3660,7 +3667,7 @@
     </p:spTree>
     <p:extLst>
       <p:ext uri="{BB962C8B-B14F-4D97-AF65-F5344CB8AC3E}">
-        <p14:creationId xmlns:p14="http://schemas.microsoft.com/office/powerpoint/2010/main" val="3442729691"/>
+        <p14:creationId xmlns:p14="http://schemas.microsoft.com/office/powerpoint/2010/main" val="1075269279"/>
       </p:ext>
     </p:extLst>
   </p:cSld>
@@ -3745,7 +3752,7 @@
     </p:spTree>
     <p:extLst>
       <p:ext uri="{BB962C8B-B14F-4D97-AF65-F5344CB8AC3E}">
-        <p14:creationId xmlns:p14="http://schemas.microsoft.com/office/powerpoint/2010/main" val="1075269279"/>
+        <p14:creationId xmlns:p14="http://schemas.microsoft.com/office/powerpoint/2010/main" val="233787903"/>
       </p:ext>
     </p:extLst>
   </p:cSld>
@@ -3830,7 +3837,7 @@
     </p:spTree>
     <p:extLst>
       <p:ext uri="{BB962C8B-B14F-4D97-AF65-F5344CB8AC3E}">
-        <p14:creationId xmlns:p14="http://schemas.microsoft.com/office/powerpoint/2010/main" val="233787903"/>
+        <p14:creationId xmlns:p14="http://schemas.microsoft.com/office/powerpoint/2010/main" val="3952499398"/>
       </p:ext>
     </p:extLst>
   </p:cSld>
@@ -3907,91 +3914,6 @@
               <a:rPr lang="en-US" smtClean="0"/>
               <a:pPr/>
               <a:t>31</a:t>
-            </a:fld>
-            <a:endParaRPr lang="en-US"/>
-          </a:p>
-        </p:txBody>
-      </p:sp>
-    </p:spTree>
-    <p:extLst>
-      <p:ext uri="{BB962C8B-B14F-4D97-AF65-F5344CB8AC3E}">
-        <p14:creationId xmlns:p14="http://schemas.microsoft.com/office/powerpoint/2010/main" val="3952499398"/>
-      </p:ext>
-    </p:extLst>
-  </p:cSld>
-  <p:clrMapOvr>
-    <a:masterClrMapping/>
-  </p:clrMapOvr>
-</p:notes>
-</file>
-
-<file path=ppt/notesSlides/notesSlide25.xml><?xml version="1.0" encoding="utf-8"?>
-<p:notes xmlns:a="http://schemas.openxmlformats.org/drawingml/2006/main" xmlns:r="http://schemas.openxmlformats.org/officeDocument/2006/relationships" xmlns:p="http://schemas.openxmlformats.org/presentationml/2006/main">
-  <p:cSld>
-    <p:spTree>
-      <p:nvGrpSpPr>
-        <p:cNvPr id="1" name=""/>
-        <p:cNvGrpSpPr/>
-        <p:nvPr/>
-      </p:nvGrpSpPr>
-      <p:grpSpPr>
-        <a:xfrm>
-          <a:off x="0" y="0"/>
-          <a:ext cx="0" cy="0"/>
-          <a:chOff x="0" y="0"/>
-          <a:chExt cx="0" cy="0"/>
-        </a:xfrm>
-      </p:grpSpPr>
-      <p:sp>
-        <p:nvSpPr>
-          <p:cNvPr id="2" name="Slide Image Placeholder 1"/>
-          <p:cNvSpPr>
-            <a:spLocks noGrp="1" noRot="1" noChangeAspect="1"/>
-          </p:cNvSpPr>
-          <p:nvPr>
-            <p:ph type="sldImg"/>
-          </p:nvPr>
-        </p:nvSpPr>
-        <p:spPr/>
-      </p:sp>
-      <p:sp>
-        <p:nvSpPr>
-          <p:cNvPr id="3" name="Notes Placeholder 2"/>
-          <p:cNvSpPr>
-            <a:spLocks noGrp="1"/>
-          </p:cNvSpPr>
-          <p:nvPr>
-            <p:ph type="body" idx="1"/>
-          </p:nvPr>
-        </p:nvSpPr>
-        <p:spPr/>
-        <p:txBody>
-          <a:bodyPr/>
-          <a:lstStyle/>
-          <a:p>
-            <a:endParaRPr lang="en-US" dirty="0"/>
-          </a:p>
-        </p:txBody>
-      </p:sp>
-      <p:sp>
-        <p:nvSpPr>
-          <p:cNvPr id="4" name="Slide Number Placeholder 3"/>
-          <p:cNvSpPr>
-            <a:spLocks noGrp="1"/>
-          </p:cNvSpPr>
-          <p:nvPr>
-            <p:ph type="sldNum" sz="quarter" idx="5"/>
-          </p:nvPr>
-        </p:nvSpPr>
-        <p:spPr/>
-        <p:txBody>
-          <a:bodyPr/>
-          <a:lstStyle/>
-          <a:p>
-            <a:fld id="{03652605-0564-D447-8592-4B3916BD2E72}" type="slidenum">
-              <a:rPr lang="en-US" smtClean="0"/>
-              <a:pPr/>
-              <a:t>32</a:t>
             </a:fld>
             <a:endParaRPr lang="en-US"/>
           </a:p>
@@ -9131,8 +9053,8 @@
           </a:p>
         </p:txBody>
       </p:sp>
-      <mc:AlternateContent xmlns:mc="http://schemas.openxmlformats.org/markup-compatibility/2006">
-        <mc:Choice xmlns:a14="http://schemas.microsoft.com/office/drawing/2010/main" Requires="a14">
+      <mc:AlternateContent xmlns:mc="http://schemas.openxmlformats.org/markup-compatibility/2006" xmlns:a14="http://schemas.microsoft.com/office/drawing/2010/main">
+        <mc:Choice Requires="a14">
           <p:sp>
             <p:nvSpPr>
               <p:cNvPr id="3" name="Content Placeholder 2">
@@ -9413,7 +9335,7 @@
             </p:txBody>
           </p:sp>
         </mc:Choice>
-        <mc:Fallback>
+        <mc:Fallback xmlns="">
           <p:sp>
             <p:nvSpPr>
               <p:cNvPr id="3" name="Content Placeholder 2">
@@ -9575,8 +9497,8 @@
           </a:p>
         </p:txBody>
       </p:sp>
-      <mc:AlternateContent xmlns:mc="http://schemas.openxmlformats.org/markup-compatibility/2006">
-        <mc:Choice xmlns:a14="http://schemas.microsoft.com/office/drawing/2010/main" Requires="a14">
+      <mc:AlternateContent xmlns:mc="http://schemas.openxmlformats.org/markup-compatibility/2006" xmlns:a14="http://schemas.microsoft.com/office/drawing/2010/main">
+        <mc:Choice Requires="a14">
           <p:sp>
             <p:nvSpPr>
               <p:cNvPr id="3" name="Content Placeholder 2">
@@ -9640,7 +9562,7 @@
             </p:txBody>
           </p:sp>
         </mc:Choice>
-        <mc:Fallback>
+        <mc:Fallback xmlns="">
           <p:sp>
             <p:nvSpPr>
               <p:cNvPr id="3" name="Content Placeholder 2">
@@ -9766,7 +9688,7 @@
         </p:blipFill>
         <p:spPr>
           <a:xfrm>
-            <a:off x="3255432" y="3479800"/>
+            <a:off x="3256359" y="3501148"/>
             <a:ext cx="2819400" cy="2819400"/>
           </a:xfrm>
           <a:prstGeom prst="rect">
@@ -11026,6 +10948,58 @@
           </a:p>
         </p:txBody>
       </p:sp>
+      <p:sp>
+        <p:nvSpPr>
+          <p:cNvPr id="6" name="Oval 5">
+            <a:extLst>
+              <a:ext uri="{FF2B5EF4-FFF2-40B4-BE49-F238E27FC236}">
+                <a16:creationId xmlns:a16="http://schemas.microsoft.com/office/drawing/2014/main" id="{1E40238F-38A7-CF36-2FBD-C6A4F911587A}"/>
+              </a:ext>
+            </a:extLst>
+          </p:cNvPr>
+          <p:cNvSpPr/>
+          <p:nvPr/>
+        </p:nvSpPr>
+        <p:spPr>
+          <a:xfrm>
+            <a:off x="3653602" y="3975808"/>
+            <a:ext cx="1998128" cy="1927136"/>
+          </a:xfrm>
+          <a:prstGeom prst="ellipse">
+            <a:avLst/>
+          </a:prstGeom>
+          <a:noFill/>
+          <a:ln w="38100">
+            <a:solidFill>
+              <a:schemeClr val="tx1"/>
+            </a:solidFill>
+            <a:prstDash val="dash"/>
+          </a:ln>
+          <a:effectLst/>
+        </p:spPr>
+        <p:style>
+          <a:lnRef idx="1">
+            <a:schemeClr val="accent1"/>
+          </a:lnRef>
+          <a:fillRef idx="3">
+            <a:schemeClr val="accent1"/>
+          </a:fillRef>
+          <a:effectRef idx="2">
+            <a:schemeClr val="accent1"/>
+          </a:effectRef>
+          <a:fontRef idx="minor">
+            <a:schemeClr val="lt1"/>
+          </a:fontRef>
+        </p:style>
+        <p:txBody>
+          <a:bodyPr rtlCol="0" anchor="ctr"/>
+          <a:lstStyle/>
+          <a:p>
+            <a:pPr algn="ctr"/>
+            <a:endParaRPr lang="en-US"/>
+          </a:p>
+        </p:txBody>
+      </p:sp>
     </p:spTree>
     <p:extLst>
       <p:ext uri="{BB962C8B-B14F-4D97-AF65-F5344CB8AC3E}">
@@ -11084,8 +11058,8 @@
           </a:p>
         </p:txBody>
       </p:sp>
-      <mc:AlternateContent xmlns:mc="http://schemas.openxmlformats.org/markup-compatibility/2006">
-        <mc:Choice xmlns:a14="http://schemas.microsoft.com/office/drawing/2010/main" Requires="a14">
+      <mc:AlternateContent xmlns:mc="http://schemas.openxmlformats.org/markup-compatibility/2006" xmlns:a14="http://schemas.microsoft.com/office/drawing/2010/main">
+        <mc:Choice Requires="a14">
           <p:sp>
             <p:nvSpPr>
               <p:cNvPr id="3" name="Content Placeholder 2">
@@ -11560,7 +11534,7 @@
             </p:txBody>
           </p:sp>
         </mc:Choice>
-        <mc:Fallback>
+        <mc:Fallback xmlns="">
           <p:sp>
             <p:nvSpPr>
               <p:cNvPr id="3" name="Content Placeholder 2">
@@ -11722,8 +11696,8 @@
           </a:p>
         </p:txBody>
       </p:sp>
-      <mc:AlternateContent xmlns:mc="http://schemas.openxmlformats.org/markup-compatibility/2006">
-        <mc:Choice xmlns:a14="http://schemas.microsoft.com/office/drawing/2010/main" Requires="a14">
+      <mc:AlternateContent xmlns:mc="http://schemas.openxmlformats.org/markup-compatibility/2006" xmlns:a14="http://schemas.microsoft.com/office/drawing/2010/main">
+        <mc:Choice Requires="a14">
           <p:sp>
             <p:nvSpPr>
               <p:cNvPr id="3" name="Content Placeholder 2">
@@ -12120,7 +12094,7 @@
             </p:txBody>
           </p:sp>
         </mc:Choice>
-        <mc:Fallback>
+        <mc:Fallback xmlns="">
           <p:sp>
             <p:nvSpPr>
               <p:cNvPr id="3" name="Content Placeholder 2">
@@ -12282,8 +12256,8 @@
           </a:p>
         </p:txBody>
       </p:sp>
-      <mc:AlternateContent xmlns:mc="http://schemas.openxmlformats.org/markup-compatibility/2006">
-        <mc:Choice xmlns:a14="http://schemas.microsoft.com/office/drawing/2010/main" Requires="a14">
+      <mc:AlternateContent xmlns:mc="http://schemas.openxmlformats.org/markup-compatibility/2006" xmlns:a14="http://schemas.microsoft.com/office/drawing/2010/main">
+        <mc:Choice Requires="a14">
           <p:sp>
             <p:nvSpPr>
               <p:cNvPr id="3" name="Content Placeholder 2">
@@ -12740,7 +12714,7 @@
             </p:txBody>
           </p:sp>
         </mc:Choice>
-        <mc:Fallback>
+        <mc:Fallback xmlns="">
           <p:sp>
             <p:nvSpPr>
               <p:cNvPr id="3" name="Content Placeholder 2">
@@ -12902,8 +12876,8 @@
           </a:p>
         </p:txBody>
       </p:sp>
-      <mc:AlternateContent xmlns:mc="http://schemas.openxmlformats.org/markup-compatibility/2006">
-        <mc:Choice xmlns:a14="http://schemas.microsoft.com/office/drawing/2010/main" Requires="a14">
+      <mc:AlternateContent xmlns:mc="http://schemas.openxmlformats.org/markup-compatibility/2006" xmlns:a14="http://schemas.microsoft.com/office/drawing/2010/main">
+        <mc:Choice Requires="a14">
           <p:sp>
             <p:nvSpPr>
               <p:cNvPr id="3" name="Content Placeholder 2">
@@ -13221,7 +13195,7 @@
             </p:txBody>
           </p:sp>
         </mc:Choice>
-        <mc:Fallback>
+        <mc:Fallback xmlns="">
           <p:sp>
             <p:nvSpPr>
               <p:cNvPr id="3" name="Content Placeholder 2">
@@ -13731,8 +13705,8 @@
           </a:p>
         </p:txBody>
       </p:sp>
-      <mc:AlternateContent xmlns:mc="http://schemas.openxmlformats.org/markup-compatibility/2006">
-        <mc:Choice xmlns:a14="http://schemas.microsoft.com/office/drawing/2010/main" Requires="a14">
+      <mc:AlternateContent xmlns:mc="http://schemas.openxmlformats.org/markup-compatibility/2006" xmlns:a14="http://schemas.microsoft.com/office/drawing/2010/main">
+        <mc:Choice Requires="a14">
           <p:sp>
             <p:nvSpPr>
               <p:cNvPr id="3" name="Content Placeholder 2">
@@ -14333,7 +14307,7 @@
             </p:txBody>
           </p:sp>
         </mc:Choice>
-        <mc:Fallback>
+        <mc:Fallback xmlns="">
           <p:sp>
             <p:nvSpPr>
               <p:cNvPr id="3" name="Content Placeholder 2">
@@ -14495,8 +14469,8 @@
           </a:p>
         </p:txBody>
       </p:sp>
-      <mc:AlternateContent xmlns:mc="http://schemas.openxmlformats.org/markup-compatibility/2006">
-        <mc:Choice xmlns:a14="http://schemas.microsoft.com/office/drawing/2010/main" Requires="a14">
+      <mc:AlternateContent xmlns:mc="http://schemas.openxmlformats.org/markup-compatibility/2006" xmlns:a14="http://schemas.microsoft.com/office/drawing/2010/main">
+        <mc:Choice Requires="a14">
           <p:sp>
             <p:nvSpPr>
               <p:cNvPr id="3" name="Content Placeholder 2">
@@ -15233,7 +15207,7 @@
             </p:txBody>
           </p:sp>
         </mc:Choice>
-        <mc:Fallback>
+        <mc:Fallback xmlns="">
           <p:sp>
             <p:nvSpPr>
               <p:cNvPr id="3" name="Content Placeholder 2">
@@ -15395,8 +15369,8 @@
           </a:p>
         </p:txBody>
       </p:sp>
-      <mc:AlternateContent xmlns:mc="http://schemas.openxmlformats.org/markup-compatibility/2006">
-        <mc:Choice xmlns:a14="http://schemas.microsoft.com/office/drawing/2010/main" Requires="a14">
+      <mc:AlternateContent xmlns:mc="http://schemas.openxmlformats.org/markup-compatibility/2006" xmlns:a14="http://schemas.microsoft.com/office/drawing/2010/main">
+        <mc:Choice Requires="a14">
           <p:sp>
             <p:nvSpPr>
               <p:cNvPr id="3" name="Content Placeholder 2">
@@ -15575,7 +15549,7 @@
             </p:txBody>
           </p:sp>
         </mc:Choice>
-        <mc:Fallback>
+        <mc:Fallback xmlns="">
           <p:sp>
             <p:nvSpPr>
               <p:cNvPr id="3" name="Content Placeholder 2">
@@ -15737,8 +15711,8 @@
           </a:p>
         </p:txBody>
       </p:sp>
-      <mc:AlternateContent xmlns:mc="http://schemas.openxmlformats.org/markup-compatibility/2006">
-        <mc:Choice xmlns:a14="http://schemas.microsoft.com/office/drawing/2010/main" Requires="a14">
+      <mc:AlternateContent xmlns:mc="http://schemas.openxmlformats.org/markup-compatibility/2006" xmlns:a14="http://schemas.microsoft.com/office/drawing/2010/main">
+        <mc:Choice Requires="a14">
           <p:sp>
             <p:nvSpPr>
               <p:cNvPr id="3" name="Content Placeholder 2">
@@ -15857,7 +15831,7 @@
             </p:txBody>
           </p:sp>
         </mc:Choice>
-        <mc:Fallback>
+        <mc:Fallback xmlns="">
           <p:sp>
             <p:nvSpPr>
               <p:cNvPr id="3" name="Content Placeholder 2">
@@ -16019,166 +15993,34 @@
           </a:p>
         </p:txBody>
       </p:sp>
-      <mc:AlternateContent xmlns:mc="http://schemas.openxmlformats.org/markup-compatibility/2006">
-        <mc:Choice xmlns:a14="http://schemas.microsoft.com/office/drawing/2010/main" Requires="a14">
-          <p:sp>
-            <p:nvSpPr>
-              <p:cNvPr id="3" name="Content Placeholder 2">
-                <a:extLst>
-                  <a:ext uri="{FF2B5EF4-FFF2-40B4-BE49-F238E27FC236}">
-                    <a16:creationId xmlns:a16="http://schemas.microsoft.com/office/drawing/2014/main" id="{1B13B510-F4CE-D1CE-82E0-0563D7E44041}"/>
-                  </a:ext>
-                </a:extLst>
-              </p:cNvPr>
-              <p:cNvSpPr>
-                <a:spLocks noGrp="1"/>
-              </p:cNvSpPr>
-              <p:nvPr>
-                <p:ph idx="1"/>
-              </p:nvPr>
-            </p:nvSpPr>
-            <p:spPr/>
-            <p:txBody>
-              <a:bodyPr anchor="ctr"/>
-              <a:lstStyle/>
-              <a:p>
-                <a:r>
-                  <a:rPr lang="en-US" b="0" dirty="0"/>
-                  <a:t>In NRTL, we only care about the interactions of the species, not the size difference. </a:t>
-                </a:r>
-              </a:p>
-              <a:p>
-                <a14:m>
-                  <m:oMath xmlns:m="http://schemas.openxmlformats.org/officeDocument/2006/math">
-                    <m:r>
-                      <m:rPr>
-                        <m:sty m:val="p"/>
-                      </m:rPr>
-                      <a:rPr lang="en-US" b="0">
-                        <a:latin typeface="Cambria Math" panose="02040503050406030204" pitchFamily="18" charset="0"/>
-                      </a:rPr>
-                      <m:t>Δ</m:t>
-                    </m:r>
-                    <m:sSub>
-                      <m:sSubPr>
-                        <m:ctrlPr>
-                          <a:rPr lang="en-US" b="0" i="1">
-                            <a:latin typeface="Cambria Math" panose="02040503050406030204" pitchFamily="18" charset="0"/>
-                          </a:rPr>
-                        </m:ctrlPr>
-                      </m:sSubPr>
-                      <m:e>
-                        <m:r>
-                          <a:rPr lang="en-US" b="0" i="1">
-                            <a:latin typeface="Cambria Math" panose="02040503050406030204" pitchFamily="18" charset="0"/>
-                          </a:rPr>
-                          <m:t>𝑔</m:t>
-                        </m:r>
-                      </m:e>
-                      <m:sub>
-                        <m:r>
-                          <a:rPr lang="en-US" b="0" i="1">
-                            <a:latin typeface="Cambria Math" panose="02040503050406030204" pitchFamily="18" charset="0"/>
-                          </a:rPr>
-                          <m:t>𝑖𝑗</m:t>
-                        </m:r>
-                      </m:sub>
-                    </m:sSub>
-                    <m:r>
-                      <a:rPr lang="en-US" b="0" i="1">
-                        <a:latin typeface="Cambria Math" panose="02040503050406030204" pitchFamily="18" charset="0"/>
-                      </a:rPr>
-                      <m:t> </m:t>
-                    </m:r>
-                  </m:oMath>
-                </a14:m>
-                <a:r>
-                  <a:rPr lang="en-US" b="0" dirty="0"/>
-                  <a:t>and </a:t>
-                </a:r>
-                <a14:m>
-                  <m:oMath xmlns:m="http://schemas.openxmlformats.org/officeDocument/2006/math">
-                    <m:sSub>
-                      <m:sSubPr>
-                        <m:ctrlPr>
-                          <a:rPr lang="en-US" b="0" i="1">
-                            <a:latin typeface="Cambria Math" panose="02040503050406030204" pitchFamily="18" charset="0"/>
-                          </a:rPr>
-                        </m:ctrlPr>
-                      </m:sSubPr>
-                      <m:e>
-                        <m:r>
-                          <a:rPr lang="en-US" b="0" i="1">
-                            <a:latin typeface="Cambria Math" panose="02040503050406030204" pitchFamily="18" charset="0"/>
-                          </a:rPr>
-                          <m:t>𝛼</m:t>
-                        </m:r>
-                      </m:e>
-                      <m:sub>
-                        <m:r>
-                          <a:rPr lang="en-US" b="0" i="1">
-                            <a:latin typeface="Cambria Math" panose="02040503050406030204" pitchFamily="18" charset="0"/>
-                          </a:rPr>
-                          <m:t>𝑖𝑗</m:t>
-                        </m:r>
-                      </m:sub>
-                    </m:sSub>
-                  </m:oMath>
-                </a14:m>
-                <a:r>
-                  <a:rPr lang="en-US" b="0" dirty="0"/>
-                  <a:t> (symmetric) are fitted to experimental data. </a:t>
-                </a:r>
-              </a:p>
-              <a:p>
-                <a:r>
-                  <a:rPr lang="en-US" b="0" dirty="0"/>
-                  <a:t>More parameters than the Wilson equation</a:t>
-                </a:r>
-              </a:p>
-            </p:txBody>
-          </p:sp>
-        </mc:Choice>
-        <mc:Fallback>
-          <p:sp>
-            <p:nvSpPr>
-              <p:cNvPr id="3" name="Content Placeholder 2">
-                <a:extLst>
-                  <a:ext uri="{FF2B5EF4-FFF2-40B4-BE49-F238E27FC236}">
-                    <a16:creationId xmlns:a16="http://schemas.microsoft.com/office/drawing/2014/main" id="{1B13B510-F4CE-D1CE-82E0-0563D7E44041}"/>
-                  </a:ext>
-                </a:extLst>
-              </p:cNvPr>
-              <p:cNvSpPr>
-                <a:spLocks noGrp="1" noRot="1" noChangeAspect="1" noMove="1" noResize="1" noEditPoints="1" noAdjustHandles="1" noChangeArrowheads="1" noChangeShapeType="1" noTextEdit="1"/>
-              </p:cNvSpPr>
-              <p:nvPr>
-                <p:ph idx="1"/>
-              </p:nvPr>
-            </p:nvSpPr>
-            <p:spPr>
-              <a:blipFill>
-                <a:blip r:embed="rId3"/>
-                <a:stretch>
-                  <a:fillRect l="-1357" r="-2262"/>
-                </a:stretch>
-              </a:blipFill>
-            </p:spPr>
-            <p:txBody>
-              <a:bodyPr/>
-              <a:lstStyle/>
-              <a:p>
-                <a:r>
-                  <a:rPr lang="en-US">
-                    <a:noFill/>
-                  </a:rPr>
-                  <a:t> </a:t>
-                </a:r>
-              </a:p>
-            </p:txBody>
-          </p:sp>
-        </mc:Fallback>
-      </mc:AlternateContent>
+      <p:sp>
+        <p:nvSpPr>
+          <p:cNvPr id="3" name="Content Placeholder 2">
+            <a:extLst>
+              <a:ext uri="{FF2B5EF4-FFF2-40B4-BE49-F238E27FC236}">
+                <a16:creationId xmlns:a16="http://schemas.microsoft.com/office/drawing/2014/main" id="{1B13B510-F4CE-D1CE-82E0-0563D7E44041}"/>
+              </a:ext>
+            </a:extLst>
+          </p:cNvPr>
+          <p:cNvSpPr>
+            <a:spLocks noGrp="1"/>
+          </p:cNvSpPr>
+          <p:nvPr>
+            <p:ph idx="1"/>
+          </p:nvPr>
+        </p:nvSpPr>
+        <p:spPr/>
+        <p:txBody>
+          <a:bodyPr anchor="t"/>
+          <a:lstStyle/>
+          <a:p>
+            <a:r>
+              <a:rPr lang="en-US" b="0" dirty="0"/>
+              <a:t>The big innovation of NRTL is that it could predict liquid-liquid equilibria:</a:t>
+            </a:r>
+          </a:p>
+        </p:txBody>
+      </p:sp>
       <p:sp>
         <p:nvSpPr>
           <p:cNvPr id="4" name="Footer Placeholder 3">
@@ -16243,10 +16085,40 @@
           </a:p>
         </p:txBody>
       </p:sp>
+      <p:pic>
+        <p:nvPicPr>
+          <p:cNvPr id="7" name="Picture 6">
+            <a:extLst>
+              <a:ext uri="{FF2B5EF4-FFF2-40B4-BE49-F238E27FC236}">
+                <a16:creationId xmlns:a16="http://schemas.microsoft.com/office/drawing/2014/main" id="{7BD9EE82-57EA-34FF-A902-B1EB656F9B19}"/>
+              </a:ext>
+            </a:extLst>
+          </p:cNvPr>
+          <p:cNvPicPr>
+            <a:picLocks noChangeAspect="1"/>
+          </p:cNvPicPr>
+          <p:nvPr/>
+        </p:nvPicPr>
+        <p:blipFill>
+          <a:blip r:embed="rId3"/>
+          <a:stretch>
+            <a:fillRect/>
+          </a:stretch>
+        </p:blipFill>
+        <p:spPr>
+          <a:xfrm>
+            <a:off x="1937951" y="2691713"/>
+            <a:ext cx="5268097" cy="3512065"/>
+          </a:xfrm>
+          <a:prstGeom prst="rect">
+            <a:avLst/>
+          </a:prstGeom>
+        </p:spPr>
+      </p:pic>
     </p:spTree>
     <p:extLst>
       <p:ext uri="{BB962C8B-B14F-4D97-AF65-F5344CB8AC3E}">
-        <p14:creationId xmlns:p14="http://schemas.microsoft.com/office/powerpoint/2010/main" val="298947799"/>
+        <p14:creationId xmlns:p14="http://schemas.microsoft.com/office/powerpoint/2010/main" val="3292790997"/>
       </p:ext>
     </p:extLst>
   </p:cSld>
@@ -16296,193 +16168,13 @@
           <a:p>
             <a:r>
               <a:rPr lang="en-US" dirty="0"/>
-              <a:t>NRTL Model</a:t>
+              <a:t>UNIQUAC Model</a:t>
             </a:r>
           </a:p>
         </p:txBody>
       </p:sp>
-      <p:sp>
-        <p:nvSpPr>
-          <p:cNvPr id="3" name="Content Placeholder 2">
-            <a:extLst>
-              <a:ext uri="{FF2B5EF4-FFF2-40B4-BE49-F238E27FC236}">
-                <a16:creationId xmlns:a16="http://schemas.microsoft.com/office/drawing/2014/main" id="{1B13B510-F4CE-D1CE-82E0-0563D7E44041}"/>
-              </a:ext>
-            </a:extLst>
-          </p:cNvPr>
-          <p:cNvSpPr>
-            <a:spLocks noGrp="1"/>
-          </p:cNvSpPr>
-          <p:nvPr>
-            <p:ph idx="1"/>
-          </p:nvPr>
-        </p:nvSpPr>
-        <p:spPr/>
-        <p:txBody>
-          <a:bodyPr anchor="t"/>
-          <a:lstStyle/>
-          <a:p>
-            <a:r>
-              <a:rPr lang="en-US" b="0" dirty="0"/>
-              <a:t>The big innovation of NRTL is that it could predict liquid-liquid equilibria:</a:t>
-            </a:r>
-          </a:p>
-        </p:txBody>
-      </p:sp>
-      <p:sp>
-        <p:nvSpPr>
-          <p:cNvPr id="4" name="Footer Placeholder 3">
-            <a:extLst>
-              <a:ext uri="{FF2B5EF4-FFF2-40B4-BE49-F238E27FC236}">
-                <a16:creationId xmlns:a16="http://schemas.microsoft.com/office/drawing/2014/main" id="{5903E1D5-CB82-AF3F-FEC7-BF62B5A59185}"/>
-              </a:ext>
-            </a:extLst>
-          </p:cNvPr>
-          <p:cNvSpPr>
-            <a:spLocks noGrp="1"/>
-          </p:cNvSpPr>
-          <p:nvPr>
-            <p:ph type="ftr" sz="quarter" idx="3"/>
-          </p:nvPr>
-        </p:nvSpPr>
-        <p:spPr/>
-        <p:txBody>
-          <a:bodyPr/>
-          <a:lstStyle/>
-          <a:p>
-            <a:r>
-              <a:rPr lang="en-GB"/>
-              <a:t>© Imperial College London</a:t>
-            </a:r>
-            <a:endParaRPr lang="en-US" dirty="0"/>
-          </a:p>
-        </p:txBody>
-      </p:sp>
-      <p:sp>
-        <p:nvSpPr>
-          <p:cNvPr id="5" name="Slide Number Placeholder 4">
-            <a:extLst>
-              <a:ext uri="{FF2B5EF4-FFF2-40B4-BE49-F238E27FC236}">
-                <a16:creationId xmlns:a16="http://schemas.microsoft.com/office/drawing/2014/main" id="{004AF3A9-D666-0062-2E05-B2B316F6BDB9}"/>
-              </a:ext>
-            </a:extLst>
-          </p:cNvPr>
-          <p:cNvSpPr>
-            <a:spLocks noGrp="1"/>
-          </p:cNvSpPr>
-          <p:nvPr>
-            <p:ph type="sldNum" sz="quarter" idx="4"/>
-          </p:nvPr>
-        </p:nvSpPr>
-        <p:spPr/>
-        <p:txBody>
-          <a:bodyPr/>
-          <a:lstStyle/>
-          <a:p>
-            <a:pPr algn="ctr"/>
-            <a:r>
-              <a:rPr lang="en-US"/>
-              <a:t>Slide </a:t>
-            </a:r>
-            <a:fld id="{3C70A08B-371D-5A4D-978C-9F5470823ED6}" type="slidenum">
-              <a:rPr lang="en-US" smtClean="0"/>
-              <a:pPr algn="ctr"/>
-              <a:t>22</a:t>
-            </a:fld>
-            <a:endParaRPr lang="en-US" dirty="0"/>
-          </a:p>
-        </p:txBody>
-      </p:sp>
-      <p:pic>
-        <p:nvPicPr>
-          <p:cNvPr id="7" name="Picture 6">
-            <a:extLst>
-              <a:ext uri="{FF2B5EF4-FFF2-40B4-BE49-F238E27FC236}">
-                <a16:creationId xmlns:a16="http://schemas.microsoft.com/office/drawing/2014/main" id="{7BD9EE82-57EA-34FF-A902-B1EB656F9B19}"/>
-              </a:ext>
-            </a:extLst>
-          </p:cNvPr>
-          <p:cNvPicPr>
-            <a:picLocks noChangeAspect="1"/>
-          </p:cNvPicPr>
-          <p:nvPr/>
-        </p:nvPicPr>
-        <p:blipFill>
-          <a:blip r:embed="rId3"/>
-          <a:stretch>
-            <a:fillRect/>
-          </a:stretch>
-        </p:blipFill>
-        <p:spPr>
-          <a:xfrm>
-            <a:off x="1937951" y="2691713"/>
-            <a:ext cx="5268097" cy="3512065"/>
-          </a:xfrm>
-          <a:prstGeom prst="rect">
-            <a:avLst/>
-          </a:prstGeom>
-        </p:spPr>
-      </p:pic>
-    </p:spTree>
-    <p:extLst>
-      <p:ext uri="{BB962C8B-B14F-4D97-AF65-F5344CB8AC3E}">
-        <p14:creationId xmlns:p14="http://schemas.microsoft.com/office/powerpoint/2010/main" val="3292790997"/>
-      </p:ext>
-    </p:extLst>
-  </p:cSld>
-  <p:clrMapOvr>
-    <a:masterClrMapping/>
-  </p:clrMapOvr>
-</p:sld>
-</file>
-
-<file path=ppt/slides/slide23.xml><?xml version="1.0" encoding="utf-8"?>
-<p:sld xmlns:a="http://schemas.openxmlformats.org/drawingml/2006/main" xmlns:r="http://schemas.openxmlformats.org/officeDocument/2006/relationships" xmlns:p="http://schemas.openxmlformats.org/presentationml/2006/main">
-  <p:cSld>
-    <p:spTree>
-      <p:nvGrpSpPr>
-        <p:cNvPr id="1" name=""/>
-        <p:cNvGrpSpPr/>
-        <p:nvPr/>
-      </p:nvGrpSpPr>
-      <p:grpSpPr>
-        <a:xfrm>
-          <a:off x="0" y="0"/>
-          <a:ext cx="0" cy="0"/>
-          <a:chOff x="0" y="0"/>
-          <a:chExt cx="0" cy="0"/>
-        </a:xfrm>
-      </p:grpSpPr>
-      <p:sp>
-        <p:nvSpPr>
-          <p:cNvPr id="2" name="Title 1">
-            <a:extLst>
-              <a:ext uri="{FF2B5EF4-FFF2-40B4-BE49-F238E27FC236}">
-                <a16:creationId xmlns:a16="http://schemas.microsoft.com/office/drawing/2014/main" id="{93265195-3B68-63D0-1A23-2B878928F5E4}"/>
-              </a:ext>
-            </a:extLst>
-          </p:cNvPr>
-          <p:cNvSpPr>
-            <a:spLocks noGrp="1"/>
-          </p:cNvSpPr>
-          <p:nvPr>
-            <p:ph type="title"/>
-          </p:nvPr>
-        </p:nvSpPr>
-        <p:spPr/>
-        <p:txBody>
-          <a:bodyPr/>
-          <a:lstStyle/>
-          <a:p>
-            <a:r>
-              <a:rPr lang="en-US" dirty="0"/>
-              <a:t>UNIQUAC Model</a:t>
-            </a:r>
-          </a:p>
-        </p:txBody>
-      </p:sp>
-      <mc:AlternateContent xmlns:mc="http://schemas.openxmlformats.org/markup-compatibility/2006">
-        <mc:Choice xmlns:a14="http://schemas.microsoft.com/office/drawing/2010/main" Requires="a14">
+      <mc:AlternateContent xmlns:mc="http://schemas.openxmlformats.org/markup-compatibility/2006" xmlns:a14="http://schemas.microsoft.com/office/drawing/2010/main">
+        <mc:Choice Requires="a14">
           <p:sp>
             <p:nvSpPr>
               <p:cNvPr id="3" name="Content Placeholder 2">
@@ -16931,7 +16623,7 @@
             </p:txBody>
           </p:sp>
         </mc:Choice>
-        <mc:Fallback>
+        <mc:Fallback xmlns="">
           <p:sp>
             <p:nvSpPr>
               <p:cNvPr id="3" name="Content Placeholder 2">
@@ -17029,7 +16721,7 @@
             <a:fld id="{3C70A08B-371D-5A4D-978C-9F5470823ED6}" type="slidenum">
               <a:rPr lang="en-US" smtClean="0"/>
               <a:pPr algn="ctr"/>
-              <a:t>23</a:t>
+              <a:t>22</a:t>
             </a:fld>
             <a:endParaRPr lang="en-US" dirty="0"/>
           </a:p>
@@ -17048,7 +16740,7 @@
 </p:sld>
 </file>
 
-<file path=ppt/slides/slide24.xml><?xml version="1.0" encoding="utf-8"?>
+<file path=ppt/slides/slide23.xml><?xml version="1.0" encoding="utf-8"?>
 <p:sld xmlns:a="http://schemas.openxmlformats.org/drawingml/2006/main" xmlns:r="http://schemas.openxmlformats.org/officeDocument/2006/relationships" xmlns:p="http://schemas.openxmlformats.org/presentationml/2006/main">
   <p:cSld>
     <p:spTree>
@@ -17093,8 +16785,8 @@
           </a:p>
         </p:txBody>
       </p:sp>
-      <mc:AlternateContent xmlns:mc="http://schemas.openxmlformats.org/markup-compatibility/2006">
-        <mc:Choice xmlns:a14="http://schemas.microsoft.com/office/drawing/2010/main" Requires="a14">
+      <mc:AlternateContent xmlns:mc="http://schemas.openxmlformats.org/markup-compatibility/2006" xmlns:a14="http://schemas.microsoft.com/office/drawing/2010/main">
+        <mc:Choice Requires="a14">
           <p:sp>
             <p:nvSpPr>
               <p:cNvPr id="3" name="Content Placeholder 2">
@@ -18043,7 +17735,7 @@
             </p:txBody>
           </p:sp>
         </mc:Choice>
-        <mc:Fallback>
+        <mc:Fallback xmlns="">
           <p:sp>
             <p:nvSpPr>
               <p:cNvPr id="3" name="Content Placeholder 2">
@@ -18141,7 +17833,7 @@
             <a:fld id="{3C70A08B-371D-5A4D-978C-9F5470823ED6}" type="slidenum">
               <a:rPr lang="en-US" smtClean="0"/>
               <a:pPr algn="ctr"/>
-              <a:t>24</a:t>
+              <a:t>23</a:t>
             </a:fld>
             <a:endParaRPr lang="en-US" dirty="0"/>
           </a:p>
@@ -18160,7 +17852,7 @@
 </p:sld>
 </file>
 
-<file path=ppt/slides/slide25.xml><?xml version="1.0" encoding="utf-8"?>
+<file path=ppt/slides/slide24.xml><?xml version="1.0" encoding="utf-8"?>
 <p:sld xmlns:a="http://schemas.openxmlformats.org/drawingml/2006/main" xmlns:r="http://schemas.openxmlformats.org/officeDocument/2006/relationships" xmlns:p="http://schemas.openxmlformats.org/presentationml/2006/main">
   <p:cSld>
     <p:spTree>
@@ -18205,8 +17897,8 @@
           </a:p>
         </p:txBody>
       </p:sp>
-      <mc:AlternateContent xmlns:mc="http://schemas.openxmlformats.org/markup-compatibility/2006">
-        <mc:Choice xmlns:a14="http://schemas.microsoft.com/office/drawing/2010/main" Requires="a14">
+      <mc:AlternateContent xmlns:mc="http://schemas.openxmlformats.org/markup-compatibility/2006" xmlns:a14="http://schemas.microsoft.com/office/drawing/2010/main">
+        <mc:Choice Requires="a14">
           <p:sp>
             <p:nvSpPr>
               <p:cNvPr id="3" name="Content Placeholder 2">
@@ -18370,7 +18062,7 @@
             </p:txBody>
           </p:sp>
         </mc:Choice>
-        <mc:Fallback>
+        <mc:Fallback xmlns="">
           <p:sp>
             <p:nvSpPr>
               <p:cNvPr id="3" name="Content Placeholder 2">
@@ -18468,7 +18160,7 @@
             <a:fld id="{3C70A08B-371D-5A4D-978C-9F5470823ED6}" type="slidenum">
               <a:rPr lang="en-US" smtClean="0"/>
               <a:pPr algn="ctr"/>
-              <a:t>25</a:t>
+              <a:t>24</a:t>
             </a:fld>
             <a:endParaRPr lang="en-US" dirty="0"/>
           </a:p>
@@ -18487,7 +18179,7 @@
 </p:sld>
 </file>
 
-<file path=ppt/slides/slide26.xml><?xml version="1.0" encoding="utf-8"?>
+<file path=ppt/slides/slide25.xml><?xml version="1.0" encoding="utf-8"?>
 <p:sld xmlns:a="http://schemas.openxmlformats.org/drawingml/2006/main" xmlns:r="http://schemas.openxmlformats.org/officeDocument/2006/relationships" xmlns:p="http://schemas.openxmlformats.org/presentationml/2006/main">
   <p:cSld>
     <p:spTree>
@@ -18532,8 +18224,8 @@
           </a:p>
         </p:txBody>
       </p:sp>
-      <mc:AlternateContent xmlns:mc="http://schemas.openxmlformats.org/markup-compatibility/2006">
-        <mc:Choice xmlns:a14="http://schemas.microsoft.com/office/drawing/2010/main" Requires="a14">
+      <mc:AlternateContent xmlns:mc="http://schemas.openxmlformats.org/markup-compatibility/2006" xmlns:a14="http://schemas.microsoft.com/office/drawing/2010/main">
+        <mc:Choice Requires="a14">
           <p:sp>
             <p:nvSpPr>
               <p:cNvPr id="3" name="Content Placeholder 2">
@@ -19031,7 +18723,7 @@
             </p:txBody>
           </p:sp>
         </mc:Choice>
-        <mc:Fallback>
+        <mc:Fallback xmlns="">
           <p:sp>
             <p:nvSpPr>
               <p:cNvPr id="3" name="Content Placeholder 2">
@@ -19129,7 +18821,7 @@
             <a:fld id="{3C70A08B-371D-5A4D-978C-9F5470823ED6}" type="slidenum">
               <a:rPr lang="en-US" smtClean="0"/>
               <a:pPr algn="ctr"/>
-              <a:t>26</a:t>
+              <a:t>25</a:t>
             </a:fld>
             <a:endParaRPr lang="en-US" dirty="0"/>
           </a:p>
@@ -19148,7 +18840,7 @@
 </p:sld>
 </file>
 
-<file path=ppt/slides/slide27.xml><?xml version="1.0" encoding="utf-8"?>
+<file path=ppt/slides/slide26.xml><?xml version="1.0" encoding="utf-8"?>
 <p:sld xmlns:a="http://schemas.openxmlformats.org/drawingml/2006/main" xmlns:r="http://schemas.openxmlformats.org/officeDocument/2006/relationships" xmlns:p="http://schemas.openxmlformats.org/presentationml/2006/main">
   <p:cSld>
     <p:spTree>
@@ -19286,7 +18978,7 @@
             <a:fld id="{3C70A08B-371D-5A4D-978C-9F5470823ED6}" type="slidenum">
               <a:rPr lang="en-US" smtClean="0"/>
               <a:pPr algn="ctr"/>
-              <a:t>27</a:t>
+              <a:t>26</a:t>
             </a:fld>
             <a:endParaRPr lang="en-US" dirty="0"/>
           </a:p>
@@ -19373,6 +19065,170 @@
 </p:sld>
 </file>
 
+<file path=ppt/slides/slide27.xml><?xml version="1.0" encoding="utf-8"?>
+<p:sld xmlns:a="http://schemas.openxmlformats.org/drawingml/2006/main" xmlns:r="http://schemas.openxmlformats.org/officeDocument/2006/relationships" xmlns:p="http://schemas.openxmlformats.org/presentationml/2006/main">
+  <p:cSld>
+    <p:spTree>
+      <p:nvGrpSpPr>
+        <p:cNvPr id="1" name=""/>
+        <p:cNvGrpSpPr/>
+        <p:nvPr/>
+      </p:nvGrpSpPr>
+      <p:grpSpPr>
+        <a:xfrm>
+          <a:off x="0" y="0"/>
+          <a:ext cx="0" cy="0"/>
+          <a:chOff x="0" y="0"/>
+          <a:chExt cx="0" cy="0"/>
+        </a:xfrm>
+      </p:grpSpPr>
+      <p:sp>
+        <p:nvSpPr>
+          <p:cNvPr id="2" name="Title 1">
+            <a:extLst>
+              <a:ext uri="{FF2B5EF4-FFF2-40B4-BE49-F238E27FC236}">
+                <a16:creationId xmlns:a16="http://schemas.microsoft.com/office/drawing/2014/main" id="{93265195-3B68-63D0-1A23-2B878928F5E4}"/>
+              </a:ext>
+            </a:extLst>
+          </p:cNvPr>
+          <p:cNvSpPr>
+            <a:spLocks noGrp="1"/>
+          </p:cNvSpPr>
+          <p:nvPr>
+            <p:ph type="title"/>
+          </p:nvPr>
+        </p:nvSpPr>
+        <p:spPr/>
+        <p:txBody>
+          <a:bodyPr/>
+          <a:lstStyle/>
+          <a:p>
+            <a:r>
+              <a:rPr lang="en-US" dirty="0"/>
+              <a:t>UNIFAC Model</a:t>
+            </a:r>
+          </a:p>
+        </p:txBody>
+      </p:sp>
+      <p:sp>
+        <p:nvSpPr>
+          <p:cNvPr id="3" name="Content Placeholder 2">
+            <a:extLst>
+              <a:ext uri="{FF2B5EF4-FFF2-40B4-BE49-F238E27FC236}">
+                <a16:creationId xmlns:a16="http://schemas.microsoft.com/office/drawing/2014/main" id="{1B13B510-F4CE-D1CE-82E0-0563D7E44041}"/>
+              </a:ext>
+            </a:extLst>
+          </p:cNvPr>
+          <p:cNvSpPr>
+            <a:spLocks noGrp="1"/>
+          </p:cNvSpPr>
+          <p:nvPr>
+            <p:ph idx="1"/>
+          </p:nvPr>
+        </p:nvSpPr>
+        <p:spPr/>
+        <p:txBody>
+          <a:bodyPr anchor="ctr">
+            <a:normAutofit/>
+          </a:bodyPr>
+          <a:lstStyle/>
+          <a:p>
+            <a:r>
+              <a:rPr lang="en-US" b="0" dirty="0"/>
+              <a:t>The last approach discussed is an extension of UNIQUAC: UNQUAC Functional-group Activity Coefficient (UNIFAC) model.</a:t>
+            </a:r>
+          </a:p>
+          <a:p>
+            <a:r>
+              <a:rPr lang="en-US" b="0" dirty="0"/>
+              <a:t>It is a group-contribution based approach (i.e. more extensible than UNIQUAC)</a:t>
+            </a:r>
+          </a:p>
+          <a:p>
+            <a:r>
+              <a:rPr lang="en-US" b="0" dirty="0"/>
+              <a:t>The formalism is the same as UNIQUAC. We are now concerned about the local composition around groups instead of species.</a:t>
+            </a:r>
+          </a:p>
+        </p:txBody>
+      </p:sp>
+      <p:sp>
+        <p:nvSpPr>
+          <p:cNvPr id="4" name="Footer Placeholder 3">
+            <a:extLst>
+              <a:ext uri="{FF2B5EF4-FFF2-40B4-BE49-F238E27FC236}">
+                <a16:creationId xmlns:a16="http://schemas.microsoft.com/office/drawing/2014/main" id="{5903E1D5-CB82-AF3F-FEC7-BF62B5A59185}"/>
+              </a:ext>
+            </a:extLst>
+          </p:cNvPr>
+          <p:cNvSpPr>
+            <a:spLocks noGrp="1"/>
+          </p:cNvSpPr>
+          <p:nvPr>
+            <p:ph type="ftr" sz="quarter" idx="3"/>
+          </p:nvPr>
+        </p:nvSpPr>
+        <p:spPr/>
+        <p:txBody>
+          <a:bodyPr/>
+          <a:lstStyle/>
+          <a:p>
+            <a:r>
+              <a:rPr lang="en-GB"/>
+              <a:t>© Imperial College London</a:t>
+            </a:r>
+            <a:endParaRPr lang="en-US" dirty="0"/>
+          </a:p>
+        </p:txBody>
+      </p:sp>
+      <p:sp>
+        <p:nvSpPr>
+          <p:cNvPr id="5" name="Slide Number Placeholder 4">
+            <a:extLst>
+              <a:ext uri="{FF2B5EF4-FFF2-40B4-BE49-F238E27FC236}">
+                <a16:creationId xmlns:a16="http://schemas.microsoft.com/office/drawing/2014/main" id="{004AF3A9-D666-0062-2E05-B2B316F6BDB9}"/>
+              </a:ext>
+            </a:extLst>
+          </p:cNvPr>
+          <p:cNvSpPr>
+            <a:spLocks noGrp="1"/>
+          </p:cNvSpPr>
+          <p:nvPr>
+            <p:ph type="sldNum" sz="quarter" idx="4"/>
+          </p:nvPr>
+        </p:nvSpPr>
+        <p:spPr/>
+        <p:txBody>
+          <a:bodyPr/>
+          <a:lstStyle/>
+          <a:p>
+            <a:pPr algn="ctr"/>
+            <a:r>
+              <a:rPr lang="en-US"/>
+              <a:t>Slide </a:t>
+            </a:r>
+            <a:fld id="{3C70A08B-371D-5A4D-978C-9F5470823ED6}" type="slidenum">
+              <a:rPr lang="en-US" smtClean="0"/>
+              <a:pPr algn="ctr"/>
+              <a:t>27</a:t>
+            </a:fld>
+            <a:endParaRPr lang="en-US" dirty="0"/>
+          </a:p>
+        </p:txBody>
+      </p:sp>
+    </p:spTree>
+    <p:extLst>
+      <p:ext uri="{BB962C8B-B14F-4D97-AF65-F5344CB8AC3E}">
+        <p14:creationId xmlns:p14="http://schemas.microsoft.com/office/powerpoint/2010/main" val="1457185580"/>
+      </p:ext>
+    </p:extLst>
+  </p:cSld>
+  <p:clrMapOvr>
+    <a:masterClrMapping/>
+  </p:clrMapOvr>
+</p:sld>
+</file>
+
 <file path=ppt/slides/slide28.xml><?xml version="1.0" encoding="utf-8"?>
 <p:sld xmlns:a="http://schemas.openxmlformats.org/drawingml/2006/main" xmlns:r="http://schemas.openxmlformats.org/officeDocument/2006/relationships" xmlns:p="http://schemas.openxmlformats.org/presentationml/2006/main">
   <p:cSld>
@@ -19434,28 +19290,21 @@
             <p:ph idx="1"/>
           </p:nvPr>
         </p:nvSpPr>
-        <p:spPr/>
+        <p:spPr>
+          <a:xfrm>
+            <a:off x="457200" y="1340708"/>
+            <a:ext cx="8415867" cy="4818599"/>
+          </a:xfrm>
+        </p:spPr>
         <p:txBody>
-          <a:bodyPr anchor="ctr">
+          <a:bodyPr anchor="t">
             <a:normAutofit/>
           </a:bodyPr>
           <a:lstStyle/>
           <a:p>
             <a:r>
               <a:rPr lang="en-US" b="0" dirty="0"/>
-              <a:t>The last approach discussed is an extension of UNIQUAC: UNQUAC Functional-group Activity Coefficient (UNIFAC) model.</a:t>
-            </a:r>
-          </a:p>
-          <a:p>
-            <a:r>
-              <a:rPr lang="en-US" b="0" dirty="0"/>
-              <a:t>It is a group-contribution based approach (i.e. more extensible than UNIQUAC)</a:t>
-            </a:r>
-          </a:p>
-          <a:p>
-            <a:r>
-              <a:rPr lang="en-US" b="0" dirty="0"/>
-              <a:t>The formalism is the same as UNIQUAC. We are now concerned about the local composition around groups instead of species.</a:t>
+              <a:t>Interestingly, despite being a group-contribution based method, it can be more-accurate than UNIQUAC:</a:t>
             </a:r>
           </a:p>
         </p:txBody>
@@ -19524,10 +19373,40 @@
           </a:p>
         </p:txBody>
       </p:sp>
+      <p:pic>
+        <p:nvPicPr>
+          <p:cNvPr id="7" name="Picture 6">
+            <a:extLst>
+              <a:ext uri="{FF2B5EF4-FFF2-40B4-BE49-F238E27FC236}">
+                <a16:creationId xmlns:a16="http://schemas.microsoft.com/office/drawing/2014/main" id="{5BD22B6B-0E59-3B37-2012-E5436CA693D2}"/>
+              </a:ext>
+            </a:extLst>
+          </p:cNvPr>
+          <p:cNvPicPr>
+            <a:picLocks noChangeAspect="1"/>
+          </p:cNvPicPr>
+          <p:nvPr/>
+        </p:nvPicPr>
+        <p:blipFill>
+          <a:blip r:embed="rId3"/>
+          <a:stretch>
+            <a:fillRect/>
+          </a:stretch>
+        </p:blipFill>
+        <p:spPr>
+          <a:xfrm>
+            <a:off x="1816372" y="2620294"/>
+            <a:ext cx="5511255" cy="3674170"/>
+          </a:xfrm>
+          <a:prstGeom prst="rect">
+            <a:avLst/>
+          </a:prstGeom>
+        </p:spPr>
+      </p:pic>
     </p:spTree>
     <p:extLst>
       <p:ext uri="{BB962C8B-B14F-4D97-AF65-F5344CB8AC3E}">
-        <p14:creationId xmlns:p14="http://schemas.microsoft.com/office/powerpoint/2010/main" val="1457185580"/>
+        <p14:creationId xmlns:p14="http://schemas.microsoft.com/office/powerpoint/2010/main" val="683486917"/>
       </p:ext>
     </p:extLst>
   </p:cSld>
@@ -19582,41 +19461,338 @@
           </a:p>
         </p:txBody>
       </p:sp>
-      <p:sp>
-        <p:nvSpPr>
-          <p:cNvPr id="3" name="Content Placeholder 2">
-            <a:extLst>
-              <a:ext uri="{FF2B5EF4-FFF2-40B4-BE49-F238E27FC236}">
-                <a16:creationId xmlns:a16="http://schemas.microsoft.com/office/drawing/2014/main" id="{1B13B510-F4CE-D1CE-82E0-0563D7E44041}"/>
-              </a:ext>
-            </a:extLst>
-          </p:cNvPr>
-          <p:cNvSpPr>
-            <a:spLocks noGrp="1"/>
-          </p:cNvSpPr>
-          <p:nvPr>
-            <p:ph idx="1"/>
-          </p:nvPr>
-        </p:nvSpPr>
-        <p:spPr>
-          <a:xfrm>
-            <a:off x="457200" y="1340708"/>
-            <a:ext cx="8415867" cy="4818599"/>
-          </a:xfrm>
-        </p:spPr>
-        <p:txBody>
-          <a:bodyPr anchor="t">
-            <a:normAutofit/>
-          </a:bodyPr>
-          <a:lstStyle/>
-          <a:p>
-            <a:r>
-              <a:rPr lang="en-US" b="0" dirty="0"/>
-              <a:t>Interestingly, despite being a group-contribution based method, it can be more-accurate than UNIQUAC:</a:t>
-            </a:r>
-          </a:p>
-        </p:txBody>
-      </p:sp>
+      <mc:AlternateContent xmlns:mc="http://schemas.openxmlformats.org/markup-compatibility/2006" xmlns:a14="http://schemas.microsoft.com/office/drawing/2010/main">
+        <mc:Choice Requires="a14">
+          <p:sp>
+            <p:nvSpPr>
+              <p:cNvPr id="3" name="Content Placeholder 2">
+                <a:extLst>
+                  <a:ext uri="{FF2B5EF4-FFF2-40B4-BE49-F238E27FC236}">
+                    <a16:creationId xmlns:a16="http://schemas.microsoft.com/office/drawing/2014/main" id="{1B13B510-F4CE-D1CE-82E0-0563D7E44041}"/>
+                  </a:ext>
+                </a:extLst>
+              </p:cNvPr>
+              <p:cNvSpPr>
+                <a:spLocks noGrp="1"/>
+              </p:cNvSpPr>
+              <p:nvPr>
+                <p:ph idx="1"/>
+              </p:nvPr>
+            </p:nvSpPr>
+            <p:spPr/>
+            <p:txBody>
+              <a:bodyPr anchor="t">
+                <a:normAutofit/>
+              </a:bodyPr>
+              <a:lstStyle/>
+              <a:p>
+                <a:r>
+                  <a:rPr lang="en-US" b="0" dirty="0"/>
+                  <a:t>WARNING: There are many different versions of UNIFAC in literature!</a:t>
+                </a:r>
+              </a:p>
+              <a:p>
+                <a:r>
+                  <a:rPr lang="en-US" b="0" dirty="0"/>
+                  <a:t>The original UNIFAC (1979) has been replaced by Dortmund UNIFAC (1987):</a:t>
+                </a:r>
+              </a:p>
+              <a:p>
+                <a:pPr lvl="1"/>
+                <a:r>
+                  <a:rPr lang="en-US" b="0" dirty="0"/>
+                  <a:t>Has more groups (over 200)</a:t>
+                </a:r>
+              </a:p>
+              <a:p>
+                <a:pPr lvl="1"/>
+                <a:r>
+                  <a:rPr lang="en-US" dirty="0"/>
+                  <a:t>Improves on the original UNIFAC by modifying </a:t>
+                </a:r>
+                <a14:m>
+                  <m:oMath xmlns:m="http://schemas.openxmlformats.org/officeDocument/2006/math">
+                    <m:sSub>
+                      <m:sSubPr>
+                        <m:ctrlPr>
+                          <a:rPr lang="en-US" b="0" i="1" smtClean="0">
+                            <a:latin typeface="Cambria Math" panose="02040503050406030204" pitchFamily="18" charset="0"/>
+                          </a:rPr>
+                        </m:ctrlPr>
+                      </m:sSubPr>
+                      <m:e>
+                        <m:r>
+                          <a:rPr lang="en-US" b="0" i="1" smtClean="0">
+                            <a:latin typeface="Cambria Math" panose="02040503050406030204" pitchFamily="18" charset="0"/>
+                          </a:rPr>
+                          <m:t>𝑎</m:t>
+                        </m:r>
+                      </m:e>
+                      <m:sub>
+                        <m:r>
+                          <a:rPr lang="en-US" b="0" i="1" smtClean="0">
+                            <a:latin typeface="Cambria Math" panose="02040503050406030204" pitchFamily="18" charset="0"/>
+                          </a:rPr>
+                          <m:t>𝑘𝑙</m:t>
+                        </m:r>
+                      </m:sub>
+                    </m:sSub>
+                  </m:oMath>
+                </a14:m>
+                <a:r>
+                  <a:rPr lang="en-US" b="0" dirty="0"/>
+                  <a:t> parameter:</a:t>
+                </a:r>
+                <a:br>
+                  <a:rPr lang="en-US" b="0" dirty="0"/>
+                </a:br>
+                <a14:m>
+                  <m:oMath xmlns:m="http://schemas.openxmlformats.org/officeDocument/2006/math">
+                    <m:sSub>
+                      <m:sSubPr>
+                        <m:ctrlPr>
+                          <a:rPr lang="en-US" b="0" i="1" smtClean="0">
+                            <a:latin typeface="Cambria Math" panose="02040503050406030204" pitchFamily="18" charset="0"/>
+                          </a:rPr>
+                        </m:ctrlPr>
+                      </m:sSubPr>
+                      <m:e>
+                        <m:r>
+                          <a:rPr lang="en-US" b="0" i="1" smtClean="0">
+                            <a:latin typeface="Cambria Math" panose="02040503050406030204" pitchFamily="18" charset="0"/>
+                          </a:rPr>
+                          <m:t>𝑎</m:t>
+                        </m:r>
+                      </m:e>
+                      <m:sub>
+                        <m:r>
+                          <a:rPr lang="en-US" b="0" i="1" smtClean="0">
+                            <a:latin typeface="Cambria Math" panose="02040503050406030204" pitchFamily="18" charset="0"/>
+                          </a:rPr>
+                          <m:t>𝑘𝑙</m:t>
+                        </m:r>
+                      </m:sub>
+                    </m:sSub>
+                    <m:r>
+                      <a:rPr lang="en-US" b="0" i="1" smtClean="0">
+                        <a:latin typeface="Cambria Math" panose="02040503050406030204" pitchFamily="18" charset="0"/>
+                      </a:rPr>
+                      <m:t>=</m:t>
+                    </m:r>
+                    <m:sSub>
+                      <m:sSubPr>
+                        <m:ctrlPr>
+                          <a:rPr lang="en-US" b="0" i="1" smtClean="0">
+                            <a:latin typeface="Cambria Math" panose="02040503050406030204" pitchFamily="18" charset="0"/>
+                          </a:rPr>
+                        </m:ctrlPr>
+                      </m:sSubPr>
+                      <m:e>
+                        <m:r>
+                          <a:rPr lang="en-US" b="0" i="1" smtClean="0">
+                            <a:latin typeface="Cambria Math" panose="02040503050406030204" pitchFamily="18" charset="0"/>
+                          </a:rPr>
+                          <m:t>𝐴</m:t>
+                        </m:r>
+                      </m:e>
+                      <m:sub>
+                        <m:r>
+                          <a:rPr lang="en-US" b="0" i="1" smtClean="0">
+                            <a:latin typeface="Cambria Math" panose="02040503050406030204" pitchFamily="18" charset="0"/>
+                          </a:rPr>
+                          <m:t>𝑘𝑙</m:t>
+                        </m:r>
+                      </m:sub>
+                    </m:sSub>
+                    <m:r>
+                      <a:rPr lang="en-US" b="0" i="1" smtClean="0">
+                        <a:latin typeface="Cambria Math" panose="02040503050406030204" pitchFamily="18" charset="0"/>
+                      </a:rPr>
+                      <m:t>+</m:t>
+                    </m:r>
+                    <m:sSub>
+                      <m:sSubPr>
+                        <m:ctrlPr>
+                          <a:rPr lang="en-US" b="0" i="1" smtClean="0">
+                            <a:latin typeface="Cambria Math" panose="02040503050406030204" pitchFamily="18" charset="0"/>
+                          </a:rPr>
+                        </m:ctrlPr>
+                      </m:sSubPr>
+                      <m:e>
+                        <m:r>
+                          <a:rPr lang="en-US" b="0" i="1" smtClean="0">
+                            <a:latin typeface="Cambria Math" panose="02040503050406030204" pitchFamily="18" charset="0"/>
+                          </a:rPr>
+                          <m:t>𝐵</m:t>
+                        </m:r>
+                      </m:e>
+                      <m:sub>
+                        <m:r>
+                          <a:rPr lang="en-US" b="0" i="1" smtClean="0">
+                            <a:latin typeface="Cambria Math" panose="02040503050406030204" pitchFamily="18" charset="0"/>
+                          </a:rPr>
+                          <m:t>𝑘𝑙</m:t>
+                        </m:r>
+                      </m:sub>
+                    </m:sSub>
+                    <m:r>
+                      <a:rPr lang="en-US" b="0" i="1" smtClean="0">
+                        <a:latin typeface="Cambria Math" panose="02040503050406030204" pitchFamily="18" charset="0"/>
+                      </a:rPr>
+                      <m:t>𝑇</m:t>
+                    </m:r>
+                    <m:r>
+                      <a:rPr lang="en-US" b="0" i="1" smtClean="0">
+                        <a:latin typeface="Cambria Math" panose="02040503050406030204" pitchFamily="18" charset="0"/>
+                      </a:rPr>
+                      <m:t>+</m:t>
+                    </m:r>
+                    <m:sSub>
+                      <m:sSubPr>
+                        <m:ctrlPr>
+                          <a:rPr lang="en-US" b="0" i="1" smtClean="0">
+                            <a:latin typeface="Cambria Math" panose="02040503050406030204" pitchFamily="18" charset="0"/>
+                          </a:rPr>
+                        </m:ctrlPr>
+                      </m:sSubPr>
+                      <m:e>
+                        <m:r>
+                          <a:rPr lang="en-US" b="0" i="1" smtClean="0">
+                            <a:latin typeface="Cambria Math" panose="02040503050406030204" pitchFamily="18" charset="0"/>
+                          </a:rPr>
+                          <m:t>𝐶</m:t>
+                        </m:r>
+                      </m:e>
+                      <m:sub>
+                        <m:r>
+                          <a:rPr lang="en-US" b="0" i="1" smtClean="0">
+                            <a:latin typeface="Cambria Math" panose="02040503050406030204" pitchFamily="18" charset="0"/>
+                          </a:rPr>
+                          <m:t>𝑘𝑙</m:t>
+                        </m:r>
+                      </m:sub>
+                    </m:sSub>
+                    <m:sSup>
+                      <m:sSupPr>
+                        <m:ctrlPr>
+                          <a:rPr lang="en-US" b="0" i="1" smtClean="0">
+                            <a:latin typeface="Cambria Math" panose="02040503050406030204" pitchFamily="18" charset="0"/>
+                          </a:rPr>
+                        </m:ctrlPr>
+                      </m:sSupPr>
+                      <m:e>
+                        <m:r>
+                          <a:rPr lang="en-US" b="0" i="1" smtClean="0">
+                            <a:latin typeface="Cambria Math" panose="02040503050406030204" pitchFamily="18" charset="0"/>
+                          </a:rPr>
+                          <m:t>𝑇</m:t>
+                        </m:r>
+                      </m:e>
+                      <m:sup>
+                        <m:r>
+                          <a:rPr lang="en-US" b="0" i="1" smtClean="0">
+                            <a:latin typeface="Cambria Math" panose="02040503050406030204" pitchFamily="18" charset="0"/>
+                          </a:rPr>
+                          <m:t>2</m:t>
+                        </m:r>
+                      </m:sup>
+                    </m:sSup>
+                  </m:oMath>
+                </a14:m>
+                <a:br>
+                  <a:rPr lang="en-US" b="0" dirty="0"/>
+                </a:br>
+                <a:r>
+                  <a:rPr lang="en-US" i="1" dirty="0"/>
+                  <a:t>N.B. </a:t>
+                </a:r>
+                <a14:m>
+                  <m:oMath xmlns:m="http://schemas.openxmlformats.org/officeDocument/2006/math">
+                    <m:r>
+                      <a:rPr lang="en-US" b="0" i="1" smtClean="0">
+                        <a:latin typeface="Cambria Math" panose="02040503050406030204" pitchFamily="18" charset="0"/>
+                      </a:rPr>
+                      <m:t>𝑖𝑗</m:t>
+                    </m:r>
+                  </m:oMath>
+                </a14:m>
+                <a:r>
+                  <a:rPr lang="en-US" b="0" dirty="0"/>
+                  <a:t> is replaced with </a:t>
+                </a:r>
+                <a14:m>
+                  <m:oMath xmlns:m="http://schemas.openxmlformats.org/officeDocument/2006/math">
+                    <m:r>
+                      <a:rPr lang="en-US" b="0" i="1" smtClean="0">
+                        <a:latin typeface="Cambria Math" panose="02040503050406030204" pitchFamily="18" charset="0"/>
+                      </a:rPr>
+                      <m:t>𝑘𝑙</m:t>
+                    </m:r>
+                  </m:oMath>
+                </a14:m>
+                <a:r>
+                  <a:rPr lang="en-US" b="0" dirty="0"/>
+                  <a:t> to denote groups instead of species.</a:t>
+                </a:r>
+              </a:p>
+              <a:p>
+                <a:r>
+                  <a:rPr lang="en-US" b="0" dirty="0"/>
+                  <a:t>This is </a:t>
+                </a:r>
+                <a:r>
+                  <a:rPr lang="en-US" b="0" i="1" dirty="0"/>
+                  <a:t>usually</a:t>
+                </a:r>
+                <a:r>
+                  <a:rPr lang="en-US" b="0" dirty="0"/>
+                  <a:t> the version used in literature.</a:t>
+                </a:r>
+                <a:endParaRPr lang="en-US" dirty="0"/>
+              </a:p>
+            </p:txBody>
+          </p:sp>
+        </mc:Choice>
+        <mc:Fallback xmlns="">
+          <p:sp>
+            <p:nvSpPr>
+              <p:cNvPr id="3" name="Content Placeholder 2">
+                <a:extLst>
+                  <a:ext uri="{FF2B5EF4-FFF2-40B4-BE49-F238E27FC236}">
+                    <a16:creationId xmlns:a16="http://schemas.microsoft.com/office/drawing/2014/main" id="{1B13B510-F4CE-D1CE-82E0-0563D7E44041}"/>
+                  </a:ext>
+                </a:extLst>
+              </p:cNvPr>
+              <p:cNvSpPr>
+                <a:spLocks noGrp="1" noRot="1" noChangeAspect="1" noMove="1" noResize="1" noEditPoints="1" noAdjustHandles="1" noChangeArrowheads="1" noChangeShapeType="1" noTextEdit="1"/>
+              </p:cNvSpPr>
+              <p:nvPr>
+                <p:ph idx="1"/>
+              </p:nvPr>
+            </p:nvSpPr>
+            <p:spPr>
+              <a:blipFill>
+                <a:blip r:embed="rId3"/>
+                <a:stretch>
+                  <a:fillRect l="-1357" t="-1579" b="-1579"/>
+                </a:stretch>
+              </a:blipFill>
+            </p:spPr>
+            <p:txBody>
+              <a:bodyPr/>
+              <a:lstStyle/>
+              <a:p>
+                <a:r>
+                  <a:rPr lang="en-US">
+                    <a:noFill/>
+                  </a:rPr>
+                  <a:t> </a:t>
+                </a:r>
+              </a:p>
+            </p:txBody>
+          </p:sp>
+        </mc:Fallback>
+      </mc:AlternateContent>
       <p:sp>
         <p:nvSpPr>
           <p:cNvPr id="4" name="Footer Placeholder 3">
@@ -19681,40 +19857,10 @@
           </a:p>
         </p:txBody>
       </p:sp>
-      <p:pic>
-        <p:nvPicPr>
-          <p:cNvPr id="7" name="Picture 6">
-            <a:extLst>
-              <a:ext uri="{FF2B5EF4-FFF2-40B4-BE49-F238E27FC236}">
-                <a16:creationId xmlns:a16="http://schemas.microsoft.com/office/drawing/2014/main" id="{5BD22B6B-0E59-3B37-2012-E5436CA693D2}"/>
-              </a:ext>
-            </a:extLst>
-          </p:cNvPr>
-          <p:cNvPicPr>
-            <a:picLocks noChangeAspect="1"/>
-          </p:cNvPicPr>
-          <p:nvPr/>
-        </p:nvPicPr>
-        <p:blipFill>
-          <a:blip r:embed="rId3"/>
-          <a:stretch>
-            <a:fillRect/>
-          </a:stretch>
-        </p:blipFill>
-        <p:spPr>
-          <a:xfrm>
-            <a:off x="1816372" y="2620294"/>
-            <a:ext cx="5511255" cy="3674170"/>
-          </a:xfrm>
-          <a:prstGeom prst="rect">
-            <a:avLst/>
-          </a:prstGeom>
-        </p:spPr>
-      </p:pic>
     </p:spTree>
     <p:extLst>
       <p:ext uri="{BB962C8B-B14F-4D97-AF65-F5344CB8AC3E}">
-        <p14:creationId xmlns:p14="http://schemas.microsoft.com/office/powerpoint/2010/main" val="683486917"/>
+        <p14:creationId xmlns:p14="http://schemas.microsoft.com/office/powerpoint/2010/main" val="831837148"/>
       </p:ext>
     </p:extLst>
   </p:cSld>
@@ -19769,8 +19915,8 @@
           </a:p>
         </p:txBody>
       </p:sp>
-      <mc:AlternateContent xmlns:mc="http://schemas.openxmlformats.org/markup-compatibility/2006">
-        <mc:Choice xmlns:a14="http://schemas.microsoft.com/office/drawing/2010/main" Requires="a14">
+      <mc:AlternateContent xmlns:mc="http://schemas.openxmlformats.org/markup-compatibility/2006" xmlns:a14="http://schemas.microsoft.com/office/drawing/2010/main">
+        <mc:Choice Requires="a14">
           <p:sp>
             <p:nvSpPr>
               <p:cNvPr id="3" name="Content Placeholder 2">
@@ -19792,7 +19938,6 @@
               <a:bodyPr anchor="ctr"/>
               <a:lstStyle/>
               <a:p>
-                <a:pPr/>
                 <a:r>
                   <a:rPr lang="en-GB" b="0" dirty="0"/>
                   <a:t>If a pure fluid is at its saturation point, then:</a:t>
@@ -20211,7 +20356,7 @@
                     <m:f>
                       <m:fPr>
                         <m:ctrlPr>
-                          <a:rPr lang="en-US" b="0" i="0" smtClean="0">
+                          <a:rPr lang="en-US" b="0" i="1" smtClean="0">
                             <a:latin typeface="Cambria Math" panose="02040503050406030204" pitchFamily="18" charset="0"/>
                           </a:rPr>
                         </m:ctrlPr>
@@ -20355,7 +20500,7 @@
             </p:txBody>
           </p:sp>
         </mc:Choice>
-        <mc:Fallback>
+        <mc:Fallback xmlns="">
           <p:sp>
             <p:nvSpPr>
               <p:cNvPr id="3" name="Content Placeholder 2">
@@ -20512,343 +20657,76 @@
           <a:p>
             <a:r>
               <a:rPr lang="en-US" dirty="0"/>
-              <a:t>UNIFAC Model</a:t>
+              <a:t>Key Points</a:t>
             </a:r>
           </a:p>
         </p:txBody>
       </p:sp>
-      <mc:AlternateContent xmlns:mc="http://schemas.openxmlformats.org/markup-compatibility/2006">
-        <mc:Choice xmlns:a14="http://schemas.microsoft.com/office/drawing/2010/main" Requires="a14">
-          <p:sp>
-            <p:nvSpPr>
-              <p:cNvPr id="3" name="Content Placeholder 2">
-                <a:extLst>
-                  <a:ext uri="{FF2B5EF4-FFF2-40B4-BE49-F238E27FC236}">
-                    <a16:creationId xmlns:a16="http://schemas.microsoft.com/office/drawing/2014/main" id="{1B13B510-F4CE-D1CE-82E0-0563D7E44041}"/>
-                  </a:ext>
-                </a:extLst>
-              </p:cNvPr>
-              <p:cNvSpPr>
-                <a:spLocks noGrp="1"/>
-              </p:cNvSpPr>
-              <p:nvPr>
-                <p:ph idx="1"/>
-              </p:nvPr>
-            </p:nvSpPr>
-            <p:spPr/>
-            <p:txBody>
-              <a:bodyPr anchor="t">
-                <a:normAutofit/>
-              </a:bodyPr>
-              <a:lstStyle/>
-              <a:p>
-                <a:r>
-                  <a:rPr lang="en-US" b="0" dirty="0"/>
-                  <a:t>WARNING: There are many different versions of UNIFAC in literature!</a:t>
-                </a:r>
-              </a:p>
-              <a:p>
-                <a:r>
-                  <a:rPr lang="en-US" b="0" dirty="0"/>
-                  <a:t>The original UNIFAC (1979) has been replaced by Dortmund UNIFAC (1987):</a:t>
-                </a:r>
-              </a:p>
-              <a:p>
-                <a:pPr lvl="1"/>
-                <a:r>
-                  <a:rPr lang="en-US" b="0" dirty="0"/>
-                  <a:t>Has more groups (over 200)</a:t>
-                </a:r>
-              </a:p>
-              <a:p>
-                <a:pPr lvl="1"/>
-                <a:r>
-                  <a:rPr lang="en-US" dirty="0"/>
-                  <a:t>Improves on the original UNIFAC by modifying </a:t>
-                </a:r>
-                <a14:m>
-                  <m:oMath xmlns:m="http://schemas.openxmlformats.org/officeDocument/2006/math">
-                    <m:sSub>
-                      <m:sSubPr>
-                        <m:ctrlPr>
-                          <a:rPr lang="en-US" b="0" i="1" smtClean="0">
-                            <a:latin typeface="Cambria Math" panose="02040503050406030204" pitchFamily="18" charset="0"/>
-                          </a:rPr>
-                        </m:ctrlPr>
-                      </m:sSubPr>
-                      <m:e>
-                        <m:r>
-                          <a:rPr lang="en-US" b="0" i="1" smtClean="0">
-                            <a:latin typeface="Cambria Math" panose="02040503050406030204" pitchFamily="18" charset="0"/>
-                          </a:rPr>
-                          <m:t>𝑎</m:t>
-                        </m:r>
-                      </m:e>
-                      <m:sub>
-                        <m:r>
-                          <a:rPr lang="en-US" b="0" i="1" smtClean="0">
-                            <a:latin typeface="Cambria Math" panose="02040503050406030204" pitchFamily="18" charset="0"/>
-                          </a:rPr>
-                          <m:t>𝑘𝑙</m:t>
-                        </m:r>
-                      </m:sub>
-                    </m:sSub>
-                  </m:oMath>
-                </a14:m>
-                <a:r>
-                  <a:rPr lang="en-US" b="0" dirty="0"/>
-                  <a:t> parameter:</a:t>
-                </a:r>
-                <a:br>
-                  <a:rPr lang="en-US" b="0" dirty="0"/>
-                </a:br>
-                <a14:m>
-                  <m:oMath xmlns:m="http://schemas.openxmlformats.org/officeDocument/2006/math">
-                    <m:sSub>
-                      <m:sSubPr>
-                        <m:ctrlPr>
-                          <a:rPr lang="en-US" b="0" i="1" smtClean="0">
-                            <a:latin typeface="Cambria Math" panose="02040503050406030204" pitchFamily="18" charset="0"/>
-                          </a:rPr>
-                        </m:ctrlPr>
-                      </m:sSubPr>
-                      <m:e>
-                        <m:r>
-                          <a:rPr lang="en-US" b="0" i="1" smtClean="0">
-                            <a:latin typeface="Cambria Math" panose="02040503050406030204" pitchFamily="18" charset="0"/>
-                          </a:rPr>
-                          <m:t>𝑎</m:t>
-                        </m:r>
-                      </m:e>
-                      <m:sub>
-                        <m:r>
-                          <a:rPr lang="en-US" b="0" i="1" smtClean="0">
-                            <a:latin typeface="Cambria Math" panose="02040503050406030204" pitchFamily="18" charset="0"/>
-                          </a:rPr>
-                          <m:t>𝑘𝑙</m:t>
-                        </m:r>
-                      </m:sub>
-                    </m:sSub>
-                    <m:r>
-                      <a:rPr lang="en-US" b="0" i="1" smtClean="0">
-                        <a:latin typeface="Cambria Math" panose="02040503050406030204" pitchFamily="18" charset="0"/>
-                      </a:rPr>
-                      <m:t>=</m:t>
-                    </m:r>
-                    <m:sSub>
-                      <m:sSubPr>
-                        <m:ctrlPr>
-                          <a:rPr lang="en-US" b="0" i="1" smtClean="0">
-                            <a:latin typeface="Cambria Math" panose="02040503050406030204" pitchFamily="18" charset="0"/>
-                          </a:rPr>
-                        </m:ctrlPr>
-                      </m:sSubPr>
-                      <m:e>
-                        <m:r>
-                          <a:rPr lang="en-US" b="0" i="1" smtClean="0">
-                            <a:latin typeface="Cambria Math" panose="02040503050406030204" pitchFamily="18" charset="0"/>
-                          </a:rPr>
-                          <m:t>𝐴</m:t>
-                        </m:r>
-                      </m:e>
-                      <m:sub>
-                        <m:r>
-                          <a:rPr lang="en-US" b="0" i="1" smtClean="0">
-                            <a:latin typeface="Cambria Math" panose="02040503050406030204" pitchFamily="18" charset="0"/>
-                          </a:rPr>
-                          <m:t>𝑘𝑙</m:t>
-                        </m:r>
-                      </m:sub>
-                    </m:sSub>
-                    <m:r>
-                      <a:rPr lang="en-US" b="0" i="1" smtClean="0">
-                        <a:latin typeface="Cambria Math" panose="02040503050406030204" pitchFamily="18" charset="0"/>
-                      </a:rPr>
-                      <m:t>+</m:t>
-                    </m:r>
-                    <m:sSub>
-                      <m:sSubPr>
-                        <m:ctrlPr>
-                          <a:rPr lang="en-US" b="0" i="1" smtClean="0">
-                            <a:latin typeface="Cambria Math" panose="02040503050406030204" pitchFamily="18" charset="0"/>
-                          </a:rPr>
-                        </m:ctrlPr>
-                      </m:sSubPr>
-                      <m:e>
-                        <m:r>
-                          <a:rPr lang="en-US" b="0" i="1" smtClean="0">
-                            <a:latin typeface="Cambria Math" panose="02040503050406030204" pitchFamily="18" charset="0"/>
-                          </a:rPr>
-                          <m:t>𝐵</m:t>
-                        </m:r>
-                      </m:e>
-                      <m:sub>
-                        <m:r>
-                          <a:rPr lang="en-US" b="0" i="1" smtClean="0">
-                            <a:latin typeface="Cambria Math" panose="02040503050406030204" pitchFamily="18" charset="0"/>
-                          </a:rPr>
-                          <m:t>𝑘𝑙</m:t>
-                        </m:r>
-                      </m:sub>
-                    </m:sSub>
-                    <m:r>
-                      <a:rPr lang="en-US" b="0" i="1" smtClean="0">
-                        <a:latin typeface="Cambria Math" panose="02040503050406030204" pitchFamily="18" charset="0"/>
-                      </a:rPr>
-                      <m:t>𝑇</m:t>
-                    </m:r>
-                    <m:r>
-                      <a:rPr lang="en-US" b="0" i="1" smtClean="0">
-                        <a:latin typeface="Cambria Math" panose="02040503050406030204" pitchFamily="18" charset="0"/>
-                      </a:rPr>
-                      <m:t>+</m:t>
-                    </m:r>
-                    <m:sSub>
-                      <m:sSubPr>
-                        <m:ctrlPr>
-                          <a:rPr lang="en-US" b="0" i="1" smtClean="0">
-                            <a:latin typeface="Cambria Math" panose="02040503050406030204" pitchFamily="18" charset="0"/>
-                          </a:rPr>
-                        </m:ctrlPr>
-                      </m:sSubPr>
-                      <m:e>
-                        <m:r>
-                          <a:rPr lang="en-US" b="0" i="1" smtClean="0">
-                            <a:latin typeface="Cambria Math" panose="02040503050406030204" pitchFamily="18" charset="0"/>
-                          </a:rPr>
-                          <m:t>𝐶</m:t>
-                        </m:r>
-                      </m:e>
-                      <m:sub>
-                        <m:r>
-                          <a:rPr lang="en-US" b="0" i="1" smtClean="0">
-                            <a:latin typeface="Cambria Math" panose="02040503050406030204" pitchFamily="18" charset="0"/>
-                          </a:rPr>
-                          <m:t>𝑘𝑙</m:t>
-                        </m:r>
-                      </m:sub>
-                    </m:sSub>
-                    <m:sSup>
-                      <m:sSupPr>
-                        <m:ctrlPr>
-                          <a:rPr lang="en-US" b="0" i="1" smtClean="0">
-                            <a:latin typeface="Cambria Math" panose="02040503050406030204" pitchFamily="18" charset="0"/>
-                          </a:rPr>
-                        </m:ctrlPr>
-                      </m:sSupPr>
-                      <m:e>
-                        <m:r>
-                          <a:rPr lang="en-US" b="0" i="1" smtClean="0">
-                            <a:latin typeface="Cambria Math" panose="02040503050406030204" pitchFamily="18" charset="0"/>
-                          </a:rPr>
-                          <m:t>𝑇</m:t>
-                        </m:r>
-                      </m:e>
-                      <m:sup>
-                        <m:r>
-                          <a:rPr lang="en-US" b="0" i="1" smtClean="0">
-                            <a:latin typeface="Cambria Math" panose="02040503050406030204" pitchFamily="18" charset="0"/>
-                          </a:rPr>
-                          <m:t>2</m:t>
-                        </m:r>
-                      </m:sup>
-                    </m:sSup>
-                  </m:oMath>
-                </a14:m>
-                <a:br>
-                  <a:rPr lang="en-US" b="0" dirty="0"/>
-                </a:br>
-                <a:r>
-                  <a:rPr lang="en-US" i="1" dirty="0"/>
-                  <a:t>N.B. </a:t>
-                </a:r>
-                <a14:m>
-                  <m:oMath xmlns:m="http://schemas.openxmlformats.org/officeDocument/2006/math">
-                    <m:r>
-                      <a:rPr lang="en-US" b="0" i="1" smtClean="0">
-                        <a:latin typeface="Cambria Math" panose="02040503050406030204" pitchFamily="18" charset="0"/>
-                      </a:rPr>
-                      <m:t>𝑖𝑗</m:t>
-                    </m:r>
-                  </m:oMath>
-                </a14:m>
-                <a:r>
-                  <a:rPr lang="en-US" b="0" dirty="0"/>
-                  <a:t> is replaced with </a:t>
-                </a:r>
-                <a14:m>
-                  <m:oMath xmlns:m="http://schemas.openxmlformats.org/officeDocument/2006/math">
-                    <m:r>
-                      <a:rPr lang="en-US" b="0" i="1" smtClean="0">
-                        <a:latin typeface="Cambria Math" panose="02040503050406030204" pitchFamily="18" charset="0"/>
-                      </a:rPr>
-                      <m:t>𝑘𝑙</m:t>
-                    </m:r>
-                  </m:oMath>
-                </a14:m>
-                <a:r>
-                  <a:rPr lang="en-US" b="0" dirty="0"/>
-                  <a:t> to denote groups instead of species.</a:t>
-                </a:r>
-              </a:p>
-              <a:p>
-                <a:r>
-                  <a:rPr lang="en-US" b="0" dirty="0"/>
-                  <a:t>This is </a:t>
-                </a:r>
-                <a:r>
-                  <a:rPr lang="en-US" b="0" i="1" dirty="0"/>
-                  <a:t>usually</a:t>
-                </a:r>
-                <a:r>
-                  <a:rPr lang="en-US" b="0" dirty="0"/>
-                  <a:t> the version used in literature.</a:t>
-                </a:r>
-                <a:endParaRPr lang="en-US" dirty="0"/>
-              </a:p>
-            </p:txBody>
-          </p:sp>
-        </mc:Choice>
-        <mc:Fallback>
-          <p:sp>
-            <p:nvSpPr>
-              <p:cNvPr id="3" name="Content Placeholder 2">
-                <a:extLst>
-                  <a:ext uri="{FF2B5EF4-FFF2-40B4-BE49-F238E27FC236}">
-                    <a16:creationId xmlns:a16="http://schemas.microsoft.com/office/drawing/2014/main" id="{1B13B510-F4CE-D1CE-82E0-0563D7E44041}"/>
-                  </a:ext>
-                </a:extLst>
-              </p:cNvPr>
-              <p:cNvSpPr>
-                <a:spLocks noGrp="1" noRot="1" noChangeAspect="1" noMove="1" noResize="1" noEditPoints="1" noAdjustHandles="1" noChangeArrowheads="1" noChangeShapeType="1" noTextEdit="1"/>
-              </p:cNvSpPr>
-              <p:nvPr>
-                <p:ph idx="1"/>
-              </p:nvPr>
-            </p:nvSpPr>
-            <p:spPr>
-              <a:blipFill>
-                <a:blip r:embed="rId3"/>
-                <a:stretch>
-                  <a:fillRect l="-1357" t="-1579" b="-1579"/>
-                </a:stretch>
-              </a:blipFill>
-            </p:spPr>
-            <p:txBody>
-              <a:bodyPr/>
-              <a:lstStyle/>
-              <a:p>
-                <a:r>
-                  <a:rPr lang="en-US">
-                    <a:noFill/>
-                  </a:rPr>
-                  <a:t> </a:t>
-                </a:r>
-              </a:p>
-            </p:txBody>
-          </p:sp>
-        </mc:Fallback>
-      </mc:AlternateContent>
+      <p:sp>
+        <p:nvSpPr>
+          <p:cNvPr id="3" name="Content Placeholder 2">
+            <a:extLst>
+              <a:ext uri="{FF2B5EF4-FFF2-40B4-BE49-F238E27FC236}">
+                <a16:creationId xmlns:a16="http://schemas.microsoft.com/office/drawing/2014/main" id="{1B13B510-F4CE-D1CE-82E0-0563D7E44041}"/>
+              </a:ext>
+            </a:extLst>
+          </p:cNvPr>
+          <p:cNvSpPr>
+            <a:spLocks noGrp="1"/>
+          </p:cNvSpPr>
+          <p:nvPr>
+            <p:ph idx="1"/>
+          </p:nvPr>
+        </p:nvSpPr>
+        <p:spPr/>
+        <p:txBody>
+          <a:bodyPr anchor="ctr">
+            <a:normAutofit/>
+          </a:bodyPr>
+          <a:lstStyle/>
+          <a:p>
+            <a:r>
+              <a:rPr lang="en-US" b="0" dirty="0"/>
+              <a:t>Activity coefficient models provide easy ways to obtain complex equilibrium problems, with some limitations:</a:t>
+            </a:r>
+          </a:p>
+          <a:p>
+            <a:pPr lvl="1"/>
+            <a:r>
+              <a:rPr lang="en-US" dirty="0"/>
+              <a:t>Subcritical region only</a:t>
+            </a:r>
+          </a:p>
+          <a:p>
+            <a:pPr lvl="1"/>
+            <a:r>
+              <a:rPr lang="en-US" dirty="0"/>
+              <a:t>Needs an ancillary model to be useful and obtain bulk properties.</a:t>
+            </a:r>
+          </a:p>
+          <a:p>
+            <a:pPr lvl="1"/>
+            <a:r>
+              <a:rPr lang="en-US" dirty="0"/>
+              <a:t>Wilson is limited to just </a:t>
+            </a:r>
+            <a:r>
+              <a:rPr lang="en-US" dirty="0" err="1"/>
+              <a:t>vapour</a:t>
+            </a:r>
+            <a:r>
+              <a:rPr lang="en-US" dirty="0"/>
+              <a:t>-liquid equilibrium</a:t>
+            </a:r>
+          </a:p>
+          <a:p>
+            <a:r>
+              <a:rPr lang="en-US" b="0" dirty="0"/>
+              <a:t>Most activity coefficient models account for size and energetic interactions.</a:t>
+            </a:r>
+          </a:p>
+        </p:txBody>
+      </p:sp>
       <p:sp>
         <p:nvSpPr>
           <p:cNvPr id="4" name="Footer Placeholder 3">
@@ -20916,7 +20794,7 @@
     </p:spTree>
     <p:extLst>
       <p:ext uri="{BB962C8B-B14F-4D97-AF65-F5344CB8AC3E}">
-        <p14:creationId xmlns:p14="http://schemas.microsoft.com/office/powerpoint/2010/main" val="831837148"/>
+        <p14:creationId xmlns:p14="http://schemas.microsoft.com/office/powerpoint/2010/main" val="3404949559"/>
       </p:ext>
     </p:extLst>
   </p:cSld>
@@ -20996,43 +20874,33 @@
           <a:p>
             <a:r>
               <a:rPr lang="en-US" b="0" dirty="0"/>
-              <a:t>Activity coefficient models provide easy ways to obtain complex equilibrium problems, with some limitations:</a:t>
+              <a:t>Up to the parameterization, the various activity coefficient models perform similarly.</a:t>
             </a:r>
           </a:p>
           <a:p>
-            <a:pPr lvl="1"/>
             <a:r>
-              <a:rPr lang="en-US" dirty="0"/>
-              <a:t>Subcritical region only</a:t>
-            </a:r>
-          </a:p>
-          <a:p>
-            <a:pPr lvl="1"/>
-            <a:r>
-              <a:rPr lang="en-US" dirty="0"/>
-              <a:t>Needs an ancillary model to be useful and obtain bulk properties.</a:t>
-            </a:r>
-          </a:p>
-          <a:p>
-            <a:pPr lvl="1"/>
-            <a:r>
-              <a:rPr lang="en-US" dirty="0"/>
-              <a:t>Wilson is limited to just </a:t>
+              <a:rPr lang="en-US" b="0" dirty="0"/>
+              <a:t>UNIFAC provides a method to predict </a:t>
             </a:r>
             <a:r>
-              <a:rPr lang="en-US" dirty="0" err="1"/>
+              <a:rPr lang="en-US" b="0" dirty="0" err="1"/>
               <a:t>vapour</a:t>
             </a:r>
             <a:r>
-              <a:rPr lang="en-US" dirty="0"/>
-              <a:t>-liquid equilibrium</a:t>
+              <a:rPr lang="en-US" b="0" dirty="0"/>
+              <a:t>-liquid equilibrium using a GC approach.</a:t>
             </a:r>
           </a:p>
           <a:p>
             <a:r>
               <a:rPr lang="en-US" b="0" dirty="0"/>
-              <a:t>Most activity coefficient models account for size and energetic interactions.</a:t>
+              <a:t>Many version of UNIFAC exist </a:t>
             </a:r>
+            <a:r>
+              <a:rPr lang="en-US" b="0"/>
+              <a:t>in literature and need to be used carefully.</a:t>
+            </a:r>
+            <a:endParaRPr lang="en-US" b="0" dirty="0"/>
           </a:p>
         </p:txBody>
       </p:sp>
@@ -21095,183 +20963,6 @@
               <a:rPr lang="en-US" smtClean="0"/>
               <a:pPr algn="ctr"/>
               <a:t>31</a:t>
-            </a:fld>
-            <a:endParaRPr lang="en-US" dirty="0"/>
-          </a:p>
-        </p:txBody>
-      </p:sp>
-    </p:spTree>
-    <p:extLst>
-      <p:ext uri="{BB962C8B-B14F-4D97-AF65-F5344CB8AC3E}">
-        <p14:creationId xmlns:p14="http://schemas.microsoft.com/office/powerpoint/2010/main" val="3404949559"/>
-      </p:ext>
-    </p:extLst>
-  </p:cSld>
-  <p:clrMapOvr>
-    <a:masterClrMapping/>
-  </p:clrMapOvr>
-</p:sld>
-</file>
-
-<file path=ppt/slides/slide32.xml><?xml version="1.0" encoding="utf-8"?>
-<p:sld xmlns:a="http://schemas.openxmlformats.org/drawingml/2006/main" xmlns:r="http://schemas.openxmlformats.org/officeDocument/2006/relationships" xmlns:p="http://schemas.openxmlformats.org/presentationml/2006/main">
-  <p:cSld>
-    <p:spTree>
-      <p:nvGrpSpPr>
-        <p:cNvPr id="1" name=""/>
-        <p:cNvGrpSpPr/>
-        <p:nvPr/>
-      </p:nvGrpSpPr>
-      <p:grpSpPr>
-        <a:xfrm>
-          <a:off x="0" y="0"/>
-          <a:ext cx="0" cy="0"/>
-          <a:chOff x="0" y="0"/>
-          <a:chExt cx="0" cy="0"/>
-        </a:xfrm>
-      </p:grpSpPr>
-      <p:sp>
-        <p:nvSpPr>
-          <p:cNvPr id="2" name="Title 1">
-            <a:extLst>
-              <a:ext uri="{FF2B5EF4-FFF2-40B4-BE49-F238E27FC236}">
-                <a16:creationId xmlns:a16="http://schemas.microsoft.com/office/drawing/2014/main" id="{93265195-3B68-63D0-1A23-2B878928F5E4}"/>
-              </a:ext>
-            </a:extLst>
-          </p:cNvPr>
-          <p:cNvSpPr>
-            <a:spLocks noGrp="1"/>
-          </p:cNvSpPr>
-          <p:nvPr>
-            <p:ph type="title"/>
-          </p:nvPr>
-        </p:nvSpPr>
-        <p:spPr/>
-        <p:txBody>
-          <a:bodyPr/>
-          <a:lstStyle/>
-          <a:p>
-            <a:r>
-              <a:rPr lang="en-US" dirty="0"/>
-              <a:t>Key Points</a:t>
-            </a:r>
-          </a:p>
-        </p:txBody>
-      </p:sp>
-      <p:sp>
-        <p:nvSpPr>
-          <p:cNvPr id="3" name="Content Placeholder 2">
-            <a:extLst>
-              <a:ext uri="{FF2B5EF4-FFF2-40B4-BE49-F238E27FC236}">
-                <a16:creationId xmlns:a16="http://schemas.microsoft.com/office/drawing/2014/main" id="{1B13B510-F4CE-D1CE-82E0-0563D7E44041}"/>
-              </a:ext>
-            </a:extLst>
-          </p:cNvPr>
-          <p:cNvSpPr>
-            <a:spLocks noGrp="1"/>
-          </p:cNvSpPr>
-          <p:nvPr>
-            <p:ph idx="1"/>
-          </p:nvPr>
-        </p:nvSpPr>
-        <p:spPr/>
-        <p:txBody>
-          <a:bodyPr anchor="ctr">
-            <a:normAutofit/>
-          </a:bodyPr>
-          <a:lstStyle/>
-          <a:p>
-            <a:r>
-              <a:rPr lang="en-US" b="0" dirty="0"/>
-              <a:t>Up to the parameterization, the various activity coefficient models perform similarly.</a:t>
-            </a:r>
-          </a:p>
-          <a:p>
-            <a:r>
-              <a:rPr lang="en-US" b="0" dirty="0"/>
-              <a:t>UNIFAC provides a method to predict </a:t>
-            </a:r>
-            <a:r>
-              <a:rPr lang="en-US" b="0" dirty="0" err="1"/>
-              <a:t>vapour</a:t>
-            </a:r>
-            <a:r>
-              <a:rPr lang="en-US" b="0" dirty="0"/>
-              <a:t>-liquid equilibrium using a GC approach.</a:t>
-            </a:r>
-          </a:p>
-          <a:p>
-            <a:r>
-              <a:rPr lang="en-US" b="0" dirty="0"/>
-              <a:t>Many version of UNIFAC exist </a:t>
-            </a:r>
-            <a:r>
-              <a:rPr lang="en-US" b="0"/>
-              <a:t>in literature and need to be used carefully.</a:t>
-            </a:r>
-            <a:endParaRPr lang="en-US" b="0" dirty="0"/>
-          </a:p>
-        </p:txBody>
-      </p:sp>
-      <p:sp>
-        <p:nvSpPr>
-          <p:cNvPr id="4" name="Footer Placeholder 3">
-            <a:extLst>
-              <a:ext uri="{FF2B5EF4-FFF2-40B4-BE49-F238E27FC236}">
-                <a16:creationId xmlns:a16="http://schemas.microsoft.com/office/drawing/2014/main" id="{5903E1D5-CB82-AF3F-FEC7-BF62B5A59185}"/>
-              </a:ext>
-            </a:extLst>
-          </p:cNvPr>
-          <p:cNvSpPr>
-            <a:spLocks noGrp="1"/>
-          </p:cNvSpPr>
-          <p:nvPr>
-            <p:ph type="ftr" sz="quarter" idx="3"/>
-          </p:nvPr>
-        </p:nvSpPr>
-        <p:spPr/>
-        <p:txBody>
-          <a:bodyPr/>
-          <a:lstStyle/>
-          <a:p>
-            <a:r>
-              <a:rPr lang="en-GB"/>
-              <a:t>© Imperial College London</a:t>
-            </a:r>
-            <a:endParaRPr lang="en-US" dirty="0"/>
-          </a:p>
-        </p:txBody>
-      </p:sp>
-      <p:sp>
-        <p:nvSpPr>
-          <p:cNvPr id="5" name="Slide Number Placeholder 4">
-            <a:extLst>
-              <a:ext uri="{FF2B5EF4-FFF2-40B4-BE49-F238E27FC236}">
-                <a16:creationId xmlns:a16="http://schemas.microsoft.com/office/drawing/2014/main" id="{004AF3A9-D666-0062-2E05-B2B316F6BDB9}"/>
-              </a:ext>
-            </a:extLst>
-          </p:cNvPr>
-          <p:cNvSpPr>
-            <a:spLocks noGrp="1"/>
-          </p:cNvSpPr>
-          <p:nvPr>
-            <p:ph type="sldNum" sz="quarter" idx="4"/>
-          </p:nvPr>
-        </p:nvSpPr>
-        <p:spPr/>
-        <p:txBody>
-          <a:bodyPr/>
-          <a:lstStyle/>
-          <a:p>
-            <a:pPr algn="ctr"/>
-            <a:r>
-              <a:rPr lang="en-US"/>
-              <a:t>Slide </a:t>
-            </a:r>
-            <a:fld id="{3C70A08B-371D-5A4D-978C-9F5470823ED6}" type="slidenum">
-              <a:rPr lang="en-US" smtClean="0"/>
-              <a:pPr algn="ctr"/>
-              <a:t>32</a:t>
             </a:fld>
             <a:endParaRPr lang="en-US" dirty="0"/>
           </a:p>
@@ -21335,8 +21026,8 @@
           </a:p>
         </p:txBody>
       </p:sp>
-      <mc:AlternateContent xmlns:mc="http://schemas.openxmlformats.org/markup-compatibility/2006">
-        <mc:Choice xmlns:a14="http://schemas.microsoft.com/office/drawing/2010/main" Requires="a14">
+      <mc:AlternateContent xmlns:mc="http://schemas.openxmlformats.org/markup-compatibility/2006" xmlns:a14="http://schemas.microsoft.com/office/drawing/2010/main">
+        <mc:Choice Requires="a14">
           <p:sp>
             <p:nvSpPr>
               <p:cNvPr id="3" name="Content Placeholder 2">
@@ -21363,7 +21054,6 @@
               <a:bodyPr anchor="t"/>
               <a:lstStyle/>
               <a:p>
-                <a:pPr/>
                 <a:r>
                   <a:rPr lang="en-US" b="0" dirty="0"/>
                   <a:t>For a mixture at its bubble point:</a:t>
@@ -21827,7 +21517,7 @@
             </p:txBody>
           </p:sp>
         </mc:Choice>
-        <mc:Fallback>
+        <mc:Fallback xmlns="">
           <p:sp>
             <p:nvSpPr>
               <p:cNvPr id="3" name="Content Placeholder 2">
@@ -22022,8 +21712,8 @@
           </a:p>
         </p:txBody>
       </p:sp>
-      <mc:AlternateContent xmlns:mc="http://schemas.openxmlformats.org/markup-compatibility/2006">
-        <mc:Choice xmlns:a14="http://schemas.microsoft.com/office/drawing/2010/main" Requires="a14">
+      <mc:AlternateContent xmlns:mc="http://schemas.openxmlformats.org/markup-compatibility/2006" xmlns:a14="http://schemas.microsoft.com/office/drawing/2010/main">
+        <mc:Choice Requires="a14">
           <p:sp>
             <p:nvSpPr>
               <p:cNvPr id="3" name="Content Placeholder 2">
@@ -22720,7 +22410,7 @@
             </p:txBody>
           </p:sp>
         </mc:Choice>
-        <mc:Fallback>
+        <mc:Fallback xmlns="">
           <p:sp>
             <p:nvSpPr>
               <p:cNvPr id="3" name="Content Placeholder 2">
@@ -22882,8 +22572,8 @@
           </a:p>
         </p:txBody>
       </p:sp>
-      <mc:AlternateContent xmlns:mc="http://schemas.openxmlformats.org/markup-compatibility/2006">
-        <mc:Choice xmlns:a14="http://schemas.microsoft.com/office/drawing/2010/main" Requires="a14">
+      <mc:AlternateContent xmlns:mc="http://schemas.openxmlformats.org/markup-compatibility/2006" xmlns:a14="http://schemas.microsoft.com/office/drawing/2010/main">
+        <mc:Choice Requires="a14">
           <p:sp>
             <p:nvSpPr>
               <p:cNvPr id="3" name="Content Placeholder 2">
@@ -22934,7 +22624,7 @@
                     <m:sSubSup>
                       <m:sSubSupPr>
                         <m:ctrlPr>
-                          <a:rPr lang="en-US" b="0" i="0" smtClean="0">
+                          <a:rPr lang="en-US" b="0" i="1" smtClean="0">
                             <a:latin typeface="Cambria Math" panose="02040503050406030204" pitchFamily="18" charset="0"/>
                           </a:rPr>
                         </m:ctrlPr>
@@ -23511,7 +23201,7 @@
             </p:txBody>
           </p:sp>
         </mc:Choice>
-        <mc:Fallback>
+        <mc:Fallback xmlns="">
           <p:sp>
             <p:nvSpPr>
               <p:cNvPr id="3" name="Content Placeholder 2">
@@ -23980,7 +23670,7 @@
                 </a:r>
                 <a:r>
                   <a:rPr lang="en-US" b="0" dirty="0"/>
-                  <a:t> (</a:t>
+                  <a:t>    (</a:t>
                 </a:r>
                 <a14:m>
                   <m:oMath xmlns:m="http://schemas.openxmlformats.org/officeDocument/2006/math">
@@ -24457,6 +24147,9 @@
                           <m:sSubPr>
                             <m:ctrlPr>
                               <a:rPr lang="en-US" b="0" i="1" smtClean="0">
+                                <a:solidFill>
+                                  <a:srgbClr val="FF0000"/>
+                                </a:solidFill>
                                 <a:latin typeface="Cambria Math" panose="02040503050406030204" pitchFamily="18" charset="0"/>
                               </a:rPr>
                             </m:ctrlPr>
@@ -24464,6 +24157,9 @@
                           <m:e>
                             <m:r>
                               <a:rPr lang="en-US" b="0" i="1" smtClean="0">
+                                <a:solidFill>
+                                  <a:srgbClr val="FF0000"/>
+                                </a:solidFill>
                                 <a:latin typeface="Cambria Math" panose="02040503050406030204" pitchFamily="18" charset="0"/>
                               </a:rPr>
                               <m:t>𝑝</m:t>
@@ -24475,18 +24171,27 @@
                                 <m:sty m:val="p"/>
                               </m:rPr>
                               <a:rPr lang="en-US" b="0" i="0" smtClean="0">
+                                <a:solidFill>
+                                  <a:srgbClr val="FF0000"/>
+                                </a:solidFill>
                                 <a:latin typeface="Cambria Math" panose="02040503050406030204" pitchFamily="18" charset="0"/>
                               </a:rPr>
                               <m:t>sat</m:t>
                             </m:r>
                             <m:r>
                               <a:rPr lang="en-US" b="0" i="1" smtClean="0">
+                                <a:solidFill>
+                                  <a:srgbClr val="FF0000"/>
+                                </a:solidFill>
                                 <a:latin typeface="Cambria Math" panose="02040503050406030204" pitchFamily="18" charset="0"/>
                               </a:rPr>
                               <m:t>,</m:t>
                             </m:r>
                             <m:r>
                               <a:rPr lang="en-US" b="0" i="1" smtClean="0">
+                                <a:solidFill>
+                                  <a:srgbClr val="FF0000"/>
+                                </a:solidFill>
                                 <a:latin typeface="Cambria Math" panose="02040503050406030204" pitchFamily="18" charset="0"/>
                               </a:rPr>
                               <m:t>𝑖</m:t>
@@ -24497,6 +24202,9 @@
                           <m:dPr>
                             <m:ctrlPr>
                               <a:rPr lang="en-US" b="0" i="1" smtClean="0">
+                                <a:solidFill>
+                                  <a:srgbClr val="FF0000"/>
+                                </a:solidFill>
                                 <a:latin typeface="Cambria Math" panose="02040503050406030204" pitchFamily="18" charset="0"/>
                               </a:rPr>
                             </m:ctrlPr>
@@ -24504,6 +24212,9 @@
                           <m:e>
                             <m:r>
                               <a:rPr lang="en-US" b="0" i="1" smtClean="0">
+                                <a:solidFill>
+                                  <a:srgbClr val="FF0000"/>
+                                </a:solidFill>
                                 <a:latin typeface="Cambria Math" panose="02040503050406030204" pitchFamily="18" charset="0"/>
                               </a:rPr>
                               <m:t>𝑇</m:t>

--- a/Part 2 - Equations of State/Powerpoint Slides/2-2 Activity Coefficient Models.pptx
+++ b/Part 2 - Equations of State/Powerpoint Slides/2-2 Activity Coefficient Models.pptx
@@ -176,7 +176,7 @@
 <file path=ppt/revisionInfo.xml><?xml version="1.0" encoding="utf-8"?>
 <p1510:revInfo xmlns:a="http://schemas.openxmlformats.org/drawingml/2006/main" xmlns:r="http://schemas.openxmlformats.org/officeDocument/2006/relationships" xmlns:p1510="http://schemas.microsoft.com/office/powerpoint/2015/10/main">
   <p1510:revLst>
-    <p1510:client id="{47801BD5-BFC9-F444-94BE-3217F420503D}" v="3393" dt="2022-08-30T07:44:01.798"/>
+    <p1510:client id="{47801BD5-BFC9-F444-94BE-3217F420503D}" v="3456" dt="2022-08-30T22:23:35.015"/>
   </p1510:revLst>
 </p1510:revInfo>
 </file>
@@ -186,7 +186,7 @@
   <pc:docChgLst>
     <pc:chgData name="Walker, Pierre" userId="5ec82070-fd5a-4f33-a108-a8f270b163b4" providerId="ADAL" clId="{47801BD5-BFC9-F444-94BE-3217F420503D}"/>
     <pc:docChg chg="undo redo custSel addSld delSld modSld sldOrd">
-      <pc:chgData name="Walker, Pierre" userId="5ec82070-fd5a-4f33-a108-a8f270b163b4" providerId="ADAL" clId="{47801BD5-BFC9-F444-94BE-3217F420503D}" dt="2022-08-30T07:45:43.668" v="8296" actId="2696"/>
+      <pc:chgData name="Walker, Pierre" userId="5ec82070-fd5a-4f33-a108-a8f270b163b4" providerId="ADAL" clId="{47801BD5-BFC9-F444-94BE-3217F420503D}" dt="2022-08-30T22:23:35.015" v="8358"/>
       <pc:docMkLst>
         <pc:docMk/>
       </pc:docMkLst>
@@ -205,8 +205,8 @@
           </ac:spMkLst>
         </pc:spChg>
       </pc:sldChg>
-      <pc:sldChg chg="modSp mod">
-        <pc:chgData name="Walker, Pierre" userId="5ec82070-fd5a-4f33-a108-a8f270b163b4" providerId="ADAL" clId="{47801BD5-BFC9-F444-94BE-3217F420503D}" dt="2022-08-24T22:10:37.527" v="276" actId="242"/>
+      <pc:sldChg chg="modSp mod modAnim">
+        <pc:chgData name="Walker, Pierre" userId="5ec82070-fd5a-4f33-a108-a8f270b163b4" providerId="ADAL" clId="{47801BD5-BFC9-F444-94BE-3217F420503D}" dt="2022-08-30T22:14:01.062" v="8298"/>
         <pc:sldMkLst>
           <pc:docMk/>
           <pc:sldMk cId="4141028454" sldId="365"/>
@@ -394,8 +394,8 @@
           <pc:sldMk cId="2579910181" sldId="387"/>
         </pc:sldMkLst>
       </pc:sldChg>
-      <pc:sldChg chg="addSp delSp modSp add mod">
-        <pc:chgData name="Walker, Pierre" userId="5ec82070-fd5a-4f33-a108-a8f270b163b4" providerId="ADAL" clId="{47801BD5-BFC9-F444-94BE-3217F420503D}" dt="2022-08-25T00:08:16.564" v="1571"/>
+      <pc:sldChg chg="addSp delSp modSp add mod modAnim">
+        <pc:chgData name="Walker, Pierre" userId="5ec82070-fd5a-4f33-a108-a8f270b163b4" providerId="ADAL" clId="{47801BD5-BFC9-F444-94BE-3217F420503D}" dt="2022-08-30T22:17:00.944" v="8301"/>
         <pc:sldMkLst>
           <pc:docMk/>
           <pc:sldMk cId="2943482042" sldId="388"/>
@@ -425,8 +425,8 @@
           </ac:spMkLst>
         </pc:spChg>
       </pc:sldChg>
-      <pc:sldChg chg="modSp add mod">
-        <pc:chgData name="Walker, Pierre" userId="5ec82070-fd5a-4f33-a108-a8f270b163b4" providerId="ADAL" clId="{47801BD5-BFC9-F444-94BE-3217F420503D}" dt="2022-08-30T07:43:47.504" v="8294" actId="20577"/>
+      <pc:sldChg chg="modSp add mod modAnim">
+        <pc:chgData name="Walker, Pierre" userId="5ec82070-fd5a-4f33-a108-a8f270b163b4" providerId="ADAL" clId="{47801BD5-BFC9-F444-94BE-3217F420503D}" dt="2022-08-30T22:17:11.645" v="8303"/>
         <pc:sldMkLst>
           <pc:docMk/>
           <pc:sldMk cId="696040273" sldId="389"/>
@@ -448,8 +448,8 @@
           </ac:spMkLst>
         </pc:spChg>
       </pc:sldChg>
-      <pc:sldChg chg="modSp add mod">
-        <pc:chgData name="Walker, Pierre" userId="5ec82070-fd5a-4f33-a108-a8f270b163b4" providerId="ADAL" clId="{47801BD5-BFC9-F444-94BE-3217F420503D}" dt="2022-08-30T07:44:01.798" v="8295" actId="207"/>
+      <pc:sldChg chg="modSp add mod modAnim">
+        <pc:chgData name="Walker, Pierre" userId="5ec82070-fd5a-4f33-a108-a8f270b163b4" providerId="ADAL" clId="{47801BD5-BFC9-F444-94BE-3217F420503D}" dt="2022-08-30T22:17:22.812" v="8305"/>
         <pc:sldMkLst>
           <pc:docMk/>
           <pc:sldMk cId="532028796" sldId="390"/>
@@ -471,8 +471,8 @@
           </ac:spMkLst>
         </pc:spChg>
       </pc:sldChg>
-      <pc:sldChg chg="modSp add mod">
-        <pc:chgData name="Walker, Pierre" userId="5ec82070-fd5a-4f33-a108-a8f270b163b4" providerId="ADAL" clId="{47801BD5-BFC9-F444-94BE-3217F420503D}" dt="2022-08-25T00:11:56.004" v="2045" actId="20577"/>
+      <pc:sldChg chg="modSp add mod modAnim">
+        <pc:chgData name="Walker, Pierre" userId="5ec82070-fd5a-4f33-a108-a8f270b163b4" providerId="ADAL" clId="{47801BD5-BFC9-F444-94BE-3217F420503D}" dt="2022-08-30T22:17:33.412" v="8308"/>
         <pc:sldMkLst>
           <pc:docMk/>
           <pc:sldMk cId="1195809765" sldId="391"/>
@@ -509,8 +509,8 @@
           </ac:spMkLst>
         </pc:spChg>
       </pc:sldChg>
-      <pc:sldChg chg="addSp delSp modSp add mod">
-        <pc:chgData name="Walker, Pierre" userId="5ec82070-fd5a-4f33-a108-a8f270b163b4" providerId="ADAL" clId="{47801BD5-BFC9-F444-94BE-3217F420503D}" dt="2022-08-30T07:18:45.898" v="8289" actId="14100"/>
+      <pc:sldChg chg="addSp delSp modSp add mod modAnim">
+        <pc:chgData name="Walker, Pierre" userId="5ec82070-fd5a-4f33-a108-a8f270b163b4" providerId="ADAL" clId="{47801BD5-BFC9-F444-94BE-3217F420503D}" dt="2022-08-30T22:18:11.614" v="8312"/>
         <pc:sldMkLst>
           <pc:docMk/>
           <pc:sldMk cId="577585014" sldId="393"/>
@@ -524,7 +524,7 @@
           </ac:spMkLst>
         </pc:spChg>
         <pc:spChg chg="add mod">
-          <ac:chgData name="Walker, Pierre" userId="5ec82070-fd5a-4f33-a108-a8f270b163b4" providerId="ADAL" clId="{47801BD5-BFC9-F444-94BE-3217F420503D}" dt="2022-08-30T07:18:45.898" v="8289" actId="14100"/>
+          <ac:chgData name="Walker, Pierre" userId="5ec82070-fd5a-4f33-a108-a8f270b163b4" providerId="ADAL" clId="{47801BD5-BFC9-F444-94BE-3217F420503D}" dt="2022-08-30T22:18:10.210" v="8311" actId="164"/>
           <ac:spMkLst>
             <pc:docMk/>
             <pc:sldMk cId="577585014" sldId="393"/>
@@ -892,7 +892,7 @@
           </ac:spMkLst>
         </pc:spChg>
         <pc:spChg chg="add mod">
-          <ac:chgData name="Walker, Pierre" userId="5ec82070-fd5a-4f33-a108-a8f270b163b4" providerId="ADAL" clId="{47801BD5-BFC9-F444-94BE-3217F420503D}" dt="2022-08-25T00:19:32.328" v="2594" actId="1037"/>
+          <ac:chgData name="Walker, Pierre" userId="5ec82070-fd5a-4f33-a108-a8f270b163b4" providerId="ADAL" clId="{47801BD5-BFC9-F444-94BE-3217F420503D}" dt="2022-08-30T22:18:10.210" v="8311" actId="164"/>
           <ac:spMkLst>
             <pc:docMk/>
             <pc:sldMk cId="577585014" sldId="393"/>
@@ -900,7 +900,15 @@
           </ac:spMkLst>
         </pc:spChg>
         <pc:grpChg chg="add mod">
-          <ac:chgData name="Walker, Pierre" userId="5ec82070-fd5a-4f33-a108-a8f270b163b4" providerId="ADAL" clId="{47801BD5-BFC9-F444-94BE-3217F420503D}" dt="2022-08-25T00:18:53.640" v="2579" actId="1076"/>
+          <ac:chgData name="Walker, Pierre" userId="5ec82070-fd5a-4f33-a108-a8f270b163b4" providerId="ADAL" clId="{47801BD5-BFC9-F444-94BE-3217F420503D}" dt="2022-08-30T22:18:10.210" v="8311" actId="164"/>
+          <ac:grpSpMkLst>
+            <pc:docMk/>
+            <pc:sldMk cId="577585014" sldId="393"/>
+            <ac:grpSpMk id="19" creationId="{BFE3C2D2-5468-35FD-BAD1-7C501F1A2928}"/>
+          </ac:grpSpMkLst>
+        </pc:grpChg>
+        <pc:grpChg chg="add mod">
+          <ac:chgData name="Walker, Pierre" userId="5ec82070-fd5a-4f33-a108-a8f270b163b4" providerId="ADAL" clId="{47801BD5-BFC9-F444-94BE-3217F420503D}" dt="2022-08-30T22:18:10.210" v="8311" actId="164"/>
           <ac:grpSpMkLst>
             <pc:docMk/>
             <pc:sldMk cId="577585014" sldId="393"/>
@@ -908,7 +916,7 @@
           </ac:grpSpMkLst>
         </pc:grpChg>
         <pc:grpChg chg="add mod">
-          <ac:chgData name="Walker, Pierre" userId="5ec82070-fd5a-4f33-a108-a8f270b163b4" providerId="ADAL" clId="{47801BD5-BFC9-F444-94BE-3217F420503D}" dt="2022-08-25T00:19:02.507" v="2583" actId="1076"/>
+          <ac:chgData name="Walker, Pierre" userId="5ec82070-fd5a-4f33-a108-a8f270b163b4" providerId="ADAL" clId="{47801BD5-BFC9-F444-94BE-3217F420503D}" dt="2022-08-30T22:18:10.210" v="8311" actId="164"/>
           <ac:grpSpMkLst>
             <pc:docMk/>
             <pc:sldMk cId="577585014" sldId="393"/>
@@ -924,7 +932,7 @@
           </ac:grpSpMkLst>
         </pc:grpChg>
         <pc:picChg chg="add mod">
-          <ac:chgData name="Walker, Pierre" userId="5ec82070-fd5a-4f33-a108-a8f270b163b4" providerId="ADAL" clId="{47801BD5-BFC9-F444-94BE-3217F420503D}" dt="2022-08-30T07:18:38.540" v="8287" actId="14100"/>
+          <ac:chgData name="Walker, Pierre" userId="5ec82070-fd5a-4f33-a108-a8f270b163b4" providerId="ADAL" clId="{47801BD5-BFC9-F444-94BE-3217F420503D}" dt="2022-08-30T22:18:10.210" v="8311" actId="164"/>
           <ac:picMkLst>
             <pc:docMk/>
             <pc:sldMk cId="577585014" sldId="393"/>
@@ -932,8 +940,8 @@
           </ac:picMkLst>
         </pc:picChg>
       </pc:sldChg>
-      <pc:sldChg chg="delSp modSp add mod">
-        <pc:chgData name="Walker, Pierre" userId="5ec82070-fd5a-4f33-a108-a8f270b163b4" providerId="ADAL" clId="{47801BD5-BFC9-F444-94BE-3217F420503D}" dt="2022-08-25T00:21:42.942" v="2866" actId="20577"/>
+      <pc:sldChg chg="delSp modSp add mod modAnim">
+        <pc:chgData name="Walker, Pierre" userId="5ec82070-fd5a-4f33-a108-a8f270b163b4" providerId="ADAL" clId="{47801BD5-BFC9-F444-94BE-3217F420503D}" dt="2022-08-30T22:19:51.201" v="8314"/>
         <pc:sldMkLst>
           <pc:docMk/>
           <pc:sldMk cId="401929405" sldId="394"/>
@@ -979,8 +987,8 @@
           </ac:picMkLst>
         </pc:picChg>
       </pc:sldChg>
-      <pc:sldChg chg="modSp add mod">
-        <pc:chgData name="Walker, Pierre" userId="5ec82070-fd5a-4f33-a108-a8f270b163b4" providerId="ADAL" clId="{47801BD5-BFC9-F444-94BE-3217F420503D}" dt="2022-08-25T00:25:23.809" v="3161"/>
+      <pc:sldChg chg="modSp add mod modAnim">
+        <pc:chgData name="Walker, Pierre" userId="5ec82070-fd5a-4f33-a108-a8f270b163b4" providerId="ADAL" clId="{47801BD5-BFC9-F444-94BE-3217F420503D}" dt="2022-08-30T22:19:59.430" v="8316"/>
         <pc:sldMkLst>
           <pc:docMk/>
           <pc:sldMk cId="3849611562" sldId="395"/>
@@ -994,8 +1002,8 @@
           </ac:spMkLst>
         </pc:spChg>
       </pc:sldChg>
-      <pc:sldChg chg="addSp delSp modSp add mod">
-        <pc:chgData name="Walker, Pierre" userId="5ec82070-fd5a-4f33-a108-a8f270b163b4" providerId="ADAL" clId="{47801BD5-BFC9-F444-94BE-3217F420503D}" dt="2022-08-25T00:29:50.785" v="3475" actId="22"/>
+      <pc:sldChg chg="addSp delSp modSp add mod modAnim">
+        <pc:chgData name="Walker, Pierre" userId="5ec82070-fd5a-4f33-a108-a8f270b163b4" providerId="ADAL" clId="{47801BD5-BFC9-F444-94BE-3217F420503D}" dt="2022-08-30T22:20:08.531" v="8318"/>
         <pc:sldMkLst>
           <pc:docMk/>
           <pc:sldMk cId="2525370859" sldId="396"/>
@@ -1017,8 +1025,8 @@
           </ac:spMkLst>
         </pc:spChg>
       </pc:sldChg>
-      <pc:sldChg chg="modSp new mod">
-        <pc:chgData name="Walker, Pierre" userId="5ec82070-fd5a-4f33-a108-a8f270b163b4" providerId="ADAL" clId="{47801BD5-BFC9-F444-94BE-3217F420503D}" dt="2022-08-25T00:31:14.484" v="3758" actId="20577"/>
+      <pc:sldChg chg="modSp new mod modAnim">
+        <pc:chgData name="Walker, Pierre" userId="5ec82070-fd5a-4f33-a108-a8f270b163b4" providerId="ADAL" clId="{47801BD5-BFC9-F444-94BE-3217F420503D}" dt="2022-08-30T22:20:26.564" v="8322"/>
         <pc:sldMkLst>
           <pc:docMk/>
           <pc:sldMk cId="2627788065" sldId="397"/>
@@ -1063,8 +1071,8 @@
           </ac:picMkLst>
         </pc:picChg>
       </pc:sldChg>
-      <pc:sldChg chg="delSp modSp add mod">
-        <pc:chgData name="Walker, Pierre" userId="5ec82070-fd5a-4f33-a108-a8f270b163b4" providerId="ADAL" clId="{47801BD5-BFC9-F444-94BE-3217F420503D}" dt="2022-08-25T00:35:18.773" v="4007" actId="114"/>
+      <pc:sldChg chg="delSp modSp add mod modAnim">
+        <pc:chgData name="Walker, Pierre" userId="5ec82070-fd5a-4f33-a108-a8f270b163b4" providerId="ADAL" clId="{47801BD5-BFC9-F444-94BE-3217F420503D}" dt="2022-08-30T22:20:35.231" v="8324"/>
         <pc:sldMkLst>
           <pc:docMk/>
           <pc:sldMk cId="1588289202" sldId="399"/>
@@ -1086,8 +1094,8 @@
           </ac:picMkLst>
         </pc:picChg>
       </pc:sldChg>
-      <pc:sldChg chg="modSp add mod">
-        <pc:chgData name="Walker, Pierre" userId="5ec82070-fd5a-4f33-a108-a8f270b163b4" providerId="ADAL" clId="{47801BD5-BFC9-F444-94BE-3217F420503D}" dt="2022-08-25T00:37:33.627" v="4301" actId="20577"/>
+      <pc:sldChg chg="modSp add mod modAnim">
+        <pc:chgData name="Walker, Pierre" userId="5ec82070-fd5a-4f33-a108-a8f270b163b4" providerId="ADAL" clId="{47801BD5-BFC9-F444-94BE-3217F420503D}" dt="2022-08-30T22:20:44.348" v="8326"/>
         <pc:sldMkLst>
           <pc:docMk/>
           <pc:sldMk cId="1435249342" sldId="400"/>
@@ -1124,8 +1132,8 @@
           </ac:spMkLst>
         </pc:spChg>
       </pc:sldChg>
-      <pc:sldChg chg="modSp add mod">
-        <pc:chgData name="Walker, Pierre" userId="5ec82070-fd5a-4f33-a108-a8f270b163b4" providerId="ADAL" clId="{47801BD5-BFC9-F444-94BE-3217F420503D}" dt="2022-08-25T00:41:31.495" v="4775" actId="20577"/>
+      <pc:sldChg chg="modSp add mod modAnim">
+        <pc:chgData name="Walker, Pierre" userId="5ec82070-fd5a-4f33-a108-a8f270b163b4" providerId="ADAL" clId="{47801BD5-BFC9-F444-94BE-3217F420503D}" dt="2022-08-30T22:21:00.078" v="8329"/>
         <pc:sldMkLst>
           <pc:docMk/>
           <pc:sldMk cId="42071348" sldId="402"/>
@@ -1177,8 +1185,8 @@
           </ac:picMkLst>
         </pc:picChg>
       </pc:sldChg>
-      <pc:sldChg chg="delSp modSp add mod">
-        <pc:chgData name="Walker, Pierre" userId="5ec82070-fd5a-4f33-a108-a8f270b163b4" providerId="ADAL" clId="{47801BD5-BFC9-F444-94BE-3217F420503D}" dt="2022-08-25T01:09:10.246" v="6352" actId="20577"/>
+      <pc:sldChg chg="delSp modSp add mod modAnim">
+        <pc:chgData name="Walker, Pierre" userId="5ec82070-fd5a-4f33-a108-a8f270b163b4" providerId="ADAL" clId="{47801BD5-BFC9-F444-94BE-3217F420503D}" dt="2022-08-30T22:21:19.081" v="8332"/>
         <pc:sldMkLst>
           <pc:docMk/>
           <pc:sldMk cId="910163124" sldId="405"/>
@@ -1209,13 +1217,13 @@
         </pc:picChg>
       </pc:sldChg>
       <pc:sldChg chg="modSp add mod">
-        <pc:chgData name="Walker, Pierre" userId="5ec82070-fd5a-4f33-a108-a8f270b163b4" providerId="ADAL" clId="{47801BD5-BFC9-F444-94BE-3217F420503D}" dt="2022-08-25T01:03:31.628" v="5578" actId="20577"/>
+        <pc:chgData name="Walker, Pierre" userId="5ec82070-fd5a-4f33-a108-a8f270b163b4" providerId="ADAL" clId="{47801BD5-BFC9-F444-94BE-3217F420503D}" dt="2022-08-30T22:21:42.687" v="8336" actId="207"/>
         <pc:sldMkLst>
           <pc:docMk/>
           <pc:sldMk cId="1966615941" sldId="406"/>
         </pc:sldMkLst>
         <pc:spChg chg="mod">
-          <ac:chgData name="Walker, Pierre" userId="5ec82070-fd5a-4f33-a108-a8f270b163b4" providerId="ADAL" clId="{47801BD5-BFC9-F444-94BE-3217F420503D}" dt="2022-08-25T01:03:31.628" v="5578" actId="20577"/>
+          <ac:chgData name="Walker, Pierre" userId="5ec82070-fd5a-4f33-a108-a8f270b163b4" providerId="ADAL" clId="{47801BD5-BFC9-F444-94BE-3217F420503D}" dt="2022-08-30T22:21:42.687" v="8336" actId="207"/>
           <ac:spMkLst>
             <pc:docMk/>
             <pc:sldMk cId="1966615941" sldId="406"/>
@@ -1238,14 +1246,14 @@
           </ac:spMkLst>
         </pc:spChg>
       </pc:sldChg>
-      <pc:sldChg chg="modSp add ord">
-        <pc:chgData name="Walker, Pierre" userId="5ec82070-fd5a-4f33-a108-a8f270b163b4" providerId="ADAL" clId="{47801BD5-BFC9-F444-94BE-3217F420503D}" dt="2022-08-25T01:04:47.913" v="5795" actId="20578"/>
+      <pc:sldChg chg="modSp add ord modAnim">
+        <pc:chgData name="Walker, Pierre" userId="5ec82070-fd5a-4f33-a108-a8f270b163b4" providerId="ADAL" clId="{47801BD5-BFC9-F444-94BE-3217F420503D}" dt="2022-08-30T22:22:07.113" v="8340"/>
         <pc:sldMkLst>
           <pc:docMk/>
           <pc:sldMk cId="4050773943" sldId="408"/>
         </pc:sldMkLst>
         <pc:spChg chg="mod">
-          <ac:chgData name="Walker, Pierre" userId="5ec82070-fd5a-4f33-a108-a8f270b163b4" providerId="ADAL" clId="{47801BD5-BFC9-F444-94BE-3217F420503D}" dt="2022-08-25T01:04:44.082" v="5794"/>
+          <ac:chgData name="Walker, Pierre" userId="5ec82070-fd5a-4f33-a108-a8f270b163b4" providerId="ADAL" clId="{47801BD5-BFC9-F444-94BE-3217F420503D}" dt="2022-08-30T22:22:07.113" v="8340"/>
           <ac:spMkLst>
             <pc:docMk/>
             <pc:sldMk cId="4050773943" sldId="408"/>
@@ -1299,8 +1307,8 @@
           </ac:spMkLst>
         </pc:spChg>
       </pc:sldChg>
-      <pc:sldChg chg="modSp add mod">
-        <pc:chgData name="Walker, Pierre" userId="5ec82070-fd5a-4f33-a108-a8f270b163b4" providerId="ADAL" clId="{47801BD5-BFC9-F444-94BE-3217F420503D}" dt="2022-08-25T01:13:35.637" v="6888" actId="242"/>
+      <pc:sldChg chg="modSp add mod modAnim">
+        <pc:chgData name="Walker, Pierre" userId="5ec82070-fd5a-4f33-a108-a8f270b163b4" providerId="ADAL" clId="{47801BD5-BFC9-F444-94BE-3217F420503D}" dt="2022-08-30T22:22:44.849" v="8343"/>
         <pc:sldMkLst>
           <pc:docMk/>
           <pc:sldMk cId="1457185580" sldId="410"/>
@@ -1322,8 +1330,8 @@
           </ac:spMkLst>
         </pc:spChg>
       </pc:sldChg>
-      <pc:sldChg chg="addSp modSp add mod">
-        <pc:chgData name="Walker, Pierre" userId="5ec82070-fd5a-4f33-a108-a8f270b163b4" providerId="ADAL" clId="{47801BD5-BFC9-F444-94BE-3217F420503D}" dt="2022-08-25T01:14:43.458" v="7008" actId="1076"/>
+      <pc:sldChg chg="addSp modSp add mod modAnim">
+        <pc:chgData name="Walker, Pierre" userId="5ec82070-fd5a-4f33-a108-a8f270b163b4" providerId="ADAL" clId="{47801BD5-BFC9-F444-94BE-3217F420503D}" dt="2022-08-30T22:22:49.999" v="8345"/>
         <pc:sldMkLst>
           <pc:docMk/>
           <pc:sldMk cId="683486917" sldId="411"/>
@@ -1345,8 +1353,8 @@
           </ac:picMkLst>
         </pc:picChg>
       </pc:sldChg>
-      <pc:sldChg chg="delSp modSp add mod chgLayout">
-        <pc:chgData name="Walker, Pierre" userId="5ec82070-fd5a-4f33-a108-a8f270b163b4" providerId="ADAL" clId="{47801BD5-BFC9-F444-94BE-3217F420503D}" dt="2022-08-25T01:18:07.054" v="7503" actId="20577"/>
+      <pc:sldChg chg="delSp modSp add mod modAnim chgLayout">
+        <pc:chgData name="Walker, Pierre" userId="5ec82070-fd5a-4f33-a108-a8f270b163b4" providerId="ADAL" clId="{47801BD5-BFC9-F444-94BE-3217F420503D}" dt="2022-08-30T22:23:10.232" v="8350"/>
         <pc:sldMkLst>
           <pc:docMk/>
           <pc:sldMk cId="831837148" sldId="412"/>
@@ -1392,8 +1400,8 @@
           </ac:picMkLst>
         </pc:picChg>
       </pc:sldChg>
-      <pc:sldChg chg="modSp add mod">
-        <pc:chgData name="Walker, Pierre" userId="5ec82070-fd5a-4f33-a108-a8f270b163b4" providerId="ADAL" clId="{47801BD5-BFC9-F444-94BE-3217F420503D}" dt="2022-08-25T01:20:41.087" v="8000" actId="242"/>
+      <pc:sldChg chg="modSp add mod modAnim">
+        <pc:chgData name="Walker, Pierre" userId="5ec82070-fd5a-4f33-a108-a8f270b163b4" providerId="ADAL" clId="{47801BD5-BFC9-F444-94BE-3217F420503D}" dt="2022-08-30T22:23:23.445" v="8355"/>
         <pc:sldMkLst>
           <pc:docMk/>
           <pc:sldMk cId="3404949559" sldId="413"/>
@@ -1415,8 +1423,8 @@
           </ac:spMkLst>
         </pc:spChg>
       </pc:sldChg>
-      <pc:sldChg chg="modSp add mod">
-        <pc:chgData name="Walker, Pierre" userId="5ec82070-fd5a-4f33-a108-a8f270b163b4" providerId="ADAL" clId="{47801BD5-BFC9-F444-94BE-3217F420503D}" dt="2022-08-25T01:21:58.781" v="8274" actId="20577"/>
+      <pc:sldChg chg="modSp add mod modAnim">
+        <pc:chgData name="Walker, Pierre" userId="5ec82070-fd5a-4f33-a108-a8f270b163b4" providerId="ADAL" clId="{47801BD5-BFC9-F444-94BE-3217F420503D}" dt="2022-08-30T22:23:35.015" v="8358"/>
         <pc:sldMkLst>
           <pc:docMk/>
           <pc:sldMk cId="1966526797" sldId="414"/>
@@ -9666,42 +9674,12 @@
           </a:p>
         </p:txBody>
       </p:sp>
-      <p:pic>
-        <p:nvPicPr>
-          <p:cNvPr id="7" name="Picture 6">
+      <p:grpSp>
+        <p:nvGrpSpPr>
+          <p:cNvPr id="19" name="Group 18">
             <a:extLst>
               <a:ext uri="{FF2B5EF4-FFF2-40B4-BE49-F238E27FC236}">
-                <a16:creationId xmlns:a16="http://schemas.microsoft.com/office/drawing/2014/main" id="{7F8DAD71-E9D5-4A50-D6CA-0A9739555C93}"/>
-              </a:ext>
-            </a:extLst>
-          </p:cNvPr>
-          <p:cNvPicPr>
-            <a:picLocks noChangeAspect="1"/>
-          </p:cNvPicPr>
-          <p:nvPr/>
-        </p:nvPicPr>
-        <p:blipFill>
-          <a:blip r:embed="rId4"/>
-          <a:stretch>
-            <a:fillRect/>
-          </a:stretch>
-        </p:blipFill>
-        <p:spPr>
-          <a:xfrm>
-            <a:off x="3256359" y="3501148"/>
-            <a:ext cx="2819400" cy="2819400"/>
-          </a:xfrm>
-          <a:prstGeom prst="rect">
-            <a:avLst/>
-          </a:prstGeom>
-        </p:spPr>
-      </p:pic>
-      <p:grpSp>
-        <p:nvGrpSpPr>
-          <p:cNvPr id="30" name="Group 29">
-            <a:extLst>
-              <a:ext uri="{FF2B5EF4-FFF2-40B4-BE49-F238E27FC236}">
-                <a16:creationId xmlns:a16="http://schemas.microsoft.com/office/drawing/2014/main" id="{C08C1C14-9359-9328-759F-D01A16B19A7C}"/>
+                <a16:creationId xmlns:a16="http://schemas.microsoft.com/office/drawing/2014/main" id="{BFE3C2D2-5468-35FD-BAD1-7C501F1A2928}"/>
               </a:ext>
             </a:extLst>
           </p:cNvPr>
@@ -9710,18 +9688,1245 @@
         </p:nvGrpSpPr>
         <p:grpSpPr>
           <a:xfrm>
-            <a:off x="57117" y="3824210"/>
-            <a:ext cx="3565002" cy="2496338"/>
-            <a:chOff x="57117" y="3824210"/>
-            <a:chExt cx="3565002" cy="2496338"/>
+            <a:off x="57117" y="3501148"/>
+            <a:ext cx="9080391" cy="2819400"/>
+            <a:chOff x="57117" y="3501148"/>
+            <a:chExt cx="9080391" cy="2819400"/>
           </a:xfrm>
         </p:grpSpPr>
+        <p:pic>
+          <p:nvPicPr>
+            <p:cNvPr id="7" name="Picture 6">
+              <a:extLst>
+                <a:ext uri="{FF2B5EF4-FFF2-40B4-BE49-F238E27FC236}">
+                  <a16:creationId xmlns:a16="http://schemas.microsoft.com/office/drawing/2014/main" id="{7F8DAD71-E9D5-4A50-D6CA-0A9739555C93}"/>
+                </a:ext>
+              </a:extLst>
+            </p:cNvPr>
+            <p:cNvPicPr>
+              <a:picLocks noChangeAspect="1"/>
+            </p:cNvPicPr>
+            <p:nvPr/>
+          </p:nvPicPr>
+          <p:blipFill>
+            <a:blip r:embed="rId4"/>
+            <a:stretch>
+              <a:fillRect/>
+            </a:stretch>
+          </p:blipFill>
+          <p:spPr>
+            <a:xfrm>
+              <a:off x="3256359" y="3501148"/>
+              <a:ext cx="2819400" cy="2819400"/>
+            </a:xfrm>
+            <a:prstGeom prst="rect">
+              <a:avLst/>
+            </a:prstGeom>
+          </p:spPr>
+        </p:pic>
+        <p:grpSp>
+          <p:nvGrpSpPr>
+            <p:cNvPr id="30" name="Group 29">
+              <a:extLst>
+                <a:ext uri="{FF2B5EF4-FFF2-40B4-BE49-F238E27FC236}">
+                  <a16:creationId xmlns:a16="http://schemas.microsoft.com/office/drawing/2014/main" id="{C08C1C14-9359-9328-759F-D01A16B19A7C}"/>
+                </a:ext>
+              </a:extLst>
+            </p:cNvPr>
+            <p:cNvGrpSpPr/>
+            <p:nvPr/>
+          </p:nvGrpSpPr>
+          <p:grpSpPr>
+            <a:xfrm>
+              <a:off x="57117" y="3824210"/>
+              <a:ext cx="3565002" cy="2496338"/>
+              <a:chOff x="57117" y="3824210"/>
+              <a:chExt cx="3565002" cy="2496338"/>
+            </a:xfrm>
+          </p:grpSpPr>
+          <p:sp>
+            <p:nvSpPr>
+              <p:cNvPr id="8" name="Oval 7">
+                <a:extLst>
+                  <a:ext uri="{FF2B5EF4-FFF2-40B4-BE49-F238E27FC236}">
+                    <a16:creationId xmlns:a16="http://schemas.microsoft.com/office/drawing/2014/main" id="{1FA9738C-CD8A-6EAD-82EF-ADA62F4B6EF7}"/>
+                  </a:ext>
+                </a:extLst>
+              </p:cNvPr>
+              <p:cNvSpPr>
+                <a:spLocks noChangeAspect="1"/>
+              </p:cNvSpPr>
+              <p:nvPr/>
+            </p:nvSpPr>
+            <p:spPr>
+              <a:xfrm>
+                <a:off x="2669312" y="3908841"/>
+                <a:ext cx="731520" cy="731520"/>
+              </a:xfrm>
+              <a:prstGeom prst="ellipse">
+                <a:avLst/>
+              </a:prstGeom>
+              <a:solidFill>
+                <a:srgbClr val="4C63AC"/>
+              </a:solidFill>
+              <a:ln>
+                <a:solidFill>
+                  <a:srgbClr val="4C63AC"/>
+                </a:solidFill>
+              </a:ln>
+              <a:effectLst/>
+            </p:spPr>
+            <p:style>
+              <a:lnRef idx="1">
+                <a:schemeClr val="accent1"/>
+              </a:lnRef>
+              <a:fillRef idx="3">
+                <a:schemeClr val="accent1"/>
+              </a:fillRef>
+              <a:effectRef idx="2">
+                <a:schemeClr val="accent1"/>
+              </a:effectRef>
+              <a:fontRef idx="minor">
+                <a:schemeClr val="lt1"/>
+              </a:fontRef>
+            </p:style>
+            <p:txBody>
+              <a:bodyPr rtlCol="0" anchor="ctr"/>
+              <a:lstStyle/>
+              <a:p>
+                <a:pPr algn="ctr"/>
+                <a:endParaRPr lang="en-US"/>
+              </a:p>
+            </p:txBody>
+          </p:sp>
+          <p:sp>
+            <p:nvSpPr>
+              <p:cNvPr id="9" name="Oval 8">
+                <a:extLst>
+                  <a:ext uri="{FF2B5EF4-FFF2-40B4-BE49-F238E27FC236}">
+                    <a16:creationId xmlns:a16="http://schemas.microsoft.com/office/drawing/2014/main" id="{36A8AC53-B4CC-D51C-105F-15EB67900628}"/>
+                  </a:ext>
+                </a:extLst>
+              </p:cNvPr>
+              <p:cNvSpPr>
+                <a:spLocks noChangeAspect="1"/>
+              </p:cNvSpPr>
+              <p:nvPr/>
+            </p:nvSpPr>
+            <p:spPr>
+              <a:xfrm>
+                <a:off x="2528922" y="4746215"/>
+                <a:ext cx="548640" cy="548640"/>
+              </a:xfrm>
+              <a:prstGeom prst="ellipse">
+                <a:avLst/>
+              </a:prstGeom>
+              <a:solidFill>
+                <a:srgbClr val="CB3A32"/>
+              </a:solidFill>
+              <a:ln>
+                <a:solidFill>
+                  <a:srgbClr val="CB3A32"/>
+                </a:solidFill>
+              </a:ln>
+              <a:effectLst/>
+            </p:spPr>
+            <p:style>
+              <a:lnRef idx="1">
+                <a:schemeClr val="accent1"/>
+              </a:lnRef>
+              <a:fillRef idx="3">
+                <a:schemeClr val="accent1"/>
+              </a:fillRef>
+              <a:effectRef idx="2">
+                <a:schemeClr val="accent1"/>
+              </a:effectRef>
+              <a:fontRef idx="minor">
+                <a:schemeClr val="lt1"/>
+              </a:fontRef>
+            </p:style>
+            <p:txBody>
+              <a:bodyPr rtlCol="0" anchor="ctr"/>
+              <a:lstStyle/>
+              <a:p>
+                <a:pPr algn="ctr"/>
+                <a:endParaRPr lang="en-US"/>
+              </a:p>
+            </p:txBody>
+          </p:sp>
+          <p:sp>
+            <p:nvSpPr>
+              <p:cNvPr id="10" name="Oval 9">
+                <a:extLst>
+                  <a:ext uri="{FF2B5EF4-FFF2-40B4-BE49-F238E27FC236}">
+                    <a16:creationId xmlns:a16="http://schemas.microsoft.com/office/drawing/2014/main" id="{5DC20962-2C7B-4AD1-7137-831493102533}"/>
+                  </a:ext>
+                </a:extLst>
+              </p:cNvPr>
+              <p:cNvSpPr>
+                <a:spLocks noChangeAspect="1"/>
+              </p:cNvSpPr>
+              <p:nvPr/>
+            </p:nvSpPr>
+            <p:spPr>
+              <a:xfrm>
+                <a:off x="2890599" y="5326490"/>
+                <a:ext cx="731520" cy="731520"/>
+              </a:xfrm>
+              <a:prstGeom prst="ellipse">
+                <a:avLst/>
+              </a:prstGeom>
+              <a:solidFill>
+                <a:srgbClr val="4C63AC"/>
+              </a:solidFill>
+              <a:ln>
+                <a:solidFill>
+                  <a:srgbClr val="4C63AC"/>
+                </a:solidFill>
+              </a:ln>
+              <a:effectLst/>
+            </p:spPr>
+            <p:style>
+              <a:lnRef idx="1">
+                <a:schemeClr val="accent1"/>
+              </a:lnRef>
+              <a:fillRef idx="3">
+                <a:schemeClr val="accent1"/>
+              </a:fillRef>
+              <a:effectRef idx="2">
+                <a:schemeClr val="accent1"/>
+              </a:effectRef>
+              <a:fontRef idx="minor">
+                <a:schemeClr val="lt1"/>
+              </a:fontRef>
+            </p:style>
+            <p:txBody>
+              <a:bodyPr rtlCol="0" anchor="ctr"/>
+              <a:lstStyle/>
+              <a:p>
+                <a:pPr algn="ctr"/>
+                <a:endParaRPr lang="en-US" dirty="0"/>
+              </a:p>
+            </p:txBody>
+          </p:sp>
+          <p:sp>
+            <p:nvSpPr>
+              <p:cNvPr id="11" name="Oval 10">
+                <a:extLst>
+                  <a:ext uri="{FF2B5EF4-FFF2-40B4-BE49-F238E27FC236}">
+                    <a16:creationId xmlns:a16="http://schemas.microsoft.com/office/drawing/2014/main" id="{D84CE8A1-C510-DA7D-54A4-47762D1BC2B8}"/>
+                  </a:ext>
+                </a:extLst>
+              </p:cNvPr>
+              <p:cNvSpPr>
+                <a:spLocks noChangeAspect="1"/>
+              </p:cNvSpPr>
+              <p:nvPr/>
+            </p:nvSpPr>
+            <p:spPr>
+              <a:xfrm>
+                <a:off x="1705962" y="4436345"/>
+                <a:ext cx="731520" cy="731520"/>
+              </a:xfrm>
+              <a:prstGeom prst="ellipse">
+                <a:avLst/>
+              </a:prstGeom>
+              <a:solidFill>
+                <a:srgbClr val="4C63AC"/>
+              </a:solidFill>
+              <a:ln>
+                <a:solidFill>
+                  <a:srgbClr val="4C63AC"/>
+                </a:solidFill>
+              </a:ln>
+              <a:effectLst/>
+            </p:spPr>
+            <p:style>
+              <a:lnRef idx="1">
+                <a:schemeClr val="accent1"/>
+              </a:lnRef>
+              <a:fillRef idx="3">
+                <a:schemeClr val="accent1"/>
+              </a:fillRef>
+              <a:effectRef idx="2">
+                <a:schemeClr val="accent1"/>
+              </a:effectRef>
+              <a:fontRef idx="minor">
+                <a:schemeClr val="lt1"/>
+              </a:fontRef>
+            </p:style>
+            <p:txBody>
+              <a:bodyPr rtlCol="0" anchor="ctr"/>
+              <a:lstStyle/>
+              <a:p>
+                <a:pPr algn="ctr"/>
+                <a:endParaRPr lang="en-US"/>
+              </a:p>
+            </p:txBody>
+          </p:sp>
+          <p:sp>
+            <p:nvSpPr>
+              <p:cNvPr id="12" name="Oval 11">
+                <a:extLst>
+                  <a:ext uri="{FF2B5EF4-FFF2-40B4-BE49-F238E27FC236}">
+                    <a16:creationId xmlns:a16="http://schemas.microsoft.com/office/drawing/2014/main" id="{5C995F50-EAD4-8837-25C0-580E6327B502}"/>
+                  </a:ext>
+                </a:extLst>
+              </p:cNvPr>
+              <p:cNvSpPr>
+                <a:spLocks noChangeAspect="1"/>
+              </p:cNvSpPr>
+              <p:nvPr/>
+            </p:nvSpPr>
+            <p:spPr>
+              <a:xfrm>
+                <a:off x="1937792" y="5294855"/>
+                <a:ext cx="731520" cy="731520"/>
+              </a:xfrm>
+              <a:prstGeom prst="ellipse">
+                <a:avLst/>
+              </a:prstGeom>
+              <a:solidFill>
+                <a:srgbClr val="4C63AC"/>
+              </a:solidFill>
+              <a:ln>
+                <a:solidFill>
+                  <a:srgbClr val="4C63AC"/>
+                </a:solidFill>
+              </a:ln>
+              <a:effectLst/>
+            </p:spPr>
+            <p:style>
+              <a:lnRef idx="1">
+                <a:schemeClr val="accent1"/>
+              </a:lnRef>
+              <a:fillRef idx="3">
+                <a:schemeClr val="accent1"/>
+              </a:fillRef>
+              <a:effectRef idx="2">
+                <a:schemeClr val="accent1"/>
+              </a:effectRef>
+              <a:fontRef idx="minor">
+                <a:schemeClr val="lt1"/>
+              </a:fontRef>
+            </p:style>
+            <p:txBody>
+              <a:bodyPr rtlCol="0" anchor="ctr"/>
+              <a:lstStyle/>
+              <a:p>
+                <a:pPr algn="ctr"/>
+                <a:endParaRPr lang="en-US"/>
+              </a:p>
+            </p:txBody>
+          </p:sp>
+          <p:sp>
+            <p:nvSpPr>
+              <p:cNvPr id="13" name="Oval 12">
+                <a:extLst>
+                  <a:ext uri="{FF2B5EF4-FFF2-40B4-BE49-F238E27FC236}">
+                    <a16:creationId xmlns:a16="http://schemas.microsoft.com/office/drawing/2014/main" id="{87BF7B61-024B-9E91-4944-833A2F84B8E7}"/>
+                  </a:ext>
+                </a:extLst>
+              </p:cNvPr>
+              <p:cNvSpPr>
+                <a:spLocks noChangeAspect="1"/>
+              </p:cNvSpPr>
+              <p:nvPr/>
+            </p:nvSpPr>
+            <p:spPr>
+              <a:xfrm>
+                <a:off x="1144129" y="4942137"/>
+                <a:ext cx="548640" cy="548640"/>
+              </a:xfrm>
+              <a:prstGeom prst="ellipse">
+                <a:avLst/>
+              </a:prstGeom>
+              <a:solidFill>
+                <a:srgbClr val="CB3A32"/>
+              </a:solidFill>
+              <a:ln>
+                <a:solidFill>
+                  <a:srgbClr val="CB3A32"/>
+                </a:solidFill>
+              </a:ln>
+              <a:effectLst/>
+            </p:spPr>
+            <p:style>
+              <a:lnRef idx="1">
+                <a:schemeClr val="accent1"/>
+              </a:lnRef>
+              <a:fillRef idx="3">
+                <a:schemeClr val="accent1"/>
+              </a:fillRef>
+              <a:effectRef idx="2">
+                <a:schemeClr val="accent1"/>
+              </a:effectRef>
+              <a:fontRef idx="minor">
+                <a:schemeClr val="lt1"/>
+              </a:fontRef>
+            </p:style>
+            <p:txBody>
+              <a:bodyPr rtlCol="0" anchor="ctr"/>
+              <a:lstStyle/>
+              <a:p>
+                <a:pPr algn="ctr"/>
+                <a:endParaRPr lang="en-US"/>
+              </a:p>
+            </p:txBody>
+          </p:sp>
+          <p:sp>
+            <p:nvSpPr>
+              <p:cNvPr id="14" name="Oval 13">
+                <a:extLst>
+                  <a:ext uri="{FF2B5EF4-FFF2-40B4-BE49-F238E27FC236}">
+                    <a16:creationId xmlns:a16="http://schemas.microsoft.com/office/drawing/2014/main" id="{0DCA8E4E-759A-7E08-5CF9-4A01A7F520AB}"/>
+                  </a:ext>
+                </a:extLst>
+              </p:cNvPr>
+              <p:cNvSpPr>
+                <a:spLocks noChangeAspect="1"/>
+              </p:cNvSpPr>
+              <p:nvPr/>
+            </p:nvSpPr>
+            <p:spPr>
+              <a:xfrm>
+                <a:off x="950170" y="3975808"/>
+                <a:ext cx="731520" cy="731520"/>
+              </a:xfrm>
+              <a:prstGeom prst="ellipse">
+                <a:avLst/>
+              </a:prstGeom>
+              <a:solidFill>
+                <a:srgbClr val="4C63AC"/>
+              </a:solidFill>
+              <a:ln>
+                <a:solidFill>
+                  <a:srgbClr val="4C63AC"/>
+                </a:solidFill>
+              </a:ln>
+              <a:effectLst/>
+            </p:spPr>
+            <p:style>
+              <a:lnRef idx="1">
+                <a:schemeClr val="accent1"/>
+              </a:lnRef>
+              <a:fillRef idx="3">
+                <a:schemeClr val="accent1"/>
+              </a:fillRef>
+              <a:effectRef idx="2">
+                <a:schemeClr val="accent1"/>
+              </a:effectRef>
+              <a:fontRef idx="minor">
+                <a:schemeClr val="lt1"/>
+              </a:fontRef>
+            </p:style>
+            <p:txBody>
+              <a:bodyPr rtlCol="0" anchor="ctr"/>
+              <a:lstStyle/>
+              <a:p>
+                <a:pPr algn="ctr"/>
+                <a:endParaRPr lang="en-US"/>
+              </a:p>
+            </p:txBody>
+          </p:sp>
+          <p:sp>
+            <p:nvSpPr>
+              <p:cNvPr id="15" name="Oval 14">
+                <a:extLst>
+                  <a:ext uri="{FF2B5EF4-FFF2-40B4-BE49-F238E27FC236}">
+                    <a16:creationId xmlns:a16="http://schemas.microsoft.com/office/drawing/2014/main" id="{5DAE42A8-A086-6B0E-10ED-A9BF9C8429AE}"/>
+                  </a:ext>
+                </a:extLst>
+              </p:cNvPr>
+              <p:cNvSpPr>
+                <a:spLocks noChangeAspect="1"/>
+              </p:cNvSpPr>
+              <p:nvPr/>
+            </p:nvSpPr>
+            <p:spPr>
+              <a:xfrm>
+                <a:off x="2004757" y="3824210"/>
+                <a:ext cx="548640" cy="548640"/>
+              </a:xfrm>
+              <a:prstGeom prst="ellipse">
+                <a:avLst/>
+              </a:prstGeom>
+              <a:solidFill>
+                <a:srgbClr val="CB3A32"/>
+              </a:solidFill>
+              <a:ln>
+                <a:solidFill>
+                  <a:srgbClr val="CB3A32"/>
+                </a:solidFill>
+              </a:ln>
+              <a:effectLst/>
+            </p:spPr>
+            <p:style>
+              <a:lnRef idx="1">
+                <a:schemeClr val="accent1"/>
+              </a:lnRef>
+              <a:fillRef idx="3">
+                <a:schemeClr val="accent1"/>
+              </a:fillRef>
+              <a:effectRef idx="2">
+                <a:schemeClr val="accent1"/>
+              </a:effectRef>
+              <a:fontRef idx="minor">
+                <a:schemeClr val="lt1"/>
+              </a:fontRef>
+            </p:style>
+            <p:txBody>
+              <a:bodyPr rtlCol="0" anchor="ctr"/>
+              <a:lstStyle/>
+              <a:p>
+                <a:pPr algn="ctr"/>
+                <a:endParaRPr lang="en-US"/>
+              </a:p>
+            </p:txBody>
+          </p:sp>
+          <p:sp>
+            <p:nvSpPr>
+              <p:cNvPr id="16" name="Oval 15">
+                <a:extLst>
+                  <a:ext uri="{FF2B5EF4-FFF2-40B4-BE49-F238E27FC236}">
+                    <a16:creationId xmlns:a16="http://schemas.microsoft.com/office/drawing/2014/main" id="{C0D82BF9-251C-E46D-B156-C1C42A54A7C9}"/>
+                  </a:ext>
+                </a:extLst>
+              </p:cNvPr>
+              <p:cNvSpPr>
+                <a:spLocks noChangeAspect="1"/>
+              </p:cNvSpPr>
+              <p:nvPr/>
+            </p:nvSpPr>
+            <p:spPr>
+              <a:xfrm>
+                <a:off x="1052689" y="5589028"/>
+                <a:ext cx="731520" cy="731520"/>
+              </a:xfrm>
+              <a:prstGeom prst="ellipse">
+                <a:avLst/>
+              </a:prstGeom>
+              <a:solidFill>
+                <a:srgbClr val="4C63AC"/>
+              </a:solidFill>
+              <a:ln>
+                <a:solidFill>
+                  <a:srgbClr val="4C63AC"/>
+                </a:solidFill>
+              </a:ln>
+              <a:effectLst/>
+            </p:spPr>
+            <p:style>
+              <a:lnRef idx="1">
+                <a:schemeClr val="accent1"/>
+              </a:lnRef>
+              <a:fillRef idx="3">
+                <a:schemeClr val="accent1"/>
+              </a:fillRef>
+              <a:effectRef idx="2">
+                <a:schemeClr val="accent1"/>
+              </a:effectRef>
+              <a:fontRef idx="minor">
+                <a:schemeClr val="lt1"/>
+              </a:fontRef>
+            </p:style>
+            <p:txBody>
+              <a:bodyPr rtlCol="0" anchor="ctr"/>
+              <a:lstStyle/>
+              <a:p>
+                <a:pPr algn="ctr"/>
+                <a:endParaRPr lang="en-US"/>
+              </a:p>
+            </p:txBody>
+          </p:sp>
+          <p:sp>
+            <p:nvSpPr>
+              <p:cNvPr id="17" name="Oval 16">
+                <a:extLst>
+                  <a:ext uri="{FF2B5EF4-FFF2-40B4-BE49-F238E27FC236}">
+                    <a16:creationId xmlns:a16="http://schemas.microsoft.com/office/drawing/2014/main" id="{5F0707C1-5256-2DDA-5336-0701ED8BB5F2}"/>
+                  </a:ext>
+                </a:extLst>
+              </p:cNvPr>
+              <p:cNvSpPr>
+                <a:spLocks noChangeAspect="1"/>
+              </p:cNvSpPr>
+              <p:nvPr/>
+            </p:nvSpPr>
+            <p:spPr>
+              <a:xfrm>
+                <a:off x="264360" y="5020535"/>
+                <a:ext cx="731520" cy="731520"/>
+              </a:xfrm>
+              <a:prstGeom prst="ellipse">
+                <a:avLst/>
+              </a:prstGeom>
+              <a:solidFill>
+                <a:srgbClr val="4C63AC"/>
+              </a:solidFill>
+              <a:ln>
+                <a:solidFill>
+                  <a:srgbClr val="4C63AC"/>
+                </a:solidFill>
+              </a:ln>
+              <a:effectLst/>
+            </p:spPr>
+            <p:style>
+              <a:lnRef idx="1">
+                <a:schemeClr val="accent1"/>
+              </a:lnRef>
+              <a:fillRef idx="3">
+                <a:schemeClr val="accent1"/>
+              </a:fillRef>
+              <a:effectRef idx="2">
+                <a:schemeClr val="accent1"/>
+              </a:effectRef>
+              <a:fontRef idx="minor">
+                <a:schemeClr val="lt1"/>
+              </a:fontRef>
+            </p:style>
+            <p:txBody>
+              <a:bodyPr rtlCol="0" anchor="ctr"/>
+              <a:lstStyle/>
+              <a:p>
+                <a:pPr algn="ctr"/>
+                <a:endParaRPr lang="en-US"/>
+              </a:p>
+            </p:txBody>
+          </p:sp>
+          <p:sp>
+            <p:nvSpPr>
+              <p:cNvPr id="18" name="Oval 17">
+                <a:extLst>
+                  <a:ext uri="{FF2B5EF4-FFF2-40B4-BE49-F238E27FC236}">
+                    <a16:creationId xmlns:a16="http://schemas.microsoft.com/office/drawing/2014/main" id="{4F4A9FA1-E55E-45B9-6702-EF6B70811942}"/>
+                  </a:ext>
+                </a:extLst>
+              </p:cNvPr>
+              <p:cNvSpPr>
+                <a:spLocks noChangeAspect="1"/>
+              </p:cNvSpPr>
+              <p:nvPr/>
+            </p:nvSpPr>
+            <p:spPr>
+              <a:xfrm>
+                <a:off x="57117" y="3948528"/>
+                <a:ext cx="731520" cy="731520"/>
+              </a:xfrm>
+              <a:prstGeom prst="ellipse">
+                <a:avLst/>
+              </a:prstGeom>
+              <a:solidFill>
+                <a:srgbClr val="4C63AC"/>
+              </a:solidFill>
+              <a:ln>
+                <a:solidFill>
+                  <a:srgbClr val="4C63AC"/>
+                </a:solidFill>
+              </a:ln>
+              <a:effectLst/>
+            </p:spPr>
+            <p:style>
+              <a:lnRef idx="1">
+                <a:schemeClr val="accent1"/>
+              </a:lnRef>
+              <a:fillRef idx="3">
+                <a:schemeClr val="accent1"/>
+              </a:fillRef>
+              <a:effectRef idx="2">
+                <a:schemeClr val="accent1"/>
+              </a:effectRef>
+              <a:fontRef idx="minor">
+                <a:schemeClr val="lt1"/>
+              </a:fontRef>
+            </p:style>
+            <p:txBody>
+              <a:bodyPr rtlCol="0" anchor="ctr"/>
+              <a:lstStyle/>
+              <a:p>
+                <a:pPr algn="ctr"/>
+                <a:endParaRPr lang="en-US"/>
+              </a:p>
+            </p:txBody>
+          </p:sp>
+        </p:grpSp>
+        <p:grpSp>
+          <p:nvGrpSpPr>
+            <p:cNvPr id="31" name="Group 30">
+              <a:extLst>
+                <a:ext uri="{FF2B5EF4-FFF2-40B4-BE49-F238E27FC236}">
+                  <a16:creationId xmlns:a16="http://schemas.microsoft.com/office/drawing/2014/main" id="{02AF6556-245A-5057-340F-0A4B7A3E99C8}"/>
+                </a:ext>
+              </a:extLst>
+            </p:cNvPr>
+            <p:cNvGrpSpPr/>
+            <p:nvPr/>
+          </p:nvGrpSpPr>
+          <p:grpSpPr>
+            <a:xfrm flipH="1">
+              <a:off x="5743170" y="3772366"/>
+              <a:ext cx="3357759" cy="2496338"/>
+              <a:chOff x="264360" y="3824210"/>
+              <a:chExt cx="3357759" cy="2496338"/>
+            </a:xfrm>
+          </p:grpSpPr>
+          <p:sp>
+            <p:nvSpPr>
+              <p:cNvPr id="32" name="Oval 31">
+                <a:extLst>
+                  <a:ext uri="{FF2B5EF4-FFF2-40B4-BE49-F238E27FC236}">
+                    <a16:creationId xmlns:a16="http://schemas.microsoft.com/office/drawing/2014/main" id="{0C3F381F-79C4-2ADE-0FDA-47E63D7B59E8}"/>
+                  </a:ext>
+                </a:extLst>
+              </p:cNvPr>
+              <p:cNvSpPr>
+                <a:spLocks noChangeAspect="1"/>
+              </p:cNvSpPr>
+              <p:nvPr/>
+            </p:nvSpPr>
+            <p:spPr>
+              <a:xfrm>
+                <a:off x="2669312" y="3908841"/>
+                <a:ext cx="731520" cy="731520"/>
+              </a:xfrm>
+              <a:prstGeom prst="ellipse">
+                <a:avLst/>
+              </a:prstGeom>
+              <a:solidFill>
+                <a:srgbClr val="4C63AC"/>
+              </a:solidFill>
+              <a:ln>
+                <a:solidFill>
+                  <a:srgbClr val="4C63AC"/>
+                </a:solidFill>
+              </a:ln>
+              <a:effectLst/>
+            </p:spPr>
+            <p:style>
+              <a:lnRef idx="1">
+                <a:schemeClr val="accent1"/>
+              </a:lnRef>
+              <a:fillRef idx="3">
+                <a:schemeClr val="accent1"/>
+              </a:fillRef>
+              <a:effectRef idx="2">
+                <a:schemeClr val="accent1"/>
+              </a:effectRef>
+              <a:fontRef idx="minor">
+                <a:schemeClr val="lt1"/>
+              </a:fontRef>
+            </p:style>
+            <p:txBody>
+              <a:bodyPr rtlCol="0" anchor="ctr"/>
+              <a:lstStyle/>
+              <a:p>
+                <a:pPr algn="ctr"/>
+                <a:endParaRPr lang="en-US"/>
+              </a:p>
+            </p:txBody>
+          </p:sp>
+          <p:sp>
+            <p:nvSpPr>
+              <p:cNvPr id="33" name="Oval 32">
+                <a:extLst>
+                  <a:ext uri="{FF2B5EF4-FFF2-40B4-BE49-F238E27FC236}">
+                    <a16:creationId xmlns:a16="http://schemas.microsoft.com/office/drawing/2014/main" id="{7DAD2CB8-9E40-580B-7D28-5B9F9180610F}"/>
+                  </a:ext>
+                </a:extLst>
+              </p:cNvPr>
+              <p:cNvSpPr>
+                <a:spLocks noChangeAspect="1"/>
+              </p:cNvSpPr>
+              <p:nvPr/>
+            </p:nvSpPr>
+            <p:spPr>
+              <a:xfrm>
+                <a:off x="2528922" y="4746215"/>
+                <a:ext cx="548640" cy="548640"/>
+              </a:xfrm>
+              <a:prstGeom prst="ellipse">
+                <a:avLst/>
+              </a:prstGeom>
+              <a:solidFill>
+                <a:srgbClr val="CB3A32"/>
+              </a:solidFill>
+              <a:ln>
+                <a:solidFill>
+                  <a:srgbClr val="CB3A32"/>
+                </a:solidFill>
+              </a:ln>
+              <a:effectLst/>
+            </p:spPr>
+            <p:style>
+              <a:lnRef idx="1">
+                <a:schemeClr val="accent1"/>
+              </a:lnRef>
+              <a:fillRef idx="3">
+                <a:schemeClr val="accent1"/>
+              </a:fillRef>
+              <a:effectRef idx="2">
+                <a:schemeClr val="accent1"/>
+              </a:effectRef>
+              <a:fontRef idx="minor">
+                <a:schemeClr val="lt1"/>
+              </a:fontRef>
+            </p:style>
+            <p:txBody>
+              <a:bodyPr rtlCol="0" anchor="ctr"/>
+              <a:lstStyle/>
+              <a:p>
+                <a:pPr algn="ctr"/>
+                <a:endParaRPr lang="en-US"/>
+              </a:p>
+            </p:txBody>
+          </p:sp>
+          <p:sp>
+            <p:nvSpPr>
+              <p:cNvPr id="34" name="Oval 33">
+                <a:extLst>
+                  <a:ext uri="{FF2B5EF4-FFF2-40B4-BE49-F238E27FC236}">
+                    <a16:creationId xmlns:a16="http://schemas.microsoft.com/office/drawing/2014/main" id="{9AAF6292-FB31-B25C-5882-072C66635720}"/>
+                  </a:ext>
+                </a:extLst>
+              </p:cNvPr>
+              <p:cNvSpPr>
+                <a:spLocks noChangeAspect="1"/>
+              </p:cNvSpPr>
+              <p:nvPr/>
+            </p:nvSpPr>
+            <p:spPr>
+              <a:xfrm>
+                <a:off x="2890599" y="5326490"/>
+                <a:ext cx="731520" cy="731520"/>
+              </a:xfrm>
+              <a:prstGeom prst="ellipse">
+                <a:avLst/>
+              </a:prstGeom>
+              <a:solidFill>
+                <a:srgbClr val="4C63AC"/>
+              </a:solidFill>
+              <a:ln>
+                <a:solidFill>
+                  <a:srgbClr val="4C63AC"/>
+                </a:solidFill>
+              </a:ln>
+              <a:effectLst/>
+            </p:spPr>
+            <p:style>
+              <a:lnRef idx="1">
+                <a:schemeClr val="accent1"/>
+              </a:lnRef>
+              <a:fillRef idx="3">
+                <a:schemeClr val="accent1"/>
+              </a:fillRef>
+              <a:effectRef idx="2">
+                <a:schemeClr val="accent1"/>
+              </a:effectRef>
+              <a:fontRef idx="minor">
+                <a:schemeClr val="lt1"/>
+              </a:fontRef>
+            </p:style>
+            <p:txBody>
+              <a:bodyPr rtlCol="0" anchor="ctr"/>
+              <a:lstStyle/>
+              <a:p>
+                <a:pPr algn="ctr"/>
+                <a:endParaRPr lang="en-US"/>
+              </a:p>
+            </p:txBody>
+          </p:sp>
+          <p:sp>
+            <p:nvSpPr>
+              <p:cNvPr id="35" name="Oval 34">
+                <a:extLst>
+                  <a:ext uri="{FF2B5EF4-FFF2-40B4-BE49-F238E27FC236}">
+                    <a16:creationId xmlns:a16="http://schemas.microsoft.com/office/drawing/2014/main" id="{469A6245-3796-6156-7E06-9F7F1334C622}"/>
+                  </a:ext>
+                </a:extLst>
+              </p:cNvPr>
+              <p:cNvSpPr>
+                <a:spLocks noChangeAspect="1"/>
+              </p:cNvSpPr>
+              <p:nvPr/>
+            </p:nvSpPr>
+            <p:spPr>
+              <a:xfrm>
+                <a:off x="1705962" y="4436345"/>
+                <a:ext cx="731520" cy="731520"/>
+              </a:xfrm>
+              <a:prstGeom prst="ellipse">
+                <a:avLst/>
+              </a:prstGeom>
+              <a:solidFill>
+                <a:srgbClr val="4C63AC"/>
+              </a:solidFill>
+              <a:ln>
+                <a:solidFill>
+                  <a:srgbClr val="4C63AC"/>
+                </a:solidFill>
+              </a:ln>
+              <a:effectLst/>
+            </p:spPr>
+            <p:style>
+              <a:lnRef idx="1">
+                <a:schemeClr val="accent1"/>
+              </a:lnRef>
+              <a:fillRef idx="3">
+                <a:schemeClr val="accent1"/>
+              </a:fillRef>
+              <a:effectRef idx="2">
+                <a:schemeClr val="accent1"/>
+              </a:effectRef>
+              <a:fontRef idx="minor">
+                <a:schemeClr val="lt1"/>
+              </a:fontRef>
+            </p:style>
+            <p:txBody>
+              <a:bodyPr rtlCol="0" anchor="ctr"/>
+              <a:lstStyle/>
+              <a:p>
+                <a:pPr algn="ctr"/>
+                <a:endParaRPr lang="en-US"/>
+              </a:p>
+            </p:txBody>
+          </p:sp>
+          <p:sp>
+            <p:nvSpPr>
+              <p:cNvPr id="36" name="Oval 35">
+                <a:extLst>
+                  <a:ext uri="{FF2B5EF4-FFF2-40B4-BE49-F238E27FC236}">
+                    <a16:creationId xmlns:a16="http://schemas.microsoft.com/office/drawing/2014/main" id="{4C3575AA-7211-9015-E97C-407AB11A26A2}"/>
+                  </a:ext>
+                </a:extLst>
+              </p:cNvPr>
+              <p:cNvSpPr>
+                <a:spLocks noChangeAspect="1"/>
+              </p:cNvSpPr>
+              <p:nvPr/>
+            </p:nvSpPr>
+            <p:spPr>
+              <a:xfrm>
+                <a:off x="1937792" y="5294855"/>
+                <a:ext cx="731520" cy="731520"/>
+              </a:xfrm>
+              <a:prstGeom prst="ellipse">
+                <a:avLst/>
+              </a:prstGeom>
+              <a:solidFill>
+                <a:srgbClr val="4C63AC"/>
+              </a:solidFill>
+              <a:ln>
+                <a:solidFill>
+                  <a:srgbClr val="4C63AC"/>
+                </a:solidFill>
+              </a:ln>
+              <a:effectLst/>
+            </p:spPr>
+            <p:style>
+              <a:lnRef idx="1">
+                <a:schemeClr val="accent1"/>
+              </a:lnRef>
+              <a:fillRef idx="3">
+                <a:schemeClr val="accent1"/>
+              </a:fillRef>
+              <a:effectRef idx="2">
+                <a:schemeClr val="accent1"/>
+              </a:effectRef>
+              <a:fontRef idx="minor">
+                <a:schemeClr val="lt1"/>
+              </a:fontRef>
+            </p:style>
+            <p:txBody>
+              <a:bodyPr rtlCol="0" anchor="ctr"/>
+              <a:lstStyle/>
+              <a:p>
+                <a:pPr algn="ctr"/>
+                <a:endParaRPr lang="en-US"/>
+              </a:p>
+            </p:txBody>
+          </p:sp>
+          <p:sp>
+            <p:nvSpPr>
+              <p:cNvPr id="37" name="Oval 36">
+                <a:extLst>
+                  <a:ext uri="{FF2B5EF4-FFF2-40B4-BE49-F238E27FC236}">
+                    <a16:creationId xmlns:a16="http://schemas.microsoft.com/office/drawing/2014/main" id="{A4EE0F80-6C6D-B80D-1C0A-53F20C874A3E}"/>
+                  </a:ext>
+                </a:extLst>
+              </p:cNvPr>
+              <p:cNvSpPr>
+                <a:spLocks noChangeAspect="1"/>
+              </p:cNvSpPr>
+              <p:nvPr/>
+            </p:nvSpPr>
+            <p:spPr>
+              <a:xfrm>
+                <a:off x="1144129" y="4942137"/>
+                <a:ext cx="548640" cy="548640"/>
+              </a:xfrm>
+              <a:prstGeom prst="ellipse">
+                <a:avLst/>
+              </a:prstGeom>
+              <a:solidFill>
+                <a:srgbClr val="CB3A32"/>
+              </a:solidFill>
+              <a:ln>
+                <a:solidFill>
+                  <a:srgbClr val="CB3A32"/>
+                </a:solidFill>
+              </a:ln>
+              <a:effectLst/>
+            </p:spPr>
+            <p:style>
+              <a:lnRef idx="1">
+                <a:schemeClr val="accent1"/>
+              </a:lnRef>
+              <a:fillRef idx="3">
+                <a:schemeClr val="accent1"/>
+              </a:fillRef>
+              <a:effectRef idx="2">
+                <a:schemeClr val="accent1"/>
+              </a:effectRef>
+              <a:fontRef idx="minor">
+                <a:schemeClr val="lt1"/>
+              </a:fontRef>
+            </p:style>
+            <p:txBody>
+              <a:bodyPr rtlCol="0" anchor="ctr"/>
+              <a:lstStyle/>
+              <a:p>
+                <a:pPr algn="ctr"/>
+                <a:endParaRPr lang="en-US" dirty="0"/>
+              </a:p>
+            </p:txBody>
+          </p:sp>
+          <p:sp>
+            <p:nvSpPr>
+              <p:cNvPr id="38" name="Oval 37">
+                <a:extLst>
+                  <a:ext uri="{FF2B5EF4-FFF2-40B4-BE49-F238E27FC236}">
+                    <a16:creationId xmlns:a16="http://schemas.microsoft.com/office/drawing/2014/main" id="{2FBF151D-DFEC-6190-ABDE-600DB8329545}"/>
+                  </a:ext>
+                </a:extLst>
+              </p:cNvPr>
+              <p:cNvSpPr>
+                <a:spLocks noChangeAspect="1"/>
+              </p:cNvSpPr>
+              <p:nvPr/>
+            </p:nvSpPr>
+            <p:spPr>
+              <a:xfrm>
+                <a:off x="950170" y="3975808"/>
+                <a:ext cx="731520" cy="731520"/>
+              </a:xfrm>
+              <a:prstGeom prst="ellipse">
+                <a:avLst/>
+              </a:prstGeom>
+              <a:solidFill>
+                <a:srgbClr val="4C63AC"/>
+              </a:solidFill>
+              <a:ln>
+                <a:solidFill>
+                  <a:srgbClr val="4C63AC"/>
+                </a:solidFill>
+              </a:ln>
+              <a:effectLst/>
+            </p:spPr>
+            <p:style>
+              <a:lnRef idx="1">
+                <a:schemeClr val="accent1"/>
+              </a:lnRef>
+              <a:fillRef idx="3">
+                <a:schemeClr val="accent1"/>
+              </a:fillRef>
+              <a:effectRef idx="2">
+                <a:schemeClr val="accent1"/>
+              </a:effectRef>
+              <a:fontRef idx="minor">
+                <a:schemeClr val="lt1"/>
+              </a:fontRef>
+            </p:style>
+            <p:txBody>
+              <a:bodyPr rtlCol="0" anchor="ctr"/>
+              <a:lstStyle/>
+              <a:p>
+                <a:pPr algn="ctr"/>
+                <a:endParaRPr lang="en-US"/>
+              </a:p>
+            </p:txBody>
+          </p:sp>
+          <p:sp>
+            <p:nvSpPr>
+              <p:cNvPr id="39" name="Oval 38">
+                <a:extLst>
+                  <a:ext uri="{FF2B5EF4-FFF2-40B4-BE49-F238E27FC236}">
+                    <a16:creationId xmlns:a16="http://schemas.microsoft.com/office/drawing/2014/main" id="{4605824A-0A92-D5E5-5591-FCDD1304AD96}"/>
+                  </a:ext>
+                </a:extLst>
+              </p:cNvPr>
+              <p:cNvSpPr>
+                <a:spLocks noChangeAspect="1"/>
+              </p:cNvSpPr>
+              <p:nvPr/>
+            </p:nvSpPr>
+            <p:spPr>
+              <a:xfrm>
+                <a:off x="2004757" y="3824210"/>
+                <a:ext cx="548640" cy="548640"/>
+              </a:xfrm>
+              <a:prstGeom prst="ellipse">
+                <a:avLst/>
+              </a:prstGeom>
+              <a:solidFill>
+                <a:srgbClr val="CB3A32"/>
+              </a:solidFill>
+              <a:ln>
+                <a:solidFill>
+                  <a:srgbClr val="CB3A32"/>
+                </a:solidFill>
+              </a:ln>
+              <a:effectLst/>
+            </p:spPr>
+            <p:style>
+              <a:lnRef idx="1">
+                <a:schemeClr val="accent1"/>
+              </a:lnRef>
+              <a:fillRef idx="3">
+                <a:schemeClr val="accent1"/>
+              </a:fillRef>
+              <a:effectRef idx="2">
+                <a:schemeClr val="accent1"/>
+              </a:effectRef>
+              <a:fontRef idx="minor">
+                <a:schemeClr val="lt1"/>
+              </a:fontRef>
+            </p:style>
+            <p:txBody>
+              <a:bodyPr rtlCol="0" anchor="ctr"/>
+              <a:lstStyle/>
+              <a:p>
+                <a:pPr algn="ctr"/>
+                <a:endParaRPr lang="en-US"/>
+              </a:p>
+            </p:txBody>
+          </p:sp>
+          <p:sp>
+            <p:nvSpPr>
+              <p:cNvPr id="40" name="Oval 39">
+                <a:extLst>
+                  <a:ext uri="{FF2B5EF4-FFF2-40B4-BE49-F238E27FC236}">
+                    <a16:creationId xmlns:a16="http://schemas.microsoft.com/office/drawing/2014/main" id="{88959593-AE5A-B8CF-AB5A-6B699E5CFEFE}"/>
+                  </a:ext>
+                </a:extLst>
+              </p:cNvPr>
+              <p:cNvSpPr>
+                <a:spLocks noChangeAspect="1"/>
+              </p:cNvSpPr>
+              <p:nvPr/>
+            </p:nvSpPr>
+            <p:spPr>
+              <a:xfrm>
+                <a:off x="1052689" y="5589028"/>
+                <a:ext cx="731520" cy="731520"/>
+              </a:xfrm>
+              <a:prstGeom prst="ellipse">
+                <a:avLst/>
+              </a:prstGeom>
+              <a:solidFill>
+                <a:srgbClr val="4C63AC"/>
+              </a:solidFill>
+              <a:ln>
+                <a:solidFill>
+                  <a:srgbClr val="4C63AC"/>
+                </a:solidFill>
+              </a:ln>
+              <a:effectLst/>
+            </p:spPr>
+            <p:style>
+              <a:lnRef idx="1">
+                <a:schemeClr val="accent1"/>
+              </a:lnRef>
+              <a:fillRef idx="3">
+                <a:schemeClr val="accent1"/>
+              </a:fillRef>
+              <a:effectRef idx="2">
+                <a:schemeClr val="accent1"/>
+              </a:effectRef>
+              <a:fontRef idx="minor">
+                <a:schemeClr val="lt1"/>
+              </a:fontRef>
+            </p:style>
+            <p:txBody>
+              <a:bodyPr rtlCol="0" anchor="ctr"/>
+              <a:lstStyle/>
+              <a:p>
+                <a:pPr algn="ctr"/>
+                <a:endParaRPr lang="en-US"/>
+              </a:p>
+            </p:txBody>
+          </p:sp>
+          <p:sp>
+            <p:nvSpPr>
+              <p:cNvPr id="41" name="Oval 40">
+                <a:extLst>
+                  <a:ext uri="{FF2B5EF4-FFF2-40B4-BE49-F238E27FC236}">
+                    <a16:creationId xmlns:a16="http://schemas.microsoft.com/office/drawing/2014/main" id="{FAA285AB-490C-B722-1833-B2D07C59D9C2}"/>
+                  </a:ext>
+                </a:extLst>
+              </p:cNvPr>
+              <p:cNvSpPr>
+                <a:spLocks noChangeAspect="1"/>
+              </p:cNvSpPr>
+              <p:nvPr/>
+            </p:nvSpPr>
+            <p:spPr>
+              <a:xfrm>
+                <a:off x="264360" y="5020535"/>
+                <a:ext cx="731520" cy="731520"/>
+              </a:xfrm>
+              <a:prstGeom prst="ellipse">
+                <a:avLst/>
+              </a:prstGeom>
+              <a:solidFill>
+                <a:srgbClr val="4C63AC"/>
+              </a:solidFill>
+              <a:ln>
+                <a:solidFill>
+                  <a:srgbClr val="4C63AC"/>
+                </a:solidFill>
+              </a:ln>
+              <a:effectLst/>
+            </p:spPr>
+            <p:style>
+              <a:lnRef idx="1">
+                <a:schemeClr val="accent1"/>
+              </a:lnRef>
+              <a:fillRef idx="3">
+                <a:schemeClr val="accent1"/>
+              </a:fillRef>
+              <a:effectRef idx="2">
+                <a:schemeClr val="accent1"/>
+              </a:effectRef>
+              <a:fontRef idx="minor">
+                <a:schemeClr val="lt1"/>
+              </a:fontRef>
+            </p:style>
+            <p:txBody>
+              <a:bodyPr rtlCol="0" anchor="ctr"/>
+              <a:lstStyle/>
+              <a:p>
+                <a:pPr algn="ctr"/>
+                <a:endParaRPr lang="en-US"/>
+              </a:p>
+            </p:txBody>
+          </p:sp>
+        </p:grpSp>
         <p:sp>
           <p:nvSpPr>
-            <p:cNvPr id="8" name="Oval 7">
+            <p:cNvPr id="56" name="Oval 55">
               <a:extLst>
                 <a:ext uri="{FF2B5EF4-FFF2-40B4-BE49-F238E27FC236}">
-                  <a16:creationId xmlns:a16="http://schemas.microsoft.com/office/drawing/2014/main" id="{1FA9738C-CD8A-6EAD-82EF-ADA62F4B6EF7}"/>
+                  <a16:creationId xmlns:a16="http://schemas.microsoft.com/office/drawing/2014/main" id="{8F58669C-0E09-F3AC-7CE7-45FCD282CC4E}"/>
                 </a:ext>
               </a:extLst>
             </p:cNvPr>
@@ -9732,117 +10937,7 @@
           </p:nvSpPr>
           <p:spPr>
             <a:xfrm>
-              <a:off x="2669312" y="3908841"/>
-              <a:ext cx="731520" cy="731520"/>
-            </a:xfrm>
-            <a:prstGeom prst="ellipse">
-              <a:avLst/>
-            </a:prstGeom>
-            <a:solidFill>
-              <a:srgbClr val="4C63AC"/>
-            </a:solidFill>
-            <a:ln>
-              <a:solidFill>
-                <a:srgbClr val="4C63AC"/>
-              </a:solidFill>
-            </a:ln>
-            <a:effectLst/>
-          </p:spPr>
-          <p:style>
-            <a:lnRef idx="1">
-              <a:schemeClr val="accent1"/>
-            </a:lnRef>
-            <a:fillRef idx="3">
-              <a:schemeClr val="accent1"/>
-            </a:fillRef>
-            <a:effectRef idx="2">
-              <a:schemeClr val="accent1"/>
-            </a:effectRef>
-            <a:fontRef idx="minor">
-              <a:schemeClr val="lt1"/>
-            </a:fontRef>
-          </p:style>
-          <p:txBody>
-            <a:bodyPr rtlCol="0" anchor="ctr"/>
-            <a:lstStyle/>
-            <a:p>
-              <a:pPr algn="ctr"/>
-              <a:endParaRPr lang="en-US"/>
-            </a:p>
-          </p:txBody>
-        </p:sp>
-        <p:sp>
-          <p:nvSpPr>
-            <p:cNvPr id="9" name="Oval 8">
-              <a:extLst>
-                <a:ext uri="{FF2B5EF4-FFF2-40B4-BE49-F238E27FC236}">
-                  <a16:creationId xmlns:a16="http://schemas.microsoft.com/office/drawing/2014/main" id="{36A8AC53-B4CC-D51C-105F-15EB67900628}"/>
-                </a:ext>
-              </a:extLst>
-            </p:cNvPr>
-            <p:cNvSpPr>
-              <a:spLocks noChangeAspect="1"/>
-            </p:cNvSpPr>
-            <p:nvPr/>
-          </p:nvSpPr>
-          <p:spPr>
-            <a:xfrm>
-              <a:off x="2528922" y="4746215"/>
-              <a:ext cx="548640" cy="548640"/>
-            </a:xfrm>
-            <a:prstGeom prst="ellipse">
-              <a:avLst/>
-            </a:prstGeom>
-            <a:solidFill>
-              <a:srgbClr val="CB3A32"/>
-            </a:solidFill>
-            <a:ln>
-              <a:solidFill>
-                <a:srgbClr val="CB3A32"/>
-              </a:solidFill>
-            </a:ln>
-            <a:effectLst/>
-          </p:spPr>
-          <p:style>
-            <a:lnRef idx="1">
-              <a:schemeClr val="accent1"/>
-            </a:lnRef>
-            <a:fillRef idx="3">
-              <a:schemeClr val="accent1"/>
-            </a:fillRef>
-            <a:effectRef idx="2">
-              <a:schemeClr val="accent1"/>
-            </a:effectRef>
-            <a:fontRef idx="minor">
-              <a:schemeClr val="lt1"/>
-            </a:fontRef>
-          </p:style>
-          <p:txBody>
-            <a:bodyPr rtlCol="0" anchor="ctr"/>
-            <a:lstStyle/>
-            <a:p>
-              <a:pPr algn="ctr"/>
-              <a:endParaRPr lang="en-US"/>
-            </a:p>
-          </p:txBody>
-        </p:sp>
-        <p:sp>
-          <p:nvSpPr>
-            <p:cNvPr id="10" name="Oval 9">
-              <a:extLst>
-                <a:ext uri="{FF2B5EF4-FFF2-40B4-BE49-F238E27FC236}">
-                  <a16:creationId xmlns:a16="http://schemas.microsoft.com/office/drawing/2014/main" id="{5DC20962-2C7B-4AD1-7137-831493102533}"/>
-                </a:ext>
-              </a:extLst>
-            </p:cNvPr>
-            <p:cNvSpPr>
-              <a:spLocks noChangeAspect="1"/>
-            </p:cNvSpPr>
-            <p:nvPr/>
-          </p:nvSpPr>
-          <p:spPr>
-            <a:xfrm>
-              <a:off x="2890599" y="5326490"/>
+              <a:off x="8405988" y="4173676"/>
               <a:ext cx="731520" cy="731520"/>
             </a:xfrm>
             <a:prstGeom prst="ellipse">
@@ -9883,418 +10978,30 @@
         </p:sp>
         <p:sp>
           <p:nvSpPr>
-            <p:cNvPr id="11" name="Oval 10">
+            <p:cNvPr id="6" name="Oval 5">
               <a:extLst>
                 <a:ext uri="{FF2B5EF4-FFF2-40B4-BE49-F238E27FC236}">
-                  <a16:creationId xmlns:a16="http://schemas.microsoft.com/office/drawing/2014/main" id="{D84CE8A1-C510-DA7D-54A4-47762D1BC2B8}"/>
+                  <a16:creationId xmlns:a16="http://schemas.microsoft.com/office/drawing/2014/main" id="{1E40238F-38A7-CF36-2FBD-C6A4F911587A}"/>
                 </a:ext>
               </a:extLst>
             </p:cNvPr>
-            <p:cNvSpPr>
-              <a:spLocks noChangeAspect="1"/>
-            </p:cNvSpPr>
+            <p:cNvSpPr/>
             <p:nvPr/>
           </p:nvSpPr>
           <p:spPr>
             <a:xfrm>
-              <a:off x="1705962" y="4436345"/>
-              <a:ext cx="731520" cy="731520"/>
+              <a:off x="3653602" y="3975808"/>
+              <a:ext cx="1998128" cy="1927136"/>
             </a:xfrm>
             <a:prstGeom prst="ellipse">
               <a:avLst/>
             </a:prstGeom>
-            <a:solidFill>
-              <a:srgbClr val="4C63AC"/>
-            </a:solidFill>
-            <a:ln>
+            <a:noFill/>
+            <a:ln w="38100">
               <a:solidFill>
-                <a:srgbClr val="4C63AC"/>
+                <a:schemeClr val="tx1"/>
               </a:solidFill>
-            </a:ln>
-            <a:effectLst/>
-          </p:spPr>
-          <p:style>
-            <a:lnRef idx="1">
-              <a:schemeClr val="accent1"/>
-            </a:lnRef>
-            <a:fillRef idx="3">
-              <a:schemeClr val="accent1"/>
-            </a:fillRef>
-            <a:effectRef idx="2">
-              <a:schemeClr val="accent1"/>
-            </a:effectRef>
-            <a:fontRef idx="minor">
-              <a:schemeClr val="lt1"/>
-            </a:fontRef>
-          </p:style>
-          <p:txBody>
-            <a:bodyPr rtlCol="0" anchor="ctr"/>
-            <a:lstStyle/>
-            <a:p>
-              <a:pPr algn="ctr"/>
-              <a:endParaRPr lang="en-US"/>
-            </a:p>
-          </p:txBody>
-        </p:sp>
-        <p:sp>
-          <p:nvSpPr>
-            <p:cNvPr id="12" name="Oval 11">
-              <a:extLst>
-                <a:ext uri="{FF2B5EF4-FFF2-40B4-BE49-F238E27FC236}">
-                  <a16:creationId xmlns:a16="http://schemas.microsoft.com/office/drawing/2014/main" id="{5C995F50-EAD4-8837-25C0-580E6327B502}"/>
-                </a:ext>
-              </a:extLst>
-            </p:cNvPr>
-            <p:cNvSpPr>
-              <a:spLocks noChangeAspect="1"/>
-            </p:cNvSpPr>
-            <p:nvPr/>
-          </p:nvSpPr>
-          <p:spPr>
-            <a:xfrm>
-              <a:off x="1937792" y="5294855"/>
-              <a:ext cx="731520" cy="731520"/>
-            </a:xfrm>
-            <a:prstGeom prst="ellipse">
-              <a:avLst/>
-            </a:prstGeom>
-            <a:solidFill>
-              <a:srgbClr val="4C63AC"/>
-            </a:solidFill>
-            <a:ln>
-              <a:solidFill>
-                <a:srgbClr val="4C63AC"/>
-              </a:solidFill>
-            </a:ln>
-            <a:effectLst/>
-          </p:spPr>
-          <p:style>
-            <a:lnRef idx="1">
-              <a:schemeClr val="accent1"/>
-            </a:lnRef>
-            <a:fillRef idx="3">
-              <a:schemeClr val="accent1"/>
-            </a:fillRef>
-            <a:effectRef idx="2">
-              <a:schemeClr val="accent1"/>
-            </a:effectRef>
-            <a:fontRef idx="minor">
-              <a:schemeClr val="lt1"/>
-            </a:fontRef>
-          </p:style>
-          <p:txBody>
-            <a:bodyPr rtlCol="0" anchor="ctr"/>
-            <a:lstStyle/>
-            <a:p>
-              <a:pPr algn="ctr"/>
-              <a:endParaRPr lang="en-US"/>
-            </a:p>
-          </p:txBody>
-        </p:sp>
-        <p:sp>
-          <p:nvSpPr>
-            <p:cNvPr id="13" name="Oval 12">
-              <a:extLst>
-                <a:ext uri="{FF2B5EF4-FFF2-40B4-BE49-F238E27FC236}">
-                  <a16:creationId xmlns:a16="http://schemas.microsoft.com/office/drawing/2014/main" id="{87BF7B61-024B-9E91-4944-833A2F84B8E7}"/>
-                </a:ext>
-              </a:extLst>
-            </p:cNvPr>
-            <p:cNvSpPr>
-              <a:spLocks noChangeAspect="1"/>
-            </p:cNvSpPr>
-            <p:nvPr/>
-          </p:nvSpPr>
-          <p:spPr>
-            <a:xfrm>
-              <a:off x="1144129" y="4942137"/>
-              <a:ext cx="548640" cy="548640"/>
-            </a:xfrm>
-            <a:prstGeom prst="ellipse">
-              <a:avLst/>
-            </a:prstGeom>
-            <a:solidFill>
-              <a:srgbClr val="CB3A32"/>
-            </a:solidFill>
-            <a:ln>
-              <a:solidFill>
-                <a:srgbClr val="CB3A32"/>
-              </a:solidFill>
-            </a:ln>
-            <a:effectLst/>
-          </p:spPr>
-          <p:style>
-            <a:lnRef idx="1">
-              <a:schemeClr val="accent1"/>
-            </a:lnRef>
-            <a:fillRef idx="3">
-              <a:schemeClr val="accent1"/>
-            </a:fillRef>
-            <a:effectRef idx="2">
-              <a:schemeClr val="accent1"/>
-            </a:effectRef>
-            <a:fontRef idx="minor">
-              <a:schemeClr val="lt1"/>
-            </a:fontRef>
-          </p:style>
-          <p:txBody>
-            <a:bodyPr rtlCol="0" anchor="ctr"/>
-            <a:lstStyle/>
-            <a:p>
-              <a:pPr algn="ctr"/>
-              <a:endParaRPr lang="en-US"/>
-            </a:p>
-          </p:txBody>
-        </p:sp>
-        <p:sp>
-          <p:nvSpPr>
-            <p:cNvPr id="14" name="Oval 13">
-              <a:extLst>
-                <a:ext uri="{FF2B5EF4-FFF2-40B4-BE49-F238E27FC236}">
-                  <a16:creationId xmlns:a16="http://schemas.microsoft.com/office/drawing/2014/main" id="{0DCA8E4E-759A-7E08-5CF9-4A01A7F520AB}"/>
-                </a:ext>
-              </a:extLst>
-            </p:cNvPr>
-            <p:cNvSpPr>
-              <a:spLocks noChangeAspect="1"/>
-            </p:cNvSpPr>
-            <p:nvPr/>
-          </p:nvSpPr>
-          <p:spPr>
-            <a:xfrm>
-              <a:off x="950170" y="3975808"/>
-              <a:ext cx="731520" cy="731520"/>
-            </a:xfrm>
-            <a:prstGeom prst="ellipse">
-              <a:avLst/>
-            </a:prstGeom>
-            <a:solidFill>
-              <a:srgbClr val="4C63AC"/>
-            </a:solidFill>
-            <a:ln>
-              <a:solidFill>
-                <a:srgbClr val="4C63AC"/>
-              </a:solidFill>
-            </a:ln>
-            <a:effectLst/>
-          </p:spPr>
-          <p:style>
-            <a:lnRef idx="1">
-              <a:schemeClr val="accent1"/>
-            </a:lnRef>
-            <a:fillRef idx="3">
-              <a:schemeClr val="accent1"/>
-            </a:fillRef>
-            <a:effectRef idx="2">
-              <a:schemeClr val="accent1"/>
-            </a:effectRef>
-            <a:fontRef idx="minor">
-              <a:schemeClr val="lt1"/>
-            </a:fontRef>
-          </p:style>
-          <p:txBody>
-            <a:bodyPr rtlCol="0" anchor="ctr"/>
-            <a:lstStyle/>
-            <a:p>
-              <a:pPr algn="ctr"/>
-              <a:endParaRPr lang="en-US"/>
-            </a:p>
-          </p:txBody>
-        </p:sp>
-        <p:sp>
-          <p:nvSpPr>
-            <p:cNvPr id="15" name="Oval 14">
-              <a:extLst>
-                <a:ext uri="{FF2B5EF4-FFF2-40B4-BE49-F238E27FC236}">
-                  <a16:creationId xmlns:a16="http://schemas.microsoft.com/office/drawing/2014/main" id="{5DAE42A8-A086-6B0E-10ED-A9BF9C8429AE}"/>
-                </a:ext>
-              </a:extLst>
-            </p:cNvPr>
-            <p:cNvSpPr>
-              <a:spLocks noChangeAspect="1"/>
-            </p:cNvSpPr>
-            <p:nvPr/>
-          </p:nvSpPr>
-          <p:spPr>
-            <a:xfrm>
-              <a:off x="2004757" y="3824210"/>
-              <a:ext cx="548640" cy="548640"/>
-            </a:xfrm>
-            <a:prstGeom prst="ellipse">
-              <a:avLst/>
-            </a:prstGeom>
-            <a:solidFill>
-              <a:srgbClr val="CB3A32"/>
-            </a:solidFill>
-            <a:ln>
-              <a:solidFill>
-                <a:srgbClr val="CB3A32"/>
-              </a:solidFill>
-            </a:ln>
-            <a:effectLst/>
-          </p:spPr>
-          <p:style>
-            <a:lnRef idx="1">
-              <a:schemeClr val="accent1"/>
-            </a:lnRef>
-            <a:fillRef idx="3">
-              <a:schemeClr val="accent1"/>
-            </a:fillRef>
-            <a:effectRef idx="2">
-              <a:schemeClr val="accent1"/>
-            </a:effectRef>
-            <a:fontRef idx="minor">
-              <a:schemeClr val="lt1"/>
-            </a:fontRef>
-          </p:style>
-          <p:txBody>
-            <a:bodyPr rtlCol="0" anchor="ctr"/>
-            <a:lstStyle/>
-            <a:p>
-              <a:pPr algn="ctr"/>
-              <a:endParaRPr lang="en-US"/>
-            </a:p>
-          </p:txBody>
-        </p:sp>
-        <p:sp>
-          <p:nvSpPr>
-            <p:cNvPr id="16" name="Oval 15">
-              <a:extLst>
-                <a:ext uri="{FF2B5EF4-FFF2-40B4-BE49-F238E27FC236}">
-                  <a16:creationId xmlns:a16="http://schemas.microsoft.com/office/drawing/2014/main" id="{C0D82BF9-251C-E46D-B156-C1C42A54A7C9}"/>
-                </a:ext>
-              </a:extLst>
-            </p:cNvPr>
-            <p:cNvSpPr>
-              <a:spLocks noChangeAspect="1"/>
-            </p:cNvSpPr>
-            <p:nvPr/>
-          </p:nvSpPr>
-          <p:spPr>
-            <a:xfrm>
-              <a:off x="1052689" y="5589028"/>
-              <a:ext cx="731520" cy="731520"/>
-            </a:xfrm>
-            <a:prstGeom prst="ellipse">
-              <a:avLst/>
-            </a:prstGeom>
-            <a:solidFill>
-              <a:srgbClr val="4C63AC"/>
-            </a:solidFill>
-            <a:ln>
-              <a:solidFill>
-                <a:srgbClr val="4C63AC"/>
-              </a:solidFill>
-            </a:ln>
-            <a:effectLst/>
-          </p:spPr>
-          <p:style>
-            <a:lnRef idx="1">
-              <a:schemeClr val="accent1"/>
-            </a:lnRef>
-            <a:fillRef idx="3">
-              <a:schemeClr val="accent1"/>
-            </a:fillRef>
-            <a:effectRef idx="2">
-              <a:schemeClr val="accent1"/>
-            </a:effectRef>
-            <a:fontRef idx="minor">
-              <a:schemeClr val="lt1"/>
-            </a:fontRef>
-          </p:style>
-          <p:txBody>
-            <a:bodyPr rtlCol="0" anchor="ctr"/>
-            <a:lstStyle/>
-            <a:p>
-              <a:pPr algn="ctr"/>
-              <a:endParaRPr lang="en-US"/>
-            </a:p>
-          </p:txBody>
-        </p:sp>
-        <p:sp>
-          <p:nvSpPr>
-            <p:cNvPr id="17" name="Oval 16">
-              <a:extLst>
-                <a:ext uri="{FF2B5EF4-FFF2-40B4-BE49-F238E27FC236}">
-                  <a16:creationId xmlns:a16="http://schemas.microsoft.com/office/drawing/2014/main" id="{5F0707C1-5256-2DDA-5336-0701ED8BB5F2}"/>
-                </a:ext>
-              </a:extLst>
-            </p:cNvPr>
-            <p:cNvSpPr>
-              <a:spLocks noChangeAspect="1"/>
-            </p:cNvSpPr>
-            <p:nvPr/>
-          </p:nvSpPr>
-          <p:spPr>
-            <a:xfrm>
-              <a:off x="264360" y="5020535"/>
-              <a:ext cx="731520" cy="731520"/>
-            </a:xfrm>
-            <a:prstGeom prst="ellipse">
-              <a:avLst/>
-            </a:prstGeom>
-            <a:solidFill>
-              <a:srgbClr val="4C63AC"/>
-            </a:solidFill>
-            <a:ln>
-              <a:solidFill>
-                <a:srgbClr val="4C63AC"/>
-              </a:solidFill>
-            </a:ln>
-            <a:effectLst/>
-          </p:spPr>
-          <p:style>
-            <a:lnRef idx="1">
-              <a:schemeClr val="accent1"/>
-            </a:lnRef>
-            <a:fillRef idx="3">
-              <a:schemeClr val="accent1"/>
-            </a:fillRef>
-            <a:effectRef idx="2">
-              <a:schemeClr val="accent1"/>
-            </a:effectRef>
-            <a:fontRef idx="minor">
-              <a:schemeClr val="lt1"/>
-            </a:fontRef>
-          </p:style>
-          <p:txBody>
-            <a:bodyPr rtlCol="0" anchor="ctr"/>
-            <a:lstStyle/>
-            <a:p>
-              <a:pPr algn="ctr"/>
-              <a:endParaRPr lang="en-US"/>
-            </a:p>
-          </p:txBody>
-        </p:sp>
-        <p:sp>
-          <p:nvSpPr>
-            <p:cNvPr id="18" name="Oval 17">
-              <a:extLst>
-                <a:ext uri="{FF2B5EF4-FFF2-40B4-BE49-F238E27FC236}">
-                  <a16:creationId xmlns:a16="http://schemas.microsoft.com/office/drawing/2014/main" id="{4F4A9FA1-E55E-45B9-6702-EF6B70811942}"/>
-                </a:ext>
-              </a:extLst>
-            </p:cNvPr>
-            <p:cNvSpPr>
-              <a:spLocks noChangeAspect="1"/>
-            </p:cNvSpPr>
-            <p:nvPr/>
-          </p:nvSpPr>
-          <p:spPr>
-            <a:xfrm>
-              <a:off x="57117" y="3948528"/>
-              <a:ext cx="731520" cy="731520"/>
-            </a:xfrm>
-            <a:prstGeom prst="ellipse">
-              <a:avLst/>
-            </a:prstGeom>
-            <a:solidFill>
-              <a:srgbClr val="4C63AC"/>
-            </a:solidFill>
-            <a:ln>
-              <a:solidFill>
-                <a:srgbClr val="4C63AC"/>
-              </a:solidFill>
+              <a:prstDash val="dash"/>
             </a:ln>
             <a:effectLst/>
           </p:spPr>
@@ -10322,684 +11029,6 @@
           </p:txBody>
         </p:sp>
       </p:grpSp>
-      <p:grpSp>
-        <p:nvGrpSpPr>
-          <p:cNvPr id="31" name="Group 30">
-            <a:extLst>
-              <a:ext uri="{FF2B5EF4-FFF2-40B4-BE49-F238E27FC236}">
-                <a16:creationId xmlns:a16="http://schemas.microsoft.com/office/drawing/2014/main" id="{02AF6556-245A-5057-340F-0A4B7A3E99C8}"/>
-              </a:ext>
-            </a:extLst>
-          </p:cNvPr>
-          <p:cNvGrpSpPr/>
-          <p:nvPr/>
-        </p:nvGrpSpPr>
-        <p:grpSpPr>
-          <a:xfrm flipH="1">
-            <a:off x="5743170" y="3772366"/>
-            <a:ext cx="3357759" cy="2496338"/>
-            <a:chOff x="264360" y="3824210"/>
-            <a:chExt cx="3357759" cy="2496338"/>
-          </a:xfrm>
-        </p:grpSpPr>
-        <p:sp>
-          <p:nvSpPr>
-            <p:cNvPr id="32" name="Oval 31">
-              <a:extLst>
-                <a:ext uri="{FF2B5EF4-FFF2-40B4-BE49-F238E27FC236}">
-                  <a16:creationId xmlns:a16="http://schemas.microsoft.com/office/drawing/2014/main" id="{0C3F381F-79C4-2ADE-0FDA-47E63D7B59E8}"/>
-                </a:ext>
-              </a:extLst>
-            </p:cNvPr>
-            <p:cNvSpPr>
-              <a:spLocks noChangeAspect="1"/>
-            </p:cNvSpPr>
-            <p:nvPr/>
-          </p:nvSpPr>
-          <p:spPr>
-            <a:xfrm>
-              <a:off x="2669312" y="3908841"/>
-              <a:ext cx="731520" cy="731520"/>
-            </a:xfrm>
-            <a:prstGeom prst="ellipse">
-              <a:avLst/>
-            </a:prstGeom>
-            <a:solidFill>
-              <a:srgbClr val="4C63AC"/>
-            </a:solidFill>
-            <a:ln>
-              <a:solidFill>
-                <a:srgbClr val="4C63AC"/>
-              </a:solidFill>
-            </a:ln>
-            <a:effectLst/>
-          </p:spPr>
-          <p:style>
-            <a:lnRef idx="1">
-              <a:schemeClr val="accent1"/>
-            </a:lnRef>
-            <a:fillRef idx="3">
-              <a:schemeClr val="accent1"/>
-            </a:fillRef>
-            <a:effectRef idx="2">
-              <a:schemeClr val="accent1"/>
-            </a:effectRef>
-            <a:fontRef idx="minor">
-              <a:schemeClr val="lt1"/>
-            </a:fontRef>
-          </p:style>
-          <p:txBody>
-            <a:bodyPr rtlCol="0" anchor="ctr"/>
-            <a:lstStyle/>
-            <a:p>
-              <a:pPr algn="ctr"/>
-              <a:endParaRPr lang="en-US"/>
-            </a:p>
-          </p:txBody>
-        </p:sp>
-        <p:sp>
-          <p:nvSpPr>
-            <p:cNvPr id="33" name="Oval 32">
-              <a:extLst>
-                <a:ext uri="{FF2B5EF4-FFF2-40B4-BE49-F238E27FC236}">
-                  <a16:creationId xmlns:a16="http://schemas.microsoft.com/office/drawing/2014/main" id="{7DAD2CB8-9E40-580B-7D28-5B9F9180610F}"/>
-                </a:ext>
-              </a:extLst>
-            </p:cNvPr>
-            <p:cNvSpPr>
-              <a:spLocks noChangeAspect="1"/>
-            </p:cNvSpPr>
-            <p:nvPr/>
-          </p:nvSpPr>
-          <p:spPr>
-            <a:xfrm>
-              <a:off x="2528922" y="4746215"/>
-              <a:ext cx="548640" cy="548640"/>
-            </a:xfrm>
-            <a:prstGeom prst="ellipse">
-              <a:avLst/>
-            </a:prstGeom>
-            <a:solidFill>
-              <a:srgbClr val="CB3A32"/>
-            </a:solidFill>
-            <a:ln>
-              <a:solidFill>
-                <a:srgbClr val="CB3A32"/>
-              </a:solidFill>
-            </a:ln>
-            <a:effectLst/>
-          </p:spPr>
-          <p:style>
-            <a:lnRef idx="1">
-              <a:schemeClr val="accent1"/>
-            </a:lnRef>
-            <a:fillRef idx="3">
-              <a:schemeClr val="accent1"/>
-            </a:fillRef>
-            <a:effectRef idx="2">
-              <a:schemeClr val="accent1"/>
-            </a:effectRef>
-            <a:fontRef idx="minor">
-              <a:schemeClr val="lt1"/>
-            </a:fontRef>
-          </p:style>
-          <p:txBody>
-            <a:bodyPr rtlCol="0" anchor="ctr"/>
-            <a:lstStyle/>
-            <a:p>
-              <a:pPr algn="ctr"/>
-              <a:endParaRPr lang="en-US"/>
-            </a:p>
-          </p:txBody>
-        </p:sp>
-        <p:sp>
-          <p:nvSpPr>
-            <p:cNvPr id="34" name="Oval 33">
-              <a:extLst>
-                <a:ext uri="{FF2B5EF4-FFF2-40B4-BE49-F238E27FC236}">
-                  <a16:creationId xmlns:a16="http://schemas.microsoft.com/office/drawing/2014/main" id="{9AAF6292-FB31-B25C-5882-072C66635720}"/>
-                </a:ext>
-              </a:extLst>
-            </p:cNvPr>
-            <p:cNvSpPr>
-              <a:spLocks noChangeAspect="1"/>
-            </p:cNvSpPr>
-            <p:nvPr/>
-          </p:nvSpPr>
-          <p:spPr>
-            <a:xfrm>
-              <a:off x="2890599" y="5326490"/>
-              <a:ext cx="731520" cy="731520"/>
-            </a:xfrm>
-            <a:prstGeom prst="ellipse">
-              <a:avLst/>
-            </a:prstGeom>
-            <a:solidFill>
-              <a:srgbClr val="4C63AC"/>
-            </a:solidFill>
-            <a:ln>
-              <a:solidFill>
-                <a:srgbClr val="4C63AC"/>
-              </a:solidFill>
-            </a:ln>
-            <a:effectLst/>
-          </p:spPr>
-          <p:style>
-            <a:lnRef idx="1">
-              <a:schemeClr val="accent1"/>
-            </a:lnRef>
-            <a:fillRef idx="3">
-              <a:schemeClr val="accent1"/>
-            </a:fillRef>
-            <a:effectRef idx="2">
-              <a:schemeClr val="accent1"/>
-            </a:effectRef>
-            <a:fontRef idx="minor">
-              <a:schemeClr val="lt1"/>
-            </a:fontRef>
-          </p:style>
-          <p:txBody>
-            <a:bodyPr rtlCol="0" anchor="ctr"/>
-            <a:lstStyle/>
-            <a:p>
-              <a:pPr algn="ctr"/>
-              <a:endParaRPr lang="en-US"/>
-            </a:p>
-          </p:txBody>
-        </p:sp>
-        <p:sp>
-          <p:nvSpPr>
-            <p:cNvPr id="35" name="Oval 34">
-              <a:extLst>
-                <a:ext uri="{FF2B5EF4-FFF2-40B4-BE49-F238E27FC236}">
-                  <a16:creationId xmlns:a16="http://schemas.microsoft.com/office/drawing/2014/main" id="{469A6245-3796-6156-7E06-9F7F1334C622}"/>
-                </a:ext>
-              </a:extLst>
-            </p:cNvPr>
-            <p:cNvSpPr>
-              <a:spLocks noChangeAspect="1"/>
-            </p:cNvSpPr>
-            <p:nvPr/>
-          </p:nvSpPr>
-          <p:spPr>
-            <a:xfrm>
-              <a:off x="1705962" y="4436345"/>
-              <a:ext cx="731520" cy="731520"/>
-            </a:xfrm>
-            <a:prstGeom prst="ellipse">
-              <a:avLst/>
-            </a:prstGeom>
-            <a:solidFill>
-              <a:srgbClr val="4C63AC"/>
-            </a:solidFill>
-            <a:ln>
-              <a:solidFill>
-                <a:srgbClr val="4C63AC"/>
-              </a:solidFill>
-            </a:ln>
-            <a:effectLst/>
-          </p:spPr>
-          <p:style>
-            <a:lnRef idx="1">
-              <a:schemeClr val="accent1"/>
-            </a:lnRef>
-            <a:fillRef idx="3">
-              <a:schemeClr val="accent1"/>
-            </a:fillRef>
-            <a:effectRef idx="2">
-              <a:schemeClr val="accent1"/>
-            </a:effectRef>
-            <a:fontRef idx="minor">
-              <a:schemeClr val="lt1"/>
-            </a:fontRef>
-          </p:style>
-          <p:txBody>
-            <a:bodyPr rtlCol="0" anchor="ctr"/>
-            <a:lstStyle/>
-            <a:p>
-              <a:pPr algn="ctr"/>
-              <a:endParaRPr lang="en-US"/>
-            </a:p>
-          </p:txBody>
-        </p:sp>
-        <p:sp>
-          <p:nvSpPr>
-            <p:cNvPr id="36" name="Oval 35">
-              <a:extLst>
-                <a:ext uri="{FF2B5EF4-FFF2-40B4-BE49-F238E27FC236}">
-                  <a16:creationId xmlns:a16="http://schemas.microsoft.com/office/drawing/2014/main" id="{4C3575AA-7211-9015-E97C-407AB11A26A2}"/>
-                </a:ext>
-              </a:extLst>
-            </p:cNvPr>
-            <p:cNvSpPr>
-              <a:spLocks noChangeAspect="1"/>
-            </p:cNvSpPr>
-            <p:nvPr/>
-          </p:nvSpPr>
-          <p:spPr>
-            <a:xfrm>
-              <a:off x="1937792" y="5294855"/>
-              <a:ext cx="731520" cy="731520"/>
-            </a:xfrm>
-            <a:prstGeom prst="ellipse">
-              <a:avLst/>
-            </a:prstGeom>
-            <a:solidFill>
-              <a:srgbClr val="4C63AC"/>
-            </a:solidFill>
-            <a:ln>
-              <a:solidFill>
-                <a:srgbClr val="4C63AC"/>
-              </a:solidFill>
-            </a:ln>
-            <a:effectLst/>
-          </p:spPr>
-          <p:style>
-            <a:lnRef idx="1">
-              <a:schemeClr val="accent1"/>
-            </a:lnRef>
-            <a:fillRef idx="3">
-              <a:schemeClr val="accent1"/>
-            </a:fillRef>
-            <a:effectRef idx="2">
-              <a:schemeClr val="accent1"/>
-            </a:effectRef>
-            <a:fontRef idx="minor">
-              <a:schemeClr val="lt1"/>
-            </a:fontRef>
-          </p:style>
-          <p:txBody>
-            <a:bodyPr rtlCol="0" anchor="ctr"/>
-            <a:lstStyle/>
-            <a:p>
-              <a:pPr algn="ctr"/>
-              <a:endParaRPr lang="en-US"/>
-            </a:p>
-          </p:txBody>
-        </p:sp>
-        <p:sp>
-          <p:nvSpPr>
-            <p:cNvPr id="37" name="Oval 36">
-              <a:extLst>
-                <a:ext uri="{FF2B5EF4-FFF2-40B4-BE49-F238E27FC236}">
-                  <a16:creationId xmlns:a16="http://schemas.microsoft.com/office/drawing/2014/main" id="{A4EE0F80-6C6D-B80D-1C0A-53F20C874A3E}"/>
-                </a:ext>
-              </a:extLst>
-            </p:cNvPr>
-            <p:cNvSpPr>
-              <a:spLocks noChangeAspect="1"/>
-            </p:cNvSpPr>
-            <p:nvPr/>
-          </p:nvSpPr>
-          <p:spPr>
-            <a:xfrm>
-              <a:off x="1144129" y="4942137"/>
-              <a:ext cx="548640" cy="548640"/>
-            </a:xfrm>
-            <a:prstGeom prst="ellipse">
-              <a:avLst/>
-            </a:prstGeom>
-            <a:solidFill>
-              <a:srgbClr val="CB3A32"/>
-            </a:solidFill>
-            <a:ln>
-              <a:solidFill>
-                <a:srgbClr val="CB3A32"/>
-              </a:solidFill>
-            </a:ln>
-            <a:effectLst/>
-          </p:spPr>
-          <p:style>
-            <a:lnRef idx="1">
-              <a:schemeClr val="accent1"/>
-            </a:lnRef>
-            <a:fillRef idx="3">
-              <a:schemeClr val="accent1"/>
-            </a:fillRef>
-            <a:effectRef idx="2">
-              <a:schemeClr val="accent1"/>
-            </a:effectRef>
-            <a:fontRef idx="minor">
-              <a:schemeClr val="lt1"/>
-            </a:fontRef>
-          </p:style>
-          <p:txBody>
-            <a:bodyPr rtlCol="0" anchor="ctr"/>
-            <a:lstStyle/>
-            <a:p>
-              <a:pPr algn="ctr"/>
-              <a:endParaRPr lang="en-US" dirty="0"/>
-            </a:p>
-          </p:txBody>
-        </p:sp>
-        <p:sp>
-          <p:nvSpPr>
-            <p:cNvPr id="38" name="Oval 37">
-              <a:extLst>
-                <a:ext uri="{FF2B5EF4-FFF2-40B4-BE49-F238E27FC236}">
-                  <a16:creationId xmlns:a16="http://schemas.microsoft.com/office/drawing/2014/main" id="{2FBF151D-DFEC-6190-ABDE-600DB8329545}"/>
-                </a:ext>
-              </a:extLst>
-            </p:cNvPr>
-            <p:cNvSpPr>
-              <a:spLocks noChangeAspect="1"/>
-            </p:cNvSpPr>
-            <p:nvPr/>
-          </p:nvSpPr>
-          <p:spPr>
-            <a:xfrm>
-              <a:off x="950170" y="3975808"/>
-              <a:ext cx="731520" cy="731520"/>
-            </a:xfrm>
-            <a:prstGeom prst="ellipse">
-              <a:avLst/>
-            </a:prstGeom>
-            <a:solidFill>
-              <a:srgbClr val="4C63AC"/>
-            </a:solidFill>
-            <a:ln>
-              <a:solidFill>
-                <a:srgbClr val="4C63AC"/>
-              </a:solidFill>
-            </a:ln>
-            <a:effectLst/>
-          </p:spPr>
-          <p:style>
-            <a:lnRef idx="1">
-              <a:schemeClr val="accent1"/>
-            </a:lnRef>
-            <a:fillRef idx="3">
-              <a:schemeClr val="accent1"/>
-            </a:fillRef>
-            <a:effectRef idx="2">
-              <a:schemeClr val="accent1"/>
-            </a:effectRef>
-            <a:fontRef idx="minor">
-              <a:schemeClr val="lt1"/>
-            </a:fontRef>
-          </p:style>
-          <p:txBody>
-            <a:bodyPr rtlCol="0" anchor="ctr"/>
-            <a:lstStyle/>
-            <a:p>
-              <a:pPr algn="ctr"/>
-              <a:endParaRPr lang="en-US"/>
-            </a:p>
-          </p:txBody>
-        </p:sp>
-        <p:sp>
-          <p:nvSpPr>
-            <p:cNvPr id="39" name="Oval 38">
-              <a:extLst>
-                <a:ext uri="{FF2B5EF4-FFF2-40B4-BE49-F238E27FC236}">
-                  <a16:creationId xmlns:a16="http://schemas.microsoft.com/office/drawing/2014/main" id="{4605824A-0A92-D5E5-5591-FCDD1304AD96}"/>
-                </a:ext>
-              </a:extLst>
-            </p:cNvPr>
-            <p:cNvSpPr>
-              <a:spLocks noChangeAspect="1"/>
-            </p:cNvSpPr>
-            <p:nvPr/>
-          </p:nvSpPr>
-          <p:spPr>
-            <a:xfrm>
-              <a:off x="2004757" y="3824210"/>
-              <a:ext cx="548640" cy="548640"/>
-            </a:xfrm>
-            <a:prstGeom prst="ellipse">
-              <a:avLst/>
-            </a:prstGeom>
-            <a:solidFill>
-              <a:srgbClr val="CB3A32"/>
-            </a:solidFill>
-            <a:ln>
-              <a:solidFill>
-                <a:srgbClr val="CB3A32"/>
-              </a:solidFill>
-            </a:ln>
-            <a:effectLst/>
-          </p:spPr>
-          <p:style>
-            <a:lnRef idx="1">
-              <a:schemeClr val="accent1"/>
-            </a:lnRef>
-            <a:fillRef idx="3">
-              <a:schemeClr val="accent1"/>
-            </a:fillRef>
-            <a:effectRef idx="2">
-              <a:schemeClr val="accent1"/>
-            </a:effectRef>
-            <a:fontRef idx="minor">
-              <a:schemeClr val="lt1"/>
-            </a:fontRef>
-          </p:style>
-          <p:txBody>
-            <a:bodyPr rtlCol="0" anchor="ctr"/>
-            <a:lstStyle/>
-            <a:p>
-              <a:pPr algn="ctr"/>
-              <a:endParaRPr lang="en-US"/>
-            </a:p>
-          </p:txBody>
-        </p:sp>
-        <p:sp>
-          <p:nvSpPr>
-            <p:cNvPr id="40" name="Oval 39">
-              <a:extLst>
-                <a:ext uri="{FF2B5EF4-FFF2-40B4-BE49-F238E27FC236}">
-                  <a16:creationId xmlns:a16="http://schemas.microsoft.com/office/drawing/2014/main" id="{88959593-AE5A-B8CF-AB5A-6B699E5CFEFE}"/>
-                </a:ext>
-              </a:extLst>
-            </p:cNvPr>
-            <p:cNvSpPr>
-              <a:spLocks noChangeAspect="1"/>
-            </p:cNvSpPr>
-            <p:nvPr/>
-          </p:nvSpPr>
-          <p:spPr>
-            <a:xfrm>
-              <a:off x="1052689" y="5589028"/>
-              <a:ext cx="731520" cy="731520"/>
-            </a:xfrm>
-            <a:prstGeom prst="ellipse">
-              <a:avLst/>
-            </a:prstGeom>
-            <a:solidFill>
-              <a:srgbClr val="4C63AC"/>
-            </a:solidFill>
-            <a:ln>
-              <a:solidFill>
-                <a:srgbClr val="4C63AC"/>
-              </a:solidFill>
-            </a:ln>
-            <a:effectLst/>
-          </p:spPr>
-          <p:style>
-            <a:lnRef idx="1">
-              <a:schemeClr val="accent1"/>
-            </a:lnRef>
-            <a:fillRef idx="3">
-              <a:schemeClr val="accent1"/>
-            </a:fillRef>
-            <a:effectRef idx="2">
-              <a:schemeClr val="accent1"/>
-            </a:effectRef>
-            <a:fontRef idx="minor">
-              <a:schemeClr val="lt1"/>
-            </a:fontRef>
-          </p:style>
-          <p:txBody>
-            <a:bodyPr rtlCol="0" anchor="ctr"/>
-            <a:lstStyle/>
-            <a:p>
-              <a:pPr algn="ctr"/>
-              <a:endParaRPr lang="en-US"/>
-            </a:p>
-          </p:txBody>
-        </p:sp>
-        <p:sp>
-          <p:nvSpPr>
-            <p:cNvPr id="41" name="Oval 40">
-              <a:extLst>
-                <a:ext uri="{FF2B5EF4-FFF2-40B4-BE49-F238E27FC236}">
-                  <a16:creationId xmlns:a16="http://schemas.microsoft.com/office/drawing/2014/main" id="{FAA285AB-490C-B722-1833-B2D07C59D9C2}"/>
-                </a:ext>
-              </a:extLst>
-            </p:cNvPr>
-            <p:cNvSpPr>
-              <a:spLocks noChangeAspect="1"/>
-            </p:cNvSpPr>
-            <p:nvPr/>
-          </p:nvSpPr>
-          <p:spPr>
-            <a:xfrm>
-              <a:off x="264360" y="5020535"/>
-              <a:ext cx="731520" cy="731520"/>
-            </a:xfrm>
-            <a:prstGeom prst="ellipse">
-              <a:avLst/>
-            </a:prstGeom>
-            <a:solidFill>
-              <a:srgbClr val="4C63AC"/>
-            </a:solidFill>
-            <a:ln>
-              <a:solidFill>
-                <a:srgbClr val="4C63AC"/>
-              </a:solidFill>
-            </a:ln>
-            <a:effectLst/>
-          </p:spPr>
-          <p:style>
-            <a:lnRef idx="1">
-              <a:schemeClr val="accent1"/>
-            </a:lnRef>
-            <a:fillRef idx="3">
-              <a:schemeClr val="accent1"/>
-            </a:fillRef>
-            <a:effectRef idx="2">
-              <a:schemeClr val="accent1"/>
-            </a:effectRef>
-            <a:fontRef idx="minor">
-              <a:schemeClr val="lt1"/>
-            </a:fontRef>
-          </p:style>
-          <p:txBody>
-            <a:bodyPr rtlCol="0" anchor="ctr"/>
-            <a:lstStyle/>
-            <a:p>
-              <a:pPr algn="ctr"/>
-              <a:endParaRPr lang="en-US"/>
-            </a:p>
-          </p:txBody>
-        </p:sp>
-      </p:grpSp>
-      <p:sp>
-        <p:nvSpPr>
-          <p:cNvPr id="56" name="Oval 55">
-            <a:extLst>
-              <a:ext uri="{FF2B5EF4-FFF2-40B4-BE49-F238E27FC236}">
-                <a16:creationId xmlns:a16="http://schemas.microsoft.com/office/drawing/2014/main" id="{8F58669C-0E09-F3AC-7CE7-45FCD282CC4E}"/>
-              </a:ext>
-            </a:extLst>
-          </p:cNvPr>
-          <p:cNvSpPr>
-            <a:spLocks noChangeAspect="1"/>
-          </p:cNvSpPr>
-          <p:nvPr/>
-        </p:nvSpPr>
-        <p:spPr>
-          <a:xfrm>
-            <a:off x="8405988" y="4173676"/>
-            <a:ext cx="731520" cy="731520"/>
-          </a:xfrm>
-          <a:prstGeom prst="ellipse">
-            <a:avLst/>
-          </a:prstGeom>
-          <a:solidFill>
-            <a:srgbClr val="4C63AC"/>
-          </a:solidFill>
-          <a:ln>
-            <a:solidFill>
-              <a:srgbClr val="4C63AC"/>
-            </a:solidFill>
-          </a:ln>
-          <a:effectLst/>
-        </p:spPr>
-        <p:style>
-          <a:lnRef idx="1">
-            <a:schemeClr val="accent1"/>
-          </a:lnRef>
-          <a:fillRef idx="3">
-            <a:schemeClr val="accent1"/>
-          </a:fillRef>
-          <a:effectRef idx="2">
-            <a:schemeClr val="accent1"/>
-          </a:effectRef>
-          <a:fontRef idx="minor">
-            <a:schemeClr val="lt1"/>
-          </a:fontRef>
-        </p:style>
-        <p:txBody>
-          <a:bodyPr rtlCol="0" anchor="ctr"/>
-          <a:lstStyle/>
-          <a:p>
-            <a:pPr algn="ctr"/>
-            <a:endParaRPr lang="en-US" dirty="0"/>
-          </a:p>
-        </p:txBody>
-      </p:sp>
-      <p:sp>
-        <p:nvSpPr>
-          <p:cNvPr id="6" name="Oval 5">
-            <a:extLst>
-              <a:ext uri="{FF2B5EF4-FFF2-40B4-BE49-F238E27FC236}">
-                <a16:creationId xmlns:a16="http://schemas.microsoft.com/office/drawing/2014/main" id="{1E40238F-38A7-CF36-2FBD-C6A4F911587A}"/>
-              </a:ext>
-            </a:extLst>
-          </p:cNvPr>
-          <p:cNvSpPr/>
-          <p:nvPr/>
-        </p:nvSpPr>
-        <p:spPr>
-          <a:xfrm>
-            <a:off x="3653602" y="3975808"/>
-            <a:ext cx="1998128" cy="1927136"/>
-          </a:xfrm>
-          <a:prstGeom prst="ellipse">
-            <a:avLst/>
-          </a:prstGeom>
-          <a:noFill/>
-          <a:ln w="38100">
-            <a:solidFill>
-              <a:schemeClr val="tx1"/>
-            </a:solidFill>
-            <a:prstDash val="dash"/>
-          </a:ln>
-          <a:effectLst/>
-        </p:spPr>
-        <p:style>
-          <a:lnRef idx="1">
-            <a:schemeClr val="accent1"/>
-          </a:lnRef>
-          <a:fillRef idx="3">
-            <a:schemeClr val="accent1"/>
-          </a:fillRef>
-          <a:effectRef idx="2">
-            <a:schemeClr val="accent1"/>
-          </a:effectRef>
-          <a:fontRef idx="minor">
-            <a:schemeClr val="lt1"/>
-          </a:fontRef>
-        </p:style>
-        <p:txBody>
-          <a:bodyPr rtlCol="0" anchor="ctr"/>
-          <a:lstStyle/>
-          <a:p>
-            <a:pPr algn="ctr"/>
-            <a:endParaRPr lang="en-US"/>
-          </a:p>
-        </p:txBody>
-      </p:sp>
     </p:spTree>
     <p:extLst>
       <p:ext uri="{BB962C8B-B14F-4D97-AF65-F5344CB8AC3E}">
@@ -11010,6 +11039,295 @@
   <p:clrMapOvr>
     <a:masterClrMapping/>
   </p:clrMapOvr>
+  <p:timing>
+    <p:tnLst>
+      <p:par>
+        <p:cTn id="1" dur="indefinite" restart="never" nodeType="tmRoot">
+          <p:childTnLst>
+            <p:seq concurrent="1" nextAc="seek">
+              <p:cTn id="2" dur="indefinite" nodeType="mainSeq">
+                <p:childTnLst>
+                  <p:par>
+                    <p:cTn id="3" fill="hold">
+                      <p:stCondLst>
+                        <p:cond delay="indefinite"/>
+                      </p:stCondLst>
+                      <p:childTnLst>
+                        <p:par>
+                          <p:cTn id="4" fill="hold">
+                            <p:stCondLst>
+                              <p:cond delay="0"/>
+                            </p:stCondLst>
+                            <p:childTnLst>
+                              <p:par>
+                                <p:cTn id="5" presetID="2" presetClass="entr" presetSubtype="4" fill="hold" nodeType="clickEffect">
+                                  <p:stCondLst>
+                                    <p:cond delay="0"/>
+                                  </p:stCondLst>
+                                  <p:childTnLst>
+                                    <p:set>
+                                      <p:cBhvr>
+                                        <p:cTn id="6" dur="1" fill="hold">
+                                          <p:stCondLst>
+                                            <p:cond delay="0"/>
+                                          </p:stCondLst>
+                                        </p:cTn>
+                                        <p:tgtEl>
+                                          <p:spTgt spid="3">
+                                            <p:txEl>
+                                              <p:pRg st="0" end="0"/>
+                                            </p:txEl>
+                                          </p:spTgt>
+                                        </p:tgtEl>
+                                        <p:attrNameLst>
+                                          <p:attrName>style.visibility</p:attrName>
+                                        </p:attrNameLst>
+                                      </p:cBhvr>
+                                      <p:to>
+                                        <p:strVal val="visible"/>
+                                      </p:to>
+                                    </p:set>
+                                    <p:anim calcmode="lin" valueType="num">
+                                      <p:cBhvr additive="base">
+                                        <p:cTn id="7" dur="500" fill="hold"/>
+                                        <p:tgtEl>
+                                          <p:spTgt spid="3">
+                                            <p:txEl>
+                                              <p:pRg st="0" end="0"/>
+                                            </p:txEl>
+                                          </p:spTgt>
+                                        </p:tgtEl>
+                                        <p:attrNameLst>
+                                          <p:attrName>ppt_x</p:attrName>
+                                        </p:attrNameLst>
+                                      </p:cBhvr>
+                                      <p:tavLst>
+                                        <p:tav tm="0">
+                                          <p:val>
+                                            <p:strVal val="#ppt_x"/>
+                                          </p:val>
+                                        </p:tav>
+                                        <p:tav tm="100000">
+                                          <p:val>
+                                            <p:strVal val="#ppt_x"/>
+                                          </p:val>
+                                        </p:tav>
+                                      </p:tavLst>
+                                    </p:anim>
+                                    <p:anim calcmode="lin" valueType="num">
+                                      <p:cBhvr additive="base">
+                                        <p:cTn id="8" dur="500" fill="hold"/>
+                                        <p:tgtEl>
+                                          <p:spTgt spid="3">
+                                            <p:txEl>
+                                              <p:pRg st="0" end="0"/>
+                                            </p:txEl>
+                                          </p:spTgt>
+                                        </p:tgtEl>
+                                        <p:attrNameLst>
+                                          <p:attrName>ppt_y</p:attrName>
+                                        </p:attrNameLst>
+                                      </p:cBhvr>
+                                      <p:tavLst>
+                                        <p:tav tm="0">
+                                          <p:val>
+                                            <p:strVal val="1+#ppt_h/2"/>
+                                          </p:val>
+                                        </p:tav>
+                                        <p:tav tm="100000">
+                                          <p:val>
+                                            <p:strVal val="#ppt_y"/>
+                                          </p:val>
+                                        </p:tav>
+                                      </p:tavLst>
+                                    </p:anim>
+                                  </p:childTnLst>
+                                </p:cTn>
+                              </p:par>
+                            </p:childTnLst>
+                          </p:cTn>
+                        </p:par>
+                      </p:childTnLst>
+                    </p:cTn>
+                  </p:par>
+                  <p:par>
+                    <p:cTn id="9" fill="hold">
+                      <p:stCondLst>
+                        <p:cond delay="indefinite"/>
+                      </p:stCondLst>
+                      <p:childTnLst>
+                        <p:par>
+                          <p:cTn id="10" fill="hold">
+                            <p:stCondLst>
+                              <p:cond delay="0"/>
+                            </p:stCondLst>
+                            <p:childTnLst>
+                              <p:par>
+                                <p:cTn id="11" presetID="2" presetClass="entr" presetSubtype="4" fill="hold" nodeType="clickEffect">
+                                  <p:stCondLst>
+                                    <p:cond delay="0"/>
+                                  </p:stCondLst>
+                                  <p:childTnLst>
+                                    <p:set>
+                                      <p:cBhvr>
+                                        <p:cTn id="12" dur="1" fill="hold">
+                                          <p:stCondLst>
+                                            <p:cond delay="0"/>
+                                          </p:stCondLst>
+                                        </p:cTn>
+                                        <p:tgtEl>
+                                          <p:spTgt spid="3">
+                                            <p:txEl>
+                                              <p:pRg st="1" end="1"/>
+                                            </p:txEl>
+                                          </p:spTgt>
+                                        </p:tgtEl>
+                                        <p:attrNameLst>
+                                          <p:attrName>style.visibility</p:attrName>
+                                        </p:attrNameLst>
+                                      </p:cBhvr>
+                                      <p:to>
+                                        <p:strVal val="visible"/>
+                                      </p:to>
+                                    </p:set>
+                                    <p:anim calcmode="lin" valueType="num">
+                                      <p:cBhvr additive="base">
+                                        <p:cTn id="13" dur="500" fill="hold"/>
+                                        <p:tgtEl>
+                                          <p:spTgt spid="3">
+                                            <p:txEl>
+                                              <p:pRg st="1" end="1"/>
+                                            </p:txEl>
+                                          </p:spTgt>
+                                        </p:tgtEl>
+                                        <p:attrNameLst>
+                                          <p:attrName>ppt_x</p:attrName>
+                                        </p:attrNameLst>
+                                      </p:cBhvr>
+                                      <p:tavLst>
+                                        <p:tav tm="0">
+                                          <p:val>
+                                            <p:strVal val="#ppt_x"/>
+                                          </p:val>
+                                        </p:tav>
+                                        <p:tav tm="100000">
+                                          <p:val>
+                                            <p:strVal val="#ppt_x"/>
+                                          </p:val>
+                                        </p:tav>
+                                      </p:tavLst>
+                                    </p:anim>
+                                    <p:anim calcmode="lin" valueType="num">
+                                      <p:cBhvr additive="base">
+                                        <p:cTn id="14" dur="500" fill="hold"/>
+                                        <p:tgtEl>
+                                          <p:spTgt spid="3">
+                                            <p:txEl>
+                                              <p:pRg st="1" end="1"/>
+                                            </p:txEl>
+                                          </p:spTgt>
+                                        </p:tgtEl>
+                                        <p:attrNameLst>
+                                          <p:attrName>ppt_y</p:attrName>
+                                        </p:attrNameLst>
+                                      </p:cBhvr>
+                                      <p:tavLst>
+                                        <p:tav tm="0">
+                                          <p:val>
+                                            <p:strVal val="1+#ppt_h/2"/>
+                                          </p:val>
+                                        </p:tav>
+                                        <p:tav tm="100000">
+                                          <p:val>
+                                            <p:strVal val="#ppt_y"/>
+                                          </p:val>
+                                        </p:tav>
+                                      </p:tavLst>
+                                    </p:anim>
+                                  </p:childTnLst>
+                                </p:cTn>
+                              </p:par>
+                            </p:childTnLst>
+                          </p:cTn>
+                        </p:par>
+                      </p:childTnLst>
+                    </p:cTn>
+                  </p:par>
+                  <p:par>
+                    <p:cTn id="15" fill="hold">
+                      <p:stCondLst>
+                        <p:cond delay="indefinite"/>
+                      </p:stCondLst>
+                      <p:childTnLst>
+                        <p:par>
+                          <p:cTn id="16" fill="hold">
+                            <p:stCondLst>
+                              <p:cond delay="0"/>
+                            </p:stCondLst>
+                            <p:childTnLst>
+                              <p:par>
+                                <p:cTn id="17" presetID="9" presetClass="entr" presetSubtype="0" fill="hold" nodeType="clickEffect">
+                                  <p:stCondLst>
+                                    <p:cond delay="0"/>
+                                  </p:stCondLst>
+                                  <p:childTnLst>
+                                    <p:set>
+                                      <p:cBhvr>
+                                        <p:cTn id="18" dur="1" fill="hold">
+                                          <p:stCondLst>
+                                            <p:cond delay="0"/>
+                                          </p:stCondLst>
+                                        </p:cTn>
+                                        <p:tgtEl>
+                                          <p:spTgt spid="19"/>
+                                        </p:tgtEl>
+                                        <p:attrNameLst>
+                                          <p:attrName>style.visibility</p:attrName>
+                                        </p:attrNameLst>
+                                      </p:cBhvr>
+                                      <p:to>
+                                        <p:strVal val="visible"/>
+                                      </p:to>
+                                    </p:set>
+                                    <p:animEffect transition="in" filter="dissolve">
+                                      <p:cBhvr>
+                                        <p:cTn id="19" dur="500"/>
+                                        <p:tgtEl>
+                                          <p:spTgt spid="19"/>
+                                        </p:tgtEl>
+                                      </p:cBhvr>
+                                    </p:animEffect>
+                                  </p:childTnLst>
+                                </p:cTn>
+                              </p:par>
+                            </p:childTnLst>
+                          </p:cTn>
+                        </p:par>
+                      </p:childTnLst>
+                    </p:cTn>
+                  </p:par>
+                </p:childTnLst>
+              </p:cTn>
+              <p:prevCondLst>
+                <p:cond evt="onPrev" delay="0">
+                  <p:tgtEl>
+                    <p:sldTgt/>
+                  </p:tgtEl>
+                </p:cond>
+              </p:prevCondLst>
+              <p:nextCondLst>
+                <p:cond evt="onNext" delay="0">
+                  <p:tgtEl>
+                    <p:sldTgt/>
+                  </p:tgtEl>
+                </p:cond>
+              </p:nextCondLst>
+            </p:seq>
+          </p:childTnLst>
+        </p:cTn>
+      </p:par>
+    </p:tnLst>
+  </p:timing>
 </p:sld>
 </file>
 
@@ -12208,6 +12526,242 @@
   <p:clrMapOvr>
     <a:masterClrMapping/>
   </p:clrMapOvr>
+  <p:timing>
+    <p:tnLst>
+      <p:par>
+        <p:cTn id="1" dur="indefinite" restart="never" nodeType="tmRoot">
+          <p:childTnLst>
+            <p:seq concurrent="1" nextAc="seek">
+              <p:cTn id="2" dur="indefinite" nodeType="mainSeq">
+                <p:childTnLst>
+                  <p:par>
+                    <p:cTn id="3" fill="hold">
+                      <p:stCondLst>
+                        <p:cond delay="indefinite"/>
+                      </p:stCondLst>
+                      <p:childTnLst>
+                        <p:par>
+                          <p:cTn id="4" fill="hold">
+                            <p:stCondLst>
+                              <p:cond delay="0"/>
+                            </p:stCondLst>
+                            <p:childTnLst>
+                              <p:par>
+                                <p:cTn id="5" presetID="2" presetClass="entr" presetSubtype="4" fill="hold" nodeType="clickEffect">
+                                  <p:stCondLst>
+                                    <p:cond delay="0"/>
+                                  </p:stCondLst>
+                                  <p:childTnLst>
+                                    <p:set>
+                                      <p:cBhvr>
+                                        <p:cTn id="6" dur="1" fill="hold">
+                                          <p:stCondLst>
+                                            <p:cond delay="0"/>
+                                          </p:stCondLst>
+                                        </p:cTn>
+                                        <p:tgtEl>
+                                          <p:spTgt spid="3">
+                                            <p:txEl>
+                                              <p:pRg st="0" end="0"/>
+                                            </p:txEl>
+                                          </p:spTgt>
+                                        </p:tgtEl>
+                                        <p:attrNameLst>
+                                          <p:attrName>style.visibility</p:attrName>
+                                        </p:attrNameLst>
+                                      </p:cBhvr>
+                                      <p:to>
+                                        <p:strVal val="visible"/>
+                                      </p:to>
+                                    </p:set>
+                                    <p:anim calcmode="lin" valueType="num">
+                                      <p:cBhvr additive="base">
+                                        <p:cTn id="7" dur="500" fill="hold"/>
+                                        <p:tgtEl>
+                                          <p:spTgt spid="3">
+                                            <p:txEl>
+                                              <p:pRg st="0" end="0"/>
+                                            </p:txEl>
+                                          </p:spTgt>
+                                        </p:tgtEl>
+                                        <p:attrNameLst>
+                                          <p:attrName>ppt_x</p:attrName>
+                                        </p:attrNameLst>
+                                      </p:cBhvr>
+                                      <p:tavLst>
+                                        <p:tav tm="0">
+                                          <p:val>
+                                            <p:strVal val="#ppt_x"/>
+                                          </p:val>
+                                        </p:tav>
+                                        <p:tav tm="100000">
+                                          <p:val>
+                                            <p:strVal val="#ppt_x"/>
+                                          </p:val>
+                                        </p:tav>
+                                      </p:tavLst>
+                                    </p:anim>
+                                    <p:anim calcmode="lin" valueType="num">
+                                      <p:cBhvr additive="base">
+                                        <p:cTn id="8" dur="500" fill="hold"/>
+                                        <p:tgtEl>
+                                          <p:spTgt spid="3">
+                                            <p:txEl>
+                                              <p:pRg st="0" end="0"/>
+                                            </p:txEl>
+                                          </p:spTgt>
+                                        </p:tgtEl>
+                                        <p:attrNameLst>
+                                          <p:attrName>ppt_y</p:attrName>
+                                        </p:attrNameLst>
+                                      </p:cBhvr>
+                                      <p:tavLst>
+                                        <p:tav tm="0">
+                                          <p:val>
+                                            <p:strVal val="1+#ppt_h/2"/>
+                                          </p:val>
+                                        </p:tav>
+                                        <p:tav tm="100000">
+                                          <p:val>
+                                            <p:strVal val="#ppt_y"/>
+                                          </p:val>
+                                        </p:tav>
+                                      </p:tavLst>
+                                    </p:anim>
+                                  </p:childTnLst>
+                                </p:cTn>
+                              </p:par>
+                            </p:childTnLst>
+                          </p:cTn>
+                        </p:par>
+                      </p:childTnLst>
+                    </p:cTn>
+                  </p:par>
+                  <p:par>
+                    <p:cTn id="9" fill="hold">
+                      <p:stCondLst>
+                        <p:cond delay="indefinite"/>
+                      </p:stCondLst>
+                      <p:childTnLst>
+                        <p:par>
+                          <p:cTn id="10" fill="hold">
+                            <p:stCondLst>
+                              <p:cond delay="0"/>
+                            </p:stCondLst>
+                            <p:childTnLst>
+                              <p:par>
+                                <p:cTn id="11" presetID="2" presetClass="entr" presetSubtype="4" fill="hold" nodeType="clickEffect">
+                                  <p:stCondLst>
+                                    <p:cond delay="0"/>
+                                  </p:stCondLst>
+                                  <p:childTnLst>
+                                    <p:set>
+                                      <p:cBhvr>
+                                        <p:cTn id="12" dur="1" fill="hold">
+                                          <p:stCondLst>
+                                            <p:cond delay="0"/>
+                                          </p:stCondLst>
+                                        </p:cTn>
+                                        <p:tgtEl>
+                                          <p:spTgt spid="3">
+                                            <p:txEl>
+                                              <p:pRg st="1" end="1"/>
+                                            </p:txEl>
+                                          </p:spTgt>
+                                        </p:tgtEl>
+                                        <p:attrNameLst>
+                                          <p:attrName>style.visibility</p:attrName>
+                                        </p:attrNameLst>
+                                      </p:cBhvr>
+                                      <p:to>
+                                        <p:strVal val="visible"/>
+                                      </p:to>
+                                    </p:set>
+                                    <p:anim calcmode="lin" valueType="num">
+                                      <p:cBhvr additive="base">
+                                        <p:cTn id="13" dur="500" fill="hold"/>
+                                        <p:tgtEl>
+                                          <p:spTgt spid="3">
+                                            <p:txEl>
+                                              <p:pRg st="1" end="1"/>
+                                            </p:txEl>
+                                          </p:spTgt>
+                                        </p:tgtEl>
+                                        <p:attrNameLst>
+                                          <p:attrName>ppt_x</p:attrName>
+                                        </p:attrNameLst>
+                                      </p:cBhvr>
+                                      <p:tavLst>
+                                        <p:tav tm="0">
+                                          <p:val>
+                                            <p:strVal val="#ppt_x"/>
+                                          </p:val>
+                                        </p:tav>
+                                        <p:tav tm="100000">
+                                          <p:val>
+                                            <p:strVal val="#ppt_x"/>
+                                          </p:val>
+                                        </p:tav>
+                                      </p:tavLst>
+                                    </p:anim>
+                                    <p:anim calcmode="lin" valueType="num">
+                                      <p:cBhvr additive="base">
+                                        <p:cTn id="14" dur="500" fill="hold"/>
+                                        <p:tgtEl>
+                                          <p:spTgt spid="3">
+                                            <p:txEl>
+                                              <p:pRg st="1" end="1"/>
+                                            </p:txEl>
+                                          </p:spTgt>
+                                        </p:tgtEl>
+                                        <p:attrNameLst>
+                                          <p:attrName>ppt_y</p:attrName>
+                                        </p:attrNameLst>
+                                      </p:cBhvr>
+                                      <p:tavLst>
+                                        <p:tav tm="0">
+                                          <p:val>
+                                            <p:strVal val="1+#ppt_h/2"/>
+                                          </p:val>
+                                        </p:tav>
+                                        <p:tav tm="100000">
+                                          <p:val>
+                                            <p:strVal val="#ppt_y"/>
+                                          </p:val>
+                                        </p:tav>
+                                      </p:tavLst>
+                                    </p:anim>
+                                  </p:childTnLst>
+                                </p:cTn>
+                              </p:par>
+                            </p:childTnLst>
+                          </p:cTn>
+                        </p:par>
+                      </p:childTnLst>
+                    </p:cTn>
+                  </p:par>
+                </p:childTnLst>
+              </p:cTn>
+              <p:prevCondLst>
+                <p:cond evt="onPrev" delay="0">
+                  <p:tgtEl>
+                    <p:sldTgt/>
+                  </p:tgtEl>
+                </p:cond>
+              </p:prevCondLst>
+              <p:nextCondLst>
+                <p:cond evt="onNext" delay="0">
+                  <p:tgtEl>
+                    <p:sldTgt/>
+                  </p:tgtEl>
+                </p:cond>
+              </p:nextCondLst>
+            </p:seq>
+          </p:childTnLst>
+        </p:cTn>
+      </p:par>
+    </p:tnLst>
+  </p:timing>
 </p:sld>
 </file>
 
@@ -12828,6 +13382,242 @@
   <p:clrMapOvr>
     <a:masterClrMapping/>
   </p:clrMapOvr>
+  <p:timing>
+    <p:tnLst>
+      <p:par>
+        <p:cTn id="1" dur="indefinite" restart="never" nodeType="tmRoot">
+          <p:childTnLst>
+            <p:seq concurrent="1" nextAc="seek">
+              <p:cTn id="2" dur="indefinite" nodeType="mainSeq">
+                <p:childTnLst>
+                  <p:par>
+                    <p:cTn id="3" fill="hold">
+                      <p:stCondLst>
+                        <p:cond delay="indefinite"/>
+                      </p:stCondLst>
+                      <p:childTnLst>
+                        <p:par>
+                          <p:cTn id="4" fill="hold">
+                            <p:stCondLst>
+                              <p:cond delay="0"/>
+                            </p:stCondLst>
+                            <p:childTnLst>
+                              <p:par>
+                                <p:cTn id="5" presetID="2" presetClass="entr" presetSubtype="4" fill="hold" nodeType="clickEffect">
+                                  <p:stCondLst>
+                                    <p:cond delay="0"/>
+                                  </p:stCondLst>
+                                  <p:childTnLst>
+                                    <p:set>
+                                      <p:cBhvr>
+                                        <p:cTn id="6" dur="1" fill="hold">
+                                          <p:stCondLst>
+                                            <p:cond delay="0"/>
+                                          </p:stCondLst>
+                                        </p:cTn>
+                                        <p:tgtEl>
+                                          <p:spTgt spid="3">
+                                            <p:txEl>
+                                              <p:pRg st="0" end="0"/>
+                                            </p:txEl>
+                                          </p:spTgt>
+                                        </p:tgtEl>
+                                        <p:attrNameLst>
+                                          <p:attrName>style.visibility</p:attrName>
+                                        </p:attrNameLst>
+                                      </p:cBhvr>
+                                      <p:to>
+                                        <p:strVal val="visible"/>
+                                      </p:to>
+                                    </p:set>
+                                    <p:anim calcmode="lin" valueType="num">
+                                      <p:cBhvr additive="base">
+                                        <p:cTn id="7" dur="500" fill="hold"/>
+                                        <p:tgtEl>
+                                          <p:spTgt spid="3">
+                                            <p:txEl>
+                                              <p:pRg st="0" end="0"/>
+                                            </p:txEl>
+                                          </p:spTgt>
+                                        </p:tgtEl>
+                                        <p:attrNameLst>
+                                          <p:attrName>ppt_x</p:attrName>
+                                        </p:attrNameLst>
+                                      </p:cBhvr>
+                                      <p:tavLst>
+                                        <p:tav tm="0">
+                                          <p:val>
+                                            <p:strVal val="#ppt_x"/>
+                                          </p:val>
+                                        </p:tav>
+                                        <p:tav tm="100000">
+                                          <p:val>
+                                            <p:strVal val="#ppt_x"/>
+                                          </p:val>
+                                        </p:tav>
+                                      </p:tavLst>
+                                    </p:anim>
+                                    <p:anim calcmode="lin" valueType="num">
+                                      <p:cBhvr additive="base">
+                                        <p:cTn id="8" dur="500" fill="hold"/>
+                                        <p:tgtEl>
+                                          <p:spTgt spid="3">
+                                            <p:txEl>
+                                              <p:pRg st="0" end="0"/>
+                                            </p:txEl>
+                                          </p:spTgt>
+                                        </p:tgtEl>
+                                        <p:attrNameLst>
+                                          <p:attrName>ppt_y</p:attrName>
+                                        </p:attrNameLst>
+                                      </p:cBhvr>
+                                      <p:tavLst>
+                                        <p:tav tm="0">
+                                          <p:val>
+                                            <p:strVal val="1+#ppt_h/2"/>
+                                          </p:val>
+                                        </p:tav>
+                                        <p:tav tm="100000">
+                                          <p:val>
+                                            <p:strVal val="#ppt_y"/>
+                                          </p:val>
+                                        </p:tav>
+                                      </p:tavLst>
+                                    </p:anim>
+                                  </p:childTnLst>
+                                </p:cTn>
+                              </p:par>
+                            </p:childTnLst>
+                          </p:cTn>
+                        </p:par>
+                      </p:childTnLst>
+                    </p:cTn>
+                  </p:par>
+                  <p:par>
+                    <p:cTn id="9" fill="hold">
+                      <p:stCondLst>
+                        <p:cond delay="indefinite"/>
+                      </p:stCondLst>
+                      <p:childTnLst>
+                        <p:par>
+                          <p:cTn id="10" fill="hold">
+                            <p:stCondLst>
+                              <p:cond delay="0"/>
+                            </p:stCondLst>
+                            <p:childTnLst>
+                              <p:par>
+                                <p:cTn id="11" presetID="2" presetClass="entr" presetSubtype="4" fill="hold" nodeType="clickEffect">
+                                  <p:stCondLst>
+                                    <p:cond delay="0"/>
+                                  </p:stCondLst>
+                                  <p:childTnLst>
+                                    <p:set>
+                                      <p:cBhvr>
+                                        <p:cTn id="12" dur="1" fill="hold">
+                                          <p:stCondLst>
+                                            <p:cond delay="0"/>
+                                          </p:stCondLst>
+                                        </p:cTn>
+                                        <p:tgtEl>
+                                          <p:spTgt spid="3">
+                                            <p:txEl>
+                                              <p:pRg st="1" end="1"/>
+                                            </p:txEl>
+                                          </p:spTgt>
+                                        </p:tgtEl>
+                                        <p:attrNameLst>
+                                          <p:attrName>style.visibility</p:attrName>
+                                        </p:attrNameLst>
+                                      </p:cBhvr>
+                                      <p:to>
+                                        <p:strVal val="visible"/>
+                                      </p:to>
+                                    </p:set>
+                                    <p:anim calcmode="lin" valueType="num">
+                                      <p:cBhvr additive="base">
+                                        <p:cTn id="13" dur="500" fill="hold"/>
+                                        <p:tgtEl>
+                                          <p:spTgt spid="3">
+                                            <p:txEl>
+                                              <p:pRg st="1" end="1"/>
+                                            </p:txEl>
+                                          </p:spTgt>
+                                        </p:tgtEl>
+                                        <p:attrNameLst>
+                                          <p:attrName>ppt_x</p:attrName>
+                                        </p:attrNameLst>
+                                      </p:cBhvr>
+                                      <p:tavLst>
+                                        <p:tav tm="0">
+                                          <p:val>
+                                            <p:strVal val="#ppt_x"/>
+                                          </p:val>
+                                        </p:tav>
+                                        <p:tav tm="100000">
+                                          <p:val>
+                                            <p:strVal val="#ppt_x"/>
+                                          </p:val>
+                                        </p:tav>
+                                      </p:tavLst>
+                                    </p:anim>
+                                    <p:anim calcmode="lin" valueType="num">
+                                      <p:cBhvr additive="base">
+                                        <p:cTn id="14" dur="500" fill="hold"/>
+                                        <p:tgtEl>
+                                          <p:spTgt spid="3">
+                                            <p:txEl>
+                                              <p:pRg st="1" end="1"/>
+                                            </p:txEl>
+                                          </p:spTgt>
+                                        </p:tgtEl>
+                                        <p:attrNameLst>
+                                          <p:attrName>ppt_y</p:attrName>
+                                        </p:attrNameLst>
+                                      </p:cBhvr>
+                                      <p:tavLst>
+                                        <p:tav tm="0">
+                                          <p:val>
+                                            <p:strVal val="1+#ppt_h/2"/>
+                                          </p:val>
+                                        </p:tav>
+                                        <p:tav tm="100000">
+                                          <p:val>
+                                            <p:strVal val="#ppt_y"/>
+                                          </p:val>
+                                        </p:tav>
+                                      </p:tavLst>
+                                    </p:anim>
+                                  </p:childTnLst>
+                                </p:cTn>
+                              </p:par>
+                            </p:childTnLst>
+                          </p:cTn>
+                        </p:par>
+                      </p:childTnLst>
+                    </p:cTn>
+                  </p:par>
+                </p:childTnLst>
+              </p:cTn>
+              <p:prevCondLst>
+                <p:cond evt="onPrev" delay="0">
+                  <p:tgtEl>
+                    <p:sldTgt/>
+                  </p:tgtEl>
+                </p:cond>
+              </p:prevCondLst>
+              <p:nextCondLst>
+                <p:cond evt="onNext" delay="0">
+                  <p:tgtEl>
+                    <p:sldTgt/>
+                  </p:tgtEl>
+                </p:cond>
+              </p:nextCondLst>
+            </p:seq>
+          </p:childTnLst>
+        </p:cTn>
+      </p:par>
+    </p:tnLst>
+  </p:timing>
 </p:sld>
 </file>
 
@@ -13309,6 +14099,448 @@
   <p:clrMapOvr>
     <a:masterClrMapping/>
   </p:clrMapOvr>
+  <p:timing>
+    <p:tnLst>
+      <p:par>
+        <p:cTn id="1" dur="indefinite" restart="never" nodeType="tmRoot">
+          <p:childTnLst>
+            <p:seq concurrent="1" nextAc="seek">
+              <p:cTn id="2" dur="indefinite" nodeType="mainSeq">
+                <p:childTnLst>
+                  <p:par>
+                    <p:cTn id="3" fill="hold">
+                      <p:stCondLst>
+                        <p:cond delay="indefinite"/>
+                      </p:stCondLst>
+                      <p:childTnLst>
+                        <p:par>
+                          <p:cTn id="4" fill="hold">
+                            <p:stCondLst>
+                              <p:cond delay="0"/>
+                            </p:stCondLst>
+                            <p:childTnLst>
+                              <p:par>
+                                <p:cTn id="5" presetID="2" presetClass="entr" presetSubtype="4" fill="hold" nodeType="clickEffect">
+                                  <p:stCondLst>
+                                    <p:cond delay="0"/>
+                                  </p:stCondLst>
+                                  <p:childTnLst>
+                                    <p:set>
+                                      <p:cBhvr>
+                                        <p:cTn id="6" dur="1" fill="hold">
+                                          <p:stCondLst>
+                                            <p:cond delay="0"/>
+                                          </p:stCondLst>
+                                        </p:cTn>
+                                        <p:tgtEl>
+                                          <p:spTgt spid="3">
+                                            <p:txEl>
+                                              <p:pRg st="0" end="0"/>
+                                            </p:txEl>
+                                          </p:spTgt>
+                                        </p:tgtEl>
+                                        <p:attrNameLst>
+                                          <p:attrName>style.visibility</p:attrName>
+                                        </p:attrNameLst>
+                                      </p:cBhvr>
+                                      <p:to>
+                                        <p:strVal val="visible"/>
+                                      </p:to>
+                                    </p:set>
+                                    <p:anim calcmode="lin" valueType="num">
+                                      <p:cBhvr additive="base">
+                                        <p:cTn id="7" dur="500" fill="hold"/>
+                                        <p:tgtEl>
+                                          <p:spTgt spid="3">
+                                            <p:txEl>
+                                              <p:pRg st="0" end="0"/>
+                                            </p:txEl>
+                                          </p:spTgt>
+                                        </p:tgtEl>
+                                        <p:attrNameLst>
+                                          <p:attrName>ppt_x</p:attrName>
+                                        </p:attrNameLst>
+                                      </p:cBhvr>
+                                      <p:tavLst>
+                                        <p:tav tm="0">
+                                          <p:val>
+                                            <p:strVal val="#ppt_x"/>
+                                          </p:val>
+                                        </p:tav>
+                                        <p:tav tm="100000">
+                                          <p:val>
+                                            <p:strVal val="#ppt_x"/>
+                                          </p:val>
+                                        </p:tav>
+                                      </p:tavLst>
+                                    </p:anim>
+                                    <p:anim calcmode="lin" valueType="num">
+                                      <p:cBhvr additive="base">
+                                        <p:cTn id="8" dur="500" fill="hold"/>
+                                        <p:tgtEl>
+                                          <p:spTgt spid="3">
+                                            <p:txEl>
+                                              <p:pRg st="0" end="0"/>
+                                            </p:txEl>
+                                          </p:spTgt>
+                                        </p:tgtEl>
+                                        <p:attrNameLst>
+                                          <p:attrName>ppt_y</p:attrName>
+                                        </p:attrNameLst>
+                                      </p:cBhvr>
+                                      <p:tavLst>
+                                        <p:tav tm="0">
+                                          <p:val>
+                                            <p:strVal val="1+#ppt_h/2"/>
+                                          </p:val>
+                                        </p:tav>
+                                        <p:tav tm="100000">
+                                          <p:val>
+                                            <p:strVal val="#ppt_y"/>
+                                          </p:val>
+                                        </p:tav>
+                                      </p:tavLst>
+                                    </p:anim>
+                                  </p:childTnLst>
+                                </p:cTn>
+                              </p:par>
+                            </p:childTnLst>
+                          </p:cTn>
+                        </p:par>
+                      </p:childTnLst>
+                    </p:cTn>
+                  </p:par>
+                  <p:par>
+                    <p:cTn id="9" fill="hold">
+                      <p:stCondLst>
+                        <p:cond delay="indefinite"/>
+                      </p:stCondLst>
+                      <p:childTnLst>
+                        <p:par>
+                          <p:cTn id="10" fill="hold">
+                            <p:stCondLst>
+                              <p:cond delay="0"/>
+                            </p:stCondLst>
+                            <p:childTnLst>
+                              <p:par>
+                                <p:cTn id="11" presetID="2" presetClass="entr" presetSubtype="4" fill="hold" nodeType="clickEffect">
+                                  <p:stCondLst>
+                                    <p:cond delay="0"/>
+                                  </p:stCondLst>
+                                  <p:childTnLst>
+                                    <p:set>
+                                      <p:cBhvr>
+                                        <p:cTn id="12" dur="1" fill="hold">
+                                          <p:stCondLst>
+                                            <p:cond delay="0"/>
+                                          </p:stCondLst>
+                                        </p:cTn>
+                                        <p:tgtEl>
+                                          <p:spTgt spid="3">
+                                            <p:txEl>
+                                              <p:pRg st="1" end="1"/>
+                                            </p:txEl>
+                                          </p:spTgt>
+                                        </p:tgtEl>
+                                        <p:attrNameLst>
+                                          <p:attrName>style.visibility</p:attrName>
+                                        </p:attrNameLst>
+                                      </p:cBhvr>
+                                      <p:to>
+                                        <p:strVal val="visible"/>
+                                      </p:to>
+                                    </p:set>
+                                    <p:anim calcmode="lin" valueType="num">
+                                      <p:cBhvr additive="base">
+                                        <p:cTn id="13" dur="500" fill="hold"/>
+                                        <p:tgtEl>
+                                          <p:spTgt spid="3">
+                                            <p:txEl>
+                                              <p:pRg st="1" end="1"/>
+                                            </p:txEl>
+                                          </p:spTgt>
+                                        </p:tgtEl>
+                                        <p:attrNameLst>
+                                          <p:attrName>ppt_x</p:attrName>
+                                        </p:attrNameLst>
+                                      </p:cBhvr>
+                                      <p:tavLst>
+                                        <p:tav tm="0">
+                                          <p:val>
+                                            <p:strVal val="#ppt_x"/>
+                                          </p:val>
+                                        </p:tav>
+                                        <p:tav tm="100000">
+                                          <p:val>
+                                            <p:strVal val="#ppt_x"/>
+                                          </p:val>
+                                        </p:tav>
+                                      </p:tavLst>
+                                    </p:anim>
+                                    <p:anim calcmode="lin" valueType="num">
+                                      <p:cBhvr additive="base">
+                                        <p:cTn id="14" dur="500" fill="hold"/>
+                                        <p:tgtEl>
+                                          <p:spTgt spid="3">
+                                            <p:txEl>
+                                              <p:pRg st="1" end="1"/>
+                                            </p:txEl>
+                                          </p:spTgt>
+                                        </p:tgtEl>
+                                        <p:attrNameLst>
+                                          <p:attrName>ppt_y</p:attrName>
+                                        </p:attrNameLst>
+                                      </p:cBhvr>
+                                      <p:tavLst>
+                                        <p:tav tm="0">
+                                          <p:val>
+                                            <p:strVal val="1+#ppt_h/2"/>
+                                          </p:val>
+                                        </p:tav>
+                                        <p:tav tm="100000">
+                                          <p:val>
+                                            <p:strVal val="#ppt_y"/>
+                                          </p:val>
+                                        </p:tav>
+                                      </p:tavLst>
+                                    </p:anim>
+                                  </p:childTnLst>
+                                </p:cTn>
+                              </p:par>
+                            </p:childTnLst>
+                          </p:cTn>
+                        </p:par>
+                      </p:childTnLst>
+                    </p:cTn>
+                  </p:par>
+                  <p:par>
+                    <p:cTn id="15" fill="hold">
+                      <p:stCondLst>
+                        <p:cond delay="indefinite"/>
+                      </p:stCondLst>
+                      <p:childTnLst>
+                        <p:par>
+                          <p:cTn id="16" fill="hold">
+                            <p:stCondLst>
+                              <p:cond delay="0"/>
+                            </p:stCondLst>
+                            <p:childTnLst>
+                              <p:par>
+                                <p:cTn id="17" presetID="2" presetClass="entr" presetSubtype="4" fill="hold" nodeType="clickEffect">
+                                  <p:stCondLst>
+                                    <p:cond delay="0"/>
+                                  </p:stCondLst>
+                                  <p:childTnLst>
+                                    <p:set>
+                                      <p:cBhvr>
+                                        <p:cTn id="18" dur="1" fill="hold">
+                                          <p:stCondLst>
+                                            <p:cond delay="0"/>
+                                          </p:stCondLst>
+                                        </p:cTn>
+                                        <p:tgtEl>
+                                          <p:spTgt spid="3">
+                                            <p:txEl>
+                                              <p:pRg st="2" end="2"/>
+                                            </p:txEl>
+                                          </p:spTgt>
+                                        </p:tgtEl>
+                                        <p:attrNameLst>
+                                          <p:attrName>style.visibility</p:attrName>
+                                        </p:attrNameLst>
+                                      </p:cBhvr>
+                                      <p:to>
+                                        <p:strVal val="visible"/>
+                                      </p:to>
+                                    </p:set>
+                                    <p:anim calcmode="lin" valueType="num">
+                                      <p:cBhvr additive="base">
+                                        <p:cTn id="19" dur="500" fill="hold"/>
+                                        <p:tgtEl>
+                                          <p:spTgt spid="3">
+                                            <p:txEl>
+                                              <p:pRg st="2" end="2"/>
+                                            </p:txEl>
+                                          </p:spTgt>
+                                        </p:tgtEl>
+                                        <p:attrNameLst>
+                                          <p:attrName>ppt_x</p:attrName>
+                                        </p:attrNameLst>
+                                      </p:cBhvr>
+                                      <p:tavLst>
+                                        <p:tav tm="0">
+                                          <p:val>
+                                            <p:strVal val="#ppt_x"/>
+                                          </p:val>
+                                        </p:tav>
+                                        <p:tav tm="100000">
+                                          <p:val>
+                                            <p:strVal val="#ppt_x"/>
+                                          </p:val>
+                                        </p:tav>
+                                      </p:tavLst>
+                                    </p:anim>
+                                    <p:anim calcmode="lin" valueType="num">
+                                      <p:cBhvr additive="base">
+                                        <p:cTn id="20" dur="500" fill="hold"/>
+                                        <p:tgtEl>
+                                          <p:spTgt spid="3">
+                                            <p:txEl>
+                                              <p:pRg st="2" end="2"/>
+                                            </p:txEl>
+                                          </p:spTgt>
+                                        </p:tgtEl>
+                                        <p:attrNameLst>
+                                          <p:attrName>ppt_y</p:attrName>
+                                        </p:attrNameLst>
+                                      </p:cBhvr>
+                                      <p:tavLst>
+                                        <p:tav tm="0">
+                                          <p:val>
+                                            <p:strVal val="1+#ppt_h/2"/>
+                                          </p:val>
+                                        </p:tav>
+                                        <p:tav tm="100000">
+                                          <p:val>
+                                            <p:strVal val="#ppt_y"/>
+                                          </p:val>
+                                        </p:tav>
+                                      </p:tavLst>
+                                    </p:anim>
+                                  </p:childTnLst>
+                                </p:cTn>
+                              </p:par>
+                            </p:childTnLst>
+                          </p:cTn>
+                        </p:par>
+                      </p:childTnLst>
+                    </p:cTn>
+                  </p:par>
+                  <p:par>
+                    <p:cTn id="21" fill="hold">
+                      <p:stCondLst>
+                        <p:cond delay="indefinite"/>
+                      </p:stCondLst>
+                      <p:childTnLst>
+                        <p:par>
+                          <p:cTn id="22" fill="hold">
+                            <p:stCondLst>
+                              <p:cond delay="0"/>
+                            </p:stCondLst>
+                            <p:childTnLst>
+                              <p:par>
+                                <p:cTn id="23" presetID="2" presetClass="entr" presetSubtype="4" fill="hold" nodeType="clickEffect">
+                                  <p:stCondLst>
+                                    <p:cond delay="0"/>
+                                  </p:stCondLst>
+                                  <p:childTnLst>
+                                    <p:set>
+                                      <p:cBhvr>
+                                        <p:cTn id="24" dur="1" fill="hold">
+                                          <p:stCondLst>
+                                            <p:cond delay="0"/>
+                                          </p:stCondLst>
+                                        </p:cTn>
+                                        <p:tgtEl>
+                                          <p:spTgt spid="3">
+                                            <p:txEl>
+                                              <p:pRg st="3" end="3"/>
+                                            </p:txEl>
+                                          </p:spTgt>
+                                        </p:tgtEl>
+                                        <p:attrNameLst>
+                                          <p:attrName>style.visibility</p:attrName>
+                                        </p:attrNameLst>
+                                      </p:cBhvr>
+                                      <p:to>
+                                        <p:strVal val="visible"/>
+                                      </p:to>
+                                    </p:set>
+                                    <p:anim calcmode="lin" valueType="num">
+                                      <p:cBhvr additive="base">
+                                        <p:cTn id="25" dur="500" fill="hold"/>
+                                        <p:tgtEl>
+                                          <p:spTgt spid="3">
+                                            <p:txEl>
+                                              <p:pRg st="3" end="3"/>
+                                            </p:txEl>
+                                          </p:spTgt>
+                                        </p:tgtEl>
+                                        <p:attrNameLst>
+                                          <p:attrName>ppt_x</p:attrName>
+                                        </p:attrNameLst>
+                                      </p:cBhvr>
+                                      <p:tavLst>
+                                        <p:tav tm="0">
+                                          <p:val>
+                                            <p:strVal val="#ppt_x"/>
+                                          </p:val>
+                                        </p:tav>
+                                        <p:tav tm="100000">
+                                          <p:val>
+                                            <p:strVal val="#ppt_x"/>
+                                          </p:val>
+                                        </p:tav>
+                                      </p:tavLst>
+                                    </p:anim>
+                                    <p:anim calcmode="lin" valueType="num">
+                                      <p:cBhvr additive="base">
+                                        <p:cTn id="26" dur="500" fill="hold"/>
+                                        <p:tgtEl>
+                                          <p:spTgt spid="3">
+                                            <p:txEl>
+                                              <p:pRg st="3" end="3"/>
+                                            </p:txEl>
+                                          </p:spTgt>
+                                        </p:tgtEl>
+                                        <p:attrNameLst>
+                                          <p:attrName>ppt_y</p:attrName>
+                                        </p:attrNameLst>
+                                      </p:cBhvr>
+                                      <p:tavLst>
+                                        <p:tav tm="0">
+                                          <p:val>
+                                            <p:strVal val="1+#ppt_h/2"/>
+                                          </p:val>
+                                        </p:tav>
+                                        <p:tav tm="100000">
+                                          <p:val>
+                                            <p:strVal val="#ppt_y"/>
+                                          </p:val>
+                                        </p:tav>
+                                      </p:tavLst>
+                                    </p:anim>
+                                  </p:childTnLst>
+                                </p:cTn>
+                              </p:par>
+                            </p:childTnLst>
+                          </p:cTn>
+                        </p:par>
+                      </p:childTnLst>
+                    </p:cTn>
+                  </p:par>
+                </p:childTnLst>
+              </p:cTn>
+              <p:prevCondLst>
+                <p:cond evt="onPrev" delay="0">
+                  <p:tgtEl>
+                    <p:sldTgt/>
+                  </p:tgtEl>
+                </p:cond>
+              </p:prevCondLst>
+              <p:nextCondLst>
+                <p:cond evt="onNext" delay="0">
+                  <p:tgtEl>
+                    <p:sldTgt/>
+                  </p:tgtEl>
+                </p:cond>
+              </p:nextCondLst>
+            </p:seq>
+          </p:childTnLst>
+        </p:cTn>
+      </p:par>
+    </p:tnLst>
+  </p:timing>
 </p:sld>
 </file>
 
@@ -13657,6 +14889,242 @@
   <p:clrMapOvr>
     <a:masterClrMapping/>
   </p:clrMapOvr>
+  <p:timing>
+    <p:tnLst>
+      <p:par>
+        <p:cTn id="1" dur="indefinite" restart="never" nodeType="tmRoot">
+          <p:childTnLst>
+            <p:seq concurrent="1" nextAc="seek">
+              <p:cTn id="2" dur="indefinite" nodeType="mainSeq">
+                <p:childTnLst>
+                  <p:par>
+                    <p:cTn id="3" fill="hold">
+                      <p:stCondLst>
+                        <p:cond delay="indefinite"/>
+                      </p:stCondLst>
+                      <p:childTnLst>
+                        <p:par>
+                          <p:cTn id="4" fill="hold">
+                            <p:stCondLst>
+                              <p:cond delay="0"/>
+                            </p:stCondLst>
+                            <p:childTnLst>
+                              <p:par>
+                                <p:cTn id="5" presetID="2" presetClass="entr" presetSubtype="4" fill="hold" nodeType="clickEffect">
+                                  <p:stCondLst>
+                                    <p:cond delay="0"/>
+                                  </p:stCondLst>
+                                  <p:childTnLst>
+                                    <p:set>
+                                      <p:cBhvr>
+                                        <p:cTn id="6" dur="1" fill="hold">
+                                          <p:stCondLst>
+                                            <p:cond delay="0"/>
+                                          </p:stCondLst>
+                                        </p:cTn>
+                                        <p:tgtEl>
+                                          <p:spTgt spid="3">
+                                            <p:txEl>
+                                              <p:pRg st="0" end="0"/>
+                                            </p:txEl>
+                                          </p:spTgt>
+                                        </p:tgtEl>
+                                        <p:attrNameLst>
+                                          <p:attrName>style.visibility</p:attrName>
+                                        </p:attrNameLst>
+                                      </p:cBhvr>
+                                      <p:to>
+                                        <p:strVal val="visible"/>
+                                      </p:to>
+                                    </p:set>
+                                    <p:anim calcmode="lin" valueType="num">
+                                      <p:cBhvr additive="base">
+                                        <p:cTn id="7" dur="500" fill="hold"/>
+                                        <p:tgtEl>
+                                          <p:spTgt spid="3">
+                                            <p:txEl>
+                                              <p:pRg st="0" end="0"/>
+                                            </p:txEl>
+                                          </p:spTgt>
+                                        </p:tgtEl>
+                                        <p:attrNameLst>
+                                          <p:attrName>ppt_x</p:attrName>
+                                        </p:attrNameLst>
+                                      </p:cBhvr>
+                                      <p:tavLst>
+                                        <p:tav tm="0">
+                                          <p:val>
+                                            <p:strVal val="#ppt_x"/>
+                                          </p:val>
+                                        </p:tav>
+                                        <p:tav tm="100000">
+                                          <p:val>
+                                            <p:strVal val="#ppt_x"/>
+                                          </p:val>
+                                        </p:tav>
+                                      </p:tavLst>
+                                    </p:anim>
+                                    <p:anim calcmode="lin" valueType="num">
+                                      <p:cBhvr additive="base">
+                                        <p:cTn id="8" dur="500" fill="hold"/>
+                                        <p:tgtEl>
+                                          <p:spTgt spid="3">
+                                            <p:txEl>
+                                              <p:pRg st="0" end="0"/>
+                                            </p:txEl>
+                                          </p:spTgt>
+                                        </p:tgtEl>
+                                        <p:attrNameLst>
+                                          <p:attrName>ppt_y</p:attrName>
+                                        </p:attrNameLst>
+                                      </p:cBhvr>
+                                      <p:tavLst>
+                                        <p:tav tm="0">
+                                          <p:val>
+                                            <p:strVal val="1+#ppt_h/2"/>
+                                          </p:val>
+                                        </p:tav>
+                                        <p:tav tm="100000">
+                                          <p:val>
+                                            <p:strVal val="#ppt_y"/>
+                                          </p:val>
+                                        </p:tav>
+                                      </p:tavLst>
+                                    </p:anim>
+                                  </p:childTnLst>
+                                </p:cTn>
+                              </p:par>
+                            </p:childTnLst>
+                          </p:cTn>
+                        </p:par>
+                      </p:childTnLst>
+                    </p:cTn>
+                  </p:par>
+                  <p:par>
+                    <p:cTn id="9" fill="hold">
+                      <p:stCondLst>
+                        <p:cond delay="indefinite"/>
+                      </p:stCondLst>
+                      <p:childTnLst>
+                        <p:par>
+                          <p:cTn id="10" fill="hold">
+                            <p:stCondLst>
+                              <p:cond delay="0"/>
+                            </p:stCondLst>
+                            <p:childTnLst>
+                              <p:par>
+                                <p:cTn id="11" presetID="2" presetClass="entr" presetSubtype="4" fill="hold" nodeType="clickEffect">
+                                  <p:stCondLst>
+                                    <p:cond delay="0"/>
+                                  </p:stCondLst>
+                                  <p:childTnLst>
+                                    <p:set>
+                                      <p:cBhvr>
+                                        <p:cTn id="12" dur="1" fill="hold">
+                                          <p:stCondLst>
+                                            <p:cond delay="0"/>
+                                          </p:stCondLst>
+                                        </p:cTn>
+                                        <p:tgtEl>
+                                          <p:spTgt spid="3">
+                                            <p:txEl>
+                                              <p:pRg st="1" end="1"/>
+                                            </p:txEl>
+                                          </p:spTgt>
+                                        </p:tgtEl>
+                                        <p:attrNameLst>
+                                          <p:attrName>style.visibility</p:attrName>
+                                        </p:attrNameLst>
+                                      </p:cBhvr>
+                                      <p:to>
+                                        <p:strVal val="visible"/>
+                                      </p:to>
+                                    </p:set>
+                                    <p:anim calcmode="lin" valueType="num">
+                                      <p:cBhvr additive="base">
+                                        <p:cTn id="13" dur="500" fill="hold"/>
+                                        <p:tgtEl>
+                                          <p:spTgt spid="3">
+                                            <p:txEl>
+                                              <p:pRg st="1" end="1"/>
+                                            </p:txEl>
+                                          </p:spTgt>
+                                        </p:tgtEl>
+                                        <p:attrNameLst>
+                                          <p:attrName>ppt_x</p:attrName>
+                                        </p:attrNameLst>
+                                      </p:cBhvr>
+                                      <p:tavLst>
+                                        <p:tav tm="0">
+                                          <p:val>
+                                            <p:strVal val="#ppt_x"/>
+                                          </p:val>
+                                        </p:tav>
+                                        <p:tav tm="100000">
+                                          <p:val>
+                                            <p:strVal val="#ppt_x"/>
+                                          </p:val>
+                                        </p:tav>
+                                      </p:tavLst>
+                                    </p:anim>
+                                    <p:anim calcmode="lin" valueType="num">
+                                      <p:cBhvr additive="base">
+                                        <p:cTn id="14" dur="500" fill="hold"/>
+                                        <p:tgtEl>
+                                          <p:spTgt spid="3">
+                                            <p:txEl>
+                                              <p:pRg st="1" end="1"/>
+                                            </p:txEl>
+                                          </p:spTgt>
+                                        </p:tgtEl>
+                                        <p:attrNameLst>
+                                          <p:attrName>ppt_y</p:attrName>
+                                        </p:attrNameLst>
+                                      </p:cBhvr>
+                                      <p:tavLst>
+                                        <p:tav tm="0">
+                                          <p:val>
+                                            <p:strVal val="1+#ppt_h/2"/>
+                                          </p:val>
+                                        </p:tav>
+                                        <p:tav tm="100000">
+                                          <p:val>
+                                            <p:strVal val="#ppt_y"/>
+                                          </p:val>
+                                        </p:tav>
+                                      </p:tavLst>
+                                    </p:anim>
+                                  </p:childTnLst>
+                                </p:cTn>
+                              </p:par>
+                            </p:childTnLst>
+                          </p:cTn>
+                        </p:par>
+                      </p:childTnLst>
+                    </p:cTn>
+                  </p:par>
+                </p:childTnLst>
+              </p:cTn>
+              <p:prevCondLst>
+                <p:cond evt="onPrev" delay="0">
+                  <p:tgtEl>
+                    <p:sldTgt/>
+                  </p:tgtEl>
+                </p:cond>
+              </p:prevCondLst>
+              <p:nextCondLst>
+                <p:cond evt="onNext" delay="0">
+                  <p:tgtEl>
+                    <p:sldTgt/>
+                  </p:tgtEl>
+                </p:cond>
+              </p:nextCondLst>
+            </p:seq>
+          </p:childTnLst>
+        </p:cTn>
+      </p:par>
+    </p:tnLst>
+  </p:timing>
 </p:sld>
 </file>
 
@@ -14421,6 +15889,242 @@
   <p:clrMapOvr>
     <a:masterClrMapping/>
   </p:clrMapOvr>
+  <p:timing>
+    <p:tnLst>
+      <p:par>
+        <p:cTn id="1" dur="indefinite" restart="never" nodeType="tmRoot">
+          <p:childTnLst>
+            <p:seq concurrent="1" nextAc="seek">
+              <p:cTn id="2" dur="indefinite" nodeType="mainSeq">
+                <p:childTnLst>
+                  <p:par>
+                    <p:cTn id="3" fill="hold">
+                      <p:stCondLst>
+                        <p:cond delay="indefinite"/>
+                      </p:stCondLst>
+                      <p:childTnLst>
+                        <p:par>
+                          <p:cTn id="4" fill="hold">
+                            <p:stCondLst>
+                              <p:cond delay="0"/>
+                            </p:stCondLst>
+                            <p:childTnLst>
+                              <p:par>
+                                <p:cTn id="5" presetID="2" presetClass="entr" presetSubtype="4" fill="hold" nodeType="clickEffect">
+                                  <p:stCondLst>
+                                    <p:cond delay="0"/>
+                                  </p:stCondLst>
+                                  <p:childTnLst>
+                                    <p:set>
+                                      <p:cBhvr>
+                                        <p:cTn id="6" dur="1" fill="hold">
+                                          <p:stCondLst>
+                                            <p:cond delay="0"/>
+                                          </p:stCondLst>
+                                        </p:cTn>
+                                        <p:tgtEl>
+                                          <p:spTgt spid="3">
+                                            <p:txEl>
+                                              <p:pRg st="0" end="0"/>
+                                            </p:txEl>
+                                          </p:spTgt>
+                                        </p:tgtEl>
+                                        <p:attrNameLst>
+                                          <p:attrName>style.visibility</p:attrName>
+                                        </p:attrNameLst>
+                                      </p:cBhvr>
+                                      <p:to>
+                                        <p:strVal val="visible"/>
+                                      </p:to>
+                                    </p:set>
+                                    <p:anim calcmode="lin" valueType="num">
+                                      <p:cBhvr additive="base">
+                                        <p:cTn id="7" dur="500" fill="hold"/>
+                                        <p:tgtEl>
+                                          <p:spTgt spid="3">
+                                            <p:txEl>
+                                              <p:pRg st="0" end="0"/>
+                                            </p:txEl>
+                                          </p:spTgt>
+                                        </p:tgtEl>
+                                        <p:attrNameLst>
+                                          <p:attrName>ppt_x</p:attrName>
+                                        </p:attrNameLst>
+                                      </p:cBhvr>
+                                      <p:tavLst>
+                                        <p:tav tm="0">
+                                          <p:val>
+                                            <p:strVal val="#ppt_x"/>
+                                          </p:val>
+                                        </p:tav>
+                                        <p:tav tm="100000">
+                                          <p:val>
+                                            <p:strVal val="#ppt_x"/>
+                                          </p:val>
+                                        </p:tav>
+                                      </p:tavLst>
+                                    </p:anim>
+                                    <p:anim calcmode="lin" valueType="num">
+                                      <p:cBhvr additive="base">
+                                        <p:cTn id="8" dur="500" fill="hold"/>
+                                        <p:tgtEl>
+                                          <p:spTgt spid="3">
+                                            <p:txEl>
+                                              <p:pRg st="0" end="0"/>
+                                            </p:txEl>
+                                          </p:spTgt>
+                                        </p:tgtEl>
+                                        <p:attrNameLst>
+                                          <p:attrName>ppt_y</p:attrName>
+                                        </p:attrNameLst>
+                                      </p:cBhvr>
+                                      <p:tavLst>
+                                        <p:tav tm="0">
+                                          <p:val>
+                                            <p:strVal val="1+#ppt_h/2"/>
+                                          </p:val>
+                                        </p:tav>
+                                        <p:tav tm="100000">
+                                          <p:val>
+                                            <p:strVal val="#ppt_y"/>
+                                          </p:val>
+                                        </p:tav>
+                                      </p:tavLst>
+                                    </p:anim>
+                                  </p:childTnLst>
+                                </p:cTn>
+                              </p:par>
+                            </p:childTnLst>
+                          </p:cTn>
+                        </p:par>
+                      </p:childTnLst>
+                    </p:cTn>
+                  </p:par>
+                  <p:par>
+                    <p:cTn id="9" fill="hold">
+                      <p:stCondLst>
+                        <p:cond delay="indefinite"/>
+                      </p:stCondLst>
+                      <p:childTnLst>
+                        <p:par>
+                          <p:cTn id="10" fill="hold">
+                            <p:stCondLst>
+                              <p:cond delay="0"/>
+                            </p:stCondLst>
+                            <p:childTnLst>
+                              <p:par>
+                                <p:cTn id="11" presetID="2" presetClass="entr" presetSubtype="4" fill="hold" nodeType="clickEffect">
+                                  <p:stCondLst>
+                                    <p:cond delay="0"/>
+                                  </p:stCondLst>
+                                  <p:childTnLst>
+                                    <p:set>
+                                      <p:cBhvr>
+                                        <p:cTn id="12" dur="1" fill="hold">
+                                          <p:stCondLst>
+                                            <p:cond delay="0"/>
+                                          </p:stCondLst>
+                                        </p:cTn>
+                                        <p:tgtEl>
+                                          <p:spTgt spid="3">
+                                            <p:txEl>
+                                              <p:pRg st="1" end="1"/>
+                                            </p:txEl>
+                                          </p:spTgt>
+                                        </p:tgtEl>
+                                        <p:attrNameLst>
+                                          <p:attrName>style.visibility</p:attrName>
+                                        </p:attrNameLst>
+                                      </p:cBhvr>
+                                      <p:to>
+                                        <p:strVal val="visible"/>
+                                      </p:to>
+                                    </p:set>
+                                    <p:anim calcmode="lin" valueType="num">
+                                      <p:cBhvr additive="base">
+                                        <p:cTn id="13" dur="500" fill="hold"/>
+                                        <p:tgtEl>
+                                          <p:spTgt spid="3">
+                                            <p:txEl>
+                                              <p:pRg st="1" end="1"/>
+                                            </p:txEl>
+                                          </p:spTgt>
+                                        </p:tgtEl>
+                                        <p:attrNameLst>
+                                          <p:attrName>ppt_x</p:attrName>
+                                        </p:attrNameLst>
+                                      </p:cBhvr>
+                                      <p:tavLst>
+                                        <p:tav tm="0">
+                                          <p:val>
+                                            <p:strVal val="#ppt_x"/>
+                                          </p:val>
+                                        </p:tav>
+                                        <p:tav tm="100000">
+                                          <p:val>
+                                            <p:strVal val="#ppt_x"/>
+                                          </p:val>
+                                        </p:tav>
+                                      </p:tavLst>
+                                    </p:anim>
+                                    <p:anim calcmode="lin" valueType="num">
+                                      <p:cBhvr additive="base">
+                                        <p:cTn id="14" dur="500" fill="hold"/>
+                                        <p:tgtEl>
+                                          <p:spTgt spid="3">
+                                            <p:txEl>
+                                              <p:pRg st="1" end="1"/>
+                                            </p:txEl>
+                                          </p:spTgt>
+                                        </p:tgtEl>
+                                        <p:attrNameLst>
+                                          <p:attrName>ppt_y</p:attrName>
+                                        </p:attrNameLst>
+                                      </p:cBhvr>
+                                      <p:tavLst>
+                                        <p:tav tm="0">
+                                          <p:val>
+                                            <p:strVal val="1+#ppt_h/2"/>
+                                          </p:val>
+                                        </p:tav>
+                                        <p:tav tm="100000">
+                                          <p:val>
+                                            <p:strVal val="#ppt_y"/>
+                                          </p:val>
+                                        </p:tav>
+                                      </p:tavLst>
+                                    </p:anim>
+                                  </p:childTnLst>
+                                </p:cTn>
+                              </p:par>
+                            </p:childTnLst>
+                          </p:cTn>
+                        </p:par>
+                      </p:childTnLst>
+                    </p:cTn>
+                  </p:par>
+                </p:childTnLst>
+              </p:cTn>
+              <p:prevCondLst>
+                <p:cond evt="onPrev" delay="0">
+                  <p:tgtEl>
+                    <p:sldTgt/>
+                  </p:tgtEl>
+                </p:cond>
+              </p:prevCondLst>
+              <p:nextCondLst>
+                <p:cond evt="onNext" delay="0">
+                  <p:tgtEl>
+                    <p:sldTgt/>
+                  </p:tgtEl>
+                </p:cond>
+              </p:nextCondLst>
+            </p:seq>
+          </p:childTnLst>
+        </p:cTn>
+      </p:par>
+    </p:tnLst>
+  </p:timing>
 </p:sld>
 </file>
 
@@ -15663,6 +17367,242 @@
   <p:clrMapOvr>
     <a:masterClrMapping/>
   </p:clrMapOvr>
+  <p:timing>
+    <p:tnLst>
+      <p:par>
+        <p:cTn id="1" dur="indefinite" restart="never" nodeType="tmRoot">
+          <p:childTnLst>
+            <p:seq concurrent="1" nextAc="seek">
+              <p:cTn id="2" dur="indefinite" nodeType="mainSeq">
+                <p:childTnLst>
+                  <p:par>
+                    <p:cTn id="3" fill="hold">
+                      <p:stCondLst>
+                        <p:cond delay="indefinite"/>
+                      </p:stCondLst>
+                      <p:childTnLst>
+                        <p:par>
+                          <p:cTn id="4" fill="hold">
+                            <p:stCondLst>
+                              <p:cond delay="0"/>
+                            </p:stCondLst>
+                            <p:childTnLst>
+                              <p:par>
+                                <p:cTn id="5" presetID="2" presetClass="entr" presetSubtype="4" fill="hold" nodeType="clickEffect">
+                                  <p:stCondLst>
+                                    <p:cond delay="0"/>
+                                  </p:stCondLst>
+                                  <p:childTnLst>
+                                    <p:set>
+                                      <p:cBhvr>
+                                        <p:cTn id="6" dur="1" fill="hold">
+                                          <p:stCondLst>
+                                            <p:cond delay="0"/>
+                                          </p:stCondLst>
+                                        </p:cTn>
+                                        <p:tgtEl>
+                                          <p:spTgt spid="3">
+                                            <p:txEl>
+                                              <p:pRg st="0" end="0"/>
+                                            </p:txEl>
+                                          </p:spTgt>
+                                        </p:tgtEl>
+                                        <p:attrNameLst>
+                                          <p:attrName>style.visibility</p:attrName>
+                                        </p:attrNameLst>
+                                      </p:cBhvr>
+                                      <p:to>
+                                        <p:strVal val="visible"/>
+                                      </p:to>
+                                    </p:set>
+                                    <p:anim calcmode="lin" valueType="num">
+                                      <p:cBhvr additive="base">
+                                        <p:cTn id="7" dur="500" fill="hold"/>
+                                        <p:tgtEl>
+                                          <p:spTgt spid="3">
+                                            <p:txEl>
+                                              <p:pRg st="0" end="0"/>
+                                            </p:txEl>
+                                          </p:spTgt>
+                                        </p:tgtEl>
+                                        <p:attrNameLst>
+                                          <p:attrName>ppt_x</p:attrName>
+                                        </p:attrNameLst>
+                                      </p:cBhvr>
+                                      <p:tavLst>
+                                        <p:tav tm="0">
+                                          <p:val>
+                                            <p:strVal val="#ppt_x"/>
+                                          </p:val>
+                                        </p:tav>
+                                        <p:tav tm="100000">
+                                          <p:val>
+                                            <p:strVal val="#ppt_x"/>
+                                          </p:val>
+                                        </p:tav>
+                                      </p:tavLst>
+                                    </p:anim>
+                                    <p:anim calcmode="lin" valueType="num">
+                                      <p:cBhvr additive="base">
+                                        <p:cTn id="8" dur="500" fill="hold"/>
+                                        <p:tgtEl>
+                                          <p:spTgt spid="3">
+                                            <p:txEl>
+                                              <p:pRg st="0" end="0"/>
+                                            </p:txEl>
+                                          </p:spTgt>
+                                        </p:tgtEl>
+                                        <p:attrNameLst>
+                                          <p:attrName>ppt_y</p:attrName>
+                                        </p:attrNameLst>
+                                      </p:cBhvr>
+                                      <p:tavLst>
+                                        <p:tav tm="0">
+                                          <p:val>
+                                            <p:strVal val="1+#ppt_h/2"/>
+                                          </p:val>
+                                        </p:tav>
+                                        <p:tav tm="100000">
+                                          <p:val>
+                                            <p:strVal val="#ppt_y"/>
+                                          </p:val>
+                                        </p:tav>
+                                      </p:tavLst>
+                                    </p:anim>
+                                  </p:childTnLst>
+                                </p:cTn>
+                              </p:par>
+                            </p:childTnLst>
+                          </p:cTn>
+                        </p:par>
+                      </p:childTnLst>
+                    </p:cTn>
+                  </p:par>
+                  <p:par>
+                    <p:cTn id="9" fill="hold">
+                      <p:stCondLst>
+                        <p:cond delay="indefinite"/>
+                      </p:stCondLst>
+                      <p:childTnLst>
+                        <p:par>
+                          <p:cTn id="10" fill="hold">
+                            <p:stCondLst>
+                              <p:cond delay="0"/>
+                            </p:stCondLst>
+                            <p:childTnLst>
+                              <p:par>
+                                <p:cTn id="11" presetID="2" presetClass="entr" presetSubtype="4" fill="hold" nodeType="clickEffect">
+                                  <p:stCondLst>
+                                    <p:cond delay="0"/>
+                                  </p:stCondLst>
+                                  <p:childTnLst>
+                                    <p:set>
+                                      <p:cBhvr>
+                                        <p:cTn id="12" dur="1" fill="hold">
+                                          <p:stCondLst>
+                                            <p:cond delay="0"/>
+                                          </p:stCondLst>
+                                        </p:cTn>
+                                        <p:tgtEl>
+                                          <p:spTgt spid="3">
+                                            <p:txEl>
+                                              <p:pRg st="1" end="1"/>
+                                            </p:txEl>
+                                          </p:spTgt>
+                                        </p:tgtEl>
+                                        <p:attrNameLst>
+                                          <p:attrName>style.visibility</p:attrName>
+                                        </p:attrNameLst>
+                                      </p:cBhvr>
+                                      <p:to>
+                                        <p:strVal val="visible"/>
+                                      </p:to>
+                                    </p:set>
+                                    <p:anim calcmode="lin" valueType="num">
+                                      <p:cBhvr additive="base">
+                                        <p:cTn id="13" dur="500" fill="hold"/>
+                                        <p:tgtEl>
+                                          <p:spTgt spid="3">
+                                            <p:txEl>
+                                              <p:pRg st="1" end="1"/>
+                                            </p:txEl>
+                                          </p:spTgt>
+                                        </p:tgtEl>
+                                        <p:attrNameLst>
+                                          <p:attrName>ppt_x</p:attrName>
+                                        </p:attrNameLst>
+                                      </p:cBhvr>
+                                      <p:tavLst>
+                                        <p:tav tm="0">
+                                          <p:val>
+                                            <p:strVal val="#ppt_x"/>
+                                          </p:val>
+                                        </p:tav>
+                                        <p:tav tm="100000">
+                                          <p:val>
+                                            <p:strVal val="#ppt_x"/>
+                                          </p:val>
+                                        </p:tav>
+                                      </p:tavLst>
+                                    </p:anim>
+                                    <p:anim calcmode="lin" valueType="num">
+                                      <p:cBhvr additive="base">
+                                        <p:cTn id="14" dur="500" fill="hold"/>
+                                        <p:tgtEl>
+                                          <p:spTgt spid="3">
+                                            <p:txEl>
+                                              <p:pRg st="1" end="1"/>
+                                            </p:txEl>
+                                          </p:spTgt>
+                                        </p:tgtEl>
+                                        <p:attrNameLst>
+                                          <p:attrName>ppt_y</p:attrName>
+                                        </p:attrNameLst>
+                                      </p:cBhvr>
+                                      <p:tavLst>
+                                        <p:tav tm="0">
+                                          <p:val>
+                                            <p:strVal val="1+#ppt_h/2"/>
+                                          </p:val>
+                                        </p:tav>
+                                        <p:tav tm="100000">
+                                          <p:val>
+                                            <p:strVal val="#ppt_y"/>
+                                          </p:val>
+                                        </p:tav>
+                                      </p:tavLst>
+                                    </p:anim>
+                                  </p:childTnLst>
+                                </p:cTn>
+                              </p:par>
+                            </p:childTnLst>
+                          </p:cTn>
+                        </p:par>
+                      </p:childTnLst>
+                    </p:cTn>
+                  </p:par>
+                </p:childTnLst>
+              </p:cTn>
+              <p:prevCondLst>
+                <p:cond evt="onPrev" delay="0">
+                  <p:tgtEl>
+                    <p:sldTgt/>
+                  </p:tgtEl>
+                </p:cond>
+              </p:prevCondLst>
+              <p:nextCondLst>
+                <p:cond evt="onNext" delay="0">
+                  <p:tgtEl>
+                    <p:sldTgt/>
+                  </p:tgtEl>
+                </p:cond>
+              </p:nextCondLst>
+            </p:seq>
+          </p:childTnLst>
+        </p:cTn>
+      </p:par>
+    </p:tnLst>
+  </p:timing>
 </p:sld>
 </file>
 
@@ -15945,6 +17885,345 @@
   <p:clrMapOvr>
     <a:masterClrMapping/>
   </p:clrMapOvr>
+  <p:timing>
+    <p:tnLst>
+      <p:par>
+        <p:cTn id="1" dur="indefinite" restart="never" nodeType="tmRoot">
+          <p:childTnLst>
+            <p:seq concurrent="1" nextAc="seek">
+              <p:cTn id="2" dur="indefinite" nodeType="mainSeq">
+                <p:childTnLst>
+                  <p:par>
+                    <p:cTn id="3" fill="hold">
+                      <p:stCondLst>
+                        <p:cond delay="indefinite"/>
+                      </p:stCondLst>
+                      <p:childTnLst>
+                        <p:par>
+                          <p:cTn id="4" fill="hold">
+                            <p:stCondLst>
+                              <p:cond delay="0"/>
+                            </p:stCondLst>
+                            <p:childTnLst>
+                              <p:par>
+                                <p:cTn id="5" presetID="2" presetClass="entr" presetSubtype="4" fill="hold" nodeType="clickEffect">
+                                  <p:stCondLst>
+                                    <p:cond delay="0"/>
+                                  </p:stCondLst>
+                                  <p:childTnLst>
+                                    <p:set>
+                                      <p:cBhvr>
+                                        <p:cTn id="6" dur="1" fill="hold">
+                                          <p:stCondLst>
+                                            <p:cond delay="0"/>
+                                          </p:stCondLst>
+                                        </p:cTn>
+                                        <p:tgtEl>
+                                          <p:spTgt spid="3">
+                                            <p:txEl>
+                                              <p:pRg st="0" end="0"/>
+                                            </p:txEl>
+                                          </p:spTgt>
+                                        </p:tgtEl>
+                                        <p:attrNameLst>
+                                          <p:attrName>style.visibility</p:attrName>
+                                        </p:attrNameLst>
+                                      </p:cBhvr>
+                                      <p:to>
+                                        <p:strVal val="visible"/>
+                                      </p:to>
+                                    </p:set>
+                                    <p:anim calcmode="lin" valueType="num">
+                                      <p:cBhvr additive="base">
+                                        <p:cTn id="7" dur="500" fill="hold"/>
+                                        <p:tgtEl>
+                                          <p:spTgt spid="3">
+                                            <p:txEl>
+                                              <p:pRg st="0" end="0"/>
+                                            </p:txEl>
+                                          </p:spTgt>
+                                        </p:tgtEl>
+                                        <p:attrNameLst>
+                                          <p:attrName>ppt_x</p:attrName>
+                                        </p:attrNameLst>
+                                      </p:cBhvr>
+                                      <p:tavLst>
+                                        <p:tav tm="0">
+                                          <p:val>
+                                            <p:strVal val="#ppt_x"/>
+                                          </p:val>
+                                        </p:tav>
+                                        <p:tav tm="100000">
+                                          <p:val>
+                                            <p:strVal val="#ppt_x"/>
+                                          </p:val>
+                                        </p:tav>
+                                      </p:tavLst>
+                                    </p:anim>
+                                    <p:anim calcmode="lin" valueType="num">
+                                      <p:cBhvr additive="base">
+                                        <p:cTn id="8" dur="500" fill="hold"/>
+                                        <p:tgtEl>
+                                          <p:spTgt spid="3">
+                                            <p:txEl>
+                                              <p:pRg st="0" end="0"/>
+                                            </p:txEl>
+                                          </p:spTgt>
+                                        </p:tgtEl>
+                                        <p:attrNameLst>
+                                          <p:attrName>ppt_y</p:attrName>
+                                        </p:attrNameLst>
+                                      </p:cBhvr>
+                                      <p:tavLst>
+                                        <p:tav tm="0">
+                                          <p:val>
+                                            <p:strVal val="1+#ppt_h/2"/>
+                                          </p:val>
+                                        </p:tav>
+                                        <p:tav tm="100000">
+                                          <p:val>
+                                            <p:strVal val="#ppt_y"/>
+                                          </p:val>
+                                        </p:tav>
+                                      </p:tavLst>
+                                    </p:anim>
+                                  </p:childTnLst>
+                                </p:cTn>
+                              </p:par>
+                            </p:childTnLst>
+                          </p:cTn>
+                        </p:par>
+                      </p:childTnLst>
+                    </p:cTn>
+                  </p:par>
+                  <p:par>
+                    <p:cTn id="9" fill="hold">
+                      <p:stCondLst>
+                        <p:cond delay="indefinite"/>
+                      </p:stCondLst>
+                      <p:childTnLst>
+                        <p:par>
+                          <p:cTn id="10" fill="hold">
+                            <p:stCondLst>
+                              <p:cond delay="0"/>
+                            </p:stCondLst>
+                            <p:childTnLst>
+                              <p:par>
+                                <p:cTn id="11" presetID="2" presetClass="entr" presetSubtype="4" fill="hold" nodeType="clickEffect">
+                                  <p:stCondLst>
+                                    <p:cond delay="0"/>
+                                  </p:stCondLst>
+                                  <p:childTnLst>
+                                    <p:set>
+                                      <p:cBhvr>
+                                        <p:cTn id="12" dur="1" fill="hold">
+                                          <p:stCondLst>
+                                            <p:cond delay="0"/>
+                                          </p:stCondLst>
+                                        </p:cTn>
+                                        <p:tgtEl>
+                                          <p:spTgt spid="3">
+                                            <p:txEl>
+                                              <p:pRg st="1" end="1"/>
+                                            </p:txEl>
+                                          </p:spTgt>
+                                        </p:tgtEl>
+                                        <p:attrNameLst>
+                                          <p:attrName>style.visibility</p:attrName>
+                                        </p:attrNameLst>
+                                      </p:cBhvr>
+                                      <p:to>
+                                        <p:strVal val="visible"/>
+                                      </p:to>
+                                    </p:set>
+                                    <p:anim calcmode="lin" valueType="num">
+                                      <p:cBhvr additive="base">
+                                        <p:cTn id="13" dur="500" fill="hold"/>
+                                        <p:tgtEl>
+                                          <p:spTgt spid="3">
+                                            <p:txEl>
+                                              <p:pRg st="1" end="1"/>
+                                            </p:txEl>
+                                          </p:spTgt>
+                                        </p:tgtEl>
+                                        <p:attrNameLst>
+                                          <p:attrName>ppt_x</p:attrName>
+                                        </p:attrNameLst>
+                                      </p:cBhvr>
+                                      <p:tavLst>
+                                        <p:tav tm="0">
+                                          <p:val>
+                                            <p:strVal val="#ppt_x"/>
+                                          </p:val>
+                                        </p:tav>
+                                        <p:tav tm="100000">
+                                          <p:val>
+                                            <p:strVal val="#ppt_x"/>
+                                          </p:val>
+                                        </p:tav>
+                                      </p:tavLst>
+                                    </p:anim>
+                                    <p:anim calcmode="lin" valueType="num">
+                                      <p:cBhvr additive="base">
+                                        <p:cTn id="14" dur="500" fill="hold"/>
+                                        <p:tgtEl>
+                                          <p:spTgt spid="3">
+                                            <p:txEl>
+                                              <p:pRg st="1" end="1"/>
+                                            </p:txEl>
+                                          </p:spTgt>
+                                        </p:tgtEl>
+                                        <p:attrNameLst>
+                                          <p:attrName>ppt_y</p:attrName>
+                                        </p:attrNameLst>
+                                      </p:cBhvr>
+                                      <p:tavLst>
+                                        <p:tav tm="0">
+                                          <p:val>
+                                            <p:strVal val="1+#ppt_h/2"/>
+                                          </p:val>
+                                        </p:tav>
+                                        <p:tav tm="100000">
+                                          <p:val>
+                                            <p:strVal val="#ppt_y"/>
+                                          </p:val>
+                                        </p:tav>
+                                      </p:tavLst>
+                                    </p:anim>
+                                  </p:childTnLst>
+                                </p:cTn>
+                              </p:par>
+                            </p:childTnLst>
+                          </p:cTn>
+                        </p:par>
+                      </p:childTnLst>
+                    </p:cTn>
+                  </p:par>
+                  <p:par>
+                    <p:cTn id="15" fill="hold">
+                      <p:stCondLst>
+                        <p:cond delay="indefinite"/>
+                      </p:stCondLst>
+                      <p:childTnLst>
+                        <p:par>
+                          <p:cTn id="16" fill="hold">
+                            <p:stCondLst>
+                              <p:cond delay="0"/>
+                            </p:stCondLst>
+                            <p:childTnLst>
+                              <p:par>
+                                <p:cTn id="17" presetID="2" presetClass="entr" presetSubtype="4" fill="hold" nodeType="clickEffect">
+                                  <p:stCondLst>
+                                    <p:cond delay="0"/>
+                                  </p:stCondLst>
+                                  <p:childTnLst>
+                                    <p:set>
+                                      <p:cBhvr>
+                                        <p:cTn id="18" dur="1" fill="hold">
+                                          <p:stCondLst>
+                                            <p:cond delay="0"/>
+                                          </p:stCondLst>
+                                        </p:cTn>
+                                        <p:tgtEl>
+                                          <p:spTgt spid="3">
+                                            <p:txEl>
+                                              <p:pRg st="2" end="2"/>
+                                            </p:txEl>
+                                          </p:spTgt>
+                                        </p:tgtEl>
+                                        <p:attrNameLst>
+                                          <p:attrName>style.visibility</p:attrName>
+                                        </p:attrNameLst>
+                                      </p:cBhvr>
+                                      <p:to>
+                                        <p:strVal val="visible"/>
+                                      </p:to>
+                                    </p:set>
+                                    <p:anim calcmode="lin" valueType="num">
+                                      <p:cBhvr additive="base">
+                                        <p:cTn id="19" dur="500" fill="hold"/>
+                                        <p:tgtEl>
+                                          <p:spTgt spid="3">
+                                            <p:txEl>
+                                              <p:pRg st="2" end="2"/>
+                                            </p:txEl>
+                                          </p:spTgt>
+                                        </p:tgtEl>
+                                        <p:attrNameLst>
+                                          <p:attrName>ppt_x</p:attrName>
+                                        </p:attrNameLst>
+                                      </p:cBhvr>
+                                      <p:tavLst>
+                                        <p:tav tm="0">
+                                          <p:val>
+                                            <p:strVal val="#ppt_x"/>
+                                          </p:val>
+                                        </p:tav>
+                                        <p:tav tm="100000">
+                                          <p:val>
+                                            <p:strVal val="#ppt_x"/>
+                                          </p:val>
+                                        </p:tav>
+                                      </p:tavLst>
+                                    </p:anim>
+                                    <p:anim calcmode="lin" valueType="num">
+                                      <p:cBhvr additive="base">
+                                        <p:cTn id="20" dur="500" fill="hold"/>
+                                        <p:tgtEl>
+                                          <p:spTgt spid="3">
+                                            <p:txEl>
+                                              <p:pRg st="2" end="2"/>
+                                            </p:txEl>
+                                          </p:spTgt>
+                                        </p:tgtEl>
+                                        <p:attrNameLst>
+                                          <p:attrName>ppt_y</p:attrName>
+                                        </p:attrNameLst>
+                                      </p:cBhvr>
+                                      <p:tavLst>
+                                        <p:tav tm="0">
+                                          <p:val>
+                                            <p:strVal val="1+#ppt_h/2"/>
+                                          </p:val>
+                                        </p:tav>
+                                        <p:tav tm="100000">
+                                          <p:val>
+                                            <p:strVal val="#ppt_y"/>
+                                          </p:val>
+                                        </p:tav>
+                                      </p:tavLst>
+                                    </p:anim>
+                                  </p:childTnLst>
+                                </p:cTn>
+                              </p:par>
+                            </p:childTnLst>
+                          </p:cTn>
+                        </p:par>
+                      </p:childTnLst>
+                    </p:cTn>
+                  </p:par>
+                </p:childTnLst>
+              </p:cTn>
+              <p:prevCondLst>
+                <p:cond evt="onPrev" delay="0">
+                  <p:tgtEl>
+                    <p:sldTgt/>
+                  </p:tgtEl>
+                </p:cond>
+              </p:prevCondLst>
+              <p:nextCondLst>
+                <p:cond evt="onNext" delay="0">
+                  <p:tgtEl>
+                    <p:sldTgt/>
+                  </p:tgtEl>
+                </p:cond>
+              </p:nextCondLst>
+            </p:seq>
+          </p:childTnLst>
+        </p:cTn>
+      </p:par>
+    </p:tnLst>
+  </p:timing>
 </p:sld>
 </file>
 
@@ -16737,6 +19016,345 @@
   <p:clrMapOvr>
     <a:masterClrMapping/>
   </p:clrMapOvr>
+  <p:timing>
+    <p:tnLst>
+      <p:par>
+        <p:cTn id="1" dur="indefinite" restart="never" nodeType="tmRoot">
+          <p:childTnLst>
+            <p:seq concurrent="1" nextAc="seek">
+              <p:cTn id="2" dur="indefinite" nodeType="mainSeq">
+                <p:childTnLst>
+                  <p:par>
+                    <p:cTn id="3" fill="hold">
+                      <p:stCondLst>
+                        <p:cond delay="indefinite"/>
+                      </p:stCondLst>
+                      <p:childTnLst>
+                        <p:par>
+                          <p:cTn id="4" fill="hold">
+                            <p:stCondLst>
+                              <p:cond delay="0"/>
+                            </p:stCondLst>
+                            <p:childTnLst>
+                              <p:par>
+                                <p:cTn id="5" presetID="2" presetClass="entr" presetSubtype="4" fill="hold" nodeType="clickEffect">
+                                  <p:stCondLst>
+                                    <p:cond delay="0"/>
+                                  </p:stCondLst>
+                                  <p:childTnLst>
+                                    <p:set>
+                                      <p:cBhvr>
+                                        <p:cTn id="6" dur="1" fill="hold">
+                                          <p:stCondLst>
+                                            <p:cond delay="0"/>
+                                          </p:stCondLst>
+                                        </p:cTn>
+                                        <p:tgtEl>
+                                          <p:spTgt spid="3">
+                                            <p:txEl>
+                                              <p:pRg st="0" end="0"/>
+                                            </p:txEl>
+                                          </p:spTgt>
+                                        </p:tgtEl>
+                                        <p:attrNameLst>
+                                          <p:attrName>style.visibility</p:attrName>
+                                        </p:attrNameLst>
+                                      </p:cBhvr>
+                                      <p:to>
+                                        <p:strVal val="visible"/>
+                                      </p:to>
+                                    </p:set>
+                                    <p:anim calcmode="lin" valueType="num">
+                                      <p:cBhvr additive="base">
+                                        <p:cTn id="7" dur="500" fill="hold"/>
+                                        <p:tgtEl>
+                                          <p:spTgt spid="3">
+                                            <p:txEl>
+                                              <p:pRg st="0" end="0"/>
+                                            </p:txEl>
+                                          </p:spTgt>
+                                        </p:tgtEl>
+                                        <p:attrNameLst>
+                                          <p:attrName>ppt_x</p:attrName>
+                                        </p:attrNameLst>
+                                      </p:cBhvr>
+                                      <p:tavLst>
+                                        <p:tav tm="0">
+                                          <p:val>
+                                            <p:strVal val="#ppt_x"/>
+                                          </p:val>
+                                        </p:tav>
+                                        <p:tav tm="100000">
+                                          <p:val>
+                                            <p:strVal val="#ppt_x"/>
+                                          </p:val>
+                                        </p:tav>
+                                      </p:tavLst>
+                                    </p:anim>
+                                    <p:anim calcmode="lin" valueType="num">
+                                      <p:cBhvr additive="base">
+                                        <p:cTn id="8" dur="500" fill="hold"/>
+                                        <p:tgtEl>
+                                          <p:spTgt spid="3">
+                                            <p:txEl>
+                                              <p:pRg st="0" end="0"/>
+                                            </p:txEl>
+                                          </p:spTgt>
+                                        </p:tgtEl>
+                                        <p:attrNameLst>
+                                          <p:attrName>ppt_y</p:attrName>
+                                        </p:attrNameLst>
+                                      </p:cBhvr>
+                                      <p:tavLst>
+                                        <p:tav tm="0">
+                                          <p:val>
+                                            <p:strVal val="1+#ppt_h/2"/>
+                                          </p:val>
+                                        </p:tav>
+                                        <p:tav tm="100000">
+                                          <p:val>
+                                            <p:strVal val="#ppt_y"/>
+                                          </p:val>
+                                        </p:tav>
+                                      </p:tavLst>
+                                    </p:anim>
+                                  </p:childTnLst>
+                                </p:cTn>
+                              </p:par>
+                            </p:childTnLst>
+                          </p:cTn>
+                        </p:par>
+                      </p:childTnLst>
+                    </p:cTn>
+                  </p:par>
+                  <p:par>
+                    <p:cTn id="9" fill="hold">
+                      <p:stCondLst>
+                        <p:cond delay="indefinite"/>
+                      </p:stCondLst>
+                      <p:childTnLst>
+                        <p:par>
+                          <p:cTn id="10" fill="hold">
+                            <p:stCondLst>
+                              <p:cond delay="0"/>
+                            </p:stCondLst>
+                            <p:childTnLst>
+                              <p:par>
+                                <p:cTn id="11" presetID="2" presetClass="entr" presetSubtype="4" fill="hold" nodeType="clickEffect">
+                                  <p:stCondLst>
+                                    <p:cond delay="0"/>
+                                  </p:stCondLst>
+                                  <p:childTnLst>
+                                    <p:set>
+                                      <p:cBhvr>
+                                        <p:cTn id="12" dur="1" fill="hold">
+                                          <p:stCondLst>
+                                            <p:cond delay="0"/>
+                                          </p:stCondLst>
+                                        </p:cTn>
+                                        <p:tgtEl>
+                                          <p:spTgt spid="3">
+                                            <p:txEl>
+                                              <p:pRg st="1" end="1"/>
+                                            </p:txEl>
+                                          </p:spTgt>
+                                        </p:tgtEl>
+                                        <p:attrNameLst>
+                                          <p:attrName>style.visibility</p:attrName>
+                                        </p:attrNameLst>
+                                      </p:cBhvr>
+                                      <p:to>
+                                        <p:strVal val="visible"/>
+                                      </p:to>
+                                    </p:set>
+                                    <p:anim calcmode="lin" valueType="num">
+                                      <p:cBhvr additive="base">
+                                        <p:cTn id="13" dur="500" fill="hold"/>
+                                        <p:tgtEl>
+                                          <p:spTgt spid="3">
+                                            <p:txEl>
+                                              <p:pRg st="1" end="1"/>
+                                            </p:txEl>
+                                          </p:spTgt>
+                                        </p:tgtEl>
+                                        <p:attrNameLst>
+                                          <p:attrName>ppt_x</p:attrName>
+                                        </p:attrNameLst>
+                                      </p:cBhvr>
+                                      <p:tavLst>
+                                        <p:tav tm="0">
+                                          <p:val>
+                                            <p:strVal val="#ppt_x"/>
+                                          </p:val>
+                                        </p:tav>
+                                        <p:tav tm="100000">
+                                          <p:val>
+                                            <p:strVal val="#ppt_x"/>
+                                          </p:val>
+                                        </p:tav>
+                                      </p:tavLst>
+                                    </p:anim>
+                                    <p:anim calcmode="lin" valueType="num">
+                                      <p:cBhvr additive="base">
+                                        <p:cTn id="14" dur="500" fill="hold"/>
+                                        <p:tgtEl>
+                                          <p:spTgt spid="3">
+                                            <p:txEl>
+                                              <p:pRg st="1" end="1"/>
+                                            </p:txEl>
+                                          </p:spTgt>
+                                        </p:tgtEl>
+                                        <p:attrNameLst>
+                                          <p:attrName>ppt_y</p:attrName>
+                                        </p:attrNameLst>
+                                      </p:cBhvr>
+                                      <p:tavLst>
+                                        <p:tav tm="0">
+                                          <p:val>
+                                            <p:strVal val="1+#ppt_h/2"/>
+                                          </p:val>
+                                        </p:tav>
+                                        <p:tav tm="100000">
+                                          <p:val>
+                                            <p:strVal val="#ppt_y"/>
+                                          </p:val>
+                                        </p:tav>
+                                      </p:tavLst>
+                                    </p:anim>
+                                  </p:childTnLst>
+                                </p:cTn>
+                              </p:par>
+                            </p:childTnLst>
+                          </p:cTn>
+                        </p:par>
+                      </p:childTnLst>
+                    </p:cTn>
+                  </p:par>
+                  <p:par>
+                    <p:cTn id="15" fill="hold">
+                      <p:stCondLst>
+                        <p:cond delay="indefinite"/>
+                      </p:stCondLst>
+                      <p:childTnLst>
+                        <p:par>
+                          <p:cTn id="16" fill="hold">
+                            <p:stCondLst>
+                              <p:cond delay="0"/>
+                            </p:stCondLst>
+                            <p:childTnLst>
+                              <p:par>
+                                <p:cTn id="17" presetID="2" presetClass="entr" presetSubtype="4" fill="hold" nodeType="clickEffect">
+                                  <p:stCondLst>
+                                    <p:cond delay="0"/>
+                                  </p:stCondLst>
+                                  <p:childTnLst>
+                                    <p:set>
+                                      <p:cBhvr>
+                                        <p:cTn id="18" dur="1" fill="hold">
+                                          <p:stCondLst>
+                                            <p:cond delay="0"/>
+                                          </p:stCondLst>
+                                        </p:cTn>
+                                        <p:tgtEl>
+                                          <p:spTgt spid="3">
+                                            <p:txEl>
+                                              <p:pRg st="2" end="2"/>
+                                            </p:txEl>
+                                          </p:spTgt>
+                                        </p:tgtEl>
+                                        <p:attrNameLst>
+                                          <p:attrName>style.visibility</p:attrName>
+                                        </p:attrNameLst>
+                                      </p:cBhvr>
+                                      <p:to>
+                                        <p:strVal val="visible"/>
+                                      </p:to>
+                                    </p:set>
+                                    <p:anim calcmode="lin" valueType="num">
+                                      <p:cBhvr additive="base">
+                                        <p:cTn id="19" dur="500" fill="hold"/>
+                                        <p:tgtEl>
+                                          <p:spTgt spid="3">
+                                            <p:txEl>
+                                              <p:pRg st="2" end="2"/>
+                                            </p:txEl>
+                                          </p:spTgt>
+                                        </p:tgtEl>
+                                        <p:attrNameLst>
+                                          <p:attrName>ppt_x</p:attrName>
+                                        </p:attrNameLst>
+                                      </p:cBhvr>
+                                      <p:tavLst>
+                                        <p:tav tm="0">
+                                          <p:val>
+                                            <p:strVal val="#ppt_x"/>
+                                          </p:val>
+                                        </p:tav>
+                                        <p:tav tm="100000">
+                                          <p:val>
+                                            <p:strVal val="#ppt_x"/>
+                                          </p:val>
+                                        </p:tav>
+                                      </p:tavLst>
+                                    </p:anim>
+                                    <p:anim calcmode="lin" valueType="num">
+                                      <p:cBhvr additive="base">
+                                        <p:cTn id="20" dur="500" fill="hold"/>
+                                        <p:tgtEl>
+                                          <p:spTgt spid="3">
+                                            <p:txEl>
+                                              <p:pRg st="2" end="2"/>
+                                            </p:txEl>
+                                          </p:spTgt>
+                                        </p:tgtEl>
+                                        <p:attrNameLst>
+                                          <p:attrName>ppt_y</p:attrName>
+                                        </p:attrNameLst>
+                                      </p:cBhvr>
+                                      <p:tavLst>
+                                        <p:tav tm="0">
+                                          <p:val>
+                                            <p:strVal val="1+#ppt_h/2"/>
+                                          </p:val>
+                                        </p:tav>
+                                        <p:tav tm="100000">
+                                          <p:val>
+                                            <p:strVal val="#ppt_y"/>
+                                          </p:val>
+                                        </p:tav>
+                                      </p:tavLst>
+                                    </p:anim>
+                                  </p:childTnLst>
+                                </p:cTn>
+                              </p:par>
+                            </p:childTnLst>
+                          </p:cTn>
+                        </p:par>
+                      </p:childTnLst>
+                    </p:cTn>
+                  </p:par>
+                </p:childTnLst>
+              </p:cTn>
+              <p:prevCondLst>
+                <p:cond evt="onPrev" delay="0">
+                  <p:tgtEl>
+                    <p:sldTgt/>
+                  </p:tgtEl>
+                </p:cond>
+              </p:prevCondLst>
+              <p:nextCondLst>
+                <p:cond evt="onNext" delay="0">
+                  <p:tgtEl>
+                    <p:sldTgt/>
+                  </p:tgtEl>
+                </p:cond>
+              </p:nextCondLst>
+            </p:seq>
+          </p:childTnLst>
+        </p:cTn>
+      </p:par>
+    </p:tnLst>
+  </p:timing>
 </p:sld>
 </file>
 
@@ -16785,8 +19403,8 @@
           </a:p>
         </p:txBody>
       </p:sp>
-      <mc:AlternateContent xmlns:mc="http://schemas.openxmlformats.org/markup-compatibility/2006" xmlns:a14="http://schemas.microsoft.com/office/drawing/2010/main">
-        <mc:Choice Requires="a14">
+      <mc:AlternateContent xmlns:mc="http://schemas.openxmlformats.org/markup-compatibility/2006">
+        <mc:Choice xmlns:a14="http://schemas.microsoft.com/office/drawing/2010/main" Requires="a14">
           <p:sp>
             <p:nvSpPr>
               <p:cNvPr id="3" name="Content Placeholder 2">
@@ -17233,7 +19851,10 @@
                     <m:sSub>
                       <m:sSubPr>
                         <m:ctrlPr>
-                          <a:rPr lang="en-US" b="0" i="1">
+                          <a:rPr lang="en-US" b="0" i="1" smtClean="0">
+                            <a:solidFill>
+                              <a:srgbClr val="FF0000"/>
+                            </a:solidFill>
                             <a:latin typeface="Cambria Math" panose="02040503050406030204" pitchFamily="18" charset="0"/>
                           </a:rPr>
                         </m:ctrlPr>
@@ -17244,6 +19865,9 @@
                             <m:sty m:val="p"/>
                           </m:rPr>
                           <a:rPr lang="en-US" b="0">
+                            <a:solidFill>
+                              <a:srgbClr val="FF0000"/>
+                            </a:solidFill>
                             <a:latin typeface="Cambria Math" panose="02040503050406030204" pitchFamily="18" charset="0"/>
                           </a:rPr>
                           <m:t>Φ</m:t>
@@ -17252,6 +19876,9 @@
                       <m:sub>
                         <m:r>
                           <a:rPr lang="en-US" b="0" i="1">
+                            <a:solidFill>
+                              <a:srgbClr val="FF0000"/>
+                            </a:solidFill>
                             <a:latin typeface="Cambria Math" panose="02040503050406030204" pitchFamily="18" charset="0"/>
                           </a:rPr>
                           <m:t>𝑖</m:t>
@@ -17261,8 +19888,16 @@
                   </m:oMath>
                 </a14:m>
                 <a:r>
+                  <a:rPr lang="en-US" b="0" dirty="0">
+                    <a:solidFill>
+                      <a:srgbClr val="FF0000"/>
+                    </a:solidFill>
+                  </a:rPr>
+                  <a:t> </a:t>
+                </a:r>
+                <a:r>
                   <a:rPr lang="en-US" b="0" dirty="0"/>
-                  <a:t> is the surface fraction of species </a:t>
+                  <a:t>is the surface fraction of species </a:t>
                 </a:r>
                 <a14:m>
                   <m:oMath xmlns:m="http://schemas.openxmlformats.org/officeDocument/2006/math">
@@ -17466,7 +20101,10 @@
                     <m:sSub>
                       <m:sSubPr>
                         <m:ctrlPr>
-                          <a:rPr lang="en-US" b="0" i="1">
+                          <a:rPr lang="en-US" b="0" i="1" smtClean="0">
+                            <a:solidFill>
+                              <a:srgbClr val="FF0000"/>
+                            </a:solidFill>
                             <a:latin typeface="Cambria Math" panose="02040503050406030204" pitchFamily="18" charset="0"/>
                           </a:rPr>
                         </m:ctrlPr>
@@ -17474,6 +20112,9 @@
                       <m:e>
                         <m:r>
                           <a:rPr lang="en-US" b="0" i="1" smtClean="0">
+                            <a:solidFill>
+                              <a:srgbClr val="FF0000"/>
+                            </a:solidFill>
                             <a:latin typeface="Cambria Math" panose="02040503050406030204" pitchFamily="18" charset="0"/>
                           </a:rPr>
                           <m:t>𝜃</m:t>
@@ -17482,6 +20123,9 @@
                       <m:sub>
                         <m:r>
                           <a:rPr lang="en-US" b="0" i="1">
+                            <a:solidFill>
+                              <a:srgbClr val="FF0000"/>
+                            </a:solidFill>
                             <a:latin typeface="Cambria Math" panose="02040503050406030204" pitchFamily="18" charset="0"/>
                           </a:rPr>
                           <m:t>𝑖</m:t>
@@ -17491,8 +20135,16 @@
                   </m:oMath>
                 </a14:m>
                 <a:r>
+                  <a:rPr lang="en-US" b="0" dirty="0">
+                    <a:solidFill>
+                      <a:srgbClr val="FF0000"/>
+                    </a:solidFill>
+                  </a:rPr>
+                  <a:t> </a:t>
+                </a:r>
+                <a:r>
                   <a:rPr lang="en-US" b="0" dirty="0"/>
-                  <a:t> is the volume fraction of species </a:t>
+                  <a:t>is the volume fraction of species </a:t>
                 </a:r>
                 <a14:m>
                   <m:oMath xmlns:m="http://schemas.openxmlformats.org/officeDocument/2006/math">
@@ -17690,6 +20342,9 @@
                       <m:sSubPr>
                         <m:ctrlPr>
                           <a:rPr lang="en-US" b="0" i="1" smtClean="0">
+                            <a:solidFill>
+                              <a:srgbClr val="FF0000"/>
+                            </a:solidFill>
                             <a:latin typeface="Cambria Math" panose="02040503050406030204" pitchFamily="18" charset="0"/>
                           </a:rPr>
                         </m:ctrlPr>
@@ -17697,6 +20352,9 @@
                       <m:e>
                         <m:r>
                           <a:rPr lang="en-US" b="0" i="1" smtClean="0">
+                            <a:solidFill>
+                              <a:srgbClr val="FF0000"/>
+                            </a:solidFill>
                             <a:latin typeface="Cambria Math" panose="02040503050406030204" pitchFamily="18" charset="0"/>
                           </a:rPr>
                           <m:t>𝑟</m:t>
@@ -17705,6 +20363,9 @@
                       <m:sub>
                         <m:r>
                           <a:rPr lang="en-US" b="0" i="1" smtClean="0">
+                            <a:solidFill>
+                              <a:srgbClr val="FF0000"/>
+                            </a:solidFill>
                             <a:latin typeface="Cambria Math" panose="02040503050406030204" pitchFamily="18" charset="0"/>
                           </a:rPr>
                           <m:t>𝑖</m:t>
@@ -17735,7 +20396,7 @@
             </p:txBody>
           </p:sp>
         </mc:Choice>
-        <mc:Fallback xmlns="">
+        <mc:Fallback>
           <p:sp>
             <p:nvSpPr>
               <p:cNvPr id="3" name="Content Placeholder 2">
@@ -17897,8 +20558,8 @@
           </a:p>
         </p:txBody>
       </p:sp>
-      <mc:AlternateContent xmlns:mc="http://schemas.openxmlformats.org/markup-compatibility/2006" xmlns:a14="http://schemas.microsoft.com/office/drawing/2010/main">
-        <mc:Choice Requires="a14">
+      <mc:AlternateContent xmlns:mc="http://schemas.openxmlformats.org/markup-compatibility/2006">
+        <mc:Choice xmlns:a14="http://schemas.microsoft.com/office/drawing/2010/main" Requires="a14">
           <p:sp>
             <p:nvSpPr>
               <p:cNvPr id="3" name="Content Placeholder 2">
@@ -17917,7 +20578,7 @@
             </p:nvSpPr>
             <p:spPr/>
             <p:txBody>
-              <a:bodyPr anchor="t">
+              <a:bodyPr anchor="ctr">
                 <a:normAutofit/>
               </a:bodyPr>
               <a:lstStyle/>
@@ -18062,7 +20723,7 @@
             </p:txBody>
           </p:sp>
         </mc:Choice>
-        <mc:Fallback xmlns="">
+        <mc:Fallback>
           <p:sp>
             <p:nvSpPr>
               <p:cNvPr id="3" name="Content Placeholder 2">
@@ -18083,7 +20744,7 @@
               <a:blipFill>
                 <a:blip r:embed="rId3"/>
                 <a:stretch>
-                  <a:fillRect l="-1357" t="-1053"/>
+                  <a:fillRect l="-1357"/>
                 </a:stretch>
               </a:blipFill>
             </p:spPr>
@@ -18176,6 +20837,345 @@
   <p:clrMapOvr>
     <a:masterClrMapping/>
   </p:clrMapOvr>
+  <p:timing>
+    <p:tnLst>
+      <p:par>
+        <p:cTn id="1" dur="indefinite" restart="never" nodeType="tmRoot">
+          <p:childTnLst>
+            <p:seq concurrent="1" nextAc="seek">
+              <p:cTn id="2" dur="indefinite" nodeType="mainSeq">
+                <p:childTnLst>
+                  <p:par>
+                    <p:cTn id="3" fill="hold">
+                      <p:stCondLst>
+                        <p:cond delay="indefinite"/>
+                      </p:stCondLst>
+                      <p:childTnLst>
+                        <p:par>
+                          <p:cTn id="4" fill="hold">
+                            <p:stCondLst>
+                              <p:cond delay="0"/>
+                            </p:stCondLst>
+                            <p:childTnLst>
+                              <p:par>
+                                <p:cTn id="5" presetID="2" presetClass="entr" presetSubtype="4" fill="hold" nodeType="clickEffect">
+                                  <p:stCondLst>
+                                    <p:cond delay="0"/>
+                                  </p:stCondLst>
+                                  <p:childTnLst>
+                                    <p:set>
+                                      <p:cBhvr>
+                                        <p:cTn id="6" dur="1" fill="hold">
+                                          <p:stCondLst>
+                                            <p:cond delay="0"/>
+                                          </p:stCondLst>
+                                        </p:cTn>
+                                        <p:tgtEl>
+                                          <p:spTgt spid="3">
+                                            <p:txEl>
+                                              <p:pRg st="0" end="0"/>
+                                            </p:txEl>
+                                          </p:spTgt>
+                                        </p:tgtEl>
+                                        <p:attrNameLst>
+                                          <p:attrName>style.visibility</p:attrName>
+                                        </p:attrNameLst>
+                                      </p:cBhvr>
+                                      <p:to>
+                                        <p:strVal val="visible"/>
+                                      </p:to>
+                                    </p:set>
+                                    <p:anim calcmode="lin" valueType="num">
+                                      <p:cBhvr additive="base">
+                                        <p:cTn id="7" dur="500" fill="hold"/>
+                                        <p:tgtEl>
+                                          <p:spTgt spid="3">
+                                            <p:txEl>
+                                              <p:pRg st="0" end="0"/>
+                                            </p:txEl>
+                                          </p:spTgt>
+                                        </p:tgtEl>
+                                        <p:attrNameLst>
+                                          <p:attrName>ppt_x</p:attrName>
+                                        </p:attrNameLst>
+                                      </p:cBhvr>
+                                      <p:tavLst>
+                                        <p:tav tm="0">
+                                          <p:val>
+                                            <p:strVal val="#ppt_x"/>
+                                          </p:val>
+                                        </p:tav>
+                                        <p:tav tm="100000">
+                                          <p:val>
+                                            <p:strVal val="#ppt_x"/>
+                                          </p:val>
+                                        </p:tav>
+                                      </p:tavLst>
+                                    </p:anim>
+                                    <p:anim calcmode="lin" valueType="num">
+                                      <p:cBhvr additive="base">
+                                        <p:cTn id="8" dur="500" fill="hold"/>
+                                        <p:tgtEl>
+                                          <p:spTgt spid="3">
+                                            <p:txEl>
+                                              <p:pRg st="0" end="0"/>
+                                            </p:txEl>
+                                          </p:spTgt>
+                                        </p:tgtEl>
+                                        <p:attrNameLst>
+                                          <p:attrName>ppt_y</p:attrName>
+                                        </p:attrNameLst>
+                                      </p:cBhvr>
+                                      <p:tavLst>
+                                        <p:tav tm="0">
+                                          <p:val>
+                                            <p:strVal val="1+#ppt_h/2"/>
+                                          </p:val>
+                                        </p:tav>
+                                        <p:tav tm="100000">
+                                          <p:val>
+                                            <p:strVal val="#ppt_y"/>
+                                          </p:val>
+                                        </p:tav>
+                                      </p:tavLst>
+                                    </p:anim>
+                                  </p:childTnLst>
+                                </p:cTn>
+                              </p:par>
+                            </p:childTnLst>
+                          </p:cTn>
+                        </p:par>
+                      </p:childTnLst>
+                    </p:cTn>
+                  </p:par>
+                  <p:par>
+                    <p:cTn id="9" fill="hold">
+                      <p:stCondLst>
+                        <p:cond delay="indefinite"/>
+                      </p:stCondLst>
+                      <p:childTnLst>
+                        <p:par>
+                          <p:cTn id="10" fill="hold">
+                            <p:stCondLst>
+                              <p:cond delay="0"/>
+                            </p:stCondLst>
+                            <p:childTnLst>
+                              <p:par>
+                                <p:cTn id="11" presetID="2" presetClass="entr" presetSubtype="4" fill="hold" nodeType="clickEffect">
+                                  <p:stCondLst>
+                                    <p:cond delay="0"/>
+                                  </p:stCondLst>
+                                  <p:childTnLst>
+                                    <p:set>
+                                      <p:cBhvr>
+                                        <p:cTn id="12" dur="1" fill="hold">
+                                          <p:stCondLst>
+                                            <p:cond delay="0"/>
+                                          </p:stCondLst>
+                                        </p:cTn>
+                                        <p:tgtEl>
+                                          <p:spTgt spid="3">
+                                            <p:txEl>
+                                              <p:pRg st="1" end="1"/>
+                                            </p:txEl>
+                                          </p:spTgt>
+                                        </p:tgtEl>
+                                        <p:attrNameLst>
+                                          <p:attrName>style.visibility</p:attrName>
+                                        </p:attrNameLst>
+                                      </p:cBhvr>
+                                      <p:to>
+                                        <p:strVal val="visible"/>
+                                      </p:to>
+                                    </p:set>
+                                    <p:anim calcmode="lin" valueType="num">
+                                      <p:cBhvr additive="base">
+                                        <p:cTn id="13" dur="500" fill="hold"/>
+                                        <p:tgtEl>
+                                          <p:spTgt spid="3">
+                                            <p:txEl>
+                                              <p:pRg st="1" end="1"/>
+                                            </p:txEl>
+                                          </p:spTgt>
+                                        </p:tgtEl>
+                                        <p:attrNameLst>
+                                          <p:attrName>ppt_x</p:attrName>
+                                        </p:attrNameLst>
+                                      </p:cBhvr>
+                                      <p:tavLst>
+                                        <p:tav tm="0">
+                                          <p:val>
+                                            <p:strVal val="#ppt_x"/>
+                                          </p:val>
+                                        </p:tav>
+                                        <p:tav tm="100000">
+                                          <p:val>
+                                            <p:strVal val="#ppt_x"/>
+                                          </p:val>
+                                        </p:tav>
+                                      </p:tavLst>
+                                    </p:anim>
+                                    <p:anim calcmode="lin" valueType="num">
+                                      <p:cBhvr additive="base">
+                                        <p:cTn id="14" dur="500" fill="hold"/>
+                                        <p:tgtEl>
+                                          <p:spTgt spid="3">
+                                            <p:txEl>
+                                              <p:pRg st="1" end="1"/>
+                                            </p:txEl>
+                                          </p:spTgt>
+                                        </p:tgtEl>
+                                        <p:attrNameLst>
+                                          <p:attrName>ppt_y</p:attrName>
+                                        </p:attrNameLst>
+                                      </p:cBhvr>
+                                      <p:tavLst>
+                                        <p:tav tm="0">
+                                          <p:val>
+                                            <p:strVal val="1+#ppt_h/2"/>
+                                          </p:val>
+                                        </p:tav>
+                                        <p:tav tm="100000">
+                                          <p:val>
+                                            <p:strVal val="#ppt_y"/>
+                                          </p:val>
+                                        </p:tav>
+                                      </p:tavLst>
+                                    </p:anim>
+                                  </p:childTnLst>
+                                </p:cTn>
+                              </p:par>
+                            </p:childTnLst>
+                          </p:cTn>
+                        </p:par>
+                      </p:childTnLst>
+                    </p:cTn>
+                  </p:par>
+                  <p:par>
+                    <p:cTn id="15" fill="hold">
+                      <p:stCondLst>
+                        <p:cond delay="indefinite"/>
+                      </p:stCondLst>
+                      <p:childTnLst>
+                        <p:par>
+                          <p:cTn id="16" fill="hold">
+                            <p:stCondLst>
+                              <p:cond delay="0"/>
+                            </p:stCondLst>
+                            <p:childTnLst>
+                              <p:par>
+                                <p:cTn id="17" presetID="2" presetClass="entr" presetSubtype="4" fill="hold" nodeType="clickEffect">
+                                  <p:stCondLst>
+                                    <p:cond delay="0"/>
+                                  </p:stCondLst>
+                                  <p:childTnLst>
+                                    <p:set>
+                                      <p:cBhvr>
+                                        <p:cTn id="18" dur="1" fill="hold">
+                                          <p:stCondLst>
+                                            <p:cond delay="0"/>
+                                          </p:stCondLst>
+                                        </p:cTn>
+                                        <p:tgtEl>
+                                          <p:spTgt spid="3">
+                                            <p:txEl>
+                                              <p:pRg st="2" end="2"/>
+                                            </p:txEl>
+                                          </p:spTgt>
+                                        </p:tgtEl>
+                                        <p:attrNameLst>
+                                          <p:attrName>style.visibility</p:attrName>
+                                        </p:attrNameLst>
+                                      </p:cBhvr>
+                                      <p:to>
+                                        <p:strVal val="visible"/>
+                                      </p:to>
+                                    </p:set>
+                                    <p:anim calcmode="lin" valueType="num">
+                                      <p:cBhvr additive="base">
+                                        <p:cTn id="19" dur="500" fill="hold"/>
+                                        <p:tgtEl>
+                                          <p:spTgt spid="3">
+                                            <p:txEl>
+                                              <p:pRg st="2" end="2"/>
+                                            </p:txEl>
+                                          </p:spTgt>
+                                        </p:tgtEl>
+                                        <p:attrNameLst>
+                                          <p:attrName>ppt_x</p:attrName>
+                                        </p:attrNameLst>
+                                      </p:cBhvr>
+                                      <p:tavLst>
+                                        <p:tav tm="0">
+                                          <p:val>
+                                            <p:strVal val="#ppt_x"/>
+                                          </p:val>
+                                        </p:tav>
+                                        <p:tav tm="100000">
+                                          <p:val>
+                                            <p:strVal val="#ppt_x"/>
+                                          </p:val>
+                                        </p:tav>
+                                      </p:tavLst>
+                                    </p:anim>
+                                    <p:anim calcmode="lin" valueType="num">
+                                      <p:cBhvr additive="base">
+                                        <p:cTn id="20" dur="500" fill="hold"/>
+                                        <p:tgtEl>
+                                          <p:spTgt spid="3">
+                                            <p:txEl>
+                                              <p:pRg st="2" end="2"/>
+                                            </p:txEl>
+                                          </p:spTgt>
+                                        </p:tgtEl>
+                                        <p:attrNameLst>
+                                          <p:attrName>ppt_y</p:attrName>
+                                        </p:attrNameLst>
+                                      </p:cBhvr>
+                                      <p:tavLst>
+                                        <p:tav tm="0">
+                                          <p:val>
+                                            <p:strVal val="1+#ppt_h/2"/>
+                                          </p:val>
+                                        </p:tav>
+                                        <p:tav tm="100000">
+                                          <p:val>
+                                            <p:strVal val="#ppt_y"/>
+                                          </p:val>
+                                        </p:tav>
+                                      </p:tavLst>
+                                    </p:anim>
+                                  </p:childTnLst>
+                                </p:cTn>
+                              </p:par>
+                            </p:childTnLst>
+                          </p:cTn>
+                        </p:par>
+                      </p:childTnLst>
+                    </p:cTn>
+                  </p:par>
+                </p:childTnLst>
+              </p:cTn>
+              <p:prevCondLst>
+                <p:cond evt="onPrev" delay="0">
+                  <p:tgtEl>
+                    <p:sldTgt/>
+                  </p:tgtEl>
+                </p:cond>
+              </p:prevCondLst>
+              <p:nextCondLst>
+                <p:cond evt="onNext" delay="0">
+                  <p:tgtEl>
+                    <p:sldTgt/>
+                  </p:tgtEl>
+                </p:cond>
+              </p:nextCondLst>
+            </p:seq>
+          </p:childTnLst>
+        </p:cTn>
+      </p:par>
+    </p:tnLst>
+  </p:timing>
 </p:sld>
 </file>
 
@@ -19226,6 +22226,345 @@
   <p:clrMapOvr>
     <a:masterClrMapping/>
   </p:clrMapOvr>
+  <p:timing>
+    <p:tnLst>
+      <p:par>
+        <p:cTn id="1" dur="indefinite" restart="never" nodeType="tmRoot">
+          <p:childTnLst>
+            <p:seq concurrent="1" nextAc="seek">
+              <p:cTn id="2" dur="indefinite" nodeType="mainSeq">
+                <p:childTnLst>
+                  <p:par>
+                    <p:cTn id="3" fill="hold">
+                      <p:stCondLst>
+                        <p:cond delay="indefinite"/>
+                      </p:stCondLst>
+                      <p:childTnLst>
+                        <p:par>
+                          <p:cTn id="4" fill="hold">
+                            <p:stCondLst>
+                              <p:cond delay="0"/>
+                            </p:stCondLst>
+                            <p:childTnLst>
+                              <p:par>
+                                <p:cTn id="5" presetID="2" presetClass="entr" presetSubtype="4" fill="hold" nodeType="clickEffect">
+                                  <p:stCondLst>
+                                    <p:cond delay="0"/>
+                                  </p:stCondLst>
+                                  <p:childTnLst>
+                                    <p:set>
+                                      <p:cBhvr>
+                                        <p:cTn id="6" dur="1" fill="hold">
+                                          <p:stCondLst>
+                                            <p:cond delay="0"/>
+                                          </p:stCondLst>
+                                        </p:cTn>
+                                        <p:tgtEl>
+                                          <p:spTgt spid="3">
+                                            <p:txEl>
+                                              <p:pRg st="0" end="0"/>
+                                            </p:txEl>
+                                          </p:spTgt>
+                                        </p:tgtEl>
+                                        <p:attrNameLst>
+                                          <p:attrName>style.visibility</p:attrName>
+                                        </p:attrNameLst>
+                                      </p:cBhvr>
+                                      <p:to>
+                                        <p:strVal val="visible"/>
+                                      </p:to>
+                                    </p:set>
+                                    <p:anim calcmode="lin" valueType="num">
+                                      <p:cBhvr additive="base">
+                                        <p:cTn id="7" dur="500" fill="hold"/>
+                                        <p:tgtEl>
+                                          <p:spTgt spid="3">
+                                            <p:txEl>
+                                              <p:pRg st="0" end="0"/>
+                                            </p:txEl>
+                                          </p:spTgt>
+                                        </p:tgtEl>
+                                        <p:attrNameLst>
+                                          <p:attrName>ppt_x</p:attrName>
+                                        </p:attrNameLst>
+                                      </p:cBhvr>
+                                      <p:tavLst>
+                                        <p:tav tm="0">
+                                          <p:val>
+                                            <p:strVal val="#ppt_x"/>
+                                          </p:val>
+                                        </p:tav>
+                                        <p:tav tm="100000">
+                                          <p:val>
+                                            <p:strVal val="#ppt_x"/>
+                                          </p:val>
+                                        </p:tav>
+                                      </p:tavLst>
+                                    </p:anim>
+                                    <p:anim calcmode="lin" valueType="num">
+                                      <p:cBhvr additive="base">
+                                        <p:cTn id="8" dur="500" fill="hold"/>
+                                        <p:tgtEl>
+                                          <p:spTgt spid="3">
+                                            <p:txEl>
+                                              <p:pRg st="0" end="0"/>
+                                            </p:txEl>
+                                          </p:spTgt>
+                                        </p:tgtEl>
+                                        <p:attrNameLst>
+                                          <p:attrName>ppt_y</p:attrName>
+                                        </p:attrNameLst>
+                                      </p:cBhvr>
+                                      <p:tavLst>
+                                        <p:tav tm="0">
+                                          <p:val>
+                                            <p:strVal val="1+#ppt_h/2"/>
+                                          </p:val>
+                                        </p:tav>
+                                        <p:tav tm="100000">
+                                          <p:val>
+                                            <p:strVal val="#ppt_y"/>
+                                          </p:val>
+                                        </p:tav>
+                                      </p:tavLst>
+                                    </p:anim>
+                                  </p:childTnLst>
+                                </p:cTn>
+                              </p:par>
+                            </p:childTnLst>
+                          </p:cTn>
+                        </p:par>
+                      </p:childTnLst>
+                    </p:cTn>
+                  </p:par>
+                  <p:par>
+                    <p:cTn id="9" fill="hold">
+                      <p:stCondLst>
+                        <p:cond delay="indefinite"/>
+                      </p:stCondLst>
+                      <p:childTnLst>
+                        <p:par>
+                          <p:cTn id="10" fill="hold">
+                            <p:stCondLst>
+                              <p:cond delay="0"/>
+                            </p:stCondLst>
+                            <p:childTnLst>
+                              <p:par>
+                                <p:cTn id="11" presetID="2" presetClass="entr" presetSubtype="4" fill="hold" nodeType="clickEffect">
+                                  <p:stCondLst>
+                                    <p:cond delay="0"/>
+                                  </p:stCondLst>
+                                  <p:childTnLst>
+                                    <p:set>
+                                      <p:cBhvr>
+                                        <p:cTn id="12" dur="1" fill="hold">
+                                          <p:stCondLst>
+                                            <p:cond delay="0"/>
+                                          </p:stCondLst>
+                                        </p:cTn>
+                                        <p:tgtEl>
+                                          <p:spTgt spid="3">
+                                            <p:txEl>
+                                              <p:pRg st="1" end="1"/>
+                                            </p:txEl>
+                                          </p:spTgt>
+                                        </p:tgtEl>
+                                        <p:attrNameLst>
+                                          <p:attrName>style.visibility</p:attrName>
+                                        </p:attrNameLst>
+                                      </p:cBhvr>
+                                      <p:to>
+                                        <p:strVal val="visible"/>
+                                      </p:to>
+                                    </p:set>
+                                    <p:anim calcmode="lin" valueType="num">
+                                      <p:cBhvr additive="base">
+                                        <p:cTn id="13" dur="500" fill="hold"/>
+                                        <p:tgtEl>
+                                          <p:spTgt spid="3">
+                                            <p:txEl>
+                                              <p:pRg st="1" end="1"/>
+                                            </p:txEl>
+                                          </p:spTgt>
+                                        </p:tgtEl>
+                                        <p:attrNameLst>
+                                          <p:attrName>ppt_x</p:attrName>
+                                        </p:attrNameLst>
+                                      </p:cBhvr>
+                                      <p:tavLst>
+                                        <p:tav tm="0">
+                                          <p:val>
+                                            <p:strVal val="#ppt_x"/>
+                                          </p:val>
+                                        </p:tav>
+                                        <p:tav tm="100000">
+                                          <p:val>
+                                            <p:strVal val="#ppt_x"/>
+                                          </p:val>
+                                        </p:tav>
+                                      </p:tavLst>
+                                    </p:anim>
+                                    <p:anim calcmode="lin" valueType="num">
+                                      <p:cBhvr additive="base">
+                                        <p:cTn id="14" dur="500" fill="hold"/>
+                                        <p:tgtEl>
+                                          <p:spTgt spid="3">
+                                            <p:txEl>
+                                              <p:pRg st="1" end="1"/>
+                                            </p:txEl>
+                                          </p:spTgt>
+                                        </p:tgtEl>
+                                        <p:attrNameLst>
+                                          <p:attrName>ppt_y</p:attrName>
+                                        </p:attrNameLst>
+                                      </p:cBhvr>
+                                      <p:tavLst>
+                                        <p:tav tm="0">
+                                          <p:val>
+                                            <p:strVal val="1+#ppt_h/2"/>
+                                          </p:val>
+                                        </p:tav>
+                                        <p:tav tm="100000">
+                                          <p:val>
+                                            <p:strVal val="#ppt_y"/>
+                                          </p:val>
+                                        </p:tav>
+                                      </p:tavLst>
+                                    </p:anim>
+                                  </p:childTnLst>
+                                </p:cTn>
+                              </p:par>
+                            </p:childTnLst>
+                          </p:cTn>
+                        </p:par>
+                      </p:childTnLst>
+                    </p:cTn>
+                  </p:par>
+                  <p:par>
+                    <p:cTn id="15" fill="hold">
+                      <p:stCondLst>
+                        <p:cond delay="indefinite"/>
+                      </p:stCondLst>
+                      <p:childTnLst>
+                        <p:par>
+                          <p:cTn id="16" fill="hold">
+                            <p:stCondLst>
+                              <p:cond delay="0"/>
+                            </p:stCondLst>
+                            <p:childTnLst>
+                              <p:par>
+                                <p:cTn id="17" presetID="2" presetClass="entr" presetSubtype="4" fill="hold" nodeType="clickEffect">
+                                  <p:stCondLst>
+                                    <p:cond delay="0"/>
+                                  </p:stCondLst>
+                                  <p:childTnLst>
+                                    <p:set>
+                                      <p:cBhvr>
+                                        <p:cTn id="18" dur="1" fill="hold">
+                                          <p:stCondLst>
+                                            <p:cond delay="0"/>
+                                          </p:stCondLst>
+                                        </p:cTn>
+                                        <p:tgtEl>
+                                          <p:spTgt spid="3">
+                                            <p:txEl>
+                                              <p:pRg st="2" end="2"/>
+                                            </p:txEl>
+                                          </p:spTgt>
+                                        </p:tgtEl>
+                                        <p:attrNameLst>
+                                          <p:attrName>style.visibility</p:attrName>
+                                        </p:attrNameLst>
+                                      </p:cBhvr>
+                                      <p:to>
+                                        <p:strVal val="visible"/>
+                                      </p:to>
+                                    </p:set>
+                                    <p:anim calcmode="lin" valueType="num">
+                                      <p:cBhvr additive="base">
+                                        <p:cTn id="19" dur="500" fill="hold"/>
+                                        <p:tgtEl>
+                                          <p:spTgt spid="3">
+                                            <p:txEl>
+                                              <p:pRg st="2" end="2"/>
+                                            </p:txEl>
+                                          </p:spTgt>
+                                        </p:tgtEl>
+                                        <p:attrNameLst>
+                                          <p:attrName>ppt_x</p:attrName>
+                                        </p:attrNameLst>
+                                      </p:cBhvr>
+                                      <p:tavLst>
+                                        <p:tav tm="0">
+                                          <p:val>
+                                            <p:strVal val="#ppt_x"/>
+                                          </p:val>
+                                        </p:tav>
+                                        <p:tav tm="100000">
+                                          <p:val>
+                                            <p:strVal val="#ppt_x"/>
+                                          </p:val>
+                                        </p:tav>
+                                      </p:tavLst>
+                                    </p:anim>
+                                    <p:anim calcmode="lin" valueType="num">
+                                      <p:cBhvr additive="base">
+                                        <p:cTn id="20" dur="500" fill="hold"/>
+                                        <p:tgtEl>
+                                          <p:spTgt spid="3">
+                                            <p:txEl>
+                                              <p:pRg st="2" end="2"/>
+                                            </p:txEl>
+                                          </p:spTgt>
+                                        </p:tgtEl>
+                                        <p:attrNameLst>
+                                          <p:attrName>ppt_y</p:attrName>
+                                        </p:attrNameLst>
+                                      </p:cBhvr>
+                                      <p:tavLst>
+                                        <p:tav tm="0">
+                                          <p:val>
+                                            <p:strVal val="1+#ppt_h/2"/>
+                                          </p:val>
+                                        </p:tav>
+                                        <p:tav tm="100000">
+                                          <p:val>
+                                            <p:strVal val="#ppt_y"/>
+                                          </p:val>
+                                        </p:tav>
+                                      </p:tavLst>
+                                    </p:anim>
+                                  </p:childTnLst>
+                                </p:cTn>
+                              </p:par>
+                            </p:childTnLst>
+                          </p:cTn>
+                        </p:par>
+                      </p:childTnLst>
+                    </p:cTn>
+                  </p:par>
+                </p:childTnLst>
+              </p:cTn>
+              <p:prevCondLst>
+                <p:cond evt="onPrev" delay="0">
+                  <p:tgtEl>
+                    <p:sldTgt/>
+                  </p:tgtEl>
+                </p:cond>
+              </p:prevCondLst>
+              <p:nextCondLst>
+                <p:cond evt="onNext" delay="0">
+                  <p:tgtEl>
+                    <p:sldTgt/>
+                  </p:tgtEl>
+                </p:cond>
+              </p:nextCondLst>
+            </p:seq>
+          </p:childTnLst>
+        </p:cTn>
+      </p:par>
+    </p:tnLst>
+  </p:timing>
 </p:sld>
 </file>
 
@@ -19867,6 +23206,551 @@
   <p:clrMapOvr>
     <a:masterClrMapping/>
   </p:clrMapOvr>
+  <p:timing>
+    <p:tnLst>
+      <p:par>
+        <p:cTn id="1" dur="indefinite" restart="never" nodeType="tmRoot">
+          <p:childTnLst>
+            <p:seq concurrent="1" nextAc="seek">
+              <p:cTn id="2" dur="indefinite" nodeType="mainSeq">
+                <p:childTnLst>
+                  <p:par>
+                    <p:cTn id="3" fill="hold">
+                      <p:stCondLst>
+                        <p:cond delay="indefinite"/>
+                      </p:stCondLst>
+                      <p:childTnLst>
+                        <p:par>
+                          <p:cTn id="4" fill="hold">
+                            <p:stCondLst>
+                              <p:cond delay="0"/>
+                            </p:stCondLst>
+                            <p:childTnLst>
+                              <p:par>
+                                <p:cTn id="5" presetID="2" presetClass="entr" presetSubtype="4" fill="hold" nodeType="clickEffect">
+                                  <p:stCondLst>
+                                    <p:cond delay="0"/>
+                                  </p:stCondLst>
+                                  <p:childTnLst>
+                                    <p:set>
+                                      <p:cBhvr>
+                                        <p:cTn id="6" dur="1" fill="hold">
+                                          <p:stCondLst>
+                                            <p:cond delay="0"/>
+                                          </p:stCondLst>
+                                        </p:cTn>
+                                        <p:tgtEl>
+                                          <p:spTgt spid="3">
+                                            <p:txEl>
+                                              <p:pRg st="0" end="0"/>
+                                            </p:txEl>
+                                          </p:spTgt>
+                                        </p:tgtEl>
+                                        <p:attrNameLst>
+                                          <p:attrName>style.visibility</p:attrName>
+                                        </p:attrNameLst>
+                                      </p:cBhvr>
+                                      <p:to>
+                                        <p:strVal val="visible"/>
+                                      </p:to>
+                                    </p:set>
+                                    <p:anim calcmode="lin" valueType="num">
+                                      <p:cBhvr additive="base">
+                                        <p:cTn id="7" dur="500" fill="hold"/>
+                                        <p:tgtEl>
+                                          <p:spTgt spid="3">
+                                            <p:txEl>
+                                              <p:pRg st="0" end="0"/>
+                                            </p:txEl>
+                                          </p:spTgt>
+                                        </p:tgtEl>
+                                        <p:attrNameLst>
+                                          <p:attrName>ppt_x</p:attrName>
+                                        </p:attrNameLst>
+                                      </p:cBhvr>
+                                      <p:tavLst>
+                                        <p:tav tm="0">
+                                          <p:val>
+                                            <p:strVal val="#ppt_x"/>
+                                          </p:val>
+                                        </p:tav>
+                                        <p:tav tm="100000">
+                                          <p:val>
+                                            <p:strVal val="#ppt_x"/>
+                                          </p:val>
+                                        </p:tav>
+                                      </p:tavLst>
+                                    </p:anim>
+                                    <p:anim calcmode="lin" valueType="num">
+                                      <p:cBhvr additive="base">
+                                        <p:cTn id="8" dur="500" fill="hold"/>
+                                        <p:tgtEl>
+                                          <p:spTgt spid="3">
+                                            <p:txEl>
+                                              <p:pRg st="0" end="0"/>
+                                            </p:txEl>
+                                          </p:spTgt>
+                                        </p:tgtEl>
+                                        <p:attrNameLst>
+                                          <p:attrName>ppt_y</p:attrName>
+                                        </p:attrNameLst>
+                                      </p:cBhvr>
+                                      <p:tavLst>
+                                        <p:tav tm="0">
+                                          <p:val>
+                                            <p:strVal val="1+#ppt_h/2"/>
+                                          </p:val>
+                                        </p:tav>
+                                        <p:tav tm="100000">
+                                          <p:val>
+                                            <p:strVal val="#ppt_y"/>
+                                          </p:val>
+                                        </p:tav>
+                                      </p:tavLst>
+                                    </p:anim>
+                                  </p:childTnLst>
+                                </p:cTn>
+                              </p:par>
+                            </p:childTnLst>
+                          </p:cTn>
+                        </p:par>
+                      </p:childTnLst>
+                    </p:cTn>
+                  </p:par>
+                  <p:par>
+                    <p:cTn id="9" fill="hold">
+                      <p:stCondLst>
+                        <p:cond delay="indefinite"/>
+                      </p:stCondLst>
+                      <p:childTnLst>
+                        <p:par>
+                          <p:cTn id="10" fill="hold">
+                            <p:stCondLst>
+                              <p:cond delay="0"/>
+                            </p:stCondLst>
+                            <p:childTnLst>
+                              <p:par>
+                                <p:cTn id="11" presetID="2" presetClass="entr" presetSubtype="4" fill="hold" nodeType="clickEffect">
+                                  <p:stCondLst>
+                                    <p:cond delay="0"/>
+                                  </p:stCondLst>
+                                  <p:childTnLst>
+                                    <p:set>
+                                      <p:cBhvr>
+                                        <p:cTn id="12" dur="1" fill="hold">
+                                          <p:stCondLst>
+                                            <p:cond delay="0"/>
+                                          </p:stCondLst>
+                                        </p:cTn>
+                                        <p:tgtEl>
+                                          <p:spTgt spid="3">
+                                            <p:txEl>
+                                              <p:pRg st="1" end="1"/>
+                                            </p:txEl>
+                                          </p:spTgt>
+                                        </p:tgtEl>
+                                        <p:attrNameLst>
+                                          <p:attrName>style.visibility</p:attrName>
+                                        </p:attrNameLst>
+                                      </p:cBhvr>
+                                      <p:to>
+                                        <p:strVal val="visible"/>
+                                      </p:to>
+                                    </p:set>
+                                    <p:anim calcmode="lin" valueType="num">
+                                      <p:cBhvr additive="base">
+                                        <p:cTn id="13" dur="500" fill="hold"/>
+                                        <p:tgtEl>
+                                          <p:spTgt spid="3">
+                                            <p:txEl>
+                                              <p:pRg st="1" end="1"/>
+                                            </p:txEl>
+                                          </p:spTgt>
+                                        </p:tgtEl>
+                                        <p:attrNameLst>
+                                          <p:attrName>ppt_x</p:attrName>
+                                        </p:attrNameLst>
+                                      </p:cBhvr>
+                                      <p:tavLst>
+                                        <p:tav tm="0">
+                                          <p:val>
+                                            <p:strVal val="#ppt_x"/>
+                                          </p:val>
+                                        </p:tav>
+                                        <p:tav tm="100000">
+                                          <p:val>
+                                            <p:strVal val="#ppt_x"/>
+                                          </p:val>
+                                        </p:tav>
+                                      </p:tavLst>
+                                    </p:anim>
+                                    <p:anim calcmode="lin" valueType="num">
+                                      <p:cBhvr additive="base">
+                                        <p:cTn id="14" dur="500" fill="hold"/>
+                                        <p:tgtEl>
+                                          <p:spTgt spid="3">
+                                            <p:txEl>
+                                              <p:pRg st="1" end="1"/>
+                                            </p:txEl>
+                                          </p:spTgt>
+                                        </p:tgtEl>
+                                        <p:attrNameLst>
+                                          <p:attrName>ppt_y</p:attrName>
+                                        </p:attrNameLst>
+                                      </p:cBhvr>
+                                      <p:tavLst>
+                                        <p:tav tm="0">
+                                          <p:val>
+                                            <p:strVal val="1+#ppt_h/2"/>
+                                          </p:val>
+                                        </p:tav>
+                                        <p:tav tm="100000">
+                                          <p:val>
+                                            <p:strVal val="#ppt_y"/>
+                                          </p:val>
+                                        </p:tav>
+                                      </p:tavLst>
+                                    </p:anim>
+                                  </p:childTnLst>
+                                </p:cTn>
+                              </p:par>
+                            </p:childTnLst>
+                          </p:cTn>
+                        </p:par>
+                      </p:childTnLst>
+                    </p:cTn>
+                  </p:par>
+                  <p:par>
+                    <p:cTn id="15" fill="hold">
+                      <p:stCondLst>
+                        <p:cond delay="indefinite"/>
+                      </p:stCondLst>
+                      <p:childTnLst>
+                        <p:par>
+                          <p:cTn id="16" fill="hold">
+                            <p:stCondLst>
+                              <p:cond delay="0"/>
+                            </p:stCondLst>
+                            <p:childTnLst>
+                              <p:par>
+                                <p:cTn id="17" presetID="2" presetClass="entr" presetSubtype="4" fill="hold" nodeType="clickEffect">
+                                  <p:stCondLst>
+                                    <p:cond delay="0"/>
+                                  </p:stCondLst>
+                                  <p:childTnLst>
+                                    <p:set>
+                                      <p:cBhvr>
+                                        <p:cTn id="18" dur="1" fill="hold">
+                                          <p:stCondLst>
+                                            <p:cond delay="0"/>
+                                          </p:stCondLst>
+                                        </p:cTn>
+                                        <p:tgtEl>
+                                          <p:spTgt spid="3">
+                                            <p:txEl>
+                                              <p:pRg st="2" end="2"/>
+                                            </p:txEl>
+                                          </p:spTgt>
+                                        </p:tgtEl>
+                                        <p:attrNameLst>
+                                          <p:attrName>style.visibility</p:attrName>
+                                        </p:attrNameLst>
+                                      </p:cBhvr>
+                                      <p:to>
+                                        <p:strVal val="visible"/>
+                                      </p:to>
+                                    </p:set>
+                                    <p:anim calcmode="lin" valueType="num">
+                                      <p:cBhvr additive="base">
+                                        <p:cTn id="19" dur="500" fill="hold"/>
+                                        <p:tgtEl>
+                                          <p:spTgt spid="3">
+                                            <p:txEl>
+                                              <p:pRg st="2" end="2"/>
+                                            </p:txEl>
+                                          </p:spTgt>
+                                        </p:tgtEl>
+                                        <p:attrNameLst>
+                                          <p:attrName>ppt_x</p:attrName>
+                                        </p:attrNameLst>
+                                      </p:cBhvr>
+                                      <p:tavLst>
+                                        <p:tav tm="0">
+                                          <p:val>
+                                            <p:strVal val="#ppt_x"/>
+                                          </p:val>
+                                        </p:tav>
+                                        <p:tav tm="100000">
+                                          <p:val>
+                                            <p:strVal val="#ppt_x"/>
+                                          </p:val>
+                                        </p:tav>
+                                      </p:tavLst>
+                                    </p:anim>
+                                    <p:anim calcmode="lin" valueType="num">
+                                      <p:cBhvr additive="base">
+                                        <p:cTn id="20" dur="500" fill="hold"/>
+                                        <p:tgtEl>
+                                          <p:spTgt spid="3">
+                                            <p:txEl>
+                                              <p:pRg st="2" end="2"/>
+                                            </p:txEl>
+                                          </p:spTgt>
+                                        </p:tgtEl>
+                                        <p:attrNameLst>
+                                          <p:attrName>ppt_y</p:attrName>
+                                        </p:attrNameLst>
+                                      </p:cBhvr>
+                                      <p:tavLst>
+                                        <p:tav tm="0">
+                                          <p:val>
+                                            <p:strVal val="1+#ppt_h/2"/>
+                                          </p:val>
+                                        </p:tav>
+                                        <p:tav tm="100000">
+                                          <p:val>
+                                            <p:strVal val="#ppt_y"/>
+                                          </p:val>
+                                        </p:tav>
+                                      </p:tavLst>
+                                    </p:anim>
+                                  </p:childTnLst>
+                                </p:cTn>
+                              </p:par>
+                            </p:childTnLst>
+                          </p:cTn>
+                        </p:par>
+                      </p:childTnLst>
+                    </p:cTn>
+                  </p:par>
+                  <p:par>
+                    <p:cTn id="21" fill="hold">
+                      <p:stCondLst>
+                        <p:cond delay="indefinite"/>
+                      </p:stCondLst>
+                      <p:childTnLst>
+                        <p:par>
+                          <p:cTn id="22" fill="hold">
+                            <p:stCondLst>
+                              <p:cond delay="0"/>
+                            </p:stCondLst>
+                            <p:childTnLst>
+                              <p:par>
+                                <p:cTn id="23" presetID="2" presetClass="entr" presetSubtype="4" fill="hold" nodeType="clickEffect">
+                                  <p:stCondLst>
+                                    <p:cond delay="0"/>
+                                  </p:stCondLst>
+                                  <p:childTnLst>
+                                    <p:set>
+                                      <p:cBhvr>
+                                        <p:cTn id="24" dur="1" fill="hold">
+                                          <p:stCondLst>
+                                            <p:cond delay="0"/>
+                                          </p:stCondLst>
+                                        </p:cTn>
+                                        <p:tgtEl>
+                                          <p:spTgt spid="3">
+                                            <p:txEl>
+                                              <p:pRg st="3" end="3"/>
+                                            </p:txEl>
+                                          </p:spTgt>
+                                        </p:tgtEl>
+                                        <p:attrNameLst>
+                                          <p:attrName>style.visibility</p:attrName>
+                                        </p:attrNameLst>
+                                      </p:cBhvr>
+                                      <p:to>
+                                        <p:strVal val="visible"/>
+                                      </p:to>
+                                    </p:set>
+                                    <p:anim calcmode="lin" valueType="num">
+                                      <p:cBhvr additive="base">
+                                        <p:cTn id="25" dur="500" fill="hold"/>
+                                        <p:tgtEl>
+                                          <p:spTgt spid="3">
+                                            <p:txEl>
+                                              <p:pRg st="3" end="3"/>
+                                            </p:txEl>
+                                          </p:spTgt>
+                                        </p:tgtEl>
+                                        <p:attrNameLst>
+                                          <p:attrName>ppt_x</p:attrName>
+                                        </p:attrNameLst>
+                                      </p:cBhvr>
+                                      <p:tavLst>
+                                        <p:tav tm="0">
+                                          <p:val>
+                                            <p:strVal val="#ppt_x"/>
+                                          </p:val>
+                                        </p:tav>
+                                        <p:tav tm="100000">
+                                          <p:val>
+                                            <p:strVal val="#ppt_x"/>
+                                          </p:val>
+                                        </p:tav>
+                                      </p:tavLst>
+                                    </p:anim>
+                                    <p:anim calcmode="lin" valueType="num">
+                                      <p:cBhvr additive="base">
+                                        <p:cTn id="26" dur="500" fill="hold"/>
+                                        <p:tgtEl>
+                                          <p:spTgt spid="3">
+                                            <p:txEl>
+                                              <p:pRg st="3" end="3"/>
+                                            </p:txEl>
+                                          </p:spTgt>
+                                        </p:tgtEl>
+                                        <p:attrNameLst>
+                                          <p:attrName>ppt_y</p:attrName>
+                                        </p:attrNameLst>
+                                      </p:cBhvr>
+                                      <p:tavLst>
+                                        <p:tav tm="0">
+                                          <p:val>
+                                            <p:strVal val="1+#ppt_h/2"/>
+                                          </p:val>
+                                        </p:tav>
+                                        <p:tav tm="100000">
+                                          <p:val>
+                                            <p:strVal val="#ppt_y"/>
+                                          </p:val>
+                                        </p:tav>
+                                      </p:tavLst>
+                                    </p:anim>
+                                  </p:childTnLst>
+                                </p:cTn>
+                              </p:par>
+                            </p:childTnLst>
+                          </p:cTn>
+                        </p:par>
+                      </p:childTnLst>
+                    </p:cTn>
+                  </p:par>
+                  <p:par>
+                    <p:cTn id="27" fill="hold">
+                      <p:stCondLst>
+                        <p:cond delay="indefinite"/>
+                      </p:stCondLst>
+                      <p:childTnLst>
+                        <p:par>
+                          <p:cTn id="28" fill="hold">
+                            <p:stCondLst>
+                              <p:cond delay="0"/>
+                            </p:stCondLst>
+                            <p:childTnLst>
+                              <p:par>
+                                <p:cTn id="29" presetID="2" presetClass="entr" presetSubtype="4" fill="hold" nodeType="clickEffect">
+                                  <p:stCondLst>
+                                    <p:cond delay="0"/>
+                                  </p:stCondLst>
+                                  <p:childTnLst>
+                                    <p:set>
+                                      <p:cBhvr>
+                                        <p:cTn id="30" dur="1" fill="hold">
+                                          <p:stCondLst>
+                                            <p:cond delay="0"/>
+                                          </p:stCondLst>
+                                        </p:cTn>
+                                        <p:tgtEl>
+                                          <p:spTgt spid="3">
+                                            <p:txEl>
+                                              <p:pRg st="4" end="4"/>
+                                            </p:txEl>
+                                          </p:spTgt>
+                                        </p:tgtEl>
+                                        <p:attrNameLst>
+                                          <p:attrName>style.visibility</p:attrName>
+                                        </p:attrNameLst>
+                                      </p:cBhvr>
+                                      <p:to>
+                                        <p:strVal val="visible"/>
+                                      </p:to>
+                                    </p:set>
+                                    <p:anim calcmode="lin" valueType="num">
+                                      <p:cBhvr additive="base">
+                                        <p:cTn id="31" dur="500" fill="hold"/>
+                                        <p:tgtEl>
+                                          <p:spTgt spid="3">
+                                            <p:txEl>
+                                              <p:pRg st="4" end="4"/>
+                                            </p:txEl>
+                                          </p:spTgt>
+                                        </p:tgtEl>
+                                        <p:attrNameLst>
+                                          <p:attrName>ppt_x</p:attrName>
+                                        </p:attrNameLst>
+                                      </p:cBhvr>
+                                      <p:tavLst>
+                                        <p:tav tm="0">
+                                          <p:val>
+                                            <p:strVal val="#ppt_x"/>
+                                          </p:val>
+                                        </p:tav>
+                                        <p:tav tm="100000">
+                                          <p:val>
+                                            <p:strVal val="#ppt_x"/>
+                                          </p:val>
+                                        </p:tav>
+                                      </p:tavLst>
+                                    </p:anim>
+                                    <p:anim calcmode="lin" valueType="num">
+                                      <p:cBhvr additive="base">
+                                        <p:cTn id="32" dur="500" fill="hold"/>
+                                        <p:tgtEl>
+                                          <p:spTgt spid="3">
+                                            <p:txEl>
+                                              <p:pRg st="4" end="4"/>
+                                            </p:txEl>
+                                          </p:spTgt>
+                                        </p:tgtEl>
+                                        <p:attrNameLst>
+                                          <p:attrName>ppt_y</p:attrName>
+                                        </p:attrNameLst>
+                                      </p:cBhvr>
+                                      <p:tavLst>
+                                        <p:tav tm="0">
+                                          <p:val>
+                                            <p:strVal val="1+#ppt_h/2"/>
+                                          </p:val>
+                                        </p:tav>
+                                        <p:tav tm="100000">
+                                          <p:val>
+                                            <p:strVal val="#ppt_y"/>
+                                          </p:val>
+                                        </p:tav>
+                                      </p:tavLst>
+                                    </p:anim>
+                                  </p:childTnLst>
+                                </p:cTn>
+                              </p:par>
+                            </p:childTnLst>
+                          </p:cTn>
+                        </p:par>
+                      </p:childTnLst>
+                    </p:cTn>
+                  </p:par>
+                </p:childTnLst>
+              </p:cTn>
+              <p:prevCondLst>
+                <p:cond evt="onPrev" delay="0">
+                  <p:tgtEl>
+                    <p:sldTgt/>
+                  </p:tgtEl>
+                </p:cond>
+              </p:prevCondLst>
+              <p:nextCondLst>
+                <p:cond evt="onNext" delay="0">
+                  <p:tgtEl>
+                    <p:sldTgt/>
+                  </p:tgtEl>
+                </p:cond>
+              </p:nextCondLst>
+            </p:seq>
+          </p:childTnLst>
+        </p:cTn>
+      </p:par>
+    </p:tnLst>
+  </p:timing>
 </p:sld>
 </file>
 
@@ -20801,6 +24685,551 @@
   <p:clrMapOvr>
     <a:masterClrMapping/>
   </p:clrMapOvr>
+  <p:timing>
+    <p:tnLst>
+      <p:par>
+        <p:cTn id="1" dur="indefinite" restart="never" nodeType="tmRoot">
+          <p:childTnLst>
+            <p:seq concurrent="1" nextAc="seek">
+              <p:cTn id="2" dur="indefinite" nodeType="mainSeq">
+                <p:childTnLst>
+                  <p:par>
+                    <p:cTn id="3" fill="hold">
+                      <p:stCondLst>
+                        <p:cond delay="indefinite"/>
+                      </p:stCondLst>
+                      <p:childTnLst>
+                        <p:par>
+                          <p:cTn id="4" fill="hold">
+                            <p:stCondLst>
+                              <p:cond delay="0"/>
+                            </p:stCondLst>
+                            <p:childTnLst>
+                              <p:par>
+                                <p:cTn id="5" presetID="2" presetClass="entr" presetSubtype="4" fill="hold" nodeType="clickEffect">
+                                  <p:stCondLst>
+                                    <p:cond delay="0"/>
+                                  </p:stCondLst>
+                                  <p:childTnLst>
+                                    <p:set>
+                                      <p:cBhvr>
+                                        <p:cTn id="6" dur="1" fill="hold">
+                                          <p:stCondLst>
+                                            <p:cond delay="0"/>
+                                          </p:stCondLst>
+                                        </p:cTn>
+                                        <p:tgtEl>
+                                          <p:spTgt spid="3">
+                                            <p:txEl>
+                                              <p:pRg st="0" end="0"/>
+                                            </p:txEl>
+                                          </p:spTgt>
+                                        </p:tgtEl>
+                                        <p:attrNameLst>
+                                          <p:attrName>style.visibility</p:attrName>
+                                        </p:attrNameLst>
+                                      </p:cBhvr>
+                                      <p:to>
+                                        <p:strVal val="visible"/>
+                                      </p:to>
+                                    </p:set>
+                                    <p:anim calcmode="lin" valueType="num">
+                                      <p:cBhvr additive="base">
+                                        <p:cTn id="7" dur="500" fill="hold"/>
+                                        <p:tgtEl>
+                                          <p:spTgt spid="3">
+                                            <p:txEl>
+                                              <p:pRg st="0" end="0"/>
+                                            </p:txEl>
+                                          </p:spTgt>
+                                        </p:tgtEl>
+                                        <p:attrNameLst>
+                                          <p:attrName>ppt_x</p:attrName>
+                                        </p:attrNameLst>
+                                      </p:cBhvr>
+                                      <p:tavLst>
+                                        <p:tav tm="0">
+                                          <p:val>
+                                            <p:strVal val="#ppt_x"/>
+                                          </p:val>
+                                        </p:tav>
+                                        <p:tav tm="100000">
+                                          <p:val>
+                                            <p:strVal val="#ppt_x"/>
+                                          </p:val>
+                                        </p:tav>
+                                      </p:tavLst>
+                                    </p:anim>
+                                    <p:anim calcmode="lin" valueType="num">
+                                      <p:cBhvr additive="base">
+                                        <p:cTn id="8" dur="500" fill="hold"/>
+                                        <p:tgtEl>
+                                          <p:spTgt spid="3">
+                                            <p:txEl>
+                                              <p:pRg st="0" end="0"/>
+                                            </p:txEl>
+                                          </p:spTgt>
+                                        </p:tgtEl>
+                                        <p:attrNameLst>
+                                          <p:attrName>ppt_y</p:attrName>
+                                        </p:attrNameLst>
+                                      </p:cBhvr>
+                                      <p:tavLst>
+                                        <p:tav tm="0">
+                                          <p:val>
+                                            <p:strVal val="1+#ppt_h/2"/>
+                                          </p:val>
+                                        </p:tav>
+                                        <p:tav tm="100000">
+                                          <p:val>
+                                            <p:strVal val="#ppt_y"/>
+                                          </p:val>
+                                        </p:tav>
+                                      </p:tavLst>
+                                    </p:anim>
+                                  </p:childTnLst>
+                                </p:cTn>
+                              </p:par>
+                            </p:childTnLst>
+                          </p:cTn>
+                        </p:par>
+                      </p:childTnLst>
+                    </p:cTn>
+                  </p:par>
+                  <p:par>
+                    <p:cTn id="9" fill="hold">
+                      <p:stCondLst>
+                        <p:cond delay="indefinite"/>
+                      </p:stCondLst>
+                      <p:childTnLst>
+                        <p:par>
+                          <p:cTn id="10" fill="hold">
+                            <p:stCondLst>
+                              <p:cond delay="0"/>
+                            </p:stCondLst>
+                            <p:childTnLst>
+                              <p:par>
+                                <p:cTn id="11" presetID="2" presetClass="entr" presetSubtype="4" fill="hold" nodeType="clickEffect">
+                                  <p:stCondLst>
+                                    <p:cond delay="0"/>
+                                  </p:stCondLst>
+                                  <p:childTnLst>
+                                    <p:set>
+                                      <p:cBhvr>
+                                        <p:cTn id="12" dur="1" fill="hold">
+                                          <p:stCondLst>
+                                            <p:cond delay="0"/>
+                                          </p:stCondLst>
+                                        </p:cTn>
+                                        <p:tgtEl>
+                                          <p:spTgt spid="3">
+                                            <p:txEl>
+                                              <p:pRg st="1" end="1"/>
+                                            </p:txEl>
+                                          </p:spTgt>
+                                        </p:tgtEl>
+                                        <p:attrNameLst>
+                                          <p:attrName>style.visibility</p:attrName>
+                                        </p:attrNameLst>
+                                      </p:cBhvr>
+                                      <p:to>
+                                        <p:strVal val="visible"/>
+                                      </p:to>
+                                    </p:set>
+                                    <p:anim calcmode="lin" valueType="num">
+                                      <p:cBhvr additive="base">
+                                        <p:cTn id="13" dur="500" fill="hold"/>
+                                        <p:tgtEl>
+                                          <p:spTgt spid="3">
+                                            <p:txEl>
+                                              <p:pRg st="1" end="1"/>
+                                            </p:txEl>
+                                          </p:spTgt>
+                                        </p:tgtEl>
+                                        <p:attrNameLst>
+                                          <p:attrName>ppt_x</p:attrName>
+                                        </p:attrNameLst>
+                                      </p:cBhvr>
+                                      <p:tavLst>
+                                        <p:tav tm="0">
+                                          <p:val>
+                                            <p:strVal val="#ppt_x"/>
+                                          </p:val>
+                                        </p:tav>
+                                        <p:tav tm="100000">
+                                          <p:val>
+                                            <p:strVal val="#ppt_x"/>
+                                          </p:val>
+                                        </p:tav>
+                                      </p:tavLst>
+                                    </p:anim>
+                                    <p:anim calcmode="lin" valueType="num">
+                                      <p:cBhvr additive="base">
+                                        <p:cTn id="14" dur="500" fill="hold"/>
+                                        <p:tgtEl>
+                                          <p:spTgt spid="3">
+                                            <p:txEl>
+                                              <p:pRg st="1" end="1"/>
+                                            </p:txEl>
+                                          </p:spTgt>
+                                        </p:tgtEl>
+                                        <p:attrNameLst>
+                                          <p:attrName>ppt_y</p:attrName>
+                                        </p:attrNameLst>
+                                      </p:cBhvr>
+                                      <p:tavLst>
+                                        <p:tav tm="0">
+                                          <p:val>
+                                            <p:strVal val="1+#ppt_h/2"/>
+                                          </p:val>
+                                        </p:tav>
+                                        <p:tav tm="100000">
+                                          <p:val>
+                                            <p:strVal val="#ppt_y"/>
+                                          </p:val>
+                                        </p:tav>
+                                      </p:tavLst>
+                                    </p:anim>
+                                  </p:childTnLst>
+                                </p:cTn>
+                              </p:par>
+                            </p:childTnLst>
+                          </p:cTn>
+                        </p:par>
+                      </p:childTnLst>
+                    </p:cTn>
+                  </p:par>
+                  <p:par>
+                    <p:cTn id="15" fill="hold">
+                      <p:stCondLst>
+                        <p:cond delay="indefinite"/>
+                      </p:stCondLst>
+                      <p:childTnLst>
+                        <p:par>
+                          <p:cTn id="16" fill="hold">
+                            <p:stCondLst>
+                              <p:cond delay="0"/>
+                            </p:stCondLst>
+                            <p:childTnLst>
+                              <p:par>
+                                <p:cTn id="17" presetID="2" presetClass="entr" presetSubtype="4" fill="hold" nodeType="clickEffect">
+                                  <p:stCondLst>
+                                    <p:cond delay="0"/>
+                                  </p:stCondLst>
+                                  <p:childTnLst>
+                                    <p:set>
+                                      <p:cBhvr>
+                                        <p:cTn id="18" dur="1" fill="hold">
+                                          <p:stCondLst>
+                                            <p:cond delay="0"/>
+                                          </p:stCondLst>
+                                        </p:cTn>
+                                        <p:tgtEl>
+                                          <p:spTgt spid="3">
+                                            <p:txEl>
+                                              <p:pRg st="2" end="2"/>
+                                            </p:txEl>
+                                          </p:spTgt>
+                                        </p:tgtEl>
+                                        <p:attrNameLst>
+                                          <p:attrName>style.visibility</p:attrName>
+                                        </p:attrNameLst>
+                                      </p:cBhvr>
+                                      <p:to>
+                                        <p:strVal val="visible"/>
+                                      </p:to>
+                                    </p:set>
+                                    <p:anim calcmode="lin" valueType="num">
+                                      <p:cBhvr additive="base">
+                                        <p:cTn id="19" dur="500" fill="hold"/>
+                                        <p:tgtEl>
+                                          <p:spTgt spid="3">
+                                            <p:txEl>
+                                              <p:pRg st="2" end="2"/>
+                                            </p:txEl>
+                                          </p:spTgt>
+                                        </p:tgtEl>
+                                        <p:attrNameLst>
+                                          <p:attrName>ppt_x</p:attrName>
+                                        </p:attrNameLst>
+                                      </p:cBhvr>
+                                      <p:tavLst>
+                                        <p:tav tm="0">
+                                          <p:val>
+                                            <p:strVal val="#ppt_x"/>
+                                          </p:val>
+                                        </p:tav>
+                                        <p:tav tm="100000">
+                                          <p:val>
+                                            <p:strVal val="#ppt_x"/>
+                                          </p:val>
+                                        </p:tav>
+                                      </p:tavLst>
+                                    </p:anim>
+                                    <p:anim calcmode="lin" valueType="num">
+                                      <p:cBhvr additive="base">
+                                        <p:cTn id="20" dur="500" fill="hold"/>
+                                        <p:tgtEl>
+                                          <p:spTgt spid="3">
+                                            <p:txEl>
+                                              <p:pRg st="2" end="2"/>
+                                            </p:txEl>
+                                          </p:spTgt>
+                                        </p:tgtEl>
+                                        <p:attrNameLst>
+                                          <p:attrName>ppt_y</p:attrName>
+                                        </p:attrNameLst>
+                                      </p:cBhvr>
+                                      <p:tavLst>
+                                        <p:tav tm="0">
+                                          <p:val>
+                                            <p:strVal val="1+#ppt_h/2"/>
+                                          </p:val>
+                                        </p:tav>
+                                        <p:tav tm="100000">
+                                          <p:val>
+                                            <p:strVal val="#ppt_y"/>
+                                          </p:val>
+                                        </p:tav>
+                                      </p:tavLst>
+                                    </p:anim>
+                                  </p:childTnLst>
+                                </p:cTn>
+                              </p:par>
+                            </p:childTnLst>
+                          </p:cTn>
+                        </p:par>
+                      </p:childTnLst>
+                    </p:cTn>
+                  </p:par>
+                  <p:par>
+                    <p:cTn id="21" fill="hold">
+                      <p:stCondLst>
+                        <p:cond delay="indefinite"/>
+                      </p:stCondLst>
+                      <p:childTnLst>
+                        <p:par>
+                          <p:cTn id="22" fill="hold">
+                            <p:stCondLst>
+                              <p:cond delay="0"/>
+                            </p:stCondLst>
+                            <p:childTnLst>
+                              <p:par>
+                                <p:cTn id="23" presetID="2" presetClass="entr" presetSubtype="4" fill="hold" nodeType="clickEffect">
+                                  <p:stCondLst>
+                                    <p:cond delay="0"/>
+                                  </p:stCondLst>
+                                  <p:childTnLst>
+                                    <p:set>
+                                      <p:cBhvr>
+                                        <p:cTn id="24" dur="1" fill="hold">
+                                          <p:stCondLst>
+                                            <p:cond delay="0"/>
+                                          </p:stCondLst>
+                                        </p:cTn>
+                                        <p:tgtEl>
+                                          <p:spTgt spid="3">
+                                            <p:txEl>
+                                              <p:pRg st="3" end="3"/>
+                                            </p:txEl>
+                                          </p:spTgt>
+                                        </p:tgtEl>
+                                        <p:attrNameLst>
+                                          <p:attrName>style.visibility</p:attrName>
+                                        </p:attrNameLst>
+                                      </p:cBhvr>
+                                      <p:to>
+                                        <p:strVal val="visible"/>
+                                      </p:to>
+                                    </p:set>
+                                    <p:anim calcmode="lin" valueType="num">
+                                      <p:cBhvr additive="base">
+                                        <p:cTn id="25" dur="500" fill="hold"/>
+                                        <p:tgtEl>
+                                          <p:spTgt spid="3">
+                                            <p:txEl>
+                                              <p:pRg st="3" end="3"/>
+                                            </p:txEl>
+                                          </p:spTgt>
+                                        </p:tgtEl>
+                                        <p:attrNameLst>
+                                          <p:attrName>ppt_x</p:attrName>
+                                        </p:attrNameLst>
+                                      </p:cBhvr>
+                                      <p:tavLst>
+                                        <p:tav tm="0">
+                                          <p:val>
+                                            <p:strVal val="#ppt_x"/>
+                                          </p:val>
+                                        </p:tav>
+                                        <p:tav tm="100000">
+                                          <p:val>
+                                            <p:strVal val="#ppt_x"/>
+                                          </p:val>
+                                        </p:tav>
+                                      </p:tavLst>
+                                    </p:anim>
+                                    <p:anim calcmode="lin" valueType="num">
+                                      <p:cBhvr additive="base">
+                                        <p:cTn id="26" dur="500" fill="hold"/>
+                                        <p:tgtEl>
+                                          <p:spTgt spid="3">
+                                            <p:txEl>
+                                              <p:pRg st="3" end="3"/>
+                                            </p:txEl>
+                                          </p:spTgt>
+                                        </p:tgtEl>
+                                        <p:attrNameLst>
+                                          <p:attrName>ppt_y</p:attrName>
+                                        </p:attrNameLst>
+                                      </p:cBhvr>
+                                      <p:tavLst>
+                                        <p:tav tm="0">
+                                          <p:val>
+                                            <p:strVal val="1+#ppt_h/2"/>
+                                          </p:val>
+                                        </p:tav>
+                                        <p:tav tm="100000">
+                                          <p:val>
+                                            <p:strVal val="#ppt_y"/>
+                                          </p:val>
+                                        </p:tav>
+                                      </p:tavLst>
+                                    </p:anim>
+                                  </p:childTnLst>
+                                </p:cTn>
+                              </p:par>
+                            </p:childTnLst>
+                          </p:cTn>
+                        </p:par>
+                      </p:childTnLst>
+                    </p:cTn>
+                  </p:par>
+                  <p:par>
+                    <p:cTn id="27" fill="hold">
+                      <p:stCondLst>
+                        <p:cond delay="indefinite"/>
+                      </p:stCondLst>
+                      <p:childTnLst>
+                        <p:par>
+                          <p:cTn id="28" fill="hold">
+                            <p:stCondLst>
+                              <p:cond delay="0"/>
+                            </p:stCondLst>
+                            <p:childTnLst>
+                              <p:par>
+                                <p:cTn id="29" presetID="2" presetClass="entr" presetSubtype="4" fill="hold" nodeType="clickEffect">
+                                  <p:stCondLst>
+                                    <p:cond delay="0"/>
+                                  </p:stCondLst>
+                                  <p:childTnLst>
+                                    <p:set>
+                                      <p:cBhvr>
+                                        <p:cTn id="30" dur="1" fill="hold">
+                                          <p:stCondLst>
+                                            <p:cond delay="0"/>
+                                          </p:stCondLst>
+                                        </p:cTn>
+                                        <p:tgtEl>
+                                          <p:spTgt spid="3">
+                                            <p:txEl>
+                                              <p:pRg st="4" end="4"/>
+                                            </p:txEl>
+                                          </p:spTgt>
+                                        </p:tgtEl>
+                                        <p:attrNameLst>
+                                          <p:attrName>style.visibility</p:attrName>
+                                        </p:attrNameLst>
+                                      </p:cBhvr>
+                                      <p:to>
+                                        <p:strVal val="visible"/>
+                                      </p:to>
+                                    </p:set>
+                                    <p:anim calcmode="lin" valueType="num">
+                                      <p:cBhvr additive="base">
+                                        <p:cTn id="31" dur="500" fill="hold"/>
+                                        <p:tgtEl>
+                                          <p:spTgt spid="3">
+                                            <p:txEl>
+                                              <p:pRg st="4" end="4"/>
+                                            </p:txEl>
+                                          </p:spTgt>
+                                        </p:tgtEl>
+                                        <p:attrNameLst>
+                                          <p:attrName>ppt_x</p:attrName>
+                                        </p:attrNameLst>
+                                      </p:cBhvr>
+                                      <p:tavLst>
+                                        <p:tav tm="0">
+                                          <p:val>
+                                            <p:strVal val="#ppt_x"/>
+                                          </p:val>
+                                        </p:tav>
+                                        <p:tav tm="100000">
+                                          <p:val>
+                                            <p:strVal val="#ppt_x"/>
+                                          </p:val>
+                                        </p:tav>
+                                      </p:tavLst>
+                                    </p:anim>
+                                    <p:anim calcmode="lin" valueType="num">
+                                      <p:cBhvr additive="base">
+                                        <p:cTn id="32" dur="500" fill="hold"/>
+                                        <p:tgtEl>
+                                          <p:spTgt spid="3">
+                                            <p:txEl>
+                                              <p:pRg st="4" end="4"/>
+                                            </p:txEl>
+                                          </p:spTgt>
+                                        </p:tgtEl>
+                                        <p:attrNameLst>
+                                          <p:attrName>ppt_y</p:attrName>
+                                        </p:attrNameLst>
+                                      </p:cBhvr>
+                                      <p:tavLst>
+                                        <p:tav tm="0">
+                                          <p:val>
+                                            <p:strVal val="1+#ppt_h/2"/>
+                                          </p:val>
+                                        </p:tav>
+                                        <p:tav tm="100000">
+                                          <p:val>
+                                            <p:strVal val="#ppt_y"/>
+                                          </p:val>
+                                        </p:tav>
+                                      </p:tavLst>
+                                    </p:anim>
+                                  </p:childTnLst>
+                                </p:cTn>
+                              </p:par>
+                            </p:childTnLst>
+                          </p:cTn>
+                        </p:par>
+                      </p:childTnLst>
+                    </p:cTn>
+                  </p:par>
+                </p:childTnLst>
+              </p:cTn>
+              <p:prevCondLst>
+                <p:cond evt="onPrev" delay="0">
+                  <p:tgtEl>
+                    <p:sldTgt/>
+                  </p:tgtEl>
+                </p:cond>
+              </p:prevCondLst>
+              <p:nextCondLst>
+                <p:cond evt="onNext" delay="0">
+                  <p:tgtEl>
+                    <p:sldTgt/>
+                  </p:tgtEl>
+                </p:cond>
+              </p:nextCondLst>
+            </p:seq>
+          </p:childTnLst>
+        </p:cTn>
+      </p:par>
+    </p:tnLst>
+  </p:timing>
 </p:sld>
 </file>
 
@@ -20894,13 +25323,8 @@
           <a:p>
             <a:r>
               <a:rPr lang="en-US" b="0" dirty="0"/>
-              <a:t>Many version of UNIFAC exist </a:t>
+              <a:t>Many version of UNIFAC exist in literature and need to be used carefully.</a:t>
             </a:r>
-            <a:r>
-              <a:rPr lang="en-US" b="0"/>
-              <a:t>in literature and need to be used carefully.</a:t>
-            </a:r>
-            <a:endParaRPr lang="en-US" b="0" dirty="0"/>
           </a:p>
         </p:txBody>
       </p:sp>
@@ -20978,6 +25402,345 @@
   <p:clrMapOvr>
     <a:masterClrMapping/>
   </p:clrMapOvr>
+  <p:timing>
+    <p:tnLst>
+      <p:par>
+        <p:cTn id="1" dur="indefinite" restart="never" nodeType="tmRoot">
+          <p:childTnLst>
+            <p:seq concurrent="1" nextAc="seek">
+              <p:cTn id="2" dur="indefinite" nodeType="mainSeq">
+                <p:childTnLst>
+                  <p:par>
+                    <p:cTn id="3" fill="hold">
+                      <p:stCondLst>
+                        <p:cond delay="indefinite"/>
+                      </p:stCondLst>
+                      <p:childTnLst>
+                        <p:par>
+                          <p:cTn id="4" fill="hold">
+                            <p:stCondLst>
+                              <p:cond delay="0"/>
+                            </p:stCondLst>
+                            <p:childTnLst>
+                              <p:par>
+                                <p:cTn id="5" presetID="2" presetClass="entr" presetSubtype="4" fill="hold" nodeType="clickEffect">
+                                  <p:stCondLst>
+                                    <p:cond delay="0"/>
+                                  </p:stCondLst>
+                                  <p:childTnLst>
+                                    <p:set>
+                                      <p:cBhvr>
+                                        <p:cTn id="6" dur="1" fill="hold">
+                                          <p:stCondLst>
+                                            <p:cond delay="0"/>
+                                          </p:stCondLst>
+                                        </p:cTn>
+                                        <p:tgtEl>
+                                          <p:spTgt spid="3">
+                                            <p:txEl>
+                                              <p:pRg st="0" end="0"/>
+                                            </p:txEl>
+                                          </p:spTgt>
+                                        </p:tgtEl>
+                                        <p:attrNameLst>
+                                          <p:attrName>style.visibility</p:attrName>
+                                        </p:attrNameLst>
+                                      </p:cBhvr>
+                                      <p:to>
+                                        <p:strVal val="visible"/>
+                                      </p:to>
+                                    </p:set>
+                                    <p:anim calcmode="lin" valueType="num">
+                                      <p:cBhvr additive="base">
+                                        <p:cTn id="7" dur="500" fill="hold"/>
+                                        <p:tgtEl>
+                                          <p:spTgt spid="3">
+                                            <p:txEl>
+                                              <p:pRg st="0" end="0"/>
+                                            </p:txEl>
+                                          </p:spTgt>
+                                        </p:tgtEl>
+                                        <p:attrNameLst>
+                                          <p:attrName>ppt_x</p:attrName>
+                                        </p:attrNameLst>
+                                      </p:cBhvr>
+                                      <p:tavLst>
+                                        <p:tav tm="0">
+                                          <p:val>
+                                            <p:strVal val="#ppt_x"/>
+                                          </p:val>
+                                        </p:tav>
+                                        <p:tav tm="100000">
+                                          <p:val>
+                                            <p:strVal val="#ppt_x"/>
+                                          </p:val>
+                                        </p:tav>
+                                      </p:tavLst>
+                                    </p:anim>
+                                    <p:anim calcmode="lin" valueType="num">
+                                      <p:cBhvr additive="base">
+                                        <p:cTn id="8" dur="500" fill="hold"/>
+                                        <p:tgtEl>
+                                          <p:spTgt spid="3">
+                                            <p:txEl>
+                                              <p:pRg st="0" end="0"/>
+                                            </p:txEl>
+                                          </p:spTgt>
+                                        </p:tgtEl>
+                                        <p:attrNameLst>
+                                          <p:attrName>ppt_y</p:attrName>
+                                        </p:attrNameLst>
+                                      </p:cBhvr>
+                                      <p:tavLst>
+                                        <p:tav tm="0">
+                                          <p:val>
+                                            <p:strVal val="1+#ppt_h/2"/>
+                                          </p:val>
+                                        </p:tav>
+                                        <p:tav tm="100000">
+                                          <p:val>
+                                            <p:strVal val="#ppt_y"/>
+                                          </p:val>
+                                        </p:tav>
+                                      </p:tavLst>
+                                    </p:anim>
+                                  </p:childTnLst>
+                                </p:cTn>
+                              </p:par>
+                            </p:childTnLst>
+                          </p:cTn>
+                        </p:par>
+                      </p:childTnLst>
+                    </p:cTn>
+                  </p:par>
+                  <p:par>
+                    <p:cTn id="9" fill="hold">
+                      <p:stCondLst>
+                        <p:cond delay="indefinite"/>
+                      </p:stCondLst>
+                      <p:childTnLst>
+                        <p:par>
+                          <p:cTn id="10" fill="hold">
+                            <p:stCondLst>
+                              <p:cond delay="0"/>
+                            </p:stCondLst>
+                            <p:childTnLst>
+                              <p:par>
+                                <p:cTn id="11" presetID="2" presetClass="entr" presetSubtype="4" fill="hold" nodeType="clickEffect">
+                                  <p:stCondLst>
+                                    <p:cond delay="0"/>
+                                  </p:stCondLst>
+                                  <p:childTnLst>
+                                    <p:set>
+                                      <p:cBhvr>
+                                        <p:cTn id="12" dur="1" fill="hold">
+                                          <p:stCondLst>
+                                            <p:cond delay="0"/>
+                                          </p:stCondLst>
+                                        </p:cTn>
+                                        <p:tgtEl>
+                                          <p:spTgt spid="3">
+                                            <p:txEl>
+                                              <p:pRg st="1" end="1"/>
+                                            </p:txEl>
+                                          </p:spTgt>
+                                        </p:tgtEl>
+                                        <p:attrNameLst>
+                                          <p:attrName>style.visibility</p:attrName>
+                                        </p:attrNameLst>
+                                      </p:cBhvr>
+                                      <p:to>
+                                        <p:strVal val="visible"/>
+                                      </p:to>
+                                    </p:set>
+                                    <p:anim calcmode="lin" valueType="num">
+                                      <p:cBhvr additive="base">
+                                        <p:cTn id="13" dur="500" fill="hold"/>
+                                        <p:tgtEl>
+                                          <p:spTgt spid="3">
+                                            <p:txEl>
+                                              <p:pRg st="1" end="1"/>
+                                            </p:txEl>
+                                          </p:spTgt>
+                                        </p:tgtEl>
+                                        <p:attrNameLst>
+                                          <p:attrName>ppt_x</p:attrName>
+                                        </p:attrNameLst>
+                                      </p:cBhvr>
+                                      <p:tavLst>
+                                        <p:tav tm="0">
+                                          <p:val>
+                                            <p:strVal val="#ppt_x"/>
+                                          </p:val>
+                                        </p:tav>
+                                        <p:tav tm="100000">
+                                          <p:val>
+                                            <p:strVal val="#ppt_x"/>
+                                          </p:val>
+                                        </p:tav>
+                                      </p:tavLst>
+                                    </p:anim>
+                                    <p:anim calcmode="lin" valueType="num">
+                                      <p:cBhvr additive="base">
+                                        <p:cTn id="14" dur="500" fill="hold"/>
+                                        <p:tgtEl>
+                                          <p:spTgt spid="3">
+                                            <p:txEl>
+                                              <p:pRg st="1" end="1"/>
+                                            </p:txEl>
+                                          </p:spTgt>
+                                        </p:tgtEl>
+                                        <p:attrNameLst>
+                                          <p:attrName>ppt_y</p:attrName>
+                                        </p:attrNameLst>
+                                      </p:cBhvr>
+                                      <p:tavLst>
+                                        <p:tav tm="0">
+                                          <p:val>
+                                            <p:strVal val="1+#ppt_h/2"/>
+                                          </p:val>
+                                        </p:tav>
+                                        <p:tav tm="100000">
+                                          <p:val>
+                                            <p:strVal val="#ppt_y"/>
+                                          </p:val>
+                                        </p:tav>
+                                      </p:tavLst>
+                                    </p:anim>
+                                  </p:childTnLst>
+                                </p:cTn>
+                              </p:par>
+                            </p:childTnLst>
+                          </p:cTn>
+                        </p:par>
+                      </p:childTnLst>
+                    </p:cTn>
+                  </p:par>
+                  <p:par>
+                    <p:cTn id="15" fill="hold">
+                      <p:stCondLst>
+                        <p:cond delay="indefinite"/>
+                      </p:stCondLst>
+                      <p:childTnLst>
+                        <p:par>
+                          <p:cTn id="16" fill="hold">
+                            <p:stCondLst>
+                              <p:cond delay="0"/>
+                            </p:stCondLst>
+                            <p:childTnLst>
+                              <p:par>
+                                <p:cTn id="17" presetID="2" presetClass="entr" presetSubtype="4" fill="hold" nodeType="clickEffect">
+                                  <p:stCondLst>
+                                    <p:cond delay="0"/>
+                                  </p:stCondLst>
+                                  <p:childTnLst>
+                                    <p:set>
+                                      <p:cBhvr>
+                                        <p:cTn id="18" dur="1" fill="hold">
+                                          <p:stCondLst>
+                                            <p:cond delay="0"/>
+                                          </p:stCondLst>
+                                        </p:cTn>
+                                        <p:tgtEl>
+                                          <p:spTgt spid="3">
+                                            <p:txEl>
+                                              <p:pRg st="2" end="2"/>
+                                            </p:txEl>
+                                          </p:spTgt>
+                                        </p:tgtEl>
+                                        <p:attrNameLst>
+                                          <p:attrName>style.visibility</p:attrName>
+                                        </p:attrNameLst>
+                                      </p:cBhvr>
+                                      <p:to>
+                                        <p:strVal val="visible"/>
+                                      </p:to>
+                                    </p:set>
+                                    <p:anim calcmode="lin" valueType="num">
+                                      <p:cBhvr additive="base">
+                                        <p:cTn id="19" dur="500" fill="hold"/>
+                                        <p:tgtEl>
+                                          <p:spTgt spid="3">
+                                            <p:txEl>
+                                              <p:pRg st="2" end="2"/>
+                                            </p:txEl>
+                                          </p:spTgt>
+                                        </p:tgtEl>
+                                        <p:attrNameLst>
+                                          <p:attrName>ppt_x</p:attrName>
+                                        </p:attrNameLst>
+                                      </p:cBhvr>
+                                      <p:tavLst>
+                                        <p:tav tm="0">
+                                          <p:val>
+                                            <p:strVal val="#ppt_x"/>
+                                          </p:val>
+                                        </p:tav>
+                                        <p:tav tm="100000">
+                                          <p:val>
+                                            <p:strVal val="#ppt_x"/>
+                                          </p:val>
+                                        </p:tav>
+                                      </p:tavLst>
+                                    </p:anim>
+                                    <p:anim calcmode="lin" valueType="num">
+                                      <p:cBhvr additive="base">
+                                        <p:cTn id="20" dur="500" fill="hold"/>
+                                        <p:tgtEl>
+                                          <p:spTgt spid="3">
+                                            <p:txEl>
+                                              <p:pRg st="2" end="2"/>
+                                            </p:txEl>
+                                          </p:spTgt>
+                                        </p:tgtEl>
+                                        <p:attrNameLst>
+                                          <p:attrName>ppt_y</p:attrName>
+                                        </p:attrNameLst>
+                                      </p:cBhvr>
+                                      <p:tavLst>
+                                        <p:tav tm="0">
+                                          <p:val>
+                                            <p:strVal val="1+#ppt_h/2"/>
+                                          </p:val>
+                                        </p:tav>
+                                        <p:tav tm="100000">
+                                          <p:val>
+                                            <p:strVal val="#ppt_y"/>
+                                          </p:val>
+                                        </p:tav>
+                                      </p:tavLst>
+                                    </p:anim>
+                                  </p:childTnLst>
+                                </p:cTn>
+                              </p:par>
+                            </p:childTnLst>
+                          </p:cTn>
+                        </p:par>
+                      </p:childTnLst>
+                    </p:cTn>
+                  </p:par>
+                </p:childTnLst>
+              </p:cTn>
+              <p:prevCondLst>
+                <p:cond evt="onPrev" delay="0">
+                  <p:tgtEl>
+                    <p:sldTgt/>
+                  </p:tgtEl>
+                </p:cond>
+              </p:prevCondLst>
+              <p:nextCondLst>
+                <p:cond evt="onNext" delay="0">
+                  <p:tgtEl>
+                    <p:sldTgt/>
+                  </p:tgtEl>
+                </p:cond>
+              </p:nextCondLst>
+            </p:seq>
+          </p:childTnLst>
+        </p:cTn>
+      </p:par>
+    </p:tnLst>
+  </p:timing>
 </p:sld>
 </file>
 
@@ -23315,6 +28078,345 @@
   <p:clrMapOvr>
     <a:masterClrMapping/>
   </p:clrMapOvr>
+  <p:timing>
+    <p:tnLst>
+      <p:par>
+        <p:cTn id="1" dur="indefinite" restart="never" nodeType="tmRoot">
+          <p:childTnLst>
+            <p:seq concurrent="1" nextAc="seek">
+              <p:cTn id="2" dur="indefinite" nodeType="mainSeq">
+                <p:childTnLst>
+                  <p:par>
+                    <p:cTn id="3" fill="hold">
+                      <p:stCondLst>
+                        <p:cond delay="indefinite"/>
+                      </p:stCondLst>
+                      <p:childTnLst>
+                        <p:par>
+                          <p:cTn id="4" fill="hold">
+                            <p:stCondLst>
+                              <p:cond delay="0"/>
+                            </p:stCondLst>
+                            <p:childTnLst>
+                              <p:par>
+                                <p:cTn id="5" presetID="2" presetClass="entr" presetSubtype="4" fill="hold" nodeType="clickEffect">
+                                  <p:stCondLst>
+                                    <p:cond delay="0"/>
+                                  </p:stCondLst>
+                                  <p:childTnLst>
+                                    <p:set>
+                                      <p:cBhvr>
+                                        <p:cTn id="6" dur="1" fill="hold">
+                                          <p:stCondLst>
+                                            <p:cond delay="0"/>
+                                          </p:stCondLst>
+                                        </p:cTn>
+                                        <p:tgtEl>
+                                          <p:spTgt spid="3">
+                                            <p:txEl>
+                                              <p:pRg st="0" end="0"/>
+                                            </p:txEl>
+                                          </p:spTgt>
+                                        </p:tgtEl>
+                                        <p:attrNameLst>
+                                          <p:attrName>style.visibility</p:attrName>
+                                        </p:attrNameLst>
+                                      </p:cBhvr>
+                                      <p:to>
+                                        <p:strVal val="visible"/>
+                                      </p:to>
+                                    </p:set>
+                                    <p:anim calcmode="lin" valueType="num">
+                                      <p:cBhvr additive="base">
+                                        <p:cTn id="7" dur="500" fill="hold"/>
+                                        <p:tgtEl>
+                                          <p:spTgt spid="3">
+                                            <p:txEl>
+                                              <p:pRg st="0" end="0"/>
+                                            </p:txEl>
+                                          </p:spTgt>
+                                        </p:tgtEl>
+                                        <p:attrNameLst>
+                                          <p:attrName>ppt_x</p:attrName>
+                                        </p:attrNameLst>
+                                      </p:cBhvr>
+                                      <p:tavLst>
+                                        <p:tav tm="0">
+                                          <p:val>
+                                            <p:strVal val="#ppt_x"/>
+                                          </p:val>
+                                        </p:tav>
+                                        <p:tav tm="100000">
+                                          <p:val>
+                                            <p:strVal val="#ppt_x"/>
+                                          </p:val>
+                                        </p:tav>
+                                      </p:tavLst>
+                                    </p:anim>
+                                    <p:anim calcmode="lin" valueType="num">
+                                      <p:cBhvr additive="base">
+                                        <p:cTn id="8" dur="500" fill="hold"/>
+                                        <p:tgtEl>
+                                          <p:spTgt spid="3">
+                                            <p:txEl>
+                                              <p:pRg st="0" end="0"/>
+                                            </p:txEl>
+                                          </p:spTgt>
+                                        </p:tgtEl>
+                                        <p:attrNameLst>
+                                          <p:attrName>ppt_y</p:attrName>
+                                        </p:attrNameLst>
+                                      </p:cBhvr>
+                                      <p:tavLst>
+                                        <p:tav tm="0">
+                                          <p:val>
+                                            <p:strVal val="1+#ppt_h/2"/>
+                                          </p:val>
+                                        </p:tav>
+                                        <p:tav tm="100000">
+                                          <p:val>
+                                            <p:strVal val="#ppt_y"/>
+                                          </p:val>
+                                        </p:tav>
+                                      </p:tavLst>
+                                    </p:anim>
+                                  </p:childTnLst>
+                                </p:cTn>
+                              </p:par>
+                            </p:childTnLst>
+                          </p:cTn>
+                        </p:par>
+                      </p:childTnLst>
+                    </p:cTn>
+                  </p:par>
+                  <p:par>
+                    <p:cTn id="9" fill="hold">
+                      <p:stCondLst>
+                        <p:cond delay="indefinite"/>
+                      </p:stCondLst>
+                      <p:childTnLst>
+                        <p:par>
+                          <p:cTn id="10" fill="hold">
+                            <p:stCondLst>
+                              <p:cond delay="0"/>
+                            </p:stCondLst>
+                            <p:childTnLst>
+                              <p:par>
+                                <p:cTn id="11" presetID="2" presetClass="entr" presetSubtype="4" fill="hold" nodeType="clickEffect">
+                                  <p:stCondLst>
+                                    <p:cond delay="0"/>
+                                  </p:stCondLst>
+                                  <p:childTnLst>
+                                    <p:set>
+                                      <p:cBhvr>
+                                        <p:cTn id="12" dur="1" fill="hold">
+                                          <p:stCondLst>
+                                            <p:cond delay="0"/>
+                                          </p:stCondLst>
+                                        </p:cTn>
+                                        <p:tgtEl>
+                                          <p:spTgt spid="3">
+                                            <p:txEl>
+                                              <p:pRg st="1" end="1"/>
+                                            </p:txEl>
+                                          </p:spTgt>
+                                        </p:tgtEl>
+                                        <p:attrNameLst>
+                                          <p:attrName>style.visibility</p:attrName>
+                                        </p:attrNameLst>
+                                      </p:cBhvr>
+                                      <p:to>
+                                        <p:strVal val="visible"/>
+                                      </p:to>
+                                    </p:set>
+                                    <p:anim calcmode="lin" valueType="num">
+                                      <p:cBhvr additive="base">
+                                        <p:cTn id="13" dur="500" fill="hold"/>
+                                        <p:tgtEl>
+                                          <p:spTgt spid="3">
+                                            <p:txEl>
+                                              <p:pRg st="1" end="1"/>
+                                            </p:txEl>
+                                          </p:spTgt>
+                                        </p:tgtEl>
+                                        <p:attrNameLst>
+                                          <p:attrName>ppt_x</p:attrName>
+                                        </p:attrNameLst>
+                                      </p:cBhvr>
+                                      <p:tavLst>
+                                        <p:tav tm="0">
+                                          <p:val>
+                                            <p:strVal val="#ppt_x"/>
+                                          </p:val>
+                                        </p:tav>
+                                        <p:tav tm="100000">
+                                          <p:val>
+                                            <p:strVal val="#ppt_x"/>
+                                          </p:val>
+                                        </p:tav>
+                                      </p:tavLst>
+                                    </p:anim>
+                                    <p:anim calcmode="lin" valueType="num">
+                                      <p:cBhvr additive="base">
+                                        <p:cTn id="14" dur="500" fill="hold"/>
+                                        <p:tgtEl>
+                                          <p:spTgt spid="3">
+                                            <p:txEl>
+                                              <p:pRg st="1" end="1"/>
+                                            </p:txEl>
+                                          </p:spTgt>
+                                        </p:tgtEl>
+                                        <p:attrNameLst>
+                                          <p:attrName>ppt_y</p:attrName>
+                                        </p:attrNameLst>
+                                      </p:cBhvr>
+                                      <p:tavLst>
+                                        <p:tav tm="0">
+                                          <p:val>
+                                            <p:strVal val="1+#ppt_h/2"/>
+                                          </p:val>
+                                        </p:tav>
+                                        <p:tav tm="100000">
+                                          <p:val>
+                                            <p:strVal val="#ppt_y"/>
+                                          </p:val>
+                                        </p:tav>
+                                      </p:tavLst>
+                                    </p:anim>
+                                  </p:childTnLst>
+                                </p:cTn>
+                              </p:par>
+                            </p:childTnLst>
+                          </p:cTn>
+                        </p:par>
+                      </p:childTnLst>
+                    </p:cTn>
+                  </p:par>
+                  <p:par>
+                    <p:cTn id="15" fill="hold">
+                      <p:stCondLst>
+                        <p:cond delay="indefinite"/>
+                      </p:stCondLst>
+                      <p:childTnLst>
+                        <p:par>
+                          <p:cTn id="16" fill="hold">
+                            <p:stCondLst>
+                              <p:cond delay="0"/>
+                            </p:stCondLst>
+                            <p:childTnLst>
+                              <p:par>
+                                <p:cTn id="17" presetID="2" presetClass="entr" presetSubtype="4" fill="hold" nodeType="clickEffect">
+                                  <p:stCondLst>
+                                    <p:cond delay="0"/>
+                                  </p:stCondLst>
+                                  <p:childTnLst>
+                                    <p:set>
+                                      <p:cBhvr>
+                                        <p:cTn id="18" dur="1" fill="hold">
+                                          <p:stCondLst>
+                                            <p:cond delay="0"/>
+                                          </p:stCondLst>
+                                        </p:cTn>
+                                        <p:tgtEl>
+                                          <p:spTgt spid="3">
+                                            <p:txEl>
+                                              <p:pRg st="2" end="2"/>
+                                            </p:txEl>
+                                          </p:spTgt>
+                                        </p:tgtEl>
+                                        <p:attrNameLst>
+                                          <p:attrName>style.visibility</p:attrName>
+                                        </p:attrNameLst>
+                                      </p:cBhvr>
+                                      <p:to>
+                                        <p:strVal val="visible"/>
+                                      </p:to>
+                                    </p:set>
+                                    <p:anim calcmode="lin" valueType="num">
+                                      <p:cBhvr additive="base">
+                                        <p:cTn id="19" dur="500" fill="hold"/>
+                                        <p:tgtEl>
+                                          <p:spTgt spid="3">
+                                            <p:txEl>
+                                              <p:pRg st="2" end="2"/>
+                                            </p:txEl>
+                                          </p:spTgt>
+                                        </p:tgtEl>
+                                        <p:attrNameLst>
+                                          <p:attrName>ppt_x</p:attrName>
+                                        </p:attrNameLst>
+                                      </p:cBhvr>
+                                      <p:tavLst>
+                                        <p:tav tm="0">
+                                          <p:val>
+                                            <p:strVal val="#ppt_x"/>
+                                          </p:val>
+                                        </p:tav>
+                                        <p:tav tm="100000">
+                                          <p:val>
+                                            <p:strVal val="#ppt_x"/>
+                                          </p:val>
+                                        </p:tav>
+                                      </p:tavLst>
+                                    </p:anim>
+                                    <p:anim calcmode="lin" valueType="num">
+                                      <p:cBhvr additive="base">
+                                        <p:cTn id="20" dur="500" fill="hold"/>
+                                        <p:tgtEl>
+                                          <p:spTgt spid="3">
+                                            <p:txEl>
+                                              <p:pRg st="2" end="2"/>
+                                            </p:txEl>
+                                          </p:spTgt>
+                                        </p:tgtEl>
+                                        <p:attrNameLst>
+                                          <p:attrName>ppt_y</p:attrName>
+                                        </p:attrNameLst>
+                                      </p:cBhvr>
+                                      <p:tavLst>
+                                        <p:tav tm="0">
+                                          <p:val>
+                                            <p:strVal val="1+#ppt_h/2"/>
+                                          </p:val>
+                                        </p:tav>
+                                        <p:tav tm="100000">
+                                          <p:val>
+                                            <p:strVal val="#ppt_y"/>
+                                          </p:val>
+                                        </p:tav>
+                                      </p:tavLst>
+                                    </p:anim>
+                                  </p:childTnLst>
+                                </p:cTn>
+                              </p:par>
+                            </p:childTnLst>
+                          </p:cTn>
+                        </p:par>
+                      </p:childTnLst>
+                    </p:cTn>
+                  </p:par>
+                </p:childTnLst>
+              </p:cTn>
+              <p:prevCondLst>
+                <p:cond evt="onPrev" delay="0">
+                  <p:tgtEl>
+                    <p:sldTgt/>
+                  </p:tgtEl>
+                </p:cond>
+              </p:prevCondLst>
+              <p:nextCondLst>
+                <p:cond evt="onNext" delay="0">
+                  <p:tgtEl>
+                    <p:sldTgt/>
+                  </p:tgtEl>
+                </p:cond>
+              </p:nextCondLst>
+            </p:seq>
+          </p:childTnLst>
+        </p:cTn>
+      </p:par>
+    </p:tnLst>
+  </p:timing>
 </p:sld>
 </file>
 
@@ -23363,8 +28465,8 @@
           </a:p>
         </p:txBody>
       </p:sp>
-      <mc:AlternateContent xmlns:mc="http://schemas.openxmlformats.org/markup-compatibility/2006">
-        <mc:Choice xmlns:a14="http://schemas.microsoft.com/office/drawing/2010/main" Requires="a14">
+      <mc:AlternateContent xmlns:mc="http://schemas.openxmlformats.org/markup-compatibility/2006" xmlns:a14="http://schemas.microsoft.com/office/drawing/2010/main">
+        <mc:Choice Requires="a14">
           <p:sp>
             <p:nvSpPr>
               <p:cNvPr id="3" name="Content Placeholder 2">
@@ -23802,7 +28904,7 @@
             </p:txBody>
           </p:sp>
         </mc:Choice>
-        <mc:Fallback>
+        <mc:Fallback xmlns="">
           <p:sp>
             <p:nvSpPr>
               <p:cNvPr id="3" name="Content Placeholder 2">
@@ -23916,6 +29018,242 @@
   <p:clrMapOvr>
     <a:masterClrMapping/>
   </p:clrMapOvr>
+  <p:timing>
+    <p:tnLst>
+      <p:par>
+        <p:cTn id="1" dur="indefinite" restart="never" nodeType="tmRoot">
+          <p:childTnLst>
+            <p:seq concurrent="1" nextAc="seek">
+              <p:cTn id="2" dur="indefinite" nodeType="mainSeq">
+                <p:childTnLst>
+                  <p:par>
+                    <p:cTn id="3" fill="hold">
+                      <p:stCondLst>
+                        <p:cond delay="indefinite"/>
+                      </p:stCondLst>
+                      <p:childTnLst>
+                        <p:par>
+                          <p:cTn id="4" fill="hold">
+                            <p:stCondLst>
+                              <p:cond delay="0"/>
+                            </p:stCondLst>
+                            <p:childTnLst>
+                              <p:par>
+                                <p:cTn id="5" presetID="2" presetClass="entr" presetSubtype="4" fill="hold" nodeType="clickEffect">
+                                  <p:stCondLst>
+                                    <p:cond delay="0"/>
+                                  </p:stCondLst>
+                                  <p:childTnLst>
+                                    <p:set>
+                                      <p:cBhvr>
+                                        <p:cTn id="6" dur="1" fill="hold">
+                                          <p:stCondLst>
+                                            <p:cond delay="0"/>
+                                          </p:stCondLst>
+                                        </p:cTn>
+                                        <p:tgtEl>
+                                          <p:spTgt spid="3">
+                                            <p:txEl>
+                                              <p:pRg st="0" end="0"/>
+                                            </p:txEl>
+                                          </p:spTgt>
+                                        </p:tgtEl>
+                                        <p:attrNameLst>
+                                          <p:attrName>style.visibility</p:attrName>
+                                        </p:attrNameLst>
+                                      </p:cBhvr>
+                                      <p:to>
+                                        <p:strVal val="visible"/>
+                                      </p:to>
+                                    </p:set>
+                                    <p:anim calcmode="lin" valueType="num">
+                                      <p:cBhvr additive="base">
+                                        <p:cTn id="7" dur="500" fill="hold"/>
+                                        <p:tgtEl>
+                                          <p:spTgt spid="3">
+                                            <p:txEl>
+                                              <p:pRg st="0" end="0"/>
+                                            </p:txEl>
+                                          </p:spTgt>
+                                        </p:tgtEl>
+                                        <p:attrNameLst>
+                                          <p:attrName>ppt_x</p:attrName>
+                                        </p:attrNameLst>
+                                      </p:cBhvr>
+                                      <p:tavLst>
+                                        <p:tav tm="0">
+                                          <p:val>
+                                            <p:strVal val="#ppt_x"/>
+                                          </p:val>
+                                        </p:tav>
+                                        <p:tav tm="100000">
+                                          <p:val>
+                                            <p:strVal val="#ppt_x"/>
+                                          </p:val>
+                                        </p:tav>
+                                      </p:tavLst>
+                                    </p:anim>
+                                    <p:anim calcmode="lin" valueType="num">
+                                      <p:cBhvr additive="base">
+                                        <p:cTn id="8" dur="500" fill="hold"/>
+                                        <p:tgtEl>
+                                          <p:spTgt spid="3">
+                                            <p:txEl>
+                                              <p:pRg st="0" end="0"/>
+                                            </p:txEl>
+                                          </p:spTgt>
+                                        </p:tgtEl>
+                                        <p:attrNameLst>
+                                          <p:attrName>ppt_y</p:attrName>
+                                        </p:attrNameLst>
+                                      </p:cBhvr>
+                                      <p:tavLst>
+                                        <p:tav tm="0">
+                                          <p:val>
+                                            <p:strVal val="1+#ppt_h/2"/>
+                                          </p:val>
+                                        </p:tav>
+                                        <p:tav tm="100000">
+                                          <p:val>
+                                            <p:strVal val="#ppt_y"/>
+                                          </p:val>
+                                        </p:tav>
+                                      </p:tavLst>
+                                    </p:anim>
+                                  </p:childTnLst>
+                                </p:cTn>
+                              </p:par>
+                            </p:childTnLst>
+                          </p:cTn>
+                        </p:par>
+                      </p:childTnLst>
+                    </p:cTn>
+                  </p:par>
+                  <p:par>
+                    <p:cTn id="9" fill="hold">
+                      <p:stCondLst>
+                        <p:cond delay="indefinite"/>
+                      </p:stCondLst>
+                      <p:childTnLst>
+                        <p:par>
+                          <p:cTn id="10" fill="hold">
+                            <p:stCondLst>
+                              <p:cond delay="0"/>
+                            </p:stCondLst>
+                            <p:childTnLst>
+                              <p:par>
+                                <p:cTn id="11" presetID="2" presetClass="entr" presetSubtype="4" fill="hold" nodeType="clickEffect">
+                                  <p:stCondLst>
+                                    <p:cond delay="0"/>
+                                  </p:stCondLst>
+                                  <p:childTnLst>
+                                    <p:set>
+                                      <p:cBhvr>
+                                        <p:cTn id="12" dur="1" fill="hold">
+                                          <p:stCondLst>
+                                            <p:cond delay="0"/>
+                                          </p:stCondLst>
+                                        </p:cTn>
+                                        <p:tgtEl>
+                                          <p:spTgt spid="3">
+                                            <p:txEl>
+                                              <p:pRg st="1" end="1"/>
+                                            </p:txEl>
+                                          </p:spTgt>
+                                        </p:tgtEl>
+                                        <p:attrNameLst>
+                                          <p:attrName>style.visibility</p:attrName>
+                                        </p:attrNameLst>
+                                      </p:cBhvr>
+                                      <p:to>
+                                        <p:strVal val="visible"/>
+                                      </p:to>
+                                    </p:set>
+                                    <p:anim calcmode="lin" valueType="num">
+                                      <p:cBhvr additive="base">
+                                        <p:cTn id="13" dur="500" fill="hold"/>
+                                        <p:tgtEl>
+                                          <p:spTgt spid="3">
+                                            <p:txEl>
+                                              <p:pRg st="1" end="1"/>
+                                            </p:txEl>
+                                          </p:spTgt>
+                                        </p:tgtEl>
+                                        <p:attrNameLst>
+                                          <p:attrName>ppt_x</p:attrName>
+                                        </p:attrNameLst>
+                                      </p:cBhvr>
+                                      <p:tavLst>
+                                        <p:tav tm="0">
+                                          <p:val>
+                                            <p:strVal val="#ppt_x"/>
+                                          </p:val>
+                                        </p:tav>
+                                        <p:tav tm="100000">
+                                          <p:val>
+                                            <p:strVal val="#ppt_x"/>
+                                          </p:val>
+                                        </p:tav>
+                                      </p:tavLst>
+                                    </p:anim>
+                                    <p:anim calcmode="lin" valueType="num">
+                                      <p:cBhvr additive="base">
+                                        <p:cTn id="14" dur="500" fill="hold"/>
+                                        <p:tgtEl>
+                                          <p:spTgt spid="3">
+                                            <p:txEl>
+                                              <p:pRg st="1" end="1"/>
+                                            </p:txEl>
+                                          </p:spTgt>
+                                        </p:tgtEl>
+                                        <p:attrNameLst>
+                                          <p:attrName>ppt_y</p:attrName>
+                                        </p:attrNameLst>
+                                      </p:cBhvr>
+                                      <p:tavLst>
+                                        <p:tav tm="0">
+                                          <p:val>
+                                            <p:strVal val="1+#ppt_h/2"/>
+                                          </p:val>
+                                        </p:tav>
+                                        <p:tav tm="100000">
+                                          <p:val>
+                                            <p:strVal val="#ppt_y"/>
+                                          </p:val>
+                                        </p:tav>
+                                      </p:tavLst>
+                                    </p:anim>
+                                  </p:childTnLst>
+                                </p:cTn>
+                              </p:par>
+                            </p:childTnLst>
+                          </p:cTn>
+                        </p:par>
+                      </p:childTnLst>
+                    </p:cTn>
+                  </p:par>
+                </p:childTnLst>
+              </p:cTn>
+              <p:prevCondLst>
+                <p:cond evt="onPrev" delay="0">
+                  <p:tgtEl>
+                    <p:sldTgt/>
+                  </p:tgtEl>
+                </p:cond>
+              </p:prevCondLst>
+              <p:nextCondLst>
+                <p:cond evt="onNext" delay="0">
+                  <p:tgtEl>
+                    <p:sldTgt/>
+                  </p:tgtEl>
+                </p:cond>
+              </p:nextCondLst>
+            </p:seq>
+          </p:childTnLst>
+        </p:cTn>
+      </p:par>
+    </p:tnLst>
+  </p:timing>
 </p:sld>
 </file>
 
@@ -23964,8 +29302,8 @@
           </a:p>
         </p:txBody>
       </p:sp>
-      <mc:AlternateContent xmlns:mc="http://schemas.openxmlformats.org/markup-compatibility/2006">
-        <mc:Choice xmlns:a14="http://schemas.microsoft.com/office/drawing/2010/main" Requires="a14">
+      <mc:AlternateContent xmlns:mc="http://schemas.openxmlformats.org/markup-compatibility/2006" xmlns:a14="http://schemas.microsoft.com/office/drawing/2010/main">
+        <mc:Choice Requires="a14">
           <p:sp>
             <p:nvSpPr>
               <p:cNvPr id="3" name="Content Placeholder 2">
@@ -24486,7 +29824,7 @@
             </p:txBody>
           </p:sp>
         </mc:Choice>
-        <mc:Fallback>
+        <mc:Fallback xmlns="">
           <p:sp>
             <p:nvSpPr>
               <p:cNvPr id="3" name="Content Placeholder 2">
@@ -24600,6 +29938,242 @@
   <p:clrMapOvr>
     <a:masterClrMapping/>
   </p:clrMapOvr>
+  <p:timing>
+    <p:tnLst>
+      <p:par>
+        <p:cTn id="1" dur="indefinite" restart="never" nodeType="tmRoot">
+          <p:childTnLst>
+            <p:seq concurrent="1" nextAc="seek">
+              <p:cTn id="2" dur="indefinite" nodeType="mainSeq">
+                <p:childTnLst>
+                  <p:par>
+                    <p:cTn id="3" fill="hold">
+                      <p:stCondLst>
+                        <p:cond delay="indefinite"/>
+                      </p:stCondLst>
+                      <p:childTnLst>
+                        <p:par>
+                          <p:cTn id="4" fill="hold">
+                            <p:stCondLst>
+                              <p:cond delay="0"/>
+                            </p:stCondLst>
+                            <p:childTnLst>
+                              <p:par>
+                                <p:cTn id="5" presetID="2" presetClass="entr" presetSubtype="4" fill="hold" nodeType="clickEffect">
+                                  <p:stCondLst>
+                                    <p:cond delay="0"/>
+                                  </p:stCondLst>
+                                  <p:childTnLst>
+                                    <p:set>
+                                      <p:cBhvr>
+                                        <p:cTn id="6" dur="1" fill="hold">
+                                          <p:stCondLst>
+                                            <p:cond delay="0"/>
+                                          </p:stCondLst>
+                                        </p:cTn>
+                                        <p:tgtEl>
+                                          <p:spTgt spid="3">
+                                            <p:txEl>
+                                              <p:pRg st="0" end="0"/>
+                                            </p:txEl>
+                                          </p:spTgt>
+                                        </p:tgtEl>
+                                        <p:attrNameLst>
+                                          <p:attrName>style.visibility</p:attrName>
+                                        </p:attrNameLst>
+                                      </p:cBhvr>
+                                      <p:to>
+                                        <p:strVal val="visible"/>
+                                      </p:to>
+                                    </p:set>
+                                    <p:anim calcmode="lin" valueType="num">
+                                      <p:cBhvr additive="base">
+                                        <p:cTn id="7" dur="500" fill="hold"/>
+                                        <p:tgtEl>
+                                          <p:spTgt spid="3">
+                                            <p:txEl>
+                                              <p:pRg st="0" end="0"/>
+                                            </p:txEl>
+                                          </p:spTgt>
+                                        </p:tgtEl>
+                                        <p:attrNameLst>
+                                          <p:attrName>ppt_x</p:attrName>
+                                        </p:attrNameLst>
+                                      </p:cBhvr>
+                                      <p:tavLst>
+                                        <p:tav tm="0">
+                                          <p:val>
+                                            <p:strVal val="#ppt_x"/>
+                                          </p:val>
+                                        </p:tav>
+                                        <p:tav tm="100000">
+                                          <p:val>
+                                            <p:strVal val="#ppt_x"/>
+                                          </p:val>
+                                        </p:tav>
+                                      </p:tavLst>
+                                    </p:anim>
+                                    <p:anim calcmode="lin" valueType="num">
+                                      <p:cBhvr additive="base">
+                                        <p:cTn id="8" dur="500" fill="hold"/>
+                                        <p:tgtEl>
+                                          <p:spTgt spid="3">
+                                            <p:txEl>
+                                              <p:pRg st="0" end="0"/>
+                                            </p:txEl>
+                                          </p:spTgt>
+                                        </p:tgtEl>
+                                        <p:attrNameLst>
+                                          <p:attrName>ppt_y</p:attrName>
+                                        </p:attrNameLst>
+                                      </p:cBhvr>
+                                      <p:tavLst>
+                                        <p:tav tm="0">
+                                          <p:val>
+                                            <p:strVal val="1+#ppt_h/2"/>
+                                          </p:val>
+                                        </p:tav>
+                                        <p:tav tm="100000">
+                                          <p:val>
+                                            <p:strVal val="#ppt_y"/>
+                                          </p:val>
+                                        </p:tav>
+                                      </p:tavLst>
+                                    </p:anim>
+                                  </p:childTnLst>
+                                </p:cTn>
+                              </p:par>
+                            </p:childTnLst>
+                          </p:cTn>
+                        </p:par>
+                      </p:childTnLst>
+                    </p:cTn>
+                  </p:par>
+                  <p:par>
+                    <p:cTn id="9" fill="hold">
+                      <p:stCondLst>
+                        <p:cond delay="indefinite"/>
+                      </p:stCondLst>
+                      <p:childTnLst>
+                        <p:par>
+                          <p:cTn id="10" fill="hold">
+                            <p:stCondLst>
+                              <p:cond delay="0"/>
+                            </p:stCondLst>
+                            <p:childTnLst>
+                              <p:par>
+                                <p:cTn id="11" presetID="2" presetClass="entr" presetSubtype="4" fill="hold" nodeType="clickEffect">
+                                  <p:stCondLst>
+                                    <p:cond delay="0"/>
+                                  </p:stCondLst>
+                                  <p:childTnLst>
+                                    <p:set>
+                                      <p:cBhvr>
+                                        <p:cTn id="12" dur="1" fill="hold">
+                                          <p:stCondLst>
+                                            <p:cond delay="0"/>
+                                          </p:stCondLst>
+                                        </p:cTn>
+                                        <p:tgtEl>
+                                          <p:spTgt spid="3">
+                                            <p:txEl>
+                                              <p:pRg st="1" end="1"/>
+                                            </p:txEl>
+                                          </p:spTgt>
+                                        </p:tgtEl>
+                                        <p:attrNameLst>
+                                          <p:attrName>style.visibility</p:attrName>
+                                        </p:attrNameLst>
+                                      </p:cBhvr>
+                                      <p:to>
+                                        <p:strVal val="visible"/>
+                                      </p:to>
+                                    </p:set>
+                                    <p:anim calcmode="lin" valueType="num">
+                                      <p:cBhvr additive="base">
+                                        <p:cTn id="13" dur="500" fill="hold"/>
+                                        <p:tgtEl>
+                                          <p:spTgt spid="3">
+                                            <p:txEl>
+                                              <p:pRg st="1" end="1"/>
+                                            </p:txEl>
+                                          </p:spTgt>
+                                        </p:tgtEl>
+                                        <p:attrNameLst>
+                                          <p:attrName>ppt_x</p:attrName>
+                                        </p:attrNameLst>
+                                      </p:cBhvr>
+                                      <p:tavLst>
+                                        <p:tav tm="0">
+                                          <p:val>
+                                            <p:strVal val="#ppt_x"/>
+                                          </p:val>
+                                        </p:tav>
+                                        <p:tav tm="100000">
+                                          <p:val>
+                                            <p:strVal val="#ppt_x"/>
+                                          </p:val>
+                                        </p:tav>
+                                      </p:tavLst>
+                                    </p:anim>
+                                    <p:anim calcmode="lin" valueType="num">
+                                      <p:cBhvr additive="base">
+                                        <p:cTn id="14" dur="500" fill="hold"/>
+                                        <p:tgtEl>
+                                          <p:spTgt spid="3">
+                                            <p:txEl>
+                                              <p:pRg st="1" end="1"/>
+                                            </p:txEl>
+                                          </p:spTgt>
+                                        </p:tgtEl>
+                                        <p:attrNameLst>
+                                          <p:attrName>ppt_y</p:attrName>
+                                        </p:attrNameLst>
+                                      </p:cBhvr>
+                                      <p:tavLst>
+                                        <p:tav tm="0">
+                                          <p:val>
+                                            <p:strVal val="1+#ppt_h/2"/>
+                                          </p:val>
+                                        </p:tav>
+                                        <p:tav tm="100000">
+                                          <p:val>
+                                            <p:strVal val="#ppt_y"/>
+                                          </p:val>
+                                        </p:tav>
+                                      </p:tavLst>
+                                    </p:anim>
+                                  </p:childTnLst>
+                                </p:cTn>
+                              </p:par>
+                            </p:childTnLst>
+                          </p:cTn>
+                        </p:par>
+                      </p:childTnLst>
+                    </p:cTn>
+                  </p:par>
+                </p:childTnLst>
+              </p:cTn>
+              <p:prevCondLst>
+                <p:cond evt="onPrev" delay="0">
+                  <p:tgtEl>
+                    <p:sldTgt/>
+                  </p:tgtEl>
+                </p:cond>
+              </p:prevCondLst>
+              <p:nextCondLst>
+                <p:cond evt="onNext" delay="0">
+                  <p:tgtEl>
+                    <p:sldTgt/>
+                  </p:tgtEl>
+                </p:cond>
+              </p:nextCondLst>
+            </p:seq>
+          </p:childTnLst>
+        </p:cTn>
+      </p:par>
+    </p:tnLst>
+  </p:timing>
 </p:sld>
 </file>
 
@@ -24762,6 +30336,345 @@
   <p:clrMapOvr>
     <a:masterClrMapping/>
   </p:clrMapOvr>
+  <p:timing>
+    <p:tnLst>
+      <p:par>
+        <p:cTn id="1" dur="indefinite" restart="never" nodeType="tmRoot">
+          <p:childTnLst>
+            <p:seq concurrent="1" nextAc="seek">
+              <p:cTn id="2" dur="indefinite" nodeType="mainSeq">
+                <p:childTnLst>
+                  <p:par>
+                    <p:cTn id="3" fill="hold">
+                      <p:stCondLst>
+                        <p:cond delay="indefinite"/>
+                      </p:stCondLst>
+                      <p:childTnLst>
+                        <p:par>
+                          <p:cTn id="4" fill="hold">
+                            <p:stCondLst>
+                              <p:cond delay="0"/>
+                            </p:stCondLst>
+                            <p:childTnLst>
+                              <p:par>
+                                <p:cTn id="5" presetID="2" presetClass="entr" presetSubtype="4" fill="hold" nodeType="clickEffect">
+                                  <p:stCondLst>
+                                    <p:cond delay="0"/>
+                                  </p:stCondLst>
+                                  <p:childTnLst>
+                                    <p:set>
+                                      <p:cBhvr>
+                                        <p:cTn id="6" dur="1" fill="hold">
+                                          <p:stCondLst>
+                                            <p:cond delay="0"/>
+                                          </p:stCondLst>
+                                        </p:cTn>
+                                        <p:tgtEl>
+                                          <p:spTgt spid="3">
+                                            <p:txEl>
+                                              <p:pRg st="0" end="0"/>
+                                            </p:txEl>
+                                          </p:spTgt>
+                                        </p:tgtEl>
+                                        <p:attrNameLst>
+                                          <p:attrName>style.visibility</p:attrName>
+                                        </p:attrNameLst>
+                                      </p:cBhvr>
+                                      <p:to>
+                                        <p:strVal val="visible"/>
+                                      </p:to>
+                                    </p:set>
+                                    <p:anim calcmode="lin" valueType="num">
+                                      <p:cBhvr additive="base">
+                                        <p:cTn id="7" dur="500" fill="hold"/>
+                                        <p:tgtEl>
+                                          <p:spTgt spid="3">
+                                            <p:txEl>
+                                              <p:pRg st="0" end="0"/>
+                                            </p:txEl>
+                                          </p:spTgt>
+                                        </p:tgtEl>
+                                        <p:attrNameLst>
+                                          <p:attrName>ppt_x</p:attrName>
+                                        </p:attrNameLst>
+                                      </p:cBhvr>
+                                      <p:tavLst>
+                                        <p:tav tm="0">
+                                          <p:val>
+                                            <p:strVal val="#ppt_x"/>
+                                          </p:val>
+                                        </p:tav>
+                                        <p:tav tm="100000">
+                                          <p:val>
+                                            <p:strVal val="#ppt_x"/>
+                                          </p:val>
+                                        </p:tav>
+                                      </p:tavLst>
+                                    </p:anim>
+                                    <p:anim calcmode="lin" valueType="num">
+                                      <p:cBhvr additive="base">
+                                        <p:cTn id="8" dur="500" fill="hold"/>
+                                        <p:tgtEl>
+                                          <p:spTgt spid="3">
+                                            <p:txEl>
+                                              <p:pRg st="0" end="0"/>
+                                            </p:txEl>
+                                          </p:spTgt>
+                                        </p:tgtEl>
+                                        <p:attrNameLst>
+                                          <p:attrName>ppt_y</p:attrName>
+                                        </p:attrNameLst>
+                                      </p:cBhvr>
+                                      <p:tavLst>
+                                        <p:tav tm="0">
+                                          <p:val>
+                                            <p:strVal val="1+#ppt_h/2"/>
+                                          </p:val>
+                                        </p:tav>
+                                        <p:tav tm="100000">
+                                          <p:val>
+                                            <p:strVal val="#ppt_y"/>
+                                          </p:val>
+                                        </p:tav>
+                                      </p:tavLst>
+                                    </p:anim>
+                                  </p:childTnLst>
+                                </p:cTn>
+                              </p:par>
+                            </p:childTnLst>
+                          </p:cTn>
+                        </p:par>
+                      </p:childTnLst>
+                    </p:cTn>
+                  </p:par>
+                  <p:par>
+                    <p:cTn id="9" fill="hold">
+                      <p:stCondLst>
+                        <p:cond delay="indefinite"/>
+                      </p:stCondLst>
+                      <p:childTnLst>
+                        <p:par>
+                          <p:cTn id="10" fill="hold">
+                            <p:stCondLst>
+                              <p:cond delay="0"/>
+                            </p:stCondLst>
+                            <p:childTnLst>
+                              <p:par>
+                                <p:cTn id="11" presetID="2" presetClass="entr" presetSubtype="4" fill="hold" nodeType="clickEffect">
+                                  <p:stCondLst>
+                                    <p:cond delay="0"/>
+                                  </p:stCondLst>
+                                  <p:childTnLst>
+                                    <p:set>
+                                      <p:cBhvr>
+                                        <p:cTn id="12" dur="1" fill="hold">
+                                          <p:stCondLst>
+                                            <p:cond delay="0"/>
+                                          </p:stCondLst>
+                                        </p:cTn>
+                                        <p:tgtEl>
+                                          <p:spTgt spid="3">
+                                            <p:txEl>
+                                              <p:pRg st="1" end="1"/>
+                                            </p:txEl>
+                                          </p:spTgt>
+                                        </p:tgtEl>
+                                        <p:attrNameLst>
+                                          <p:attrName>style.visibility</p:attrName>
+                                        </p:attrNameLst>
+                                      </p:cBhvr>
+                                      <p:to>
+                                        <p:strVal val="visible"/>
+                                      </p:to>
+                                    </p:set>
+                                    <p:anim calcmode="lin" valueType="num">
+                                      <p:cBhvr additive="base">
+                                        <p:cTn id="13" dur="500" fill="hold"/>
+                                        <p:tgtEl>
+                                          <p:spTgt spid="3">
+                                            <p:txEl>
+                                              <p:pRg st="1" end="1"/>
+                                            </p:txEl>
+                                          </p:spTgt>
+                                        </p:tgtEl>
+                                        <p:attrNameLst>
+                                          <p:attrName>ppt_x</p:attrName>
+                                        </p:attrNameLst>
+                                      </p:cBhvr>
+                                      <p:tavLst>
+                                        <p:tav tm="0">
+                                          <p:val>
+                                            <p:strVal val="#ppt_x"/>
+                                          </p:val>
+                                        </p:tav>
+                                        <p:tav tm="100000">
+                                          <p:val>
+                                            <p:strVal val="#ppt_x"/>
+                                          </p:val>
+                                        </p:tav>
+                                      </p:tavLst>
+                                    </p:anim>
+                                    <p:anim calcmode="lin" valueType="num">
+                                      <p:cBhvr additive="base">
+                                        <p:cTn id="14" dur="500" fill="hold"/>
+                                        <p:tgtEl>
+                                          <p:spTgt spid="3">
+                                            <p:txEl>
+                                              <p:pRg st="1" end="1"/>
+                                            </p:txEl>
+                                          </p:spTgt>
+                                        </p:tgtEl>
+                                        <p:attrNameLst>
+                                          <p:attrName>ppt_y</p:attrName>
+                                        </p:attrNameLst>
+                                      </p:cBhvr>
+                                      <p:tavLst>
+                                        <p:tav tm="0">
+                                          <p:val>
+                                            <p:strVal val="1+#ppt_h/2"/>
+                                          </p:val>
+                                        </p:tav>
+                                        <p:tav tm="100000">
+                                          <p:val>
+                                            <p:strVal val="#ppt_y"/>
+                                          </p:val>
+                                        </p:tav>
+                                      </p:tavLst>
+                                    </p:anim>
+                                  </p:childTnLst>
+                                </p:cTn>
+                              </p:par>
+                            </p:childTnLst>
+                          </p:cTn>
+                        </p:par>
+                      </p:childTnLst>
+                    </p:cTn>
+                  </p:par>
+                  <p:par>
+                    <p:cTn id="15" fill="hold">
+                      <p:stCondLst>
+                        <p:cond delay="indefinite"/>
+                      </p:stCondLst>
+                      <p:childTnLst>
+                        <p:par>
+                          <p:cTn id="16" fill="hold">
+                            <p:stCondLst>
+                              <p:cond delay="0"/>
+                            </p:stCondLst>
+                            <p:childTnLst>
+                              <p:par>
+                                <p:cTn id="17" presetID="2" presetClass="entr" presetSubtype="4" fill="hold" nodeType="clickEffect">
+                                  <p:stCondLst>
+                                    <p:cond delay="0"/>
+                                  </p:stCondLst>
+                                  <p:childTnLst>
+                                    <p:set>
+                                      <p:cBhvr>
+                                        <p:cTn id="18" dur="1" fill="hold">
+                                          <p:stCondLst>
+                                            <p:cond delay="0"/>
+                                          </p:stCondLst>
+                                        </p:cTn>
+                                        <p:tgtEl>
+                                          <p:spTgt spid="3">
+                                            <p:txEl>
+                                              <p:pRg st="2" end="2"/>
+                                            </p:txEl>
+                                          </p:spTgt>
+                                        </p:tgtEl>
+                                        <p:attrNameLst>
+                                          <p:attrName>style.visibility</p:attrName>
+                                        </p:attrNameLst>
+                                      </p:cBhvr>
+                                      <p:to>
+                                        <p:strVal val="visible"/>
+                                      </p:to>
+                                    </p:set>
+                                    <p:anim calcmode="lin" valueType="num">
+                                      <p:cBhvr additive="base">
+                                        <p:cTn id="19" dur="500" fill="hold"/>
+                                        <p:tgtEl>
+                                          <p:spTgt spid="3">
+                                            <p:txEl>
+                                              <p:pRg st="2" end="2"/>
+                                            </p:txEl>
+                                          </p:spTgt>
+                                        </p:tgtEl>
+                                        <p:attrNameLst>
+                                          <p:attrName>ppt_x</p:attrName>
+                                        </p:attrNameLst>
+                                      </p:cBhvr>
+                                      <p:tavLst>
+                                        <p:tav tm="0">
+                                          <p:val>
+                                            <p:strVal val="#ppt_x"/>
+                                          </p:val>
+                                        </p:tav>
+                                        <p:tav tm="100000">
+                                          <p:val>
+                                            <p:strVal val="#ppt_x"/>
+                                          </p:val>
+                                        </p:tav>
+                                      </p:tavLst>
+                                    </p:anim>
+                                    <p:anim calcmode="lin" valueType="num">
+                                      <p:cBhvr additive="base">
+                                        <p:cTn id="20" dur="500" fill="hold"/>
+                                        <p:tgtEl>
+                                          <p:spTgt spid="3">
+                                            <p:txEl>
+                                              <p:pRg st="2" end="2"/>
+                                            </p:txEl>
+                                          </p:spTgt>
+                                        </p:tgtEl>
+                                        <p:attrNameLst>
+                                          <p:attrName>ppt_y</p:attrName>
+                                        </p:attrNameLst>
+                                      </p:cBhvr>
+                                      <p:tavLst>
+                                        <p:tav tm="0">
+                                          <p:val>
+                                            <p:strVal val="1+#ppt_h/2"/>
+                                          </p:val>
+                                        </p:tav>
+                                        <p:tav tm="100000">
+                                          <p:val>
+                                            <p:strVal val="#ppt_y"/>
+                                          </p:val>
+                                        </p:tav>
+                                      </p:tavLst>
+                                    </p:anim>
+                                  </p:childTnLst>
+                                </p:cTn>
+                              </p:par>
+                            </p:childTnLst>
+                          </p:cTn>
+                        </p:par>
+                      </p:childTnLst>
+                    </p:cTn>
+                  </p:par>
+                </p:childTnLst>
+              </p:cTn>
+              <p:prevCondLst>
+                <p:cond evt="onPrev" delay="0">
+                  <p:tgtEl>
+                    <p:sldTgt/>
+                  </p:tgtEl>
+                </p:cond>
+              </p:prevCondLst>
+              <p:nextCondLst>
+                <p:cond evt="onNext" delay="0">
+                  <p:tgtEl>
+                    <p:sldTgt/>
+                  </p:tgtEl>
+                </p:cond>
+              </p:nextCondLst>
+            </p:seq>
+          </p:childTnLst>
+        </p:cTn>
+      </p:par>
+    </p:tnLst>
+  </p:timing>
 </p:sld>
 </file>
 
